--- a/documentation/Präsentation.pptx
+++ b/documentation/Präsentation.pptx
@@ -9,9 +9,8 @@
     <p:sldId id="256" r:id="rId3"/>
     <p:sldId id="260" r:id="rId4"/>
     <p:sldId id="257" r:id="rId5"/>
-    <p:sldId id="261" r:id="rId6"/>
-    <p:sldId id="259" r:id="rId7"/>
-    <p:sldId id="258" r:id="rId8"/>
+    <p:sldId id="262" r:id="rId6"/>
+    <p:sldId id="261" r:id="rId7"/>
   </p:sldIdLst>
   <p:sldSz cx="9144000" cy="6858000" type="screen4x3"/>
   <p:notesSz cx="6784975" cy="9856788"/>
@@ -112,7 +111,7 @@
   </p:defaultTextStyle>
   <p:extLst>
     <p:ext uri="{EFAFB233-063F-42B5-8137-9DF3F51BA10A}">
-      <p15:sldGuideLst xmlns="" xmlns:p15="http://schemas.microsoft.com/office/powerpoint/2012/main">
+      <p15:sldGuideLst xmlns:p15="http://schemas.microsoft.com/office/powerpoint/2012/main" xmlns="">
         <p15:guide id="1" orient="horz" pos="2160" userDrawn="1">
           <p15:clr>
             <a:srgbClr val="A4A3A4"/>
@@ -180,7 +179,7 @@
     </p:spTree>
     <p:extLst>
       <p:ext uri="{BB962C8B-B14F-4D97-AF65-F5344CB8AC3E}">
-        <p14:creationId xmlns:p14="http://schemas.microsoft.com/office/powerpoint/2010/main" xmlns="" val="2538900022"/>
+        <p14:creationId xmlns="" xmlns:p14="http://schemas.microsoft.com/office/powerpoint/2010/main" val="2538900022"/>
       </p:ext>
     </p:extLst>
   </p:cSld>
@@ -196,7 +195,7 @@
   </p:timing>
   <p:extLst>
     <p:ext uri="{DCECCB84-F9BA-43D5-87BE-67443E8EF086}">
-      <p15:sldGuideLst xmlns="" xmlns:p15="http://schemas.microsoft.com/office/powerpoint/2012/main">
+      <p15:sldGuideLst xmlns:p15="http://schemas.microsoft.com/office/powerpoint/2012/main" xmlns="">
         <p15:guide id="1" orient="horz" pos="2160" userDrawn="1">
           <p15:clr>
             <a:srgbClr val="FBAE40"/>
@@ -233,7 +232,7 @@
     </p:spTree>
     <p:extLst>
       <p:ext uri="{BB962C8B-B14F-4D97-AF65-F5344CB8AC3E}">
-        <p14:creationId xmlns:p14="http://schemas.microsoft.com/office/powerpoint/2010/main" xmlns="" val="329657205"/>
+        <p14:creationId xmlns="" xmlns:p14="http://schemas.microsoft.com/office/powerpoint/2010/main" val="329657205"/>
       </p:ext>
     </p:extLst>
   </p:cSld>
@@ -284,7 +283,7 @@
           <a:blip r:embed="rId3" cstate="print">
             <a:extLst>
               <a:ext uri="{28A0092B-C50C-407E-A947-70E740481C1C}">
-                <a14:useLocalDpi xmlns:a14="http://schemas.microsoft.com/office/drawing/2010/main" xmlns="" val="0"/>
+                <a14:useLocalDpi xmlns="" xmlns:a14="http://schemas.microsoft.com/office/drawing/2010/main" val="0"/>
               </a:ext>
             </a:extLst>
           </a:blip>
@@ -314,7 +313,7 @@
           <a:blip r:embed="rId4">
             <a:extLst>
               <a:ext uri="{28A0092B-C50C-407E-A947-70E740481C1C}">
-                <a14:useLocalDpi xmlns:a14="http://schemas.microsoft.com/office/drawing/2010/main" xmlns="" val="0"/>
+                <a14:useLocalDpi xmlns="" xmlns:a14="http://schemas.microsoft.com/office/drawing/2010/main" val="0"/>
               </a:ext>
             </a:extLst>
           </a:blip>
@@ -381,7 +380,7 @@
     </p:spTree>
     <p:extLst>
       <p:ext uri="{BB962C8B-B14F-4D97-AF65-F5344CB8AC3E}">
-        <p14:creationId xmlns:p14="http://schemas.microsoft.com/office/powerpoint/2010/main" xmlns="" val="2247608262"/>
+        <p14:creationId xmlns="" xmlns:p14="http://schemas.microsoft.com/office/powerpoint/2010/main" val="2247608262"/>
       </p:ext>
     </p:extLst>
   </p:cSld>
@@ -759,7 +758,7 @@
           <a:blip r:embed="rId3">
             <a:extLst>
               <a:ext uri="{28A0092B-C50C-407E-A947-70E740481C1C}">
-                <a14:useLocalDpi xmlns:a14="http://schemas.microsoft.com/office/drawing/2010/main" xmlns="" val="0"/>
+                <a14:useLocalDpi xmlns="" xmlns:a14="http://schemas.microsoft.com/office/drawing/2010/main" val="0"/>
               </a:ext>
             </a:extLst>
           </a:blip>
@@ -789,7 +788,7 @@
           <a:blip r:embed="rId4" cstate="print">
             <a:extLst>
               <a:ext uri="{28A0092B-C50C-407E-A947-70E740481C1C}">
-                <a14:useLocalDpi xmlns:a14="http://schemas.microsoft.com/office/drawing/2010/main" xmlns="" val="0"/>
+                <a14:useLocalDpi xmlns="" xmlns:a14="http://schemas.microsoft.com/office/drawing/2010/main" val="0"/>
               </a:ext>
             </a:extLst>
           </a:blip>
@@ -810,7 +809,7 @@
     </p:spTree>
     <p:extLst>
       <p:ext uri="{BB962C8B-B14F-4D97-AF65-F5344CB8AC3E}">
-        <p14:creationId xmlns:p14="http://schemas.microsoft.com/office/powerpoint/2010/main" xmlns="" val="75792054"/>
+        <p14:creationId xmlns="" xmlns:p14="http://schemas.microsoft.com/office/powerpoint/2010/main" val="75792054"/>
       </p:ext>
     </p:extLst>
   </p:cSld>
@@ -1155,11 +1154,6 @@
               </a:rPr>
               <a:t>Praktikumsverwaltung</a:t>
             </a:r>
-            <a:endParaRPr lang="de-DE" sz="2800" b="1" dirty="0" smtClean="0">
-              <a:solidFill>
-                <a:schemeClr val="bg1"/>
-              </a:solidFill>
-            </a:endParaRPr>
           </a:p>
           <a:p>
             <a:endParaRPr lang="de-DE" dirty="0">
@@ -1198,11 +1192,6 @@
               </a:rPr>
               <a:t> &amp; Torsten Möller</a:t>
             </a:r>
-            <a:endParaRPr lang="de-DE" sz="2000" dirty="0" smtClean="0">
-              <a:solidFill>
-                <a:schemeClr val="bg1"/>
-              </a:solidFill>
-            </a:endParaRPr>
           </a:p>
           <a:p>
             <a:pPr>
@@ -1279,7 +1268,7 @@
     </p:spTree>
     <p:extLst>
       <p:ext uri="{BB962C8B-B14F-4D97-AF65-F5344CB8AC3E}">
-        <p14:creationId xmlns:p14="http://schemas.microsoft.com/office/powerpoint/2010/main" xmlns="" val="3736031991"/>
+        <p14:creationId xmlns="" xmlns:p14="http://schemas.microsoft.com/office/powerpoint/2010/main" val="3736031991"/>
       </p:ext>
     </p:extLst>
   </p:cSld>
@@ -1348,7 +1337,95 @@
               </a:rPr>
               <a:t>Benutzte Werkzeuge</a:t>
             </a:r>
-            <a:endParaRPr lang="de-DE" sz="2800" b="1" dirty="0" smtClean="0">
+          </a:p>
+          <a:p>
+            <a:pPr marL="288000" indent="-288000">
+              <a:lnSpc>
+                <a:spcPct val="140000"/>
+              </a:lnSpc>
+              <a:buClr>
+                <a:srgbClr val="001F47"/>
+              </a:buClr>
+              <a:buSzPct val="100000"/>
+              <a:buFont typeface="Wingdings" panose="05000000000000000000" pitchFamily="2" charset="2"/>
+              <a:buChar char=""/>
+              <a:tabLst>
+                <a:tab pos="288000" algn="l"/>
+              </a:tabLst>
+            </a:pPr>
+            <a:r>
+              <a:rPr lang="de-DE" sz="2000" dirty="0" smtClean="0">
+                <a:solidFill>
+                  <a:srgbClr val="001F47"/>
+                </a:solidFill>
+              </a:rPr>
+              <a:t>Composer (PHP Paketmanager / </a:t>
+            </a:r>
+            <a:r>
+              <a:rPr lang="de-DE" sz="2000" dirty="0" err="1" smtClean="0">
+                <a:solidFill>
+                  <a:srgbClr val="001F47"/>
+                </a:solidFill>
+              </a:rPr>
+              <a:t>Classloader</a:t>
+            </a:r>
+            <a:r>
+              <a:rPr lang="de-DE" sz="2000" dirty="0" smtClean="0">
+                <a:solidFill>
+                  <a:srgbClr val="001F47"/>
+                </a:solidFill>
+              </a:rPr>
+              <a:t>)</a:t>
+            </a:r>
+          </a:p>
+          <a:p>
+            <a:pPr marL="288000" indent="-288000">
+              <a:lnSpc>
+                <a:spcPct val="140000"/>
+              </a:lnSpc>
+              <a:buClr>
+                <a:srgbClr val="001F47"/>
+              </a:buClr>
+              <a:buSzPct val="100000"/>
+              <a:buFont typeface="Wingdings" panose="05000000000000000000" pitchFamily="2" charset="2"/>
+              <a:buChar char=""/>
+              <a:tabLst>
+                <a:tab pos="288000" algn="l"/>
+              </a:tabLst>
+            </a:pPr>
+            <a:r>
+              <a:rPr lang="de-DE" sz="2000" dirty="0" err="1" smtClean="0">
+                <a:solidFill>
+                  <a:srgbClr val="001F47"/>
+                </a:solidFill>
+              </a:rPr>
+              <a:t>Laravel</a:t>
+            </a:r>
+            <a:r>
+              <a:rPr lang="de-DE" sz="2000" dirty="0" smtClean="0">
+                <a:solidFill>
+                  <a:srgbClr val="001F47"/>
+                </a:solidFill>
+              </a:rPr>
+              <a:t> 5.6 </a:t>
+            </a:r>
+            <a:r>
+              <a:rPr lang="de-DE" sz="2000" dirty="0" smtClean="0">
+                <a:solidFill>
+                  <a:srgbClr val="001F47"/>
+                </a:solidFill>
+              </a:rPr>
+              <a:t>(</a:t>
+            </a:r>
+            <a:r>
+              <a:rPr lang="de-DE" sz="2000" dirty="0" smtClean="0">
+                <a:solidFill>
+                  <a:srgbClr val="001F47"/>
+                </a:solidFill>
+              </a:rPr>
+              <a:t>PHP / MVC-Framework)</a:t>
+            </a:r>
+            <a:endParaRPr lang="de-DE" sz="2000" dirty="0" smtClean="0">
               <a:solidFill>
                 <a:srgbClr val="001F47"/>
               </a:solidFill>
@@ -1370,20 +1447,12 @@
               </a:tabLst>
             </a:pPr>
             <a:r>
-              <a:rPr lang="de-DE" sz="2000" dirty="0" err="1" smtClean="0">
+              <a:rPr lang="de-DE" sz="2000" dirty="0" smtClean="0">
                 <a:solidFill>
                   <a:srgbClr val="001F47"/>
                 </a:solidFill>
               </a:rPr>
-              <a:t>Laravel</a:t>
-            </a:r>
-            <a:r>
-              <a:rPr lang="de-DE" sz="2000" dirty="0" smtClean="0">
-                <a:solidFill>
-                  <a:srgbClr val="001F47"/>
-                </a:solidFill>
-              </a:rPr>
-              <a:t> (PHP/MVC-Framework)</a:t>
+              <a:t>PHP 7.2</a:t>
             </a:r>
           </a:p>
           <a:p>
@@ -1407,7 +1476,7 @@
                   <a:srgbClr val="001F47"/>
                 </a:solidFill>
               </a:rPr>
-              <a:t>Bootstrap</a:t>
+              <a:t>Bootstrap 4.1 (CSS Framework) </a:t>
             </a:r>
             <a:endParaRPr lang="de-DE" sz="2000" dirty="0" smtClean="0">
               <a:solidFill>
@@ -1554,7 +1623,7 @@
                   <a:srgbClr val="001F47"/>
                 </a:solidFill>
               </a:rPr>
-              <a:t>, Ausrichtung rechts, Zeilenabstand einfach, Schriftfarbe: RGB 0/31/71</a:t>
+              <a:t>, </a:t>
             </a:r>
             <a:endParaRPr lang="de-DE" sz="1000" dirty="0">
               <a:solidFill>
@@ -1567,7 +1636,7 @@
     </p:spTree>
     <p:extLst>
       <p:ext uri="{BB962C8B-B14F-4D97-AF65-F5344CB8AC3E}">
-        <p14:creationId xmlns:p14="http://schemas.microsoft.com/office/powerpoint/2010/main" xmlns="" val="2040157117"/>
+        <p14:creationId xmlns="" xmlns:p14="http://schemas.microsoft.com/office/powerpoint/2010/main" val="2040157117"/>
       </p:ext>
     </p:extLst>
   </p:cSld>
@@ -1642,120 +1711,36 @@
               </a:solidFill>
             </a:endParaRPr>
           </a:p>
-          <a:p>
-            <a:pPr marL="288000" indent="-288000">
-              <a:lnSpc>
-                <a:spcPct val="140000"/>
-              </a:lnSpc>
-              <a:buClr>
-                <a:srgbClr val="001F47"/>
-              </a:buClr>
-              <a:buSzPct val="100000"/>
-              <a:buFont typeface="Wingdings" panose="05000000000000000000" pitchFamily="2" charset="2"/>
-              <a:buChar char=""/>
-              <a:tabLst>
-                <a:tab pos="288000" algn="l"/>
-              </a:tabLst>
-            </a:pPr>
-            <a:r>
-              <a:rPr lang="de-DE" sz="2000" dirty="0" err="1" smtClean="0">
-                <a:solidFill>
-                  <a:srgbClr val="001F47"/>
-                </a:solidFill>
-              </a:rPr>
-              <a:t>Todo</a:t>
-            </a:r>
-            <a:r>
-              <a:rPr lang="de-DE" sz="2000" dirty="0" smtClean="0">
-                <a:solidFill>
-                  <a:srgbClr val="001F47"/>
-                </a:solidFill>
-              </a:rPr>
-              <a:t>: </a:t>
-            </a:r>
-            <a:r>
-              <a:rPr lang="de-DE" sz="2000" dirty="0" err="1" smtClean="0">
-                <a:solidFill>
-                  <a:srgbClr val="001F47"/>
-                </a:solidFill>
-              </a:rPr>
-              <a:t>bild</a:t>
-            </a:r>
-            <a:r>
-              <a:rPr lang="de-DE" sz="2000" dirty="0" smtClean="0">
-                <a:solidFill>
-                  <a:srgbClr val="001F47"/>
-                </a:solidFill>
-              </a:rPr>
-              <a:t> einfügen</a:t>
-            </a:r>
-            <a:endParaRPr lang="de-DE" sz="2000" dirty="0" smtClean="0">
-              <a:solidFill>
-                <a:srgbClr val="001F47"/>
-              </a:solidFill>
-            </a:endParaRPr>
-          </a:p>
         </p:txBody>
       </p:sp>
-      <p:sp>
-        <p:nvSpPr>
-          <p:cNvPr id="5" name="Textfeld 4"/>
-          <p:cNvSpPr txBox="1"/>
+      <p:pic>
+        <p:nvPicPr>
+          <p:cNvPr id="6" name="Grafik 5" descr="ER-Modell.PNG"/>
+          <p:cNvPicPr>
+            <a:picLocks noChangeAspect="1"/>
+          </p:cNvPicPr>
           <p:nvPr/>
-        </p:nvSpPr>
+        </p:nvPicPr>
+        <p:blipFill>
+          <a:blip r:embed="rId2"/>
+          <a:stretch>
+            <a:fillRect/>
+          </a:stretch>
+        </p:blipFill>
         <p:spPr>
           <a:xfrm>
-            <a:off x="3802380" y="6433245"/>
-            <a:ext cx="5006340" cy="153888"/>
+            <a:off x="345121" y="2281954"/>
+            <a:ext cx="8418553" cy="3181865"/>
           </a:xfrm>
           <a:prstGeom prst="rect">
             <a:avLst/>
           </a:prstGeom>
-          <a:noFill/>
         </p:spPr>
-        <p:txBody>
-          <a:bodyPr wrap="square" lIns="0" tIns="0" rIns="0" bIns="0" rtlCol="0">
-            <a:spAutoFit/>
-          </a:bodyPr>
-          <a:lstStyle/>
-          <a:p>
-            <a:pPr algn="r"/>
-            <a:r>
-              <a:rPr lang="de-DE" sz="1000" dirty="0" smtClean="0">
-                <a:solidFill>
-                  <a:srgbClr val="001F47"/>
-                </a:solidFill>
-              </a:rPr>
-              <a:t>Fußzeile Calibri 10 </a:t>
-            </a:r>
-            <a:r>
-              <a:rPr lang="de-DE" sz="1000" dirty="0" err="1" smtClean="0">
-                <a:solidFill>
-                  <a:srgbClr val="001F47"/>
-                </a:solidFill>
-              </a:rPr>
-              <a:t>pt</a:t>
-            </a:r>
-            <a:r>
-              <a:rPr lang="de-DE" sz="1000" dirty="0" smtClean="0">
-                <a:solidFill>
-                  <a:srgbClr val="001F47"/>
-                </a:solidFill>
-              </a:rPr>
-              <a:t>, Ausrichtung rechts, Zeilenabstand einfach, Schriftfarbe: RGB 0/31/71</a:t>
-            </a:r>
-            <a:endParaRPr lang="de-DE" sz="1000" dirty="0">
-              <a:solidFill>
-                <a:srgbClr val="001F47"/>
-              </a:solidFill>
-            </a:endParaRPr>
-          </a:p>
-        </p:txBody>
-      </p:sp>
+      </p:pic>
     </p:spTree>
     <p:extLst>
       <p:ext uri="{BB962C8B-B14F-4D97-AF65-F5344CB8AC3E}">
-        <p14:creationId xmlns:p14="http://schemas.microsoft.com/office/powerpoint/2010/main" xmlns="" val="2040157117"/>
+        <p14:creationId xmlns="" xmlns:p14="http://schemas.microsoft.com/office/powerpoint/2010/main" val="2040157117"/>
       </p:ext>
     </p:extLst>
   </p:cSld>
@@ -1811,27 +1796,7 @@
           </a:bodyPr>
           <a:lstStyle/>
           <a:p>
-            <a:pPr algn="ctr">
-              <a:spcAft>
-                <a:spcPts val="800"/>
-              </a:spcAft>
-            </a:pPr>
-            <a:r>
-              <a:rPr lang="de-DE" sz="2800" b="1" dirty="0" smtClean="0">
-                <a:solidFill>
-                  <a:srgbClr val="001F47"/>
-                </a:solidFill>
-              </a:rPr>
-              <a:t>Quellen</a:t>
-            </a:r>
-            <a:endParaRPr lang="de-DE" sz="2800" b="1" dirty="0" smtClean="0">
-              <a:solidFill>
-                <a:srgbClr val="001F47"/>
-              </a:solidFill>
-            </a:endParaRPr>
-          </a:p>
-          <a:p>
-            <a:pPr marL="288000" indent="-288000">
+            <a:pPr marL="2574000" lvl="5" indent="-288000">
               <a:lnSpc>
                 <a:spcPct val="140000"/>
               </a:lnSpc>
@@ -1839,20 +1804,10 @@
                 <a:srgbClr val="001F47"/>
               </a:buClr>
               <a:buSzPct val="100000"/>
-              <a:buFont typeface="Wingdings" panose="05000000000000000000" pitchFamily="2" charset="2"/>
-              <a:buChar char=""/>
               <a:tabLst>
                 <a:tab pos="288000" algn="l"/>
               </a:tabLst>
             </a:pPr>
-            <a:r>
-              <a:rPr lang="de-DE" sz="2000" dirty="0" smtClean="0">
-                <a:solidFill>
-                  <a:srgbClr val="001F47"/>
-                </a:solidFill>
-              </a:rPr>
-              <a:t>a</a:t>
-            </a:r>
             <a:endParaRPr lang="de-DE" sz="2000" dirty="0" smtClean="0">
               <a:solidFill>
                 <a:srgbClr val="001F47"/>
@@ -1861,65 +1816,34 @@
           </a:p>
         </p:txBody>
       </p:sp>
-      <p:sp>
-        <p:nvSpPr>
-          <p:cNvPr id="5" name="Textfeld 4"/>
-          <p:cNvSpPr txBox="1"/>
+      <p:pic>
+        <p:nvPicPr>
+          <p:cNvPr id="6" name="Grafik 5" descr="mvc.png"/>
+          <p:cNvPicPr>
+            <a:picLocks noChangeAspect="1"/>
+          </p:cNvPicPr>
           <p:nvPr/>
-        </p:nvSpPr>
+        </p:nvPicPr>
+        <p:blipFill>
+          <a:blip r:embed="rId2"/>
+          <a:stretch>
+            <a:fillRect/>
+          </a:stretch>
+        </p:blipFill>
         <p:spPr>
           <a:xfrm>
-            <a:off x="3802380" y="6433245"/>
-            <a:ext cx="5006340" cy="153888"/>
+            <a:off x="2099756" y="1332222"/>
+            <a:ext cx="5057775" cy="5018943"/>
           </a:xfrm>
           <a:prstGeom prst="rect">
             <a:avLst/>
           </a:prstGeom>
-          <a:noFill/>
         </p:spPr>
-        <p:txBody>
-          <a:bodyPr wrap="square" lIns="0" tIns="0" rIns="0" bIns="0" rtlCol="0">
-            <a:spAutoFit/>
-          </a:bodyPr>
-          <a:lstStyle/>
-          <a:p>
-            <a:pPr algn="r"/>
-            <a:r>
-              <a:rPr lang="de-DE" sz="1000" dirty="0" smtClean="0">
-                <a:solidFill>
-                  <a:srgbClr val="001F47"/>
-                </a:solidFill>
-              </a:rPr>
-              <a:t>Fußzeile Calibri 10 </a:t>
-            </a:r>
-            <a:r>
-              <a:rPr lang="de-DE" sz="1000" dirty="0" err="1" smtClean="0">
-                <a:solidFill>
-                  <a:srgbClr val="001F47"/>
-                </a:solidFill>
-              </a:rPr>
-              <a:t>pt</a:t>
-            </a:r>
-            <a:r>
-              <a:rPr lang="de-DE" sz="1000" dirty="0" smtClean="0">
-                <a:solidFill>
-                  <a:srgbClr val="001F47"/>
-                </a:solidFill>
-              </a:rPr>
-              <a:t>, Ausrichtung rechts, Zeilenabstand einfach, Schriftfarbe: RGB 0/31/71</a:t>
-            </a:r>
-            <a:endParaRPr lang="de-DE" sz="1000" dirty="0">
-              <a:solidFill>
-                <a:srgbClr val="001F47"/>
-              </a:solidFill>
-            </a:endParaRPr>
-          </a:p>
-        </p:txBody>
-      </p:sp>
+      </p:pic>
     </p:spTree>
     <p:extLst>
       <p:ext uri="{BB962C8B-B14F-4D97-AF65-F5344CB8AC3E}">
-        <p14:creationId xmlns:p14="http://schemas.microsoft.com/office/powerpoint/2010/main" xmlns="" val="2040157117"/>
+        <p14:creationId xmlns="" xmlns:p14="http://schemas.microsoft.com/office/powerpoint/2010/main" val="2040157117"/>
       </p:ext>
     </p:extLst>
   </p:cSld>
@@ -1955,195 +1879,6 @@
       </p:grpSpPr>
       <p:sp>
         <p:nvSpPr>
-          <p:cNvPr id="5" name="Textfeld 4"/>
-          <p:cNvSpPr txBox="1"/>
-          <p:nvPr/>
-        </p:nvSpPr>
-        <p:spPr>
-          <a:xfrm>
-            <a:off x="4939200" y="1440000"/>
-            <a:ext cx="3960000" cy="4500000"/>
-          </a:xfrm>
-          <a:prstGeom prst="rect">
-            <a:avLst/>
-          </a:prstGeom>
-          <a:noFill/>
-        </p:spPr>
-        <p:txBody>
-          <a:bodyPr wrap="square" lIns="360000" tIns="450000" rIns="450000" bIns="450000" rtlCol="0">
-            <a:noAutofit/>
-          </a:bodyPr>
-          <a:lstStyle/>
-          <a:p>
-            <a:pPr>
-              <a:lnSpc>
-                <a:spcPct val="120000"/>
-              </a:lnSpc>
-            </a:pPr>
-            <a:r>
-              <a:rPr lang="de-DE" sz="2000" dirty="0" smtClean="0">
-                <a:solidFill>
-                  <a:schemeClr val="bg1"/>
-                </a:solidFill>
-              </a:rPr>
-              <a:t>1962 gegründet</a:t>
-            </a:r>
-            <a:br>
-              <a:rPr lang="de-DE" sz="2000" dirty="0" smtClean="0">
-                <a:solidFill>
-                  <a:schemeClr val="bg1"/>
-                </a:solidFill>
-              </a:rPr>
-            </a:br>
-            <a:endParaRPr lang="de-DE" sz="2000" dirty="0" smtClean="0">
-              <a:solidFill>
-                <a:schemeClr val="bg1"/>
-              </a:solidFill>
-            </a:endParaRPr>
-          </a:p>
-          <a:p>
-            <a:pPr>
-              <a:lnSpc>
-                <a:spcPct val="120000"/>
-              </a:lnSpc>
-            </a:pPr>
-            <a:r>
-              <a:rPr lang="de-DE" sz="2000" dirty="0" smtClean="0">
-                <a:solidFill>
-                  <a:schemeClr val="bg1"/>
-                </a:solidFill>
-              </a:rPr>
-              <a:t>Gesellschafterin:</a:t>
-            </a:r>
-            <a:br>
-              <a:rPr lang="de-DE" sz="2000" dirty="0" smtClean="0">
-                <a:solidFill>
-                  <a:schemeClr val="bg1"/>
-                </a:solidFill>
-              </a:rPr>
-            </a:br>
-            <a:r>
-              <a:rPr lang="de-DE" sz="2000" dirty="0" smtClean="0">
-                <a:solidFill>
-                  <a:schemeClr val="bg1"/>
-                </a:solidFill>
-              </a:rPr>
-              <a:t>Freie und Hansestadt Hamburg</a:t>
-            </a:r>
-            <a:br>
-              <a:rPr lang="de-DE" sz="2000" dirty="0" smtClean="0">
-                <a:solidFill>
-                  <a:schemeClr val="bg1"/>
-                </a:solidFill>
-              </a:rPr>
-            </a:br>
-            <a:r>
-              <a:rPr lang="de-DE" sz="2000" dirty="0" smtClean="0">
-                <a:solidFill>
-                  <a:schemeClr val="bg1"/>
-                </a:solidFill>
-              </a:rPr>
-              <a:t/>
-            </a:r>
-            <a:br>
-              <a:rPr lang="de-DE" sz="2000" dirty="0" smtClean="0">
-                <a:solidFill>
-                  <a:schemeClr val="bg1"/>
-                </a:solidFill>
-              </a:rPr>
-            </a:br>
-            <a:r>
-              <a:rPr lang="de-DE" sz="2000" dirty="0" smtClean="0">
-                <a:solidFill>
-                  <a:schemeClr val="bg1"/>
-                </a:solidFill>
-              </a:rPr>
-              <a:t>Netzwerk von 28 BFW im gesamten Bundesgebiet</a:t>
-            </a:r>
-            <a:br>
-              <a:rPr lang="de-DE" sz="2000" dirty="0" smtClean="0">
-                <a:solidFill>
-                  <a:schemeClr val="bg1"/>
-                </a:solidFill>
-              </a:rPr>
-            </a:br>
-            <a:endParaRPr lang="de-DE" sz="2000" dirty="0">
-              <a:solidFill>
-                <a:schemeClr val="bg1"/>
-              </a:solidFill>
-            </a:endParaRPr>
-          </a:p>
-        </p:txBody>
-      </p:sp>
-      <p:pic>
-        <p:nvPicPr>
-          <p:cNvPr id="3" name="Bild 2" descr="hamburg.jpg"/>
-          <p:cNvPicPr>
-            <a:picLocks noChangeAspect="1"/>
-          </p:cNvPicPr>
-          <p:nvPr/>
-        </p:nvPicPr>
-        <p:blipFill>
-          <a:blip r:embed="rId2">
-            <a:extLst>
-              <a:ext uri="{28A0092B-C50C-407E-A947-70E740481C1C}">
-                <a14:useLocalDpi xmlns:a14="http://schemas.microsoft.com/office/drawing/2010/main" xmlns="" val="0"/>
-              </a:ext>
-            </a:extLst>
-          </a:blip>
-          <a:stretch>
-            <a:fillRect/>
-          </a:stretch>
-        </p:blipFill>
-        <p:spPr>
-          <a:xfrm>
-            <a:off x="139231" y="1951152"/>
-            <a:ext cx="4778130" cy="3268874"/>
-          </a:xfrm>
-          <a:prstGeom prst="rect">
-            <a:avLst/>
-          </a:prstGeom>
-        </p:spPr>
-      </p:pic>
-    </p:spTree>
-    <p:extLst>
-      <p:ext uri="{BB962C8B-B14F-4D97-AF65-F5344CB8AC3E}">
-        <p14:creationId xmlns:p14="http://schemas.microsoft.com/office/powerpoint/2010/main" xmlns="" val="646831379"/>
-      </p:ext>
-    </p:extLst>
-  </p:cSld>
-  <p:clrMapOvr>
-    <a:masterClrMapping/>
-  </p:clrMapOvr>
-  <p:timing>
-    <p:tnLst>
-      <p:par>
-        <p:cTn id="1" dur="indefinite" restart="never" nodeType="tmRoot"/>
-      </p:par>
-    </p:tnLst>
-  </p:timing>
-</p:sld>
-</file>
-
-<file path=ppt/slides/slide6.xml><?xml version="1.0" encoding="utf-8"?>
-<p:sld xmlns:a="http://schemas.openxmlformats.org/drawingml/2006/main" xmlns:r="http://schemas.openxmlformats.org/officeDocument/2006/relationships" xmlns:p="http://schemas.openxmlformats.org/presentationml/2006/main">
-  <p:cSld>
-    <p:spTree>
-      <p:nvGrpSpPr>
-        <p:cNvPr id="1" name=""/>
-        <p:cNvGrpSpPr/>
-        <p:nvPr/>
-      </p:nvGrpSpPr>
-      <p:grpSpPr>
-        <a:xfrm>
-          <a:off x="0" y="0"/>
-          <a:ext cx="0" cy="0"/>
-          <a:chOff x="0" y="0"/>
-          <a:chExt cx="0" cy="0"/>
-        </a:xfrm>
-      </p:grpSpPr>
-      <p:sp>
-        <p:nvSpPr>
           <p:cNvPr id="4" name="Textfeld 3"/>
           <p:cNvSpPr txBox="1"/>
           <p:nvPr/>
@@ -2151,7 +1886,7 @@
         <p:spPr>
           <a:xfrm>
             <a:off x="252000" y="1170000"/>
-            <a:ext cx="5401500" cy="5508000"/>
+            <a:ext cx="8640000" cy="5508000"/>
           </a:xfrm>
           <a:prstGeom prst="rect">
             <a:avLst/>
@@ -2164,85 +1899,18 @@
           </a:bodyPr>
           <a:lstStyle/>
           <a:p>
-            <a:pPr>
+            <a:pPr algn="ctr">
               <a:spcAft>
                 <a:spcPts val="800"/>
               </a:spcAft>
             </a:pPr>
             <a:r>
-              <a:rPr lang="de-DE" sz="2800" b="1" dirty="0">
+              <a:rPr lang="de-DE" sz="2800" b="1" dirty="0" smtClean="0">
                 <a:solidFill>
                   <a:srgbClr val="001F47"/>
                 </a:solidFill>
               </a:rPr>
-              <a:t>Headline (Calibri fett, 28 </a:t>
-            </a:r>
-            <a:r>
-              <a:rPr lang="de-DE" sz="2800" b="1" dirty="0" err="1">
-                <a:solidFill>
-                  <a:srgbClr val="001F47"/>
-                </a:solidFill>
-              </a:rPr>
-              <a:t>pt</a:t>
-            </a:r>
-            <a:r>
-              <a:rPr lang="de-DE" sz="2800" b="1" dirty="0">
-                <a:solidFill>
-                  <a:srgbClr val="001F47"/>
-                </a:solidFill>
-              </a:rPr>
-              <a:t>, Zeilenabstand einfach, Abstand nach: 8 </a:t>
-            </a:r>
-            <a:r>
-              <a:rPr lang="de-DE" sz="2800" b="1" dirty="0" err="1">
-                <a:solidFill>
-                  <a:srgbClr val="001F47"/>
-                </a:solidFill>
-              </a:rPr>
-              <a:t>pt</a:t>
-            </a:r>
-            <a:r>
-              <a:rPr lang="de-DE" sz="2800" b="1" dirty="0">
-                <a:solidFill>
-                  <a:srgbClr val="001F47"/>
-                </a:solidFill>
-              </a:rPr>
-              <a:t>, Schriftfarbe: RGB 0/31/71)</a:t>
-            </a:r>
-          </a:p>
-          <a:p>
-            <a:pPr>
-              <a:buClr>
-                <a:srgbClr val="001F47"/>
-              </a:buClr>
-              <a:buSzPct val="100000"/>
-              <a:tabLst>
-                <a:tab pos="288000" algn="l"/>
-              </a:tabLst>
-            </a:pPr>
-            <a:r>
-              <a:rPr lang="de-DE" sz="2000" dirty="0" smtClean="0">
-                <a:solidFill>
-                  <a:srgbClr val="001F47"/>
-                </a:solidFill>
-              </a:rPr>
-              <a:t>Fließtext (Calibri 20 </a:t>
-            </a:r>
-            <a:r>
-              <a:rPr lang="de-DE" sz="2000" dirty="0" err="1" smtClean="0">
-                <a:solidFill>
-                  <a:srgbClr val="001F47"/>
-                </a:solidFill>
-              </a:rPr>
-              <a:t>pt</a:t>
-            </a:r>
-            <a:r>
-              <a:rPr lang="de-DE" sz="2000" dirty="0" smtClean="0">
-                <a:solidFill>
-                  <a:srgbClr val="001F47"/>
-                </a:solidFill>
-              </a:rPr>
-              <a:t>, Zeilenabstand einfach, Schriftfarbe: RGB 0/31/71)</a:t>
+              <a:t>Quellen</a:t>
             </a:r>
           </a:p>
           <a:p>
@@ -2261,29 +1929,82 @@
               </a:tabLst>
             </a:pPr>
             <a:r>
-              <a:rPr lang="de-DE" sz="2000" dirty="0">
+              <a:rPr lang="de-DE" sz="2000" dirty="0" smtClean="0">
                 <a:solidFill>
                   <a:srgbClr val="001F47"/>
                 </a:solidFill>
               </a:rPr>
-              <a:t>Spiegelpunkt (Aufzählungszeichen, Calibri 20 </a:t>
-            </a:r>
-            <a:r>
-              <a:rPr lang="de-DE" sz="2000" dirty="0" err="1">
+              <a:t>https://</a:t>
+            </a:r>
+            <a:r>
+              <a:rPr lang="de-DE" sz="2000" dirty="0" smtClean="0">
                 <a:solidFill>
                   <a:srgbClr val="001F47"/>
                 </a:solidFill>
               </a:rPr>
-              <a:t>pt</a:t>
-            </a:r>
-            <a:r>
-              <a:rPr lang="de-DE" sz="2000" dirty="0">
+              <a:t>laravel.com/docs/5.6</a:t>
+            </a:r>
+          </a:p>
+          <a:p>
+            <a:pPr marL="288000" indent="-288000">
+              <a:lnSpc>
+                <a:spcPct val="140000"/>
+              </a:lnSpc>
+              <a:buClr>
+                <a:srgbClr val="001F47"/>
+              </a:buClr>
+              <a:buSzPct val="100000"/>
+              <a:buFont typeface="Wingdings" panose="05000000000000000000" pitchFamily="2" charset="2"/>
+              <a:buChar char=""/>
+              <a:tabLst>
+                <a:tab pos="288000" algn="l"/>
+              </a:tabLst>
+            </a:pPr>
+            <a:r>
+              <a:rPr lang="de-DE" sz="2000" dirty="0" smtClean="0">
                 <a:solidFill>
                   <a:srgbClr val="001F47"/>
                 </a:solidFill>
               </a:rPr>
-              <a:t>, Zeilenabstand Mehrere: 1,4, Einzug vor Text: 0,8 cm, Hängend 0,8 cm, Tabulator 0,8 cm, Schriftfarbe: RGB 0/31/71) </a:t>
-            </a:r>
+              <a:t>https</a:t>
+            </a:r>
+            <a:r>
+              <a:rPr lang="de-DE" sz="2000" dirty="0" smtClean="0">
+                <a:solidFill>
+                  <a:srgbClr val="001F47"/>
+                </a:solidFill>
+              </a:rPr>
+              <a:t>://php.net/docs.php</a:t>
+            </a:r>
+          </a:p>
+          <a:p>
+            <a:pPr marL="288000" indent="-288000">
+              <a:lnSpc>
+                <a:spcPct val="140000"/>
+              </a:lnSpc>
+              <a:buClr>
+                <a:srgbClr val="001F47"/>
+              </a:buClr>
+              <a:buSzPct val="100000"/>
+              <a:buFont typeface="Wingdings" panose="05000000000000000000" pitchFamily="2" charset="2"/>
+              <a:buChar char=""/>
+              <a:tabLst>
+                <a:tab pos="288000" algn="l"/>
+              </a:tabLst>
+            </a:pPr>
+            <a:r>
+              <a:rPr lang="de-DE" sz="2000" dirty="0" smtClean="0">
+                <a:solidFill>
+                  <a:srgbClr val="001F47"/>
+                </a:solidFill>
+              </a:rPr>
+              <a:t>https://getbootstrap.com/docs/4.1/</a:t>
+            </a:r>
+            <a:endParaRPr lang="de-DE" sz="2000" dirty="0" smtClean="0">
+              <a:solidFill>
+                <a:srgbClr val="001F47"/>
+              </a:solidFill>
+            </a:endParaRPr>
           </a:p>
         </p:txBody>
       </p:sp>
@@ -2295,8 +2016,8 @@
         </p:nvSpPr>
         <p:spPr>
           <a:xfrm>
-            <a:off x="5303520" y="6433245"/>
-            <a:ext cx="3505200" cy="153888"/>
+            <a:off x="3802380" y="6433245"/>
+            <a:ext cx="5006340" cy="153888"/>
           </a:xfrm>
           <a:prstGeom prst="rect">
             <a:avLst/>
@@ -2311,47 +2032,41 @@
           <a:p>
             <a:pPr algn="r"/>
             <a:r>
-              <a:rPr lang="de-DE" sz="1000" smtClean="0"/>
-              <a:t>Fußzeile</a:t>
-            </a:r>
-            <a:endParaRPr lang="de-DE" sz="1000" dirty="0"/>
+              <a:rPr lang="de-DE" sz="1000" dirty="0" smtClean="0">
+                <a:solidFill>
+                  <a:srgbClr val="001F47"/>
+                </a:solidFill>
+              </a:rPr>
+              <a:t>Fußzeile Calibri 10 </a:t>
+            </a:r>
+            <a:r>
+              <a:rPr lang="de-DE" sz="1000" dirty="0" err="1" smtClean="0">
+                <a:solidFill>
+                  <a:srgbClr val="001F47"/>
+                </a:solidFill>
+              </a:rPr>
+              <a:t>pt</a:t>
+            </a:r>
+            <a:r>
+              <a:rPr lang="de-DE" sz="1000" dirty="0" smtClean="0">
+                <a:solidFill>
+                  <a:srgbClr val="001F47"/>
+                </a:solidFill>
+              </a:rPr>
+              <a:t>, Ausrichtung rechts, Zeilenabstand einfach, Schriftfarbe: RGB 0/31/71</a:t>
+            </a:r>
+            <a:endParaRPr lang="de-DE" sz="1000" dirty="0">
+              <a:solidFill>
+                <a:srgbClr val="001F47"/>
+              </a:solidFill>
+            </a:endParaRPr>
           </a:p>
         </p:txBody>
       </p:sp>
-      <p:pic>
-        <p:nvPicPr>
-          <p:cNvPr id="2" name="Grafik 1"/>
-          <p:cNvPicPr>
-            <a:picLocks noChangeAspect="1"/>
-          </p:cNvPicPr>
-          <p:nvPr/>
-        </p:nvPicPr>
-        <p:blipFill>
-          <a:blip r:embed="rId2">
-            <a:extLst>
-              <a:ext uri="{28A0092B-C50C-407E-A947-70E740481C1C}">
-                <a14:useLocalDpi xmlns:a14="http://schemas.microsoft.com/office/drawing/2010/main" xmlns="" val="0"/>
-              </a:ext>
-            </a:extLst>
-          </a:blip>
-          <a:stretch>
-            <a:fillRect/>
-          </a:stretch>
-        </p:blipFill>
-        <p:spPr>
-          <a:xfrm>
-            <a:off x="5653500" y="1170000"/>
-            <a:ext cx="3238500" cy="5032680"/>
-          </a:xfrm>
-          <a:prstGeom prst="rect">
-            <a:avLst/>
-          </a:prstGeom>
-        </p:spPr>
-      </p:pic>
     </p:spTree>
     <p:extLst>
       <p:ext uri="{BB962C8B-B14F-4D97-AF65-F5344CB8AC3E}">
-        <p14:creationId xmlns:p14="http://schemas.microsoft.com/office/powerpoint/2010/main" xmlns="" val="3239087155"/>
+        <p14:creationId xmlns="" xmlns:p14="http://schemas.microsoft.com/office/powerpoint/2010/main" val="2040157117"/>
       </p:ext>
     </p:extLst>
   </p:cSld>
@@ -2623,7 +2338,7 @@
   <a:extraClrSchemeLst/>
   <a:extLst>
     <a:ext uri="{05A4C25C-085E-4340-85A3-A5531E510DB2}">
-      <thm15:themeFamily xmlns="" xmlns:thm15="http://schemas.microsoft.com/office/thememl/2012/main" name="Office Theme" id="{62F939B6-93AF-4DB8-9C6B-D6C7DFDC589F}" vid="{4A3C46E8-61CC-4603-A589-7422A47A8E4A}"/>
+      <thm15:themeFamily xmlns:thm15="http://schemas.microsoft.com/office/thememl/2012/main" xmlns="" name="Office Theme" id="{62F939B6-93AF-4DB8-9C6B-D6C7DFDC589F}" vid="{4A3C46E8-61CC-4603-A589-7422A47A8E4A}"/>
     </a:ext>
   </a:extLst>
 </a:theme>
@@ -2884,7 +2599,7 @@
   <a:extraClrSchemeLst/>
   <a:extLst>
     <a:ext uri="{05A4C25C-085E-4340-85A3-A5531E510DB2}">
-      <thm15:themeFamily xmlns="" xmlns:thm15="http://schemas.microsoft.com/office/thememl/2012/main" name="Office Theme" id="{62F939B6-93AF-4DB8-9C6B-D6C7DFDC589F}" vid="{4A3C46E8-61CC-4603-A589-7422A47A8E4A}"/>
+      <thm15:themeFamily xmlns:thm15="http://schemas.microsoft.com/office/thememl/2012/main" xmlns="" name="Office Theme" id="{62F939B6-93AF-4DB8-9C6B-D6C7DFDC589F}" vid="{4A3C46E8-61CC-4603-A589-7422A47A8E4A}"/>
     </a:ext>
   </a:extLst>
 </a:theme>

--- a/documentation/Präsentation.pptx
+++ b/documentation/Präsentation.pptx
@@ -10,7 +10,16 @@
     <p:sldId id="260" r:id="rId4"/>
     <p:sldId id="257" r:id="rId5"/>
     <p:sldId id="262" r:id="rId6"/>
-    <p:sldId id="261" r:id="rId7"/>
+    <p:sldId id="266" r:id="rId7"/>
+    <p:sldId id="263" r:id="rId8"/>
+    <p:sldId id="264" r:id="rId9"/>
+    <p:sldId id="265" r:id="rId10"/>
+    <p:sldId id="267" r:id="rId11"/>
+    <p:sldId id="268" r:id="rId12"/>
+    <p:sldId id="269" r:id="rId13"/>
+    <p:sldId id="270" r:id="rId14"/>
+    <p:sldId id="271" r:id="rId15"/>
+    <p:sldId id="261" r:id="rId16"/>
   </p:sldIdLst>
   <p:sldSz cx="9144000" cy="6858000" type="screen4x3"/>
   <p:notesSz cx="6784975" cy="9856788"/>
@@ -111,7 +120,7 @@
   </p:defaultTextStyle>
   <p:extLst>
     <p:ext uri="{EFAFB233-063F-42B5-8137-9DF3F51BA10A}">
-      <p15:sldGuideLst xmlns:p15="http://schemas.microsoft.com/office/powerpoint/2012/main" xmlns="">
+      <p15:sldGuideLst xmlns="" xmlns:p15="http://schemas.microsoft.com/office/powerpoint/2012/main">
         <p15:guide id="1" orient="horz" pos="2160" userDrawn="1">
           <p15:clr>
             <a:srgbClr val="A4A3A4"/>
@@ -179,7 +188,7 @@
     </p:spTree>
     <p:extLst>
       <p:ext uri="{BB962C8B-B14F-4D97-AF65-F5344CB8AC3E}">
-        <p14:creationId xmlns="" xmlns:p14="http://schemas.microsoft.com/office/powerpoint/2010/main" val="2538900022"/>
+        <p14:creationId xmlns:p14="http://schemas.microsoft.com/office/powerpoint/2010/main" xmlns="" val="2538900022"/>
       </p:ext>
     </p:extLst>
   </p:cSld>
@@ -195,7 +204,7 @@
   </p:timing>
   <p:extLst>
     <p:ext uri="{DCECCB84-F9BA-43D5-87BE-67443E8EF086}">
-      <p15:sldGuideLst xmlns:p15="http://schemas.microsoft.com/office/powerpoint/2012/main" xmlns="">
+      <p15:sldGuideLst xmlns="" xmlns:p15="http://schemas.microsoft.com/office/powerpoint/2012/main">
         <p15:guide id="1" orient="horz" pos="2160" userDrawn="1">
           <p15:clr>
             <a:srgbClr val="FBAE40"/>
@@ -232,7 +241,7 @@
     </p:spTree>
     <p:extLst>
       <p:ext uri="{BB962C8B-B14F-4D97-AF65-F5344CB8AC3E}">
-        <p14:creationId xmlns="" xmlns:p14="http://schemas.microsoft.com/office/powerpoint/2010/main" val="329657205"/>
+        <p14:creationId xmlns:p14="http://schemas.microsoft.com/office/powerpoint/2010/main" xmlns="" val="329657205"/>
       </p:ext>
     </p:extLst>
   </p:cSld>
@@ -283,7 +292,7 @@
           <a:blip r:embed="rId3" cstate="print">
             <a:extLst>
               <a:ext uri="{28A0092B-C50C-407E-A947-70E740481C1C}">
-                <a14:useLocalDpi xmlns="" xmlns:a14="http://schemas.microsoft.com/office/drawing/2010/main" val="0"/>
+                <a14:useLocalDpi xmlns:a14="http://schemas.microsoft.com/office/drawing/2010/main" xmlns="" val="0"/>
               </a:ext>
             </a:extLst>
           </a:blip>
@@ -313,7 +322,7 @@
           <a:blip r:embed="rId4">
             <a:extLst>
               <a:ext uri="{28A0092B-C50C-407E-A947-70E740481C1C}">
-                <a14:useLocalDpi xmlns="" xmlns:a14="http://schemas.microsoft.com/office/drawing/2010/main" val="0"/>
+                <a14:useLocalDpi xmlns:a14="http://schemas.microsoft.com/office/drawing/2010/main" xmlns="" val="0"/>
               </a:ext>
             </a:extLst>
           </a:blip>
@@ -380,7 +389,7 @@
     </p:spTree>
     <p:extLst>
       <p:ext uri="{BB962C8B-B14F-4D97-AF65-F5344CB8AC3E}">
-        <p14:creationId xmlns="" xmlns:p14="http://schemas.microsoft.com/office/powerpoint/2010/main" val="2247608262"/>
+        <p14:creationId xmlns:p14="http://schemas.microsoft.com/office/powerpoint/2010/main" xmlns="" val="2247608262"/>
       </p:ext>
     </p:extLst>
   </p:cSld>
@@ -758,7 +767,7 @@
           <a:blip r:embed="rId3">
             <a:extLst>
               <a:ext uri="{28A0092B-C50C-407E-A947-70E740481C1C}">
-                <a14:useLocalDpi xmlns="" xmlns:a14="http://schemas.microsoft.com/office/drawing/2010/main" val="0"/>
+                <a14:useLocalDpi xmlns:a14="http://schemas.microsoft.com/office/drawing/2010/main" xmlns="" val="0"/>
               </a:ext>
             </a:extLst>
           </a:blip>
@@ -788,7 +797,7 @@
           <a:blip r:embed="rId4" cstate="print">
             <a:extLst>
               <a:ext uri="{28A0092B-C50C-407E-A947-70E740481C1C}">
-                <a14:useLocalDpi xmlns="" xmlns:a14="http://schemas.microsoft.com/office/drawing/2010/main" val="0"/>
+                <a14:useLocalDpi xmlns:a14="http://schemas.microsoft.com/office/drawing/2010/main" xmlns="" val="0"/>
               </a:ext>
             </a:extLst>
           </a:blip>
@@ -809,7 +818,7 @@
     </p:spTree>
     <p:extLst>
       <p:ext uri="{BB962C8B-B14F-4D97-AF65-F5344CB8AC3E}">
-        <p14:creationId xmlns="" xmlns:p14="http://schemas.microsoft.com/office/powerpoint/2010/main" val="75792054"/>
+        <p14:creationId xmlns:p14="http://schemas.microsoft.com/office/powerpoint/2010/main" xmlns="" val="75792054"/>
       </p:ext>
     </p:extLst>
   </p:cSld>
@@ -1182,7 +1191,7 @@
                   <a:schemeClr val="bg1"/>
                 </a:solidFill>
               </a:rPr>
-              <a:t>Howy</a:t>
+              <a:t>Hohwy</a:t>
             </a:r>
             <a:r>
               <a:rPr lang="de-DE" sz="2000" dirty="0" smtClean="0">
@@ -1268,7 +1277,621 @@
     </p:spTree>
     <p:extLst>
       <p:ext uri="{BB962C8B-B14F-4D97-AF65-F5344CB8AC3E}">
-        <p14:creationId xmlns="" xmlns:p14="http://schemas.microsoft.com/office/powerpoint/2010/main" val="3736031991"/>
+        <p14:creationId xmlns:p14="http://schemas.microsoft.com/office/powerpoint/2010/main" xmlns="" val="3736031991"/>
+      </p:ext>
+    </p:extLst>
+  </p:cSld>
+  <p:clrMapOvr>
+    <a:masterClrMapping/>
+  </p:clrMapOvr>
+  <p:timing>
+    <p:tnLst>
+      <p:par>
+        <p:cTn id="1" dur="indefinite" restart="never" nodeType="tmRoot"/>
+      </p:par>
+    </p:tnLst>
+  </p:timing>
+</p:sld>
+</file>
+
+<file path=ppt/slides/slide10.xml><?xml version="1.0" encoding="utf-8"?>
+<p:sld xmlns:a="http://schemas.openxmlformats.org/drawingml/2006/main" xmlns:r="http://schemas.openxmlformats.org/officeDocument/2006/relationships" xmlns:p="http://schemas.openxmlformats.org/presentationml/2006/main">
+  <p:cSld>
+    <p:spTree>
+      <p:nvGrpSpPr>
+        <p:cNvPr id="1" name=""/>
+        <p:cNvGrpSpPr/>
+        <p:nvPr/>
+      </p:nvGrpSpPr>
+      <p:grpSpPr>
+        <a:xfrm>
+          <a:off x="0" y="0"/>
+          <a:ext cx="0" cy="0"/>
+          <a:chOff x="0" y="0"/>
+          <a:chExt cx="0" cy="0"/>
+        </a:xfrm>
+      </p:grpSpPr>
+      <p:sp>
+        <p:nvSpPr>
+          <p:cNvPr id="4" name="Textfeld 3"/>
+          <p:cNvSpPr txBox="1"/>
+          <p:nvPr/>
+        </p:nvSpPr>
+        <p:spPr>
+          <a:xfrm>
+            <a:off x="252000" y="1170000"/>
+            <a:ext cx="8640000" cy="5508000"/>
+          </a:xfrm>
+          <a:prstGeom prst="rect">
+            <a:avLst/>
+          </a:prstGeom>
+          <a:noFill/>
+        </p:spPr>
+        <p:txBody>
+          <a:bodyPr wrap="square" lIns="450000" tIns="360000" rIns="450000" bIns="450000" rtlCol="0">
+            <a:noAutofit/>
+          </a:bodyPr>
+          <a:lstStyle/>
+          <a:p>
+            <a:pPr marL="2574000" lvl="5" indent="-288000">
+              <a:lnSpc>
+                <a:spcPct val="140000"/>
+              </a:lnSpc>
+              <a:buClr>
+                <a:srgbClr val="001F47"/>
+              </a:buClr>
+              <a:buSzPct val="100000"/>
+              <a:tabLst>
+                <a:tab pos="288000" algn="l"/>
+              </a:tabLst>
+            </a:pPr>
+            <a:endParaRPr lang="de-DE" sz="2000" dirty="0" smtClean="0">
+              <a:solidFill>
+                <a:srgbClr val="001F47"/>
+              </a:solidFill>
+            </a:endParaRPr>
+          </a:p>
+        </p:txBody>
+      </p:sp>
+      <p:pic>
+        <p:nvPicPr>
+          <p:cNvPr id="6" name="Grafik 5" descr="mvc.png"/>
+          <p:cNvPicPr>
+            <a:picLocks noChangeAspect="1"/>
+          </p:cNvPicPr>
+          <p:nvPr/>
+        </p:nvPicPr>
+        <p:blipFill>
+          <a:blip r:embed="rId2"/>
+          <a:stretch>
+            <a:fillRect/>
+          </a:stretch>
+        </p:blipFill>
+        <p:spPr>
+          <a:xfrm>
+            <a:off x="248829" y="1756384"/>
+            <a:ext cx="8720234" cy="3730016"/>
+          </a:xfrm>
+          <a:prstGeom prst="rect">
+            <a:avLst/>
+          </a:prstGeom>
+        </p:spPr>
+      </p:pic>
+    </p:spTree>
+    <p:extLst>
+      <p:ext uri="{BB962C8B-B14F-4D97-AF65-F5344CB8AC3E}">
+        <p14:creationId xmlns:p14="http://schemas.microsoft.com/office/powerpoint/2010/main" xmlns="" val="2040157117"/>
+      </p:ext>
+    </p:extLst>
+  </p:cSld>
+  <p:clrMapOvr>
+    <a:masterClrMapping/>
+  </p:clrMapOvr>
+  <p:timing>
+    <p:tnLst>
+      <p:par>
+        <p:cTn id="1" dur="indefinite" restart="never" nodeType="tmRoot"/>
+      </p:par>
+    </p:tnLst>
+  </p:timing>
+</p:sld>
+</file>
+
+<file path=ppt/slides/slide11.xml><?xml version="1.0" encoding="utf-8"?>
+<p:sld xmlns:a="http://schemas.openxmlformats.org/drawingml/2006/main" xmlns:r="http://schemas.openxmlformats.org/officeDocument/2006/relationships" xmlns:p="http://schemas.openxmlformats.org/presentationml/2006/main">
+  <p:cSld>
+    <p:spTree>
+      <p:nvGrpSpPr>
+        <p:cNvPr id="1" name=""/>
+        <p:cNvGrpSpPr/>
+        <p:nvPr/>
+      </p:nvGrpSpPr>
+      <p:grpSpPr>
+        <a:xfrm>
+          <a:off x="0" y="0"/>
+          <a:ext cx="0" cy="0"/>
+          <a:chOff x="0" y="0"/>
+          <a:chExt cx="0" cy="0"/>
+        </a:xfrm>
+      </p:grpSpPr>
+      <p:sp>
+        <p:nvSpPr>
+          <p:cNvPr id="4" name="Textfeld 3"/>
+          <p:cNvSpPr txBox="1"/>
+          <p:nvPr/>
+        </p:nvSpPr>
+        <p:spPr>
+          <a:xfrm>
+            <a:off x="252000" y="1170000"/>
+            <a:ext cx="8640000" cy="5508000"/>
+          </a:xfrm>
+          <a:prstGeom prst="rect">
+            <a:avLst/>
+          </a:prstGeom>
+          <a:noFill/>
+        </p:spPr>
+        <p:txBody>
+          <a:bodyPr wrap="square" lIns="450000" tIns="360000" rIns="450000" bIns="450000" rtlCol="0">
+            <a:noAutofit/>
+          </a:bodyPr>
+          <a:lstStyle/>
+          <a:p>
+            <a:pPr marL="2574000" lvl="5" indent="-288000">
+              <a:lnSpc>
+                <a:spcPct val="140000"/>
+              </a:lnSpc>
+              <a:buClr>
+                <a:srgbClr val="001F47"/>
+              </a:buClr>
+              <a:buSzPct val="100000"/>
+              <a:tabLst>
+                <a:tab pos="288000" algn="l"/>
+              </a:tabLst>
+            </a:pPr>
+            <a:endParaRPr lang="de-DE" sz="2000" dirty="0" smtClean="0">
+              <a:solidFill>
+                <a:srgbClr val="001F47"/>
+              </a:solidFill>
+            </a:endParaRPr>
+          </a:p>
+        </p:txBody>
+      </p:sp>
+      <p:pic>
+        <p:nvPicPr>
+          <p:cNvPr id="6" name="Grafik 5" descr="mvc.png"/>
+          <p:cNvPicPr>
+            <a:picLocks noChangeAspect="1"/>
+          </p:cNvPicPr>
+          <p:nvPr/>
+        </p:nvPicPr>
+        <p:blipFill>
+          <a:blip r:embed="rId2"/>
+          <a:stretch>
+            <a:fillRect/>
+          </a:stretch>
+        </p:blipFill>
+        <p:spPr>
+          <a:xfrm>
+            <a:off x="1010767" y="1804935"/>
+            <a:ext cx="7032715" cy="4035439"/>
+          </a:xfrm>
+          <a:prstGeom prst="rect">
+            <a:avLst/>
+          </a:prstGeom>
+        </p:spPr>
+      </p:pic>
+    </p:spTree>
+    <p:extLst>
+      <p:ext uri="{BB962C8B-B14F-4D97-AF65-F5344CB8AC3E}">
+        <p14:creationId xmlns:p14="http://schemas.microsoft.com/office/powerpoint/2010/main" xmlns="" val="2040157117"/>
+      </p:ext>
+    </p:extLst>
+  </p:cSld>
+  <p:clrMapOvr>
+    <a:masterClrMapping/>
+  </p:clrMapOvr>
+  <p:timing>
+    <p:tnLst>
+      <p:par>
+        <p:cTn id="1" dur="indefinite" restart="never" nodeType="tmRoot"/>
+      </p:par>
+    </p:tnLst>
+  </p:timing>
+</p:sld>
+</file>
+
+<file path=ppt/slides/slide12.xml><?xml version="1.0" encoding="utf-8"?>
+<p:sld xmlns:a="http://schemas.openxmlformats.org/drawingml/2006/main" xmlns:r="http://schemas.openxmlformats.org/officeDocument/2006/relationships" xmlns:p="http://schemas.openxmlformats.org/presentationml/2006/main">
+  <p:cSld>
+    <p:spTree>
+      <p:nvGrpSpPr>
+        <p:cNvPr id="1" name=""/>
+        <p:cNvGrpSpPr/>
+        <p:nvPr/>
+      </p:nvGrpSpPr>
+      <p:grpSpPr>
+        <a:xfrm>
+          <a:off x="0" y="0"/>
+          <a:ext cx="0" cy="0"/>
+          <a:chOff x="0" y="0"/>
+          <a:chExt cx="0" cy="0"/>
+        </a:xfrm>
+      </p:grpSpPr>
+      <p:sp>
+        <p:nvSpPr>
+          <p:cNvPr id="4" name="Textfeld 3"/>
+          <p:cNvSpPr txBox="1"/>
+          <p:nvPr/>
+        </p:nvSpPr>
+        <p:spPr>
+          <a:xfrm>
+            <a:off x="252000" y="1170000"/>
+            <a:ext cx="8640000" cy="5508000"/>
+          </a:xfrm>
+          <a:prstGeom prst="rect">
+            <a:avLst/>
+          </a:prstGeom>
+          <a:noFill/>
+        </p:spPr>
+        <p:txBody>
+          <a:bodyPr wrap="square" lIns="450000" tIns="360000" rIns="450000" bIns="450000" rtlCol="0">
+            <a:noAutofit/>
+          </a:bodyPr>
+          <a:lstStyle/>
+          <a:p>
+            <a:pPr marL="2574000" lvl="5" indent="-288000">
+              <a:lnSpc>
+                <a:spcPct val="140000"/>
+              </a:lnSpc>
+              <a:buClr>
+                <a:srgbClr val="001F47"/>
+              </a:buClr>
+              <a:buSzPct val="100000"/>
+              <a:tabLst>
+                <a:tab pos="288000" algn="l"/>
+              </a:tabLst>
+            </a:pPr>
+            <a:endParaRPr lang="de-DE" sz="2000" dirty="0" smtClean="0">
+              <a:solidFill>
+                <a:srgbClr val="001F47"/>
+              </a:solidFill>
+            </a:endParaRPr>
+          </a:p>
+        </p:txBody>
+      </p:sp>
+      <p:pic>
+        <p:nvPicPr>
+          <p:cNvPr id="6" name="Grafik 5" descr="mvc.png"/>
+          <p:cNvPicPr>
+            <a:picLocks noChangeAspect="1"/>
+          </p:cNvPicPr>
+          <p:nvPr/>
+        </p:nvPicPr>
+        <p:blipFill>
+          <a:blip r:embed="rId2"/>
+          <a:stretch>
+            <a:fillRect/>
+          </a:stretch>
+        </p:blipFill>
+        <p:spPr>
+          <a:xfrm>
+            <a:off x="266300" y="1607360"/>
+            <a:ext cx="8692452" cy="4316009"/>
+          </a:xfrm>
+          <a:prstGeom prst="rect">
+            <a:avLst/>
+          </a:prstGeom>
+        </p:spPr>
+      </p:pic>
+    </p:spTree>
+    <p:extLst>
+      <p:ext uri="{BB962C8B-B14F-4D97-AF65-F5344CB8AC3E}">
+        <p14:creationId xmlns:p14="http://schemas.microsoft.com/office/powerpoint/2010/main" xmlns="" val="2040157117"/>
+      </p:ext>
+    </p:extLst>
+  </p:cSld>
+  <p:clrMapOvr>
+    <a:masterClrMapping/>
+  </p:clrMapOvr>
+  <p:timing>
+    <p:tnLst>
+      <p:par>
+        <p:cTn id="1" dur="indefinite" restart="never" nodeType="tmRoot"/>
+      </p:par>
+    </p:tnLst>
+  </p:timing>
+</p:sld>
+</file>
+
+<file path=ppt/slides/slide13.xml><?xml version="1.0" encoding="utf-8"?>
+<p:sld xmlns:a="http://schemas.openxmlformats.org/drawingml/2006/main" xmlns:r="http://schemas.openxmlformats.org/officeDocument/2006/relationships" xmlns:p="http://schemas.openxmlformats.org/presentationml/2006/main">
+  <p:cSld>
+    <p:spTree>
+      <p:nvGrpSpPr>
+        <p:cNvPr id="1" name=""/>
+        <p:cNvGrpSpPr/>
+        <p:nvPr/>
+      </p:nvGrpSpPr>
+      <p:grpSpPr>
+        <a:xfrm>
+          <a:off x="0" y="0"/>
+          <a:ext cx="0" cy="0"/>
+          <a:chOff x="0" y="0"/>
+          <a:chExt cx="0" cy="0"/>
+        </a:xfrm>
+      </p:grpSpPr>
+      <p:sp>
+        <p:nvSpPr>
+          <p:cNvPr id="4" name="Textfeld 3"/>
+          <p:cNvSpPr txBox="1"/>
+          <p:nvPr/>
+        </p:nvSpPr>
+        <p:spPr>
+          <a:xfrm>
+            <a:off x="252000" y="1170000"/>
+            <a:ext cx="8640000" cy="5508000"/>
+          </a:xfrm>
+          <a:prstGeom prst="rect">
+            <a:avLst/>
+          </a:prstGeom>
+          <a:noFill/>
+        </p:spPr>
+        <p:txBody>
+          <a:bodyPr wrap="square" lIns="450000" tIns="360000" rIns="450000" bIns="450000" rtlCol="0">
+            <a:noAutofit/>
+          </a:bodyPr>
+          <a:lstStyle/>
+          <a:p>
+            <a:pPr marL="2574000" lvl="5" indent="-288000">
+              <a:lnSpc>
+                <a:spcPct val="140000"/>
+              </a:lnSpc>
+              <a:buClr>
+                <a:srgbClr val="001F47"/>
+              </a:buClr>
+              <a:buSzPct val="100000"/>
+              <a:tabLst>
+                <a:tab pos="288000" algn="l"/>
+              </a:tabLst>
+            </a:pPr>
+            <a:endParaRPr lang="de-DE" sz="2000" dirty="0" smtClean="0">
+              <a:solidFill>
+                <a:srgbClr val="001F47"/>
+              </a:solidFill>
+            </a:endParaRPr>
+          </a:p>
+        </p:txBody>
+      </p:sp>
+      <p:pic>
+        <p:nvPicPr>
+          <p:cNvPr id="6" name="Grafik 5" descr="mvc.png"/>
+          <p:cNvPicPr>
+            <a:picLocks noChangeAspect="1"/>
+          </p:cNvPicPr>
+          <p:nvPr/>
+        </p:nvPicPr>
+        <p:blipFill>
+          <a:blip r:embed="rId2"/>
+          <a:stretch>
+            <a:fillRect/>
+          </a:stretch>
+        </p:blipFill>
+        <p:spPr>
+          <a:xfrm>
+            <a:off x="234272" y="1639728"/>
+            <a:ext cx="8666967" cy="4659401"/>
+          </a:xfrm>
+          <a:prstGeom prst="rect">
+            <a:avLst/>
+          </a:prstGeom>
+        </p:spPr>
+      </p:pic>
+    </p:spTree>
+    <p:extLst>
+      <p:ext uri="{BB962C8B-B14F-4D97-AF65-F5344CB8AC3E}">
+        <p14:creationId xmlns:p14="http://schemas.microsoft.com/office/powerpoint/2010/main" xmlns="" val="2040157117"/>
+      </p:ext>
+    </p:extLst>
+  </p:cSld>
+  <p:clrMapOvr>
+    <a:masterClrMapping/>
+  </p:clrMapOvr>
+  <p:timing>
+    <p:tnLst>
+      <p:par>
+        <p:cTn id="1" dur="indefinite" restart="never" nodeType="tmRoot"/>
+      </p:par>
+    </p:tnLst>
+  </p:timing>
+</p:sld>
+</file>
+
+<file path=ppt/slides/slide14.xml><?xml version="1.0" encoding="utf-8"?>
+<p:sld xmlns:a="http://schemas.openxmlformats.org/drawingml/2006/main" xmlns:r="http://schemas.openxmlformats.org/officeDocument/2006/relationships" xmlns:p="http://schemas.openxmlformats.org/presentationml/2006/main">
+  <p:cSld>
+    <p:spTree>
+      <p:nvGrpSpPr>
+        <p:cNvPr id="1" name=""/>
+        <p:cNvGrpSpPr/>
+        <p:nvPr/>
+      </p:nvGrpSpPr>
+      <p:grpSpPr>
+        <a:xfrm>
+          <a:off x="0" y="0"/>
+          <a:ext cx="0" cy="0"/>
+          <a:chOff x="0" y="0"/>
+          <a:chExt cx="0" cy="0"/>
+        </a:xfrm>
+      </p:grpSpPr>
+      <p:sp>
+        <p:nvSpPr>
+          <p:cNvPr id="4" name="Textfeld 3"/>
+          <p:cNvSpPr txBox="1"/>
+          <p:nvPr/>
+        </p:nvSpPr>
+        <p:spPr>
+          <a:xfrm>
+            <a:off x="252000" y="1170000"/>
+            <a:ext cx="8640000" cy="5508000"/>
+          </a:xfrm>
+          <a:prstGeom prst="rect">
+            <a:avLst/>
+          </a:prstGeom>
+          <a:noFill/>
+        </p:spPr>
+        <p:txBody>
+          <a:bodyPr wrap="square" lIns="450000" tIns="360000" rIns="450000" bIns="450000" rtlCol="0">
+            <a:noAutofit/>
+          </a:bodyPr>
+          <a:lstStyle/>
+          <a:p>
+            <a:pPr algn="ctr">
+              <a:spcAft>
+                <a:spcPts val="800"/>
+              </a:spcAft>
+            </a:pPr>
+            <a:r>
+              <a:rPr lang="de-DE" sz="2800" b="1" dirty="0" smtClean="0">
+                <a:solidFill>
+                  <a:srgbClr val="001F47"/>
+                </a:solidFill>
+              </a:rPr>
+              <a:t>Quellen</a:t>
+            </a:r>
+          </a:p>
+          <a:p>
+            <a:pPr marL="288000" indent="-288000">
+              <a:lnSpc>
+                <a:spcPct val="140000"/>
+              </a:lnSpc>
+              <a:buClr>
+                <a:srgbClr val="001F47"/>
+              </a:buClr>
+              <a:buSzPct val="100000"/>
+              <a:buFont typeface="Wingdings" panose="05000000000000000000" pitchFamily="2" charset="2"/>
+              <a:buChar char=""/>
+              <a:tabLst>
+                <a:tab pos="288000" algn="l"/>
+              </a:tabLst>
+            </a:pPr>
+            <a:r>
+              <a:rPr lang="de-DE" sz="2000" dirty="0" smtClean="0">
+                <a:solidFill>
+                  <a:srgbClr val="001F47"/>
+                </a:solidFill>
+              </a:rPr>
+              <a:t>https://laravel.com/docs/5.6</a:t>
+            </a:r>
+          </a:p>
+          <a:p>
+            <a:pPr marL="288000" indent="-288000">
+              <a:lnSpc>
+                <a:spcPct val="140000"/>
+              </a:lnSpc>
+              <a:buClr>
+                <a:srgbClr val="001F47"/>
+              </a:buClr>
+              <a:buSzPct val="100000"/>
+              <a:buFont typeface="Wingdings" panose="05000000000000000000" pitchFamily="2" charset="2"/>
+              <a:buChar char=""/>
+              <a:tabLst>
+                <a:tab pos="288000" algn="l"/>
+              </a:tabLst>
+            </a:pPr>
+            <a:r>
+              <a:rPr lang="de-DE" sz="2000" dirty="0" smtClean="0">
+                <a:solidFill>
+                  <a:srgbClr val="001F47"/>
+                </a:solidFill>
+              </a:rPr>
+              <a:t>https://php.net/docs.php</a:t>
+            </a:r>
+          </a:p>
+          <a:p>
+            <a:pPr marL="288000" indent="-288000">
+              <a:lnSpc>
+                <a:spcPct val="140000"/>
+              </a:lnSpc>
+              <a:buClr>
+                <a:srgbClr val="001F47"/>
+              </a:buClr>
+              <a:buSzPct val="100000"/>
+              <a:buFont typeface="Wingdings" panose="05000000000000000000" pitchFamily="2" charset="2"/>
+              <a:buChar char=""/>
+              <a:tabLst>
+                <a:tab pos="288000" algn="l"/>
+              </a:tabLst>
+            </a:pPr>
+            <a:r>
+              <a:rPr lang="de-DE" sz="2000" dirty="0" smtClean="0">
+                <a:solidFill>
+                  <a:srgbClr val="001F47"/>
+                </a:solidFill>
+              </a:rPr>
+              <a:t>https://getbootstrap.com/docs/4.1/</a:t>
+            </a:r>
+          </a:p>
+        </p:txBody>
+      </p:sp>
+      <p:sp>
+        <p:nvSpPr>
+          <p:cNvPr id="5" name="Textfeld 4"/>
+          <p:cNvSpPr txBox="1"/>
+          <p:nvPr/>
+        </p:nvSpPr>
+        <p:spPr>
+          <a:xfrm>
+            <a:off x="3802380" y="6433245"/>
+            <a:ext cx="5006340" cy="153888"/>
+          </a:xfrm>
+          <a:prstGeom prst="rect">
+            <a:avLst/>
+          </a:prstGeom>
+          <a:noFill/>
+        </p:spPr>
+        <p:txBody>
+          <a:bodyPr wrap="square" lIns="0" tIns="0" rIns="0" bIns="0" rtlCol="0">
+            <a:spAutoFit/>
+          </a:bodyPr>
+          <a:lstStyle/>
+          <a:p>
+            <a:pPr algn="r"/>
+            <a:r>
+              <a:rPr lang="de-DE" sz="1000" dirty="0" smtClean="0">
+                <a:solidFill>
+                  <a:srgbClr val="001F47"/>
+                </a:solidFill>
+              </a:rPr>
+              <a:t>Fußzeile Calibri 10 </a:t>
+            </a:r>
+            <a:r>
+              <a:rPr lang="de-DE" sz="1000" dirty="0" err="1" smtClean="0">
+                <a:solidFill>
+                  <a:srgbClr val="001F47"/>
+                </a:solidFill>
+              </a:rPr>
+              <a:t>pt</a:t>
+            </a:r>
+            <a:r>
+              <a:rPr lang="de-DE" sz="1000" dirty="0" smtClean="0">
+                <a:solidFill>
+                  <a:srgbClr val="001F47"/>
+                </a:solidFill>
+              </a:rPr>
+              <a:t>, Ausrichtung rechts, Zeilenabstand einfach, Schriftfarbe: RGB 0/31/71</a:t>
+            </a:r>
+            <a:endParaRPr lang="de-DE" sz="1000" dirty="0">
+              <a:solidFill>
+                <a:srgbClr val="001F47"/>
+              </a:solidFill>
+            </a:endParaRPr>
+          </a:p>
+        </p:txBody>
+      </p:sp>
+    </p:spTree>
+    <p:extLst>
+      <p:ext uri="{BB962C8B-B14F-4D97-AF65-F5344CB8AC3E}">
+        <p14:creationId xmlns:p14="http://schemas.microsoft.com/office/powerpoint/2010/main" xmlns="" val="2040157117"/>
       </p:ext>
     </p:extLst>
   </p:cSld>
@@ -1407,29 +2030,8 @@
                   <a:srgbClr val="001F47"/>
                 </a:solidFill>
               </a:rPr>
-              <a:t> 5.6 </a:t>
+              <a:t> 5.6 (PHP / MVC-Framework)</a:t>
             </a:r>
-            <a:r>
-              <a:rPr lang="de-DE" sz="2000" dirty="0" smtClean="0">
-                <a:solidFill>
-                  <a:srgbClr val="001F47"/>
-                </a:solidFill>
-              </a:rPr>
-              <a:t>(</a:t>
-            </a:r>
-            <a:r>
-              <a:rPr lang="de-DE" sz="2000" dirty="0" smtClean="0">
-                <a:solidFill>
-                  <a:srgbClr val="001F47"/>
-                </a:solidFill>
-              </a:rPr>
-              <a:t>PHP / MVC-Framework)</a:t>
-            </a:r>
-            <a:endParaRPr lang="de-DE" sz="2000" dirty="0" smtClean="0">
-              <a:solidFill>
-                <a:srgbClr val="001F47"/>
-              </a:solidFill>
-            </a:endParaRPr>
           </a:p>
           <a:p>
             <a:pPr marL="288000" indent="-288000">
@@ -1478,11 +2080,6 @@
               </a:rPr>
               <a:t>Bootstrap 4.1 (CSS Framework) </a:t>
             </a:r>
-            <a:endParaRPr lang="de-DE" sz="2000" dirty="0" smtClean="0">
-              <a:solidFill>
-                <a:srgbClr val="001F47"/>
-              </a:solidFill>
-            </a:endParaRPr>
           </a:p>
           <a:p>
             <a:pPr marL="288000" indent="-288000">
@@ -1636,7 +2233,7 @@
     </p:spTree>
     <p:extLst>
       <p:ext uri="{BB962C8B-B14F-4D97-AF65-F5344CB8AC3E}">
-        <p14:creationId xmlns="" xmlns:p14="http://schemas.microsoft.com/office/powerpoint/2010/main" val="2040157117"/>
+        <p14:creationId xmlns:p14="http://schemas.microsoft.com/office/powerpoint/2010/main" xmlns="" val="2040157117"/>
       </p:ext>
     </p:extLst>
   </p:cSld>
@@ -1705,11 +2302,6 @@
               </a:rPr>
               <a:t>Datenstruktur</a:t>
             </a:r>
-            <a:endParaRPr lang="de-DE" sz="2800" b="1" dirty="0" smtClean="0">
-              <a:solidFill>
-                <a:srgbClr val="001F47"/>
-              </a:solidFill>
-            </a:endParaRPr>
           </a:p>
         </p:txBody>
       </p:sp>
@@ -1740,7 +2332,7 @@
     </p:spTree>
     <p:extLst>
       <p:ext uri="{BB962C8B-B14F-4D97-AF65-F5344CB8AC3E}">
-        <p14:creationId xmlns="" xmlns:p14="http://schemas.microsoft.com/office/powerpoint/2010/main" val="2040157117"/>
+        <p14:creationId xmlns:p14="http://schemas.microsoft.com/office/powerpoint/2010/main" xmlns="" val="2040157117"/>
       </p:ext>
     </p:extLst>
   </p:cSld>
@@ -1843,7 +2435,7 @@
     </p:spTree>
     <p:extLst>
       <p:ext uri="{BB962C8B-B14F-4D97-AF65-F5344CB8AC3E}">
-        <p14:creationId xmlns="" xmlns:p14="http://schemas.microsoft.com/office/powerpoint/2010/main" val="2040157117"/>
+        <p14:creationId xmlns:p14="http://schemas.microsoft.com/office/powerpoint/2010/main" xmlns="" val="2040157117"/>
       </p:ext>
     </p:extLst>
   </p:cSld>
@@ -1899,22 +2491,7 @@
           </a:bodyPr>
           <a:lstStyle/>
           <a:p>
-            <a:pPr algn="ctr">
-              <a:spcAft>
-                <a:spcPts val="800"/>
-              </a:spcAft>
-            </a:pPr>
-            <a:r>
-              <a:rPr lang="de-DE" sz="2800" b="1" dirty="0" smtClean="0">
-                <a:solidFill>
-                  <a:srgbClr val="001F47"/>
-                </a:solidFill>
-              </a:rPr>
-              <a:t>Quellen</a:t>
-            </a:r>
-          </a:p>
-          <a:p>
-            <a:pPr marL="288000" indent="-288000">
+            <a:pPr marL="2574000" lvl="5" indent="-288000">
               <a:lnSpc>
                 <a:spcPct val="140000"/>
               </a:lnSpc>
@@ -1922,84 +2499,10 @@
                 <a:srgbClr val="001F47"/>
               </a:buClr>
               <a:buSzPct val="100000"/>
-              <a:buFont typeface="Wingdings" panose="05000000000000000000" pitchFamily="2" charset="2"/>
-              <a:buChar char=""/>
               <a:tabLst>
                 <a:tab pos="288000" algn="l"/>
               </a:tabLst>
             </a:pPr>
-            <a:r>
-              <a:rPr lang="de-DE" sz="2000" dirty="0" smtClean="0">
-                <a:solidFill>
-                  <a:srgbClr val="001F47"/>
-                </a:solidFill>
-              </a:rPr>
-              <a:t>https://</a:t>
-            </a:r>
-            <a:r>
-              <a:rPr lang="de-DE" sz="2000" dirty="0" smtClean="0">
-                <a:solidFill>
-                  <a:srgbClr val="001F47"/>
-                </a:solidFill>
-              </a:rPr>
-              <a:t>laravel.com/docs/5.6</a:t>
-            </a:r>
-          </a:p>
-          <a:p>
-            <a:pPr marL="288000" indent="-288000">
-              <a:lnSpc>
-                <a:spcPct val="140000"/>
-              </a:lnSpc>
-              <a:buClr>
-                <a:srgbClr val="001F47"/>
-              </a:buClr>
-              <a:buSzPct val="100000"/>
-              <a:buFont typeface="Wingdings" panose="05000000000000000000" pitchFamily="2" charset="2"/>
-              <a:buChar char=""/>
-              <a:tabLst>
-                <a:tab pos="288000" algn="l"/>
-              </a:tabLst>
-            </a:pPr>
-            <a:r>
-              <a:rPr lang="de-DE" sz="2000" dirty="0" smtClean="0">
-                <a:solidFill>
-                  <a:srgbClr val="001F47"/>
-                </a:solidFill>
-              </a:rPr>
-              <a:t>https</a:t>
-            </a:r>
-            <a:r>
-              <a:rPr lang="de-DE" sz="2000" dirty="0" smtClean="0">
-                <a:solidFill>
-                  <a:srgbClr val="001F47"/>
-                </a:solidFill>
-              </a:rPr>
-              <a:t>://php.net/docs.php</a:t>
-            </a:r>
-          </a:p>
-          <a:p>
-            <a:pPr marL="288000" indent="-288000">
-              <a:lnSpc>
-                <a:spcPct val="140000"/>
-              </a:lnSpc>
-              <a:buClr>
-                <a:srgbClr val="001F47"/>
-              </a:buClr>
-              <a:buSzPct val="100000"/>
-              <a:buFont typeface="Wingdings" panose="05000000000000000000" pitchFamily="2" charset="2"/>
-              <a:buChar char=""/>
-              <a:tabLst>
-                <a:tab pos="288000" algn="l"/>
-              </a:tabLst>
-            </a:pPr>
-            <a:r>
-              <a:rPr lang="de-DE" sz="2000" dirty="0" smtClean="0">
-                <a:solidFill>
-                  <a:srgbClr val="001F47"/>
-                </a:solidFill>
-              </a:rPr>
-              <a:t>https://getbootstrap.com/docs/4.1/</a:t>
-            </a:r>
             <a:endParaRPr lang="de-DE" sz="2000" dirty="0" smtClean="0">
               <a:solidFill>
                 <a:srgbClr val="001F47"/>
@@ -2008,16 +2511,77 @@
           </a:p>
         </p:txBody>
       </p:sp>
+      <p:pic>
+        <p:nvPicPr>
+          <p:cNvPr id="6" name="Grafik 5" descr="mvc.png"/>
+          <p:cNvPicPr>
+            <a:picLocks noChangeAspect="1"/>
+          </p:cNvPicPr>
+          <p:nvPr/>
+        </p:nvPicPr>
+        <p:blipFill>
+          <a:blip r:embed="rId2"/>
+          <a:stretch>
+            <a:fillRect/>
+          </a:stretch>
+        </p:blipFill>
+        <p:spPr>
+          <a:xfrm>
+            <a:off x="471420" y="1751702"/>
+            <a:ext cx="8334510" cy="3807526"/>
+          </a:xfrm>
+          <a:prstGeom prst="rect">
+            <a:avLst/>
+          </a:prstGeom>
+        </p:spPr>
+      </p:pic>
+    </p:spTree>
+    <p:extLst>
+      <p:ext uri="{BB962C8B-B14F-4D97-AF65-F5344CB8AC3E}">
+        <p14:creationId xmlns:p14="http://schemas.microsoft.com/office/powerpoint/2010/main" xmlns="" val="2040157117"/>
+      </p:ext>
+    </p:extLst>
+  </p:cSld>
+  <p:clrMapOvr>
+    <a:masterClrMapping/>
+  </p:clrMapOvr>
+  <p:timing>
+    <p:tnLst>
+      <p:par>
+        <p:cTn id="1" dur="indefinite" restart="never" nodeType="tmRoot"/>
+      </p:par>
+    </p:tnLst>
+  </p:timing>
+</p:sld>
+</file>
+
+<file path=ppt/slides/slide6.xml><?xml version="1.0" encoding="utf-8"?>
+<p:sld xmlns:a="http://schemas.openxmlformats.org/drawingml/2006/main" xmlns:r="http://schemas.openxmlformats.org/officeDocument/2006/relationships" xmlns:p="http://schemas.openxmlformats.org/presentationml/2006/main">
+  <p:cSld>
+    <p:spTree>
+      <p:nvGrpSpPr>
+        <p:cNvPr id="1" name=""/>
+        <p:cNvGrpSpPr/>
+        <p:nvPr/>
+      </p:nvGrpSpPr>
+      <p:grpSpPr>
+        <a:xfrm>
+          <a:off x="0" y="0"/>
+          <a:ext cx="0" cy="0"/>
+          <a:chOff x="0" y="0"/>
+          <a:chExt cx="0" cy="0"/>
+        </a:xfrm>
+      </p:grpSpPr>
       <p:sp>
         <p:nvSpPr>
-          <p:cNvPr id="5" name="Textfeld 4"/>
+          <p:cNvPr id="4" name="Textfeld 3"/>
           <p:cNvSpPr txBox="1"/>
           <p:nvPr/>
         </p:nvSpPr>
         <p:spPr>
           <a:xfrm>
-            <a:off x="3802380" y="6433245"/>
-            <a:ext cx="5006340" cy="153888"/>
+            <a:off x="252000" y="1170000"/>
+            <a:ext cx="8640000" cy="5508000"/>
           </a:xfrm>
           <a:prstGeom prst="rect">
             <a:avLst/>
@@ -2025,37 +2589,24 @@
           <a:noFill/>
         </p:spPr>
         <p:txBody>
-          <a:bodyPr wrap="square" lIns="0" tIns="0" rIns="0" bIns="0" rtlCol="0">
-            <a:spAutoFit/>
+          <a:bodyPr wrap="square" lIns="450000" tIns="360000" rIns="450000" bIns="450000" rtlCol="0">
+            <a:noAutofit/>
           </a:bodyPr>
           <a:lstStyle/>
           <a:p>
-            <a:pPr algn="r"/>
-            <a:r>
-              <a:rPr lang="de-DE" sz="1000" dirty="0" smtClean="0">
-                <a:solidFill>
-                  <a:srgbClr val="001F47"/>
-                </a:solidFill>
-              </a:rPr>
-              <a:t>Fußzeile Calibri 10 </a:t>
-            </a:r>
-            <a:r>
-              <a:rPr lang="de-DE" sz="1000" dirty="0" err="1" smtClean="0">
-                <a:solidFill>
-                  <a:srgbClr val="001F47"/>
-                </a:solidFill>
-              </a:rPr>
-              <a:t>pt</a:t>
-            </a:r>
-            <a:r>
-              <a:rPr lang="de-DE" sz="1000" dirty="0" smtClean="0">
-                <a:solidFill>
-                  <a:srgbClr val="001F47"/>
-                </a:solidFill>
-              </a:rPr>
-              <a:t>, Ausrichtung rechts, Zeilenabstand einfach, Schriftfarbe: RGB 0/31/71</a:t>
-            </a:r>
-            <a:endParaRPr lang="de-DE" sz="1000" dirty="0">
+            <a:pPr marL="2574000" lvl="5" indent="-288000">
+              <a:lnSpc>
+                <a:spcPct val="140000"/>
+              </a:lnSpc>
+              <a:buClr>
+                <a:srgbClr val="001F47"/>
+              </a:buClr>
+              <a:buSzPct val="100000"/>
+              <a:tabLst>
+                <a:tab pos="288000" algn="l"/>
+              </a:tabLst>
+            </a:pPr>
+            <a:endParaRPr lang="de-DE" sz="2000" dirty="0" smtClean="0">
               <a:solidFill>
                 <a:srgbClr val="001F47"/>
               </a:solidFill>
@@ -2063,10 +2614,367 @@
           </a:p>
         </p:txBody>
       </p:sp>
+      <p:pic>
+        <p:nvPicPr>
+          <p:cNvPr id="6" name="Grafik 5" descr="mvc.png"/>
+          <p:cNvPicPr>
+            <a:picLocks noChangeAspect="1"/>
+          </p:cNvPicPr>
+          <p:nvPr/>
+        </p:nvPicPr>
+        <p:blipFill>
+          <a:blip r:embed="rId2"/>
+          <a:stretch>
+            <a:fillRect/>
+          </a:stretch>
+        </p:blipFill>
+        <p:spPr>
+          <a:xfrm>
+            <a:off x="270955" y="2822453"/>
+            <a:ext cx="5057775" cy="242047"/>
+          </a:xfrm>
+          <a:prstGeom prst="rect">
+            <a:avLst/>
+          </a:prstGeom>
+        </p:spPr>
+      </p:pic>
+      <p:pic>
+        <p:nvPicPr>
+          <p:cNvPr id="5" name="Grafik 4" descr="mvc.png"/>
+          <p:cNvPicPr>
+            <a:picLocks noChangeAspect="1"/>
+          </p:cNvPicPr>
+          <p:nvPr/>
+        </p:nvPicPr>
+        <p:blipFill>
+          <a:blip r:embed="rId3"/>
+          <a:stretch>
+            <a:fillRect/>
+          </a:stretch>
+        </p:blipFill>
+        <p:spPr>
+          <a:xfrm>
+            <a:off x="277421" y="3112418"/>
+            <a:ext cx="8584391" cy="1014519"/>
+          </a:xfrm>
+          <a:prstGeom prst="rect">
+            <a:avLst/>
+          </a:prstGeom>
+        </p:spPr>
+      </p:pic>
     </p:spTree>
     <p:extLst>
       <p:ext uri="{BB962C8B-B14F-4D97-AF65-F5344CB8AC3E}">
-        <p14:creationId xmlns="" xmlns:p14="http://schemas.microsoft.com/office/powerpoint/2010/main" val="2040157117"/>
+        <p14:creationId xmlns:p14="http://schemas.microsoft.com/office/powerpoint/2010/main" xmlns="" val="2040157117"/>
+      </p:ext>
+    </p:extLst>
+  </p:cSld>
+  <p:clrMapOvr>
+    <a:masterClrMapping/>
+  </p:clrMapOvr>
+  <p:timing>
+    <p:tnLst>
+      <p:par>
+        <p:cTn id="1" dur="indefinite" restart="never" nodeType="tmRoot"/>
+      </p:par>
+    </p:tnLst>
+  </p:timing>
+</p:sld>
+</file>
+
+<file path=ppt/slides/slide7.xml><?xml version="1.0" encoding="utf-8"?>
+<p:sld xmlns:a="http://schemas.openxmlformats.org/drawingml/2006/main" xmlns:r="http://schemas.openxmlformats.org/officeDocument/2006/relationships" xmlns:p="http://schemas.openxmlformats.org/presentationml/2006/main">
+  <p:cSld>
+    <p:spTree>
+      <p:nvGrpSpPr>
+        <p:cNvPr id="1" name=""/>
+        <p:cNvGrpSpPr/>
+        <p:nvPr/>
+      </p:nvGrpSpPr>
+      <p:grpSpPr>
+        <a:xfrm>
+          <a:off x="0" y="0"/>
+          <a:ext cx="0" cy="0"/>
+          <a:chOff x="0" y="0"/>
+          <a:chExt cx="0" cy="0"/>
+        </a:xfrm>
+      </p:grpSpPr>
+      <p:sp>
+        <p:nvSpPr>
+          <p:cNvPr id="4" name="Textfeld 3"/>
+          <p:cNvSpPr txBox="1"/>
+          <p:nvPr/>
+        </p:nvSpPr>
+        <p:spPr>
+          <a:xfrm>
+            <a:off x="252000" y="1170000"/>
+            <a:ext cx="8640000" cy="5508000"/>
+          </a:xfrm>
+          <a:prstGeom prst="rect">
+            <a:avLst/>
+          </a:prstGeom>
+          <a:noFill/>
+        </p:spPr>
+        <p:txBody>
+          <a:bodyPr wrap="square" lIns="450000" tIns="360000" rIns="450000" bIns="450000" rtlCol="0">
+            <a:noAutofit/>
+          </a:bodyPr>
+          <a:lstStyle/>
+          <a:p>
+            <a:pPr marL="2574000" lvl="5" indent="-288000">
+              <a:lnSpc>
+                <a:spcPct val="140000"/>
+              </a:lnSpc>
+              <a:buClr>
+                <a:srgbClr val="001F47"/>
+              </a:buClr>
+              <a:buSzPct val="100000"/>
+              <a:tabLst>
+                <a:tab pos="288000" algn="l"/>
+              </a:tabLst>
+            </a:pPr>
+            <a:endParaRPr lang="de-DE" sz="2000" dirty="0" smtClean="0">
+              <a:solidFill>
+                <a:srgbClr val="001F47"/>
+              </a:solidFill>
+            </a:endParaRPr>
+          </a:p>
+        </p:txBody>
+      </p:sp>
+      <p:pic>
+        <p:nvPicPr>
+          <p:cNvPr id="6" name="Grafik 5" descr="mvc.png"/>
+          <p:cNvPicPr>
+            <a:picLocks noChangeAspect="1"/>
+          </p:cNvPicPr>
+          <p:nvPr/>
+        </p:nvPicPr>
+        <p:blipFill>
+          <a:blip r:embed="rId2"/>
+          <a:stretch>
+            <a:fillRect/>
+          </a:stretch>
+        </p:blipFill>
+        <p:spPr>
+          <a:xfrm>
+            <a:off x="2115940" y="3062613"/>
+            <a:ext cx="5057775" cy="1558161"/>
+          </a:xfrm>
+          <a:prstGeom prst="rect">
+            <a:avLst/>
+          </a:prstGeom>
+        </p:spPr>
+      </p:pic>
+    </p:spTree>
+    <p:extLst>
+      <p:ext uri="{BB962C8B-B14F-4D97-AF65-F5344CB8AC3E}">
+        <p14:creationId xmlns:p14="http://schemas.microsoft.com/office/powerpoint/2010/main" xmlns="" val="2040157117"/>
+      </p:ext>
+    </p:extLst>
+  </p:cSld>
+  <p:clrMapOvr>
+    <a:masterClrMapping/>
+  </p:clrMapOvr>
+  <p:timing>
+    <p:tnLst>
+      <p:par>
+        <p:cTn id="1" dur="indefinite" restart="never" nodeType="tmRoot"/>
+      </p:par>
+    </p:tnLst>
+  </p:timing>
+</p:sld>
+</file>
+
+<file path=ppt/slides/slide8.xml><?xml version="1.0" encoding="utf-8"?>
+<p:sld xmlns:a="http://schemas.openxmlformats.org/drawingml/2006/main" xmlns:r="http://schemas.openxmlformats.org/officeDocument/2006/relationships" xmlns:p="http://schemas.openxmlformats.org/presentationml/2006/main">
+  <p:cSld>
+    <p:spTree>
+      <p:nvGrpSpPr>
+        <p:cNvPr id="1" name=""/>
+        <p:cNvGrpSpPr/>
+        <p:nvPr/>
+      </p:nvGrpSpPr>
+      <p:grpSpPr>
+        <a:xfrm>
+          <a:off x="0" y="0"/>
+          <a:ext cx="0" cy="0"/>
+          <a:chOff x="0" y="0"/>
+          <a:chExt cx="0" cy="0"/>
+        </a:xfrm>
+      </p:grpSpPr>
+      <p:sp>
+        <p:nvSpPr>
+          <p:cNvPr id="4" name="Textfeld 3"/>
+          <p:cNvSpPr txBox="1"/>
+          <p:nvPr/>
+        </p:nvSpPr>
+        <p:spPr>
+          <a:xfrm>
+            <a:off x="252000" y="1170000"/>
+            <a:ext cx="8640000" cy="5508000"/>
+          </a:xfrm>
+          <a:prstGeom prst="rect">
+            <a:avLst/>
+          </a:prstGeom>
+          <a:noFill/>
+        </p:spPr>
+        <p:txBody>
+          <a:bodyPr wrap="square" lIns="450000" tIns="360000" rIns="450000" bIns="450000" rtlCol="0">
+            <a:noAutofit/>
+          </a:bodyPr>
+          <a:lstStyle/>
+          <a:p>
+            <a:pPr marL="2574000" lvl="5" indent="-288000">
+              <a:lnSpc>
+                <a:spcPct val="140000"/>
+              </a:lnSpc>
+              <a:buClr>
+                <a:srgbClr val="001F47"/>
+              </a:buClr>
+              <a:buSzPct val="100000"/>
+              <a:tabLst>
+                <a:tab pos="288000" algn="l"/>
+              </a:tabLst>
+            </a:pPr>
+            <a:endParaRPr lang="de-DE" sz="2000" dirty="0" smtClean="0">
+              <a:solidFill>
+                <a:srgbClr val="001F47"/>
+              </a:solidFill>
+            </a:endParaRPr>
+          </a:p>
+        </p:txBody>
+      </p:sp>
+      <p:pic>
+        <p:nvPicPr>
+          <p:cNvPr id="6" name="Grafik 5" descr="mvc.png"/>
+          <p:cNvPicPr>
+            <a:picLocks noChangeAspect="1"/>
+          </p:cNvPicPr>
+          <p:nvPr/>
+        </p:nvPicPr>
+        <p:blipFill>
+          <a:blip r:embed="rId2"/>
+          <a:stretch>
+            <a:fillRect/>
+          </a:stretch>
+        </p:blipFill>
+        <p:spPr>
+          <a:xfrm>
+            <a:off x="1404792" y="2625643"/>
+            <a:ext cx="6767777" cy="2140566"/>
+          </a:xfrm>
+          <a:prstGeom prst="rect">
+            <a:avLst/>
+          </a:prstGeom>
+        </p:spPr>
+      </p:pic>
+    </p:spTree>
+    <p:extLst>
+      <p:ext uri="{BB962C8B-B14F-4D97-AF65-F5344CB8AC3E}">
+        <p14:creationId xmlns:p14="http://schemas.microsoft.com/office/powerpoint/2010/main" xmlns="" val="2040157117"/>
+      </p:ext>
+    </p:extLst>
+  </p:cSld>
+  <p:clrMapOvr>
+    <a:masterClrMapping/>
+  </p:clrMapOvr>
+  <p:timing>
+    <p:tnLst>
+      <p:par>
+        <p:cTn id="1" dur="indefinite" restart="never" nodeType="tmRoot"/>
+      </p:par>
+    </p:tnLst>
+  </p:timing>
+</p:sld>
+</file>
+
+<file path=ppt/slides/slide9.xml><?xml version="1.0" encoding="utf-8"?>
+<p:sld xmlns:a="http://schemas.openxmlformats.org/drawingml/2006/main" xmlns:r="http://schemas.openxmlformats.org/officeDocument/2006/relationships" xmlns:p="http://schemas.openxmlformats.org/presentationml/2006/main">
+  <p:cSld>
+    <p:spTree>
+      <p:nvGrpSpPr>
+        <p:cNvPr id="1" name=""/>
+        <p:cNvGrpSpPr/>
+        <p:nvPr/>
+      </p:nvGrpSpPr>
+      <p:grpSpPr>
+        <a:xfrm>
+          <a:off x="0" y="0"/>
+          <a:ext cx="0" cy="0"/>
+          <a:chOff x="0" y="0"/>
+          <a:chExt cx="0" cy="0"/>
+        </a:xfrm>
+      </p:grpSpPr>
+      <p:sp>
+        <p:nvSpPr>
+          <p:cNvPr id="4" name="Textfeld 3"/>
+          <p:cNvSpPr txBox="1"/>
+          <p:nvPr/>
+        </p:nvSpPr>
+        <p:spPr>
+          <a:xfrm>
+            <a:off x="252000" y="1170000"/>
+            <a:ext cx="8640000" cy="5508000"/>
+          </a:xfrm>
+          <a:prstGeom prst="rect">
+            <a:avLst/>
+          </a:prstGeom>
+          <a:noFill/>
+        </p:spPr>
+        <p:txBody>
+          <a:bodyPr wrap="square" lIns="450000" tIns="360000" rIns="450000" bIns="450000" rtlCol="0">
+            <a:noAutofit/>
+          </a:bodyPr>
+          <a:lstStyle/>
+          <a:p>
+            <a:pPr marL="2574000" lvl="5" indent="-288000">
+              <a:lnSpc>
+                <a:spcPct val="140000"/>
+              </a:lnSpc>
+              <a:buClr>
+                <a:srgbClr val="001F47"/>
+              </a:buClr>
+              <a:buSzPct val="100000"/>
+              <a:tabLst>
+                <a:tab pos="288000" algn="l"/>
+              </a:tabLst>
+            </a:pPr>
+            <a:endParaRPr lang="de-DE" sz="2000" dirty="0" smtClean="0">
+              <a:solidFill>
+                <a:srgbClr val="001F47"/>
+              </a:solidFill>
+            </a:endParaRPr>
+          </a:p>
+        </p:txBody>
+      </p:sp>
+      <p:pic>
+        <p:nvPicPr>
+          <p:cNvPr id="6" name="Grafik 5" descr="mvc.png"/>
+          <p:cNvPicPr>
+            <a:picLocks noChangeAspect="1"/>
+          </p:cNvPicPr>
+          <p:nvPr/>
+        </p:nvPicPr>
+        <p:blipFill>
+          <a:blip r:embed="rId2"/>
+          <a:stretch>
+            <a:fillRect/>
+          </a:stretch>
+        </p:blipFill>
+        <p:spPr>
+          <a:xfrm>
+            <a:off x="669616" y="1330916"/>
+            <a:ext cx="7940310" cy="5303394"/>
+          </a:xfrm>
+          <a:prstGeom prst="rect">
+            <a:avLst/>
+          </a:prstGeom>
+        </p:spPr>
+      </p:pic>
+    </p:spTree>
+    <p:extLst>
+      <p:ext uri="{BB962C8B-B14F-4D97-AF65-F5344CB8AC3E}">
+        <p14:creationId xmlns:p14="http://schemas.microsoft.com/office/powerpoint/2010/main" xmlns="" val="2040157117"/>
       </p:ext>
     </p:extLst>
   </p:cSld>
@@ -2338,7 +3246,7 @@
   <a:extraClrSchemeLst/>
   <a:extLst>
     <a:ext uri="{05A4C25C-085E-4340-85A3-A5531E510DB2}">
-      <thm15:themeFamily xmlns:thm15="http://schemas.microsoft.com/office/thememl/2012/main" xmlns="" name="Office Theme" id="{62F939B6-93AF-4DB8-9C6B-D6C7DFDC589F}" vid="{4A3C46E8-61CC-4603-A589-7422A47A8E4A}"/>
+      <thm15:themeFamily xmlns="" xmlns:thm15="http://schemas.microsoft.com/office/thememl/2012/main" name="Office Theme" id="{62F939B6-93AF-4DB8-9C6B-D6C7DFDC589F}" vid="{4A3C46E8-61CC-4603-A589-7422A47A8E4A}"/>
     </a:ext>
   </a:extLst>
 </a:theme>
@@ -2599,7 +3507,7 @@
   <a:extraClrSchemeLst/>
   <a:extLst>
     <a:ext uri="{05A4C25C-085E-4340-85A3-A5531E510DB2}">
-      <thm15:themeFamily xmlns:thm15="http://schemas.microsoft.com/office/thememl/2012/main" xmlns="" name="Office Theme" id="{62F939B6-93AF-4DB8-9C6B-D6C7DFDC589F}" vid="{4A3C46E8-61CC-4603-A589-7422A47A8E4A}"/>
+      <thm15:themeFamily xmlns="" xmlns:thm15="http://schemas.microsoft.com/office/thememl/2012/main" name="Office Theme" id="{62F939B6-93AF-4DB8-9C6B-D6C7DFDC589F}" vid="{4A3C46E8-61CC-4603-A589-7422A47A8E4A}"/>
     </a:ext>
   </a:extLst>
 </a:theme>

--- a/documentation/Präsentation.pptx
+++ b/documentation/Präsentation.pptx
@@ -4,24 +4,27 @@
   <p:sldMasterIdLst>
     <p:sldMasterId id="2147483674" r:id="rId1"/>
     <p:sldMasterId id="2147483672" r:id="rId2"/>
+    <p:sldMasterId id="2147483676" r:id="rId3"/>
+    <p:sldMasterId id="2147483689" r:id="rId4"/>
   </p:sldMasterIdLst>
   <p:sldIdLst>
-    <p:sldId id="256" r:id="rId3"/>
-    <p:sldId id="260" r:id="rId4"/>
-    <p:sldId id="257" r:id="rId5"/>
-    <p:sldId id="262" r:id="rId6"/>
-    <p:sldId id="266" r:id="rId7"/>
-    <p:sldId id="263" r:id="rId8"/>
-    <p:sldId id="264" r:id="rId9"/>
-    <p:sldId id="265" r:id="rId10"/>
-    <p:sldId id="267" r:id="rId11"/>
-    <p:sldId id="268" r:id="rId12"/>
-    <p:sldId id="269" r:id="rId13"/>
-    <p:sldId id="270" r:id="rId14"/>
-    <p:sldId id="271" r:id="rId15"/>
-    <p:sldId id="261" r:id="rId16"/>
+    <p:sldId id="256" r:id="rId5"/>
+    <p:sldId id="260" r:id="rId6"/>
+    <p:sldId id="257" r:id="rId7"/>
+    <p:sldId id="262" r:id="rId8"/>
+    <p:sldId id="266" r:id="rId9"/>
+    <p:sldId id="263" r:id="rId10"/>
+    <p:sldId id="264" r:id="rId11"/>
+    <p:sldId id="265" r:id="rId12"/>
+    <p:sldId id="267" r:id="rId13"/>
+    <p:sldId id="268" r:id="rId14"/>
+    <p:sldId id="269" r:id="rId15"/>
+    <p:sldId id="270" r:id="rId16"/>
+    <p:sldId id="271" r:id="rId17"/>
+    <p:sldId id="261" r:id="rId18"/>
+    <p:sldId id="272" r:id="rId19"/>
   </p:sldIdLst>
-  <p:sldSz cx="9144000" cy="6858000" type="screen4x3"/>
+  <p:sldSz cx="12192000" cy="6858000"/>
   <p:notesSz cx="6784975" cy="9856788"/>
   <p:defaultTextStyle>
     <a:defPPr>
@@ -120,13 +123,13 @@
   </p:defaultTextStyle>
   <p:extLst>
     <p:ext uri="{EFAFB233-063F-42B5-8137-9DF3F51BA10A}">
-      <p15:sldGuideLst xmlns="" xmlns:p15="http://schemas.microsoft.com/office/powerpoint/2012/main">
+      <p15:sldGuideLst xmlns:p15="http://schemas.microsoft.com/office/powerpoint/2012/main">
         <p15:guide id="1" orient="horz" pos="2160" userDrawn="1">
           <p15:clr>
             <a:srgbClr val="A4A3A4"/>
           </p15:clr>
         </p15:guide>
-        <p15:guide id="2" pos="2880" userDrawn="1">
+        <p15:guide id="2" pos="3840" userDrawn="1">
           <p15:clr>
             <a:srgbClr val="A4A3A4"/>
           </p15:clr>
@@ -162,8 +165,8 @@
         </p:nvSpPr>
         <p:spPr>
           <a:xfrm>
-            <a:off x="3131820" y="6164580"/>
-            <a:ext cx="2887980" cy="369332"/>
+            <a:off x="4175760" y="6164580"/>
+            <a:ext cx="3850640" cy="369332"/>
           </a:xfrm>
           <a:prstGeom prst="rect">
             <a:avLst/>
@@ -178,39 +181,31 @@
           <a:p>
             <a:pPr algn="ctr"/>
             <a:r>
-              <a:rPr lang="de-DE" b="1" dirty="0" smtClean="0"/>
+              <a:rPr lang="de-DE" sz="1800" b="1" dirty="0"/>
               <a:t>www.bfw-hamburg.de</a:t>
             </a:r>
-            <a:endParaRPr lang="de-DE" b="1" dirty="0"/>
           </a:p>
         </p:txBody>
       </p:sp>
     </p:spTree>
     <p:extLst>
       <p:ext uri="{BB962C8B-B14F-4D97-AF65-F5344CB8AC3E}">
-        <p14:creationId xmlns:p14="http://schemas.microsoft.com/office/powerpoint/2010/main" xmlns="" val="2538900022"/>
+        <p14:creationId xmlns:p14="http://schemas.microsoft.com/office/powerpoint/2010/main" val="2538900022"/>
       </p:ext>
     </p:extLst>
   </p:cSld>
   <p:clrMapOvr>
     <a:masterClrMapping/>
   </p:clrMapOvr>
-  <p:timing>
-    <p:tnLst>
-      <p:par>
-        <p:cTn id="1" dur="indefinite" restart="never" nodeType="tmRoot"/>
-      </p:par>
-    </p:tnLst>
-  </p:timing>
-  <p:extLst>
+  <p:extLst mod="1">
     <p:ext uri="{DCECCB84-F9BA-43D5-87BE-67443E8EF086}">
-      <p15:sldGuideLst xmlns="" xmlns:p15="http://schemas.microsoft.com/office/powerpoint/2012/main">
+      <p15:sldGuideLst xmlns:p15="http://schemas.microsoft.com/office/powerpoint/2012/main">
         <p15:guide id="1" orient="horz" pos="2160" userDrawn="1">
           <p15:clr>
             <a:srgbClr val="FBAE40"/>
           </p15:clr>
         </p15:guide>
-        <p15:guide id="2" pos="2880" userDrawn="1">
+        <p15:guide id="2" pos="3840" userDrawn="1">
           <p15:clr>
             <a:srgbClr val="FBAE40"/>
           </p15:clr>
@@ -218,6 +213,2173 @@
       </p15:sldGuideLst>
     </p:ext>
   </p:extLst>
+</p:sldLayout>
+</file>
+
+<file path=ppt/slideLayouts/slideLayout10.xml><?xml version="1.0" encoding="utf-8"?>
+<p:sldLayout xmlns:a="http://schemas.openxmlformats.org/drawingml/2006/main" xmlns:r="http://schemas.openxmlformats.org/officeDocument/2006/relationships" xmlns:p="http://schemas.openxmlformats.org/presentationml/2006/main" type="objTx" preserve="1">
+  <p:cSld name="Inhalt mit Überschrift">
+    <p:spTree>
+      <p:nvGrpSpPr>
+        <p:cNvPr id="1" name=""/>
+        <p:cNvGrpSpPr/>
+        <p:nvPr/>
+      </p:nvGrpSpPr>
+      <p:grpSpPr>
+        <a:xfrm>
+          <a:off x="0" y="0"/>
+          <a:ext cx="0" cy="0"/>
+          <a:chOff x="0" y="0"/>
+          <a:chExt cx="0" cy="0"/>
+        </a:xfrm>
+      </p:grpSpPr>
+      <p:sp>
+        <p:nvSpPr>
+          <p:cNvPr id="2" name="Title 1"/>
+          <p:cNvSpPr>
+            <a:spLocks noGrp="1"/>
+          </p:cNvSpPr>
+          <p:nvPr>
+            <p:ph type="title"/>
+          </p:nvPr>
+        </p:nvSpPr>
+        <p:spPr>
+          <a:xfrm>
+            <a:off x="839788" y="457200"/>
+            <a:ext cx="3932237" cy="1600200"/>
+          </a:xfrm>
+        </p:spPr>
+        <p:txBody>
+          <a:bodyPr anchor="b"/>
+          <a:lstStyle>
+            <a:lvl1pPr>
+              <a:defRPr sz="3200"/>
+            </a:lvl1pPr>
+          </a:lstStyle>
+          <a:p>
+            <a:r>
+              <a:rPr lang="de-DE"/>
+              <a:t>Mastertitelformat bearbeiten</a:t>
+            </a:r>
+            <a:endParaRPr lang="en-US" dirty="0"/>
+          </a:p>
+        </p:txBody>
+      </p:sp>
+      <p:sp>
+        <p:nvSpPr>
+          <p:cNvPr id="3" name="Content Placeholder 2"/>
+          <p:cNvSpPr>
+            <a:spLocks noGrp="1"/>
+          </p:cNvSpPr>
+          <p:nvPr>
+            <p:ph idx="1"/>
+          </p:nvPr>
+        </p:nvSpPr>
+        <p:spPr>
+          <a:xfrm>
+            <a:off x="5183188" y="987425"/>
+            <a:ext cx="6172200" cy="4873625"/>
+          </a:xfrm>
+        </p:spPr>
+        <p:txBody>
+          <a:bodyPr/>
+          <a:lstStyle>
+            <a:lvl1pPr>
+              <a:defRPr sz="3200"/>
+            </a:lvl1pPr>
+            <a:lvl2pPr>
+              <a:defRPr sz="2800"/>
+            </a:lvl2pPr>
+            <a:lvl3pPr>
+              <a:defRPr sz="2400"/>
+            </a:lvl3pPr>
+            <a:lvl4pPr>
+              <a:defRPr sz="2000"/>
+            </a:lvl4pPr>
+            <a:lvl5pPr>
+              <a:defRPr sz="2000"/>
+            </a:lvl5pPr>
+            <a:lvl6pPr>
+              <a:defRPr sz="2000"/>
+            </a:lvl6pPr>
+            <a:lvl7pPr>
+              <a:defRPr sz="2000"/>
+            </a:lvl7pPr>
+            <a:lvl8pPr>
+              <a:defRPr sz="2000"/>
+            </a:lvl8pPr>
+            <a:lvl9pPr>
+              <a:defRPr sz="2000"/>
+            </a:lvl9pPr>
+          </a:lstStyle>
+          <a:p>
+            <a:pPr lvl="0"/>
+            <a:r>
+              <a:rPr lang="de-DE"/>
+              <a:t>Mastertextformat bearbeiten</a:t>
+            </a:r>
+          </a:p>
+          <a:p>
+            <a:pPr lvl="1"/>
+            <a:r>
+              <a:rPr lang="de-DE"/>
+              <a:t>Zweite Ebene</a:t>
+            </a:r>
+          </a:p>
+          <a:p>
+            <a:pPr lvl="2"/>
+            <a:r>
+              <a:rPr lang="de-DE"/>
+              <a:t>Dritte Ebene</a:t>
+            </a:r>
+          </a:p>
+          <a:p>
+            <a:pPr lvl="3"/>
+            <a:r>
+              <a:rPr lang="de-DE"/>
+              <a:t>Vierte Ebene</a:t>
+            </a:r>
+          </a:p>
+          <a:p>
+            <a:pPr lvl="4"/>
+            <a:r>
+              <a:rPr lang="de-DE"/>
+              <a:t>Fünfte Ebene</a:t>
+            </a:r>
+            <a:endParaRPr lang="en-US" dirty="0"/>
+          </a:p>
+        </p:txBody>
+      </p:sp>
+      <p:sp>
+        <p:nvSpPr>
+          <p:cNvPr id="4" name="Text Placeholder 3"/>
+          <p:cNvSpPr>
+            <a:spLocks noGrp="1"/>
+          </p:cNvSpPr>
+          <p:nvPr>
+            <p:ph type="body" sz="half" idx="2"/>
+          </p:nvPr>
+        </p:nvSpPr>
+        <p:spPr>
+          <a:xfrm>
+            <a:off x="839788" y="2057400"/>
+            <a:ext cx="3932237" cy="3811588"/>
+          </a:xfrm>
+        </p:spPr>
+        <p:txBody>
+          <a:bodyPr/>
+          <a:lstStyle>
+            <a:lvl1pPr marL="0" indent="0">
+              <a:buNone/>
+              <a:defRPr sz="1600"/>
+            </a:lvl1pPr>
+            <a:lvl2pPr marL="457200" indent="0">
+              <a:buNone/>
+              <a:defRPr sz="1400"/>
+            </a:lvl2pPr>
+            <a:lvl3pPr marL="914400" indent="0">
+              <a:buNone/>
+              <a:defRPr sz="1200"/>
+            </a:lvl3pPr>
+            <a:lvl4pPr marL="1371600" indent="0">
+              <a:buNone/>
+              <a:defRPr sz="1000"/>
+            </a:lvl4pPr>
+            <a:lvl5pPr marL="1828800" indent="0">
+              <a:buNone/>
+              <a:defRPr sz="1000"/>
+            </a:lvl5pPr>
+            <a:lvl6pPr marL="2286000" indent="0">
+              <a:buNone/>
+              <a:defRPr sz="1000"/>
+            </a:lvl6pPr>
+            <a:lvl7pPr marL="2743200" indent="0">
+              <a:buNone/>
+              <a:defRPr sz="1000"/>
+            </a:lvl7pPr>
+            <a:lvl8pPr marL="3200400" indent="0">
+              <a:buNone/>
+              <a:defRPr sz="1000"/>
+            </a:lvl8pPr>
+            <a:lvl9pPr marL="3657600" indent="0">
+              <a:buNone/>
+              <a:defRPr sz="1000"/>
+            </a:lvl9pPr>
+          </a:lstStyle>
+          <a:p>
+            <a:pPr lvl="0"/>
+            <a:r>
+              <a:rPr lang="de-DE"/>
+              <a:t>Mastertextformat bearbeiten</a:t>
+            </a:r>
+          </a:p>
+        </p:txBody>
+      </p:sp>
+      <p:sp>
+        <p:nvSpPr>
+          <p:cNvPr id="5" name="Date Placeholder 4"/>
+          <p:cNvSpPr>
+            <a:spLocks noGrp="1"/>
+          </p:cNvSpPr>
+          <p:nvPr>
+            <p:ph type="dt" sz="half" idx="10"/>
+          </p:nvPr>
+        </p:nvSpPr>
+        <p:spPr/>
+        <p:txBody>
+          <a:bodyPr/>
+          <a:lstStyle/>
+          <a:p>
+            <a:fld id="{C764DE79-268F-4C1A-8933-263129D2AF90}" type="datetimeFigureOut">
+              <a:rPr lang="en-US" dirty="0"/>
+              <a:t>5/31/2018</a:t>
+            </a:fld>
+            <a:endParaRPr lang="en-US" dirty="0"/>
+          </a:p>
+        </p:txBody>
+      </p:sp>
+      <p:sp>
+        <p:nvSpPr>
+          <p:cNvPr id="6" name="Footer Placeholder 5"/>
+          <p:cNvSpPr>
+            <a:spLocks noGrp="1"/>
+          </p:cNvSpPr>
+          <p:nvPr>
+            <p:ph type="ftr" sz="quarter" idx="11"/>
+          </p:nvPr>
+        </p:nvSpPr>
+        <p:spPr/>
+        <p:txBody>
+          <a:bodyPr/>
+          <a:lstStyle/>
+          <a:p>
+            <a:endParaRPr lang="en-US" dirty="0"/>
+          </a:p>
+        </p:txBody>
+      </p:sp>
+      <p:sp>
+        <p:nvSpPr>
+          <p:cNvPr id="7" name="Slide Number Placeholder 6"/>
+          <p:cNvSpPr>
+            <a:spLocks noGrp="1"/>
+          </p:cNvSpPr>
+          <p:nvPr>
+            <p:ph type="sldNum" sz="quarter" idx="12"/>
+          </p:nvPr>
+        </p:nvSpPr>
+        <p:spPr/>
+        <p:txBody>
+          <a:bodyPr/>
+          <a:lstStyle/>
+          <a:p>
+            <a:fld id="{48F63A3B-78C7-47BE-AE5E-E10140E04643}" type="slidenum">
+              <a:rPr lang="en-US" dirty="0"/>
+              <a:t>‹Nr.›</a:t>
+            </a:fld>
+            <a:endParaRPr lang="en-US" dirty="0"/>
+          </a:p>
+        </p:txBody>
+      </p:sp>
+    </p:spTree>
+    <p:extLst>
+      <p:ext uri="{BB962C8B-B14F-4D97-AF65-F5344CB8AC3E}">
+        <p14:creationId xmlns:p14="http://schemas.microsoft.com/office/powerpoint/2010/main" val="1897323121"/>
+      </p:ext>
+    </p:extLst>
+  </p:cSld>
+  <p:clrMapOvr>
+    <a:masterClrMapping/>
+  </p:clrMapOvr>
+</p:sldLayout>
+</file>
+
+<file path=ppt/slideLayouts/slideLayout11.xml><?xml version="1.0" encoding="utf-8"?>
+<p:sldLayout xmlns:a="http://schemas.openxmlformats.org/drawingml/2006/main" xmlns:r="http://schemas.openxmlformats.org/officeDocument/2006/relationships" xmlns:p="http://schemas.openxmlformats.org/presentationml/2006/main" type="picTx" preserve="1">
+  <p:cSld name="Bild mit Überschrift">
+    <p:spTree>
+      <p:nvGrpSpPr>
+        <p:cNvPr id="1" name=""/>
+        <p:cNvGrpSpPr/>
+        <p:nvPr/>
+      </p:nvGrpSpPr>
+      <p:grpSpPr>
+        <a:xfrm>
+          <a:off x="0" y="0"/>
+          <a:ext cx="0" cy="0"/>
+          <a:chOff x="0" y="0"/>
+          <a:chExt cx="0" cy="0"/>
+        </a:xfrm>
+      </p:grpSpPr>
+      <p:sp>
+        <p:nvSpPr>
+          <p:cNvPr id="2" name="Title 1"/>
+          <p:cNvSpPr>
+            <a:spLocks noGrp="1"/>
+          </p:cNvSpPr>
+          <p:nvPr>
+            <p:ph type="title"/>
+          </p:nvPr>
+        </p:nvSpPr>
+        <p:spPr>
+          <a:xfrm>
+            <a:off x="839788" y="457200"/>
+            <a:ext cx="3932237" cy="1600200"/>
+          </a:xfrm>
+        </p:spPr>
+        <p:txBody>
+          <a:bodyPr anchor="b"/>
+          <a:lstStyle>
+            <a:lvl1pPr>
+              <a:defRPr sz="3200"/>
+            </a:lvl1pPr>
+          </a:lstStyle>
+          <a:p>
+            <a:r>
+              <a:rPr lang="de-DE"/>
+              <a:t>Mastertitelformat bearbeiten</a:t>
+            </a:r>
+            <a:endParaRPr lang="en-US" dirty="0"/>
+          </a:p>
+        </p:txBody>
+      </p:sp>
+      <p:sp>
+        <p:nvSpPr>
+          <p:cNvPr id="3" name="Picture Placeholder 2"/>
+          <p:cNvSpPr>
+            <a:spLocks noGrp="1" noChangeAspect="1"/>
+          </p:cNvSpPr>
+          <p:nvPr>
+            <p:ph type="pic" idx="1"/>
+          </p:nvPr>
+        </p:nvSpPr>
+        <p:spPr>
+          <a:xfrm>
+            <a:off x="5183188" y="987425"/>
+            <a:ext cx="6172200" cy="4873625"/>
+          </a:xfrm>
+        </p:spPr>
+        <p:txBody>
+          <a:bodyPr anchor="t"/>
+          <a:lstStyle>
+            <a:lvl1pPr marL="0" indent="0">
+              <a:buNone/>
+              <a:defRPr sz="3200"/>
+            </a:lvl1pPr>
+            <a:lvl2pPr marL="457200" indent="0">
+              <a:buNone/>
+              <a:defRPr sz="2800"/>
+            </a:lvl2pPr>
+            <a:lvl3pPr marL="914400" indent="0">
+              <a:buNone/>
+              <a:defRPr sz="2400"/>
+            </a:lvl3pPr>
+            <a:lvl4pPr marL="1371600" indent="0">
+              <a:buNone/>
+              <a:defRPr sz="2000"/>
+            </a:lvl4pPr>
+            <a:lvl5pPr marL="1828800" indent="0">
+              <a:buNone/>
+              <a:defRPr sz="2000"/>
+            </a:lvl5pPr>
+            <a:lvl6pPr marL="2286000" indent="0">
+              <a:buNone/>
+              <a:defRPr sz="2000"/>
+            </a:lvl6pPr>
+            <a:lvl7pPr marL="2743200" indent="0">
+              <a:buNone/>
+              <a:defRPr sz="2000"/>
+            </a:lvl7pPr>
+            <a:lvl8pPr marL="3200400" indent="0">
+              <a:buNone/>
+              <a:defRPr sz="2000"/>
+            </a:lvl8pPr>
+            <a:lvl9pPr marL="3657600" indent="0">
+              <a:buNone/>
+              <a:defRPr sz="2000"/>
+            </a:lvl9pPr>
+          </a:lstStyle>
+          <a:p>
+            <a:r>
+              <a:rPr lang="de-DE"/>
+              <a:t>Bild durch Klicken auf Symbol hinzufügen</a:t>
+            </a:r>
+            <a:endParaRPr lang="en-US" dirty="0"/>
+          </a:p>
+        </p:txBody>
+      </p:sp>
+      <p:sp>
+        <p:nvSpPr>
+          <p:cNvPr id="4" name="Text Placeholder 3"/>
+          <p:cNvSpPr>
+            <a:spLocks noGrp="1"/>
+          </p:cNvSpPr>
+          <p:nvPr>
+            <p:ph type="body" sz="half" idx="2"/>
+          </p:nvPr>
+        </p:nvSpPr>
+        <p:spPr>
+          <a:xfrm>
+            <a:off x="839788" y="2057400"/>
+            <a:ext cx="3932237" cy="3811588"/>
+          </a:xfrm>
+        </p:spPr>
+        <p:txBody>
+          <a:bodyPr/>
+          <a:lstStyle>
+            <a:lvl1pPr marL="0" indent="0">
+              <a:buNone/>
+              <a:defRPr sz="1600"/>
+            </a:lvl1pPr>
+            <a:lvl2pPr marL="457200" indent="0">
+              <a:buNone/>
+              <a:defRPr sz="1400"/>
+            </a:lvl2pPr>
+            <a:lvl3pPr marL="914400" indent="0">
+              <a:buNone/>
+              <a:defRPr sz="1200"/>
+            </a:lvl3pPr>
+            <a:lvl4pPr marL="1371600" indent="0">
+              <a:buNone/>
+              <a:defRPr sz="1000"/>
+            </a:lvl4pPr>
+            <a:lvl5pPr marL="1828800" indent="0">
+              <a:buNone/>
+              <a:defRPr sz="1000"/>
+            </a:lvl5pPr>
+            <a:lvl6pPr marL="2286000" indent="0">
+              <a:buNone/>
+              <a:defRPr sz="1000"/>
+            </a:lvl6pPr>
+            <a:lvl7pPr marL="2743200" indent="0">
+              <a:buNone/>
+              <a:defRPr sz="1000"/>
+            </a:lvl7pPr>
+            <a:lvl8pPr marL="3200400" indent="0">
+              <a:buNone/>
+              <a:defRPr sz="1000"/>
+            </a:lvl8pPr>
+            <a:lvl9pPr marL="3657600" indent="0">
+              <a:buNone/>
+              <a:defRPr sz="1000"/>
+            </a:lvl9pPr>
+          </a:lstStyle>
+          <a:p>
+            <a:pPr lvl="0"/>
+            <a:r>
+              <a:rPr lang="de-DE"/>
+              <a:t>Mastertextformat bearbeiten</a:t>
+            </a:r>
+          </a:p>
+        </p:txBody>
+      </p:sp>
+      <p:sp>
+        <p:nvSpPr>
+          <p:cNvPr id="5" name="Date Placeholder 4"/>
+          <p:cNvSpPr>
+            <a:spLocks noGrp="1"/>
+          </p:cNvSpPr>
+          <p:nvPr>
+            <p:ph type="dt" sz="half" idx="10"/>
+          </p:nvPr>
+        </p:nvSpPr>
+        <p:spPr/>
+        <p:txBody>
+          <a:bodyPr/>
+          <a:lstStyle/>
+          <a:p>
+            <a:fld id="{C764DE79-268F-4C1A-8933-263129D2AF90}" type="datetimeFigureOut">
+              <a:rPr lang="en-US" dirty="0"/>
+              <a:t>5/31/2018</a:t>
+            </a:fld>
+            <a:endParaRPr lang="en-US" dirty="0"/>
+          </a:p>
+        </p:txBody>
+      </p:sp>
+      <p:sp>
+        <p:nvSpPr>
+          <p:cNvPr id="6" name="Footer Placeholder 5"/>
+          <p:cNvSpPr>
+            <a:spLocks noGrp="1"/>
+          </p:cNvSpPr>
+          <p:nvPr>
+            <p:ph type="ftr" sz="quarter" idx="11"/>
+          </p:nvPr>
+        </p:nvSpPr>
+        <p:spPr/>
+        <p:txBody>
+          <a:bodyPr/>
+          <a:lstStyle/>
+          <a:p>
+            <a:endParaRPr lang="en-US" dirty="0"/>
+          </a:p>
+        </p:txBody>
+      </p:sp>
+      <p:sp>
+        <p:nvSpPr>
+          <p:cNvPr id="7" name="Slide Number Placeholder 6"/>
+          <p:cNvSpPr>
+            <a:spLocks noGrp="1"/>
+          </p:cNvSpPr>
+          <p:nvPr>
+            <p:ph type="sldNum" sz="quarter" idx="12"/>
+          </p:nvPr>
+        </p:nvSpPr>
+        <p:spPr/>
+        <p:txBody>
+          <a:bodyPr/>
+          <a:lstStyle/>
+          <a:p>
+            <a:fld id="{48F63A3B-78C7-47BE-AE5E-E10140E04643}" type="slidenum">
+              <a:rPr lang="en-US" dirty="0"/>
+              <a:t>‹Nr.›</a:t>
+            </a:fld>
+            <a:endParaRPr lang="en-US" dirty="0"/>
+          </a:p>
+        </p:txBody>
+      </p:sp>
+    </p:spTree>
+    <p:extLst>
+      <p:ext uri="{BB962C8B-B14F-4D97-AF65-F5344CB8AC3E}">
+        <p14:creationId xmlns:p14="http://schemas.microsoft.com/office/powerpoint/2010/main" val="127560458"/>
+      </p:ext>
+    </p:extLst>
+  </p:cSld>
+  <p:clrMapOvr>
+    <a:masterClrMapping/>
+  </p:clrMapOvr>
+</p:sldLayout>
+</file>
+
+<file path=ppt/slideLayouts/slideLayout12.xml><?xml version="1.0" encoding="utf-8"?>
+<p:sldLayout xmlns:a="http://schemas.openxmlformats.org/drawingml/2006/main" xmlns:r="http://schemas.openxmlformats.org/officeDocument/2006/relationships" xmlns:p="http://schemas.openxmlformats.org/presentationml/2006/main" type="vertTx" preserve="1">
+  <p:cSld name="Titel und vertikaler Text">
+    <p:spTree>
+      <p:nvGrpSpPr>
+        <p:cNvPr id="1" name=""/>
+        <p:cNvGrpSpPr/>
+        <p:nvPr/>
+      </p:nvGrpSpPr>
+      <p:grpSpPr>
+        <a:xfrm>
+          <a:off x="0" y="0"/>
+          <a:ext cx="0" cy="0"/>
+          <a:chOff x="0" y="0"/>
+          <a:chExt cx="0" cy="0"/>
+        </a:xfrm>
+      </p:grpSpPr>
+      <p:sp>
+        <p:nvSpPr>
+          <p:cNvPr id="2" name="Title 1"/>
+          <p:cNvSpPr>
+            <a:spLocks noGrp="1"/>
+          </p:cNvSpPr>
+          <p:nvPr>
+            <p:ph type="title"/>
+          </p:nvPr>
+        </p:nvSpPr>
+        <p:spPr/>
+        <p:txBody>
+          <a:bodyPr/>
+          <a:lstStyle/>
+          <a:p>
+            <a:r>
+              <a:rPr lang="de-DE"/>
+              <a:t>Mastertitelformat bearbeiten</a:t>
+            </a:r>
+            <a:endParaRPr lang="en-US" dirty="0"/>
+          </a:p>
+        </p:txBody>
+      </p:sp>
+      <p:sp>
+        <p:nvSpPr>
+          <p:cNvPr id="3" name="Vertical Text Placeholder 2"/>
+          <p:cNvSpPr>
+            <a:spLocks noGrp="1"/>
+          </p:cNvSpPr>
+          <p:nvPr>
+            <p:ph type="body" orient="vert" idx="1"/>
+          </p:nvPr>
+        </p:nvSpPr>
+        <p:spPr/>
+        <p:txBody>
+          <a:bodyPr vert="eaVert"/>
+          <a:lstStyle/>
+          <a:p>
+            <a:pPr lvl="0"/>
+            <a:r>
+              <a:rPr lang="de-DE"/>
+              <a:t>Mastertextformat bearbeiten</a:t>
+            </a:r>
+          </a:p>
+          <a:p>
+            <a:pPr lvl="1"/>
+            <a:r>
+              <a:rPr lang="de-DE"/>
+              <a:t>Zweite Ebene</a:t>
+            </a:r>
+          </a:p>
+          <a:p>
+            <a:pPr lvl="2"/>
+            <a:r>
+              <a:rPr lang="de-DE"/>
+              <a:t>Dritte Ebene</a:t>
+            </a:r>
+          </a:p>
+          <a:p>
+            <a:pPr lvl="3"/>
+            <a:r>
+              <a:rPr lang="de-DE"/>
+              <a:t>Vierte Ebene</a:t>
+            </a:r>
+          </a:p>
+          <a:p>
+            <a:pPr lvl="4"/>
+            <a:r>
+              <a:rPr lang="de-DE"/>
+              <a:t>Fünfte Ebene</a:t>
+            </a:r>
+            <a:endParaRPr lang="en-US" dirty="0"/>
+          </a:p>
+        </p:txBody>
+      </p:sp>
+      <p:sp>
+        <p:nvSpPr>
+          <p:cNvPr id="4" name="Date Placeholder 3"/>
+          <p:cNvSpPr>
+            <a:spLocks noGrp="1"/>
+          </p:cNvSpPr>
+          <p:nvPr>
+            <p:ph type="dt" sz="half" idx="10"/>
+          </p:nvPr>
+        </p:nvSpPr>
+        <p:spPr/>
+        <p:txBody>
+          <a:bodyPr/>
+          <a:lstStyle/>
+          <a:p>
+            <a:fld id="{C764DE79-268F-4C1A-8933-263129D2AF90}" type="datetimeFigureOut">
+              <a:rPr lang="en-US" dirty="0"/>
+              <a:t>5/31/2018</a:t>
+            </a:fld>
+            <a:endParaRPr lang="en-US" dirty="0"/>
+          </a:p>
+        </p:txBody>
+      </p:sp>
+      <p:sp>
+        <p:nvSpPr>
+          <p:cNvPr id="5" name="Footer Placeholder 4"/>
+          <p:cNvSpPr>
+            <a:spLocks noGrp="1"/>
+          </p:cNvSpPr>
+          <p:nvPr>
+            <p:ph type="ftr" sz="quarter" idx="11"/>
+          </p:nvPr>
+        </p:nvSpPr>
+        <p:spPr/>
+        <p:txBody>
+          <a:bodyPr/>
+          <a:lstStyle/>
+          <a:p>
+            <a:endParaRPr lang="en-US" dirty="0"/>
+          </a:p>
+        </p:txBody>
+      </p:sp>
+      <p:sp>
+        <p:nvSpPr>
+          <p:cNvPr id="6" name="Slide Number Placeholder 5"/>
+          <p:cNvSpPr>
+            <a:spLocks noGrp="1"/>
+          </p:cNvSpPr>
+          <p:nvPr>
+            <p:ph type="sldNum" sz="quarter" idx="12"/>
+          </p:nvPr>
+        </p:nvSpPr>
+        <p:spPr/>
+        <p:txBody>
+          <a:bodyPr/>
+          <a:lstStyle/>
+          <a:p>
+            <a:fld id="{48F63A3B-78C7-47BE-AE5E-E10140E04643}" type="slidenum">
+              <a:rPr lang="en-US" dirty="0"/>
+              <a:t>‹Nr.›</a:t>
+            </a:fld>
+            <a:endParaRPr lang="en-US" dirty="0"/>
+          </a:p>
+        </p:txBody>
+      </p:sp>
+    </p:spTree>
+    <p:extLst>
+      <p:ext uri="{BB962C8B-B14F-4D97-AF65-F5344CB8AC3E}">
+        <p14:creationId xmlns:p14="http://schemas.microsoft.com/office/powerpoint/2010/main" val="1528116148"/>
+      </p:ext>
+    </p:extLst>
+  </p:cSld>
+  <p:clrMapOvr>
+    <a:masterClrMapping/>
+  </p:clrMapOvr>
+</p:sldLayout>
+</file>
+
+<file path=ppt/slideLayouts/slideLayout13.xml><?xml version="1.0" encoding="utf-8"?>
+<p:sldLayout xmlns:a="http://schemas.openxmlformats.org/drawingml/2006/main" xmlns:r="http://schemas.openxmlformats.org/officeDocument/2006/relationships" xmlns:p="http://schemas.openxmlformats.org/presentationml/2006/main" type="vertTitleAndTx" preserve="1">
+  <p:cSld name="Vertikaler Titel und Text">
+    <p:spTree>
+      <p:nvGrpSpPr>
+        <p:cNvPr id="1" name=""/>
+        <p:cNvGrpSpPr/>
+        <p:nvPr/>
+      </p:nvGrpSpPr>
+      <p:grpSpPr>
+        <a:xfrm>
+          <a:off x="0" y="0"/>
+          <a:ext cx="0" cy="0"/>
+          <a:chOff x="0" y="0"/>
+          <a:chExt cx="0" cy="0"/>
+        </a:xfrm>
+      </p:grpSpPr>
+      <p:sp>
+        <p:nvSpPr>
+          <p:cNvPr id="2" name="Vertical Title 1"/>
+          <p:cNvSpPr>
+            <a:spLocks noGrp="1"/>
+          </p:cNvSpPr>
+          <p:nvPr>
+            <p:ph type="title" orient="vert"/>
+          </p:nvPr>
+        </p:nvSpPr>
+        <p:spPr>
+          <a:xfrm>
+            <a:off x="8724900" y="365125"/>
+            <a:ext cx="2628900" cy="5811838"/>
+          </a:xfrm>
+        </p:spPr>
+        <p:txBody>
+          <a:bodyPr vert="eaVert"/>
+          <a:lstStyle/>
+          <a:p>
+            <a:r>
+              <a:rPr lang="de-DE"/>
+              <a:t>Mastertitelformat bearbeiten</a:t>
+            </a:r>
+            <a:endParaRPr lang="en-US" dirty="0"/>
+          </a:p>
+        </p:txBody>
+      </p:sp>
+      <p:sp>
+        <p:nvSpPr>
+          <p:cNvPr id="3" name="Vertical Text Placeholder 2"/>
+          <p:cNvSpPr>
+            <a:spLocks noGrp="1"/>
+          </p:cNvSpPr>
+          <p:nvPr>
+            <p:ph type="body" orient="vert" idx="1"/>
+          </p:nvPr>
+        </p:nvSpPr>
+        <p:spPr>
+          <a:xfrm>
+            <a:off x="838200" y="365125"/>
+            <a:ext cx="7734300" cy="5811838"/>
+          </a:xfrm>
+        </p:spPr>
+        <p:txBody>
+          <a:bodyPr vert="eaVert"/>
+          <a:lstStyle/>
+          <a:p>
+            <a:pPr lvl="0"/>
+            <a:r>
+              <a:rPr lang="de-DE"/>
+              <a:t>Mastertextformat bearbeiten</a:t>
+            </a:r>
+          </a:p>
+          <a:p>
+            <a:pPr lvl="1"/>
+            <a:r>
+              <a:rPr lang="de-DE"/>
+              <a:t>Zweite Ebene</a:t>
+            </a:r>
+          </a:p>
+          <a:p>
+            <a:pPr lvl="2"/>
+            <a:r>
+              <a:rPr lang="de-DE"/>
+              <a:t>Dritte Ebene</a:t>
+            </a:r>
+          </a:p>
+          <a:p>
+            <a:pPr lvl="3"/>
+            <a:r>
+              <a:rPr lang="de-DE"/>
+              <a:t>Vierte Ebene</a:t>
+            </a:r>
+          </a:p>
+          <a:p>
+            <a:pPr lvl="4"/>
+            <a:r>
+              <a:rPr lang="de-DE"/>
+              <a:t>Fünfte Ebene</a:t>
+            </a:r>
+            <a:endParaRPr lang="en-US" dirty="0"/>
+          </a:p>
+        </p:txBody>
+      </p:sp>
+      <p:sp>
+        <p:nvSpPr>
+          <p:cNvPr id="4" name="Date Placeholder 3"/>
+          <p:cNvSpPr>
+            <a:spLocks noGrp="1"/>
+          </p:cNvSpPr>
+          <p:nvPr>
+            <p:ph type="dt" sz="half" idx="10"/>
+          </p:nvPr>
+        </p:nvSpPr>
+        <p:spPr/>
+        <p:txBody>
+          <a:bodyPr/>
+          <a:lstStyle/>
+          <a:p>
+            <a:fld id="{C764DE79-268F-4C1A-8933-263129D2AF90}" type="datetimeFigureOut">
+              <a:rPr lang="en-US" dirty="0"/>
+              <a:t>5/31/2018</a:t>
+            </a:fld>
+            <a:endParaRPr lang="en-US" dirty="0"/>
+          </a:p>
+        </p:txBody>
+      </p:sp>
+      <p:sp>
+        <p:nvSpPr>
+          <p:cNvPr id="5" name="Footer Placeholder 4"/>
+          <p:cNvSpPr>
+            <a:spLocks noGrp="1"/>
+          </p:cNvSpPr>
+          <p:nvPr>
+            <p:ph type="ftr" sz="quarter" idx="11"/>
+          </p:nvPr>
+        </p:nvSpPr>
+        <p:spPr/>
+        <p:txBody>
+          <a:bodyPr/>
+          <a:lstStyle/>
+          <a:p>
+            <a:endParaRPr lang="en-US" dirty="0"/>
+          </a:p>
+        </p:txBody>
+      </p:sp>
+      <p:sp>
+        <p:nvSpPr>
+          <p:cNvPr id="6" name="Slide Number Placeholder 5"/>
+          <p:cNvSpPr>
+            <a:spLocks noGrp="1"/>
+          </p:cNvSpPr>
+          <p:nvPr>
+            <p:ph type="sldNum" sz="quarter" idx="12"/>
+          </p:nvPr>
+        </p:nvSpPr>
+        <p:spPr/>
+        <p:txBody>
+          <a:bodyPr/>
+          <a:lstStyle/>
+          <a:p>
+            <a:fld id="{48F63A3B-78C7-47BE-AE5E-E10140E04643}" type="slidenum">
+              <a:rPr lang="en-US" dirty="0"/>
+              <a:t>‹Nr.›</a:t>
+            </a:fld>
+            <a:endParaRPr lang="en-US" dirty="0"/>
+          </a:p>
+        </p:txBody>
+      </p:sp>
+    </p:spTree>
+    <p:extLst>
+      <p:ext uri="{BB962C8B-B14F-4D97-AF65-F5344CB8AC3E}">
+        <p14:creationId xmlns:p14="http://schemas.microsoft.com/office/powerpoint/2010/main" val="2924010321"/>
+      </p:ext>
+    </p:extLst>
+  </p:cSld>
+  <p:clrMapOvr>
+    <a:masterClrMapping/>
+  </p:clrMapOvr>
+</p:sldLayout>
+</file>
+
+<file path=ppt/slideLayouts/slideLayout14.xml><?xml version="1.0" encoding="utf-8"?>
+<p:sldLayout xmlns:a="http://schemas.openxmlformats.org/drawingml/2006/main" xmlns:r="http://schemas.openxmlformats.org/officeDocument/2006/relationships" xmlns:p="http://schemas.openxmlformats.org/presentationml/2006/main" userDrawn="1">
+  <p:cSld name="1_Titelfolie">
+    <p:spTree>
+      <p:nvGrpSpPr>
+        <p:cNvPr id="1" name=""/>
+        <p:cNvGrpSpPr/>
+        <p:nvPr/>
+      </p:nvGrpSpPr>
+      <p:grpSpPr>
+        <a:xfrm>
+          <a:off x="0" y="0"/>
+          <a:ext cx="0" cy="0"/>
+          <a:chOff x="0" y="0"/>
+          <a:chExt cx="0" cy="0"/>
+        </a:xfrm>
+      </p:grpSpPr>
+      <p:sp>
+        <p:nvSpPr>
+          <p:cNvPr id="4" name="Textfeld 3"/>
+          <p:cNvSpPr txBox="1"/>
+          <p:nvPr userDrawn="1"/>
+        </p:nvSpPr>
+        <p:spPr>
+          <a:xfrm>
+            <a:off x="4175760" y="6164580"/>
+            <a:ext cx="3850640" cy="369332"/>
+          </a:xfrm>
+          <a:prstGeom prst="rect">
+            <a:avLst/>
+          </a:prstGeom>
+          <a:noFill/>
+        </p:spPr>
+        <p:txBody>
+          <a:bodyPr wrap="square" rtlCol="0">
+            <a:spAutoFit/>
+          </a:bodyPr>
+          <a:lstStyle/>
+          <a:p>
+            <a:pPr algn="ctr"/>
+            <a:r>
+              <a:rPr lang="de-DE" sz="1800" b="1" dirty="0"/>
+              <a:t>www.bfw-hamburg.de</a:t>
+            </a:r>
+          </a:p>
+        </p:txBody>
+      </p:sp>
+    </p:spTree>
+    <p:extLst>
+      <p:ext uri="{BB962C8B-B14F-4D97-AF65-F5344CB8AC3E}">
+        <p14:creationId xmlns:p14="http://schemas.microsoft.com/office/powerpoint/2010/main" val="650974441"/>
+      </p:ext>
+    </p:extLst>
+  </p:cSld>
+  <p:clrMapOvr>
+    <a:masterClrMapping/>
+  </p:clrMapOvr>
+  <p:extLst mod="1">
+    <p:ext uri="{DCECCB84-F9BA-43D5-87BE-67443E8EF086}">
+      <p15:sldGuideLst xmlns:p15="http://schemas.microsoft.com/office/powerpoint/2012/main">
+        <p15:guide id="1" orient="horz" pos="2160">
+          <p15:clr>
+            <a:srgbClr val="FBAE40"/>
+          </p15:clr>
+        </p15:guide>
+        <p15:guide id="2" pos="3840">
+          <p15:clr>
+            <a:srgbClr val="FBAE40"/>
+          </p15:clr>
+        </p15:guide>
+      </p15:sldGuideLst>
+    </p:ext>
+  </p:extLst>
+</p:sldLayout>
+</file>
+
+<file path=ppt/slideLayouts/slideLayout15.xml><?xml version="1.0" encoding="utf-8"?>
+<p:sldLayout xmlns:a="http://schemas.openxmlformats.org/drawingml/2006/main" xmlns:r="http://schemas.openxmlformats.org/officeDocument/2006/relationships" xmlns:p="http://schemas.openxmlformats.org/presentationml/2006/main" type="title" preserve="1">
+  <p:cSld name="Titelfolie">
+    <p:spTree>
+      <p:nvGrpSpPr>
+        <p:cNvPr id="1" name=""/>
+        <p:cNvGrpSpPr/>
+        <p:nvPr/>
+      </p:nvGrpSpPr>
+      <p:grpSpPr>
+        <a:xfrm>
+          <a:off x="0" y="0"/>
+          <a:ext cx="0" cy="0"/>
+          <a:chOff x="0" y="0"/>
+          <a:chExt cx="0" cy="0"/>
+        </a:xfrm>
+      </p:grpSpPr>
+      <p:sp>
+        <p:nvSpPr>
+          <p:cNvPr id="2" name="Title 1"/>
+          <p:cNvSpPr>
+            <a:spLocks noGrp="1"/>
+          </p:cNvSpPr>
+          <p:nvPr>
+            <p:ph type="ctrTitle"/>
+          </p:nvPr>
+        </p:nvSpPr>
+        <p:spPr>
+          <a:xfrm>
+            <a:off x="1524000" y="1122363"/>
+            <a:ext cx="9144000" cy="2387600"/>
+          </a:xfrm>
+        </p:spPr>
+        <p:txBody>
+          <a:bodyPr anchor="b"/>
+          <a:lstStyle>
+            <a:lvl1pPr algn="ctr">
+              <a:defRPr sz="6000"/>
+            </a:lvl1pPr>
+          </a:lstStyle>
+          <a:p>
+            <a:r>
+              <a:rPr lang="de-DE"/>
+              <a:t>Mastertitelformat bearbeiten</a:t>
+            </a:r>
+            <a:endParaRPr lang="en-US" dirty="0"/>
+          </a:p>
+        </p:txBody>
+      </p:sp>
+      <p:sp>
+        <p:nvSpPr>
+          <p:cNvPr id="3" name="Subtitle 2"/>
+          <p:cNvSpPr>
+            <a:spLocks noGrp="1"/>
+          </p:cNvSpPr>
+          <p:nvPr>
+            <p:ph type="subTitle" idx="1"/>
+          </p:nvPr>
+        </p:nvSpPr>
+        <p:spPr>
+          <a:xfrm>
+            <a:off x="1524000" y="3602038"/>
+            <a:ext cx="9144000" cy="1655762"/>
+          </a:xfrm>
+        </p:spPr>
+        <p:txBody>
+          <a:bodyPr/>
+          <a:lstStyle>
+            <a:lvl1pPr marL="0" indent="0" algn="ctr">
+              <a:buNone/>
+              <a:defRPr sz="2400"/>
+            </a:lvl1pPr>
+            <a:lvl2pPr marL="457200" indent="0" algn="ctr">
+              <a:buNone/>
+              <a:defRPr sz="2000"/>
+            </a:lvl2pPr>
+            <a:lvl3pPr marL="914400" indent="0" algn="ctr">
+              <a:buNone/>
+              <a:defRPr sz="1800"/>
+            </a:lvl3pPr>
+            <a:lvl4pPr marL="1371600" indent="0" algn="ctr">
+              <a:buNone/>
+              <a:defRPr sz="1600"/>
+            </a:lvl4pPr>
+            <a:lvl5pPr marL="1828800" indent="0" algn="ctr">
+              <a:buNone/>
+              <a:defRPr sz="1600"/>
+            </a:lvl5pPr>
+            <a:lvl6pPr marL="2286000" indent="0" algn="ctr">
+              <a:buNone/>
+              <a:defRPr sz="1600"/>
+            </a:lvl6pPr>
+            <a:lvl7pPr marL="2743200" indent="0" algn="ctr">
+              <a:buNone/>
+              <a:defRPr sz="1600"/>
+            </a:lvl7pPr>
+            <a:lvl8pPr marL="3200400" indent="0" algn="ctr">
+              <a:buNone/>
+              <a:defRPr sz="1600"/>
+            </a:lvl8pPr>
+            <a:lvl9pPr marL="3657600" indent="0" algn="ctr">
+              <a:buNone/>
+              <a:defRPr sz="1600"/>
+            </a:lvl9pPr>
+          </a:lstStyle>
+          <a:p>
+            <a:r>
+              <a:rPr lang="de-DE"/>
+              <a:t>Master-Untertitelformat bearbeiten</a:t>
+            </a:r>
+            <a:endParaRPr lang="en-US" dirty="0"/>
+          </a:p>
+        </p:txBody>
+      </p:sp>
+      <p:sp>
+        <p:nvSpPr>
+          <p:cNvPr id="4" name="Date Placeholder 3"/>
+          <p:cNvSpPr>
+            <a:spLocks noGrp="1"/>
+          </p:cNvSpPr>
+          <p:nvPr>
+            <p:ph type="dt" sz="half" idx="10"/>
+          </p:nvPr>
+        </p:nvSpPr>
+        <p:spPr/>
+        <p:txBody>
+          <a:bodyPr/>
+          <a:lstStyle/>
+          <a:p>
+            <a:fld id="{C764DE79-268F-4C1A-8933-263129D2AF90}" type="datetimeFigureOut">
+              <a:rPr lang="en-US" dirty="0"/>
+              <a:t>5/31/2018</a:t>
+            </a:fld>
+            <a:endParaRPr lang="en-US" dirty="0"/>
+          </a:p>
+        </p:txBody>
+      </p:sp>
+      <p:sp>
+        <p:nvSpPr>
+          <p:cNvPr id="5" name="Footer Placeholder 4"/>
+          <p:cNvSpPr>
+            <a:spLocks noGrp="1"/>
+          </p:cNvSpPr>
+          <p:nvPr>
+            <p:ph type="ftr" sz="quarter" idx="11"/>
+          </p:nvPr>
+        </p:nvSpPr>
+        <p:spPr/>
+        <p:txBody>
+          <a:bodyPr/>
+          <a:lstStyle/>
+          <a:p>
+            <a:endParaRPr lang="en-US" dirty="0"/>
+          </a:p>
+        </p:txBody>
+      </p:sp>
+      <p:sp>
+        <p:nvSpPr>
+          <p:cNvPr id="6" name="Slide Number Placeholder 5"/>
+          <p:cNvSpPr>
+            <a:spLocks noGrp="1"/>
+          </p:cNvSpPr>
+          <p:nvPr>
+            <p:ph type="sldNum" sz="quarter" idx="12"/>
+          </p:nvPr>
+        </p:nvSpPr>
+        <p:spPr/>
+        <p:txBody>
+          <a:bodyPr/>
+          <a:lstStyle/>
+          <a:p>
+            <a:fld id="{48F63A3B-78C7-47BE-AE5E-E10140E04643}" type="slidenum">
+              <a:rPr lang="en-US" dirty="0"/>
+              <a:t>‹Nr.›</a:t>
+            </a:fld>
+            <a:endParaRPr lang="en-US" dirty="0"/>
+          </a:p>
+        </p:txBody>
+      </p:sp>
+    </p:spTree>
+    <p:extLst>
+      <p:ext uri="{BB962C8B-B14F-4D97-AF65-F5344CB8AC3E}">
+        <p14:creationId xmlns:p14="http://schemas.microsoft.com/office/powerpoint/2010/main" val="3253907173"/>
+      </p:ext>
+    </p:extLst>
+  </p:cSld>
+  <p:clrMapOvr>
+    <a:masterClrMapping/>
+  </p:clrMapOvr>
+</p:sldLayout>
+</file>
+
+<file path=ppt/slideLayouts/slideLayout16.xml><?xml version="1.0" encoding="utf-8"?>
+<p:sldLayout xmlns:a="http://schemas.openxmlformats.org/drawingml/2006/main" xmlns:r="http://schemas.openxmlformats.org/officeDocument/2006/relationships" xmlns:p="http://schemas.openxmlformats.org/presentationml/2006/main" type="obj" preserve="1">
+  <p:cSld name="Titel und Inhalt">
+    <p:spTree>
+      <p:nvGrpSpPr>
+        <p:cNvPr id="1" name=""/>
+        <p:cNvGrpSpPr/>
+        <p:nvPr/>
+      </p:nvGrpSpPr>
+      <p:grpSpPr>
+        <a:xfrm>
+          <a:off x="0" y="0"/>
+          <a:ext cx="0" cy="0"/>
+          <a:chOff x="0" y="0"/>
+          <a:chExt cx="0" cy="0"/>
+        </a:xfrm>
+      </p:grpSpPr>
+      <p:sp>
+        <p:nvSpPr>
+          <p:cNvPr id="2" name="Title 1"/>
+          <p:cNvSpPr>
+            <a:spLocks noGrp="1"/>
+          </p:cNvSpPr>
+          <p:nvPr>
+            <p:ph type="title"/>
+          </p:nvPr>
+        </p:nvSpPr>
+        <p:spPr/>
+        <p:txBody>
+          <a:bodyPr/>
+          <a:lstStyle/>
+          <a:p>
+            <a:r>
+              <a:rPr lang="de-DE"/>
+              <a:t>Mastertitelformat bearbeiten</a:t>
+            </a:r>
+            <a:endParaRPr lang="en-US" dirty="0"/>
+          </a:p>
+        </p:txBody>
+      </p:sp>
+      <p:sp>
+        <p:nvSpPr>
+          <p:cNvPr id="3" name="Content Placeholder 2"/>
+          <p:cNvSpPr>
+            <a:spLocks noGrp="1"/>
+          </p:cNvSpPr>
+          <p:nvPr>
+            <p:ph idx="1"/>
+          </p:nvPr>
+        </p:nvSpPr>
+        <p:spPr/>
+        <p:txBody>
+          <a:bodyPr/>
+          <a:lstStyle/>
+          <a:p>
+            <a:pPr lvl="0"/>
+            <a:r>
+              <a:rPr lang="de-DE"/>
+              <a:t>Mastertextformat bearbeiten</a:t>
+            </a:r>
+          </a:p>
+          <a:p>
+            <a:pPr lvl="1"/>
+            <a:r>
+              <a:rPr lang="de-DE"/>
+              <a:t>Zweite Ebene</a:t>
+            </a:r>
+          </a:p>
+          <a:p>
+            <a:pPr lvl="2"/>
+            <a:r>
+              <a:rPr lang="de-DE"/>
+              <a:t>Dritte Ebene</a:t>
+            </a:r>
+          </a:p>
+          <a:p>
+            <a:pPr lvl="3"/>
+            <a:r>
+              <a:rPr lang="de-DE"/>
+              <a:t>Vierte Ebene</a:t>
+            </a:r>
+          </a:p>
+          <a:p>
+            <a:pPr lvl="4"/>
+            <a:r>
+              <a:rPr lang="de-DE"/>
+              <a:t>Fünfte Ebene</a:t>
+            </a:r>
+            <a:endParaRPr lang="en-US" dirty="0"/>
+          </a:p>
+        </p:txBody>
+      </p:sp>
+      <p:sp>
+        <p:nvSpPr>
+          <p:cNvPr id="4" name="Date Placeholder 3"/>
+          <p:cNvSpPr>
+            <a:spLocks noGrp="1"/>
+          </p:cNvSpPr>
+          <p:nvPr>
+            <p:ph type="dt" sz="half" idx="10"/>
+          </p:nvPr>
+        </p:nvSpPr>
+        <p:spPr/>
+        <p:txBody>
+          <a:bodyPr/>
+          <a:lstStyle/>
+          <a:p>
+            <a:fld id="{C764DE79-268F-4C1A-8933-263129D2AF90}" type="datetimeFigureOut">
+              <a:rPr lang="en-US" dirty="0"/>
+              <a:t>5/31/2018</a:t>
+            </a:fld>
+            <a:endParaRPr lang="en-US" dirty="0"/>
+          </a:p>
+        </p:txBody>
+      </p:sp>
+      <p:sp>
+        <p:nvSpPr>
+          <p:cNvPr id="5" name="Footer Placeholder 4"/>
+          <p:cNvSpPr>
+            <a:spLocks noGrp="1"/>
+          </p:cNvSpPr>
+          <p:nvPr>
+            <p:ph type="ftr" sz="quarter" idx="11"/>
+          </p:nvPr>
+        </p:nvSpPr>
+        <p:spPr/>
+        <p:txBody>
+          <a:bodyPr/>
+          <a:lstStyle/>
+          <a:p>
+            <a:endParaRPr lang="en-US" dirty="0"/>
+          </a:p>
+        </p:txBody>
+      </p:sp>
+      <p:sp>
+        <p:nvSpPr>
+          <p:cNvPr id="6" name="Slide Number Placeholder 5"/>
+          <p:cNvSpPr>
+            <a:spLocks noGrp="1"/>
+          </p:cNvSpPr>
+          <p:nvPr>
+            <p:ph type="sldNum" sz="quarter" idx="12"/>
+          </p:nvPr>
+        </p:nvSpPr>
+        <p:spPr/>
+        <p:txBody>
+          <a:bodyPr/>
+          <a:lstStyle/>
+          <a:p>
+            <a:fld id="{48F63A3B-78C7-47BE-AE5E-E10140E04643}" type="slidenum">
+              <a:rPr lang="en-US" dirty="0"/>
+              <a:t>‹Nr.›</a:t>
+            </a:fld>
+            <a:endParaRPr lang="en-US" dirty="0"/>
+          </a:p>
+        </p:txBody>
+      </p:sp>
+    </p:spTree>
+    <p:extLst>
+      <p:ext uri="{BB962C8B-B14F-4D97-AF65-F5344CB8AC3E}">
+        <p14:creationId xmlns:p14="http://schemas.microsoft.com/office/powerpoint/2010/main" val="1405333381"/>
+      </p:ext>
+    </p:extLst>
+  </p:cSld>
+  <p:clrMapOvr>
+    <a:masterClrMapping/>
+  </p:clrMapOvr>
+</p:sldLayout>
+</file>
+
+<file path=ppt/slideLayouts/slideLayout17.xml><?xml version="1.0" encoding="utf-8"?>
+<p:sldLayout xmlns:a="http://schemas.openxmlformats.org/drawingml/2006/main" xmlns:r="http://schemas.openxmlformats.org/officeDocument/2006/relationships" xmlns:p="http://schemas.openxmlformats.org/presentationml/2006/main" type="secHead" preserve="1">
+  <p:cSld name="Abschnitts-&#10;überschrift">
+    <p:spTree>
+      <p:nvGrpSpPr>
+        <p:cNvPr id="1" name=""/>
+        <p:cNvGrpSpPr/>
+        <p:nvPr/>
+      </p:nvGrpSpPr>
+      <p:grpSpPr>
+        <a:xfrm>
+          <a:off x="0" y="0"/>
+          <a:ext cx="0" cy="0"/>
+          <a:chOff x="0" y="0"/>
+          <a:chExt cx="0" cy="0"/>
+        </a:xfrm>
+      </p:grpSpPr>
+      <p:sp>
+        <p:nvSpPr>
+          <p:cNvPr id="2" name="Title 1"/>
+          <p:cNvSpPr>
+            <a:spLocks noGrp="1"/>
+          </p:cNvSpPr>
+          <p:nvPr>
+            <p:ph type="title"/>
+          </p:nvPr>
+        </p:nvSpPr>
+        <p:spPr>
+          <a:xfrm>
+            <a:off x="831850" y="1709738"/>
+            <a:ext cx="10515600" cy="2852737"/>
+          </a:xfrm>
+        </p:spPr>
+        <p:txBody>
+          <a:bodyPr anchor="b"/>
+          <a:lstStyle>
+            <a:lvl1pPr>
+              <a:defRPr sz="6000"/>
+            </a:lvl1pPr>
+          </a:lstStyle>
+          <a:p>
+            <a:r>
+              <a:rPr lang="de-DE"/>
+              <a:t>Mastertitelformat bearbeiten</a:t>
+            </a:r>
+            <a:endParaRPr lang="en-US" dirty="0"/>
+          </a:p>
+        </p:txBody>
+      </p:sp>
+      <p:sp>
+        <p:nvSpPr>
+          <p:cNvPr id="3" name="Text Placeholder 2"/>
+          <p:cNvSpPr>
+            <a:spLocks noGrp="1"/>
+          </p:cNvSpPr>
+          <p:nvPr>
+            <p:ph type="body" idx="1"/>
+          </p:nvPr>
+        </p:nvSpPr>
+        <p:spPr>
+          <a:xfrm>
+            <a:off x="831850" y="4589463"/>
+            <a:ext cx="10515600" cy="1500187"/>
+          </a:xfrm>
+        </p:spPr>
+        <p:txBody>
+          <a:bodyPr/>
+          <a:lstStyle>
+            <a:lvl1pPr marL="0" indent="0">
+              <a:buNone/>
+              <a:defRPr sz="2400">
+                <a:solidFill>
+                  <a:schemeClr val="tx1">
+                    <a:tint val="75000"/>
+                  </a:schemeClr>
+                </a:solidFill>
+              </a:defRPr>
+            </a:lvl1pPr>
+            <a:lvl2pPr marL="457200" indent="0">
+              <a:buNone/>
+              <a:defRPr sz="2000">
+                <a:solidFill>
+                  <a:schemeClr val="tx1">
+                    <a:tint val="75000"/>
+                  </a:schemeClr>
+                </a:solidFill>
+              </a:defRPr>
+            </a:lvl2pPr>
+            <a:lvl3pPr marL="914400" indent="0">
+              <a:buNone/>
+              <a:defRPr sz="1800">
+                <a:solidFill>
+                  <a:schemeClr val="tx1">
+                    <a:tint val="75000"/>
+                  </a:schemeClr>
+                </a:solidFill>
+              </a:defRPr>
+            </a:lvl3pPr>
+            <a:lvl4pPr marL="1371600" indent="0">
+              <a:buNone/>
+              <a:defRPr sz="1600">
+                <a:solidFill>
+                  <a:schemeClr val="tx1">
+                    <a:tint val="75000"/>
+                  </a:schemeClr>
+                </a:solidFill>
+              </a:defRPr>
+            </a:lvl4pPr>
+            <a:lvl5pPr marL="1828800" indent="0">
+              <a:buNone/>
+              <a:defRPr sz="1600">
+                <a:solidFill>
+                  <a:schemeClr val="tx1">
+                    <a:tint val="75000"/>
+                  </a:schemeClr>
+                </a:solidFill>
+              </a:defRPr>
+            </a:lvl5pPr>
+            <a:lvl6pPr marL="2286000" indent="0">
+              <a:buNone/>
+              <a:defRPr sz="1600">
+                <a:solidFill>
+                  <a:schemeClr val="tx1">
+                    <a:tint val="75000"/>
+                  </a:schemeClr>
+                </a:solidFill>
+              </a:defRPr>
+            </a:lvl6pPr>
+            <a:lvl7pPr marL="2743200" indent="0">
+              <a:buNone/>
+              <a:defRPr sz="1600">
+                <a:solidFill>
+                  <a:schemeClr val="tx1">
+                    <a:tint val="75000"/>
+                  </a:schemeClr>
+                </a:solidFill>
+              </a:defRPr>
+            </a:lvl7pPr>
+            <a:lvl8pPr marL="3200400" indent="0">
+              <a:buNone/>
+              <a:defRPr sz="1600">
+                <a:solidFill>
+                  <a:schemeClr val="tx1">
+                    <a:tint val="75000"/>
+                  </a:schemeClr>
+                </a:solidFill>
+              </a:defRPr>
+            </a:lvl8pPr>
+            <a:lvl9pPr marL="3657600" indent="0">
+              <a:buNone/>
+              <a:defRPr sz="1600">
+                <a:solidFill>
+                  <a:schemeClr val="tx1">
+                    <a:tint val="75000"/>
+                  </a:schemeClr>
+                </a:solidFill>
+              </a:defRPr>
+            </a:lvl9pPr>
+          </a:lstStyle>
+          <a:p>
+            <a:pPr lvl="0"/>
+            <a:r>
+              <a:rPr lang="de-DE"/>
+              <a:t>Mastertextformat bearbeiten</a:t>
+            </a:r>
+          </a:p>
+        </p:txBody>
+      </p:sp>
+      <p:sp>
+        <p:nvSpPr>
+          <p:cNvPr id="4" name="Date Placeholder 3"/>
+          <p:cNvSpPr>
+            <a:spLocks noGrp="1"/>
+          </p:cNvSpPr>
+          <p:nvPr>
+            <p:ph type="dt" sz="half" idx="10"/>
+          </p:nvPr>
+        </p:nvSpPr>
+        <p:spPr/>
+        <p:txBody>
+          <a:bodyPr/>
+          <a:lstStyle/>
+          <a:p>
+            <a:fld id="{C764DE79-268F-4C1A-8933-263129D2AF90}" type="datetimeFigureOut">
+              <a:rPr lang="en-US" dirty="0"/>
+              <a:t>5/31/2018</a:t>
+            </a:fld>
+            <a:endParaRPr lang="en-US" dirty="0"/>
+          </a:p>
+        </p:txBody>
+      </p:sp>
+      <p:sp>
+        <p:nvSpPr>
+          <p:cNvPr id="5" name="Footer Placeholder 4"/>
+          <p:cNvSpPr>
+            <a:spLocks noGrp="1"/>
+          </p:cNvSpPr>
+          <p:nvPr>
+            <p:ph type="ftr" sz="quarter" idx="11"/>
+          </p:nvPr>
+        </p:nvSpPr>
+        <p:spPr/>
+        <p:txBody>
+          <a:bodyPr/>
+          <a:lstStyle/>
+          <a:p>
+            <a:endParaRPr lang="en-US" dirty="0"/>
+          </a:p>
+        </p:txBody>
+      </p:sp>
+      <p:sp>
+        <p:nvSpPr>
+          <p:cNvPr id="6" name="Slide Number Placeholder 5"/>
+          <p:cNvSpPr>
+            <a:spLocks noGrp="1"/>
+          </p:cNvSpPr>
+          <p:nvPr>
+            <p:ph type="sldNum" sz="quarter" idx="12"/>
+          </p:nvPr>
+        </p:nvSpPr>
+        <p:spPr/>
+        <p:txBody>
+          <a:bodyPr/>
+          <a:lstStyle/>
+          <a:p>
+            <a:fld id="{48F63A3B-78C7-47BE-AE5E-E10140E04643}" type="slidenum">
+              <a:rPr lang="en-US" dirty="0"/>
+              <a:t>‹Nr.›</a:t>
+            </a:fld>
+            <a:endParaRPr lang="en-US" dirty="0"/>
+          </a:p>
+        </p:txBody>
+      </p:sp>
+    </p:spTree>
+    <p:extLst>
+      <p:ext uri="{BB962C8B-B14F-4D97-AF65-F5344CB8AC3E}">
+        <p14:creationId xmlns:p14="http://schemas.microsoft.com/office/powerpoint/2010/main" val="70455318"/>
+      </p:ext>
+    </p:extLst>
+  </p:cSld>
+  <p:clrMapOvr>
+    <a:masterClrMapping/>
+  </p:clrMapOvr>
+</p:sldLayout>
+</file>
+
+<file path=ppt/slideLayouts/slideLayout18.xml><?xml version="1.0" encoding="utf-8"?>
+<p:sldLayout xmlns:a="http://schemas.openxmlformats.org/drawingml/2006/main" xmlns:r="http://schemas.openxmlformats.org/officeDocument/2006/relationships" xmlns:p="http://schemas.openxmlformats.org/presentationml/2006/main" type="twoObj" preserve="1">
+  <p:cSld name="Zwei Inhalte">
+    <p:spTree>
+      <p:nvGrpSpPr>
+        <p:cNvPr id="1" name=""/>
+        <p:cNvGrpSpPr/>
+        <p:nvPr/>
+      </p:nvGrpSpPr>
+      <p:grpSpPr>
+        <a:xfrm>
+          <a:off x="0" y="0"/>
+          <a:ext cx="0" cy="0"/>
+          <a:chOff x="0" y="0"/>
+          <a:chExt cx="0" cy="0"/>
+        </a:xfrm>
+      </p:grpSpPr>
+      <p:sp>
+        <p:nvSpPr>
+          <p:cNvPr id="2" name="Title 1"/>
+          <p:cNvSpPr>
+            <a:spLocks noGrp="1"/>
+          </p:cNvSpPr>
+          <p:nvPr>
+            <p:ph type="title"/>
+          </p:nvPr>
+        </p:nvSpPr>
+        <p:spPr/>
+        <p:txBody>
+          <a:bodyPr/>
+          <a:lstStyle/>
+          <a:p>
+            <a:r>
+              <a:rPr lang="de-DE"/>
+              <a:t>Mastertitelformat bearbeiten</a:t>
+            </a:r>
+            <a:endParaRPr lang="en-US" dirty="0"/>
+          </a:p>
+        </p:txBody>
+      </p:sp>
+      <p:sp>
+        <p:nvSpPr>
+          <p:cNvPr id="3" name="Content Placeholder 2"/>
+          <p:cNvSpPr>
+            <a:spLocks noGrp="1"/>
+          </p:cNvSpPr>
+          <p:nvPr>
+            <p:ph sz="half" idx="1"/>
+          </p:nvPr>
+        </p:nvSpPr>
+        <p:spPr>
+          <a:xfrm>
+            <a:off x="838200" y="1825625"/>
+            <a:ext cx="5181600" cy="4351338"/>
+          </a:xfrm>
+        </p:spPr>
+        <p:txBody>
+          <a:bodyPr/>
+          <a:lstStyle/>
+          <a:p>
+            <a:pPr lvl="0"/>
+            <a:r>
+              <a:rPr lang="de-DE"/>
+              <a:t>Mastertextformat bearbeiten</a:t>
+            </a:r>
+          </a:p>
+          <a:p>
+            <a:pPr lvl="1"/>
+            <a:r>
+              <a:rPr lang="de-DE"/>
+              <a:t>Zweite Ebene</a:t>
+            </a:r>
+          </a:p>
+          <a:p>
+            <a:pPr lvl="2"/>
+            <a:r>
+              <a:rPr lang="de-DE"/>
+              <a:t>Dritte Ebene</a:t>
+            </a:r>
+          </a:p>
+          <a:p>
+            <a:pPr lvl="3"/>
+            <a:r>
+              <a:rPr lang="de-DE"/>
+              <a:t>Vierte Ebene</a:t>
+            </a:r>
+          </a:p>
+          <a:p>
+            <a:pPr lvl="4"/>
+            <a:r>
+              <a:rPr lang="de-DE"/>
+              <a:t>Fünfte Ebene</a:t>
+            </a:r>
+            <a:endParaRPr lang="en-US" dirty="0"/>
+          </a:p>
+        </p:txBody>
+      </p:sp>
+      <p:sp>
+        <p:nvSpPr>
+          <p:cNvPr id="4" name="Content Placeholder 3"/>
+          <p:cNvSpPr>
+            <a:spLocks noGrp="1"/>
+          </p:cNvSpPr>
+          <p:nvPr>
+            <p:ph sz="half" idx="2"/>
+          </p:nvPr>
+        </p:nvSpPr>
+        <p:spPr>
+          <a:xfrm>
+            <a:off x="6172200" y="1825625"/>
+            <a:ext cx="5181600" cy="4351338"/>
+          </a:xfrm>
+        </p:spPr>
+        <p:txBody>
+          <a:bodyPr/>
+          <a:lstStyle/>
+          <a:p>
+            <a:pPr lvl="0"/>
+            <a:r>
+              <a:rPr lang="de-DE"/>
+              <a:t>Mastertextformat bearbeiten</a:t>
+            </a:r>
+          </a:p>
+          <a:p>
+            <a:pPr lvl="1"/>
+            <a:r>
+              <a:rPr lang="de-DE"/>
+              <a:t>Zweite Ebene</a:t>
+            </a:r>
+          </a:p>
+          <a:p>
+            <a:pPr lvl="2"/>
+            <a:r>
+              <a:rPr lang="de-DE"/>
+              <a:t>Dritte Ebene</a:t>
+            </a:r>
+          </a:p>
+          <a:p>
+            <a:pPr lvl="3"/>
+            <a:r>
+              <a:rPr lang="de-DE"/>
+              <a:t>Vierte Ebene</a:t>
+            </a:r>
+          </a:p>
+          <a:p>
+            <a:pPr lvl="4"/>
+            <a:r>
+              <a:rPr lang="de-DE"/>
+              <a:t>Fünfte Ebene</a:t>
+            </a:r>
+            <a:endParaRPr lang="en-US" dirty="0"/>
+          </a:p>
+        </p:txBody>
+      </p:sp>
+      <p:sp>
+        <p:nvSpPr>
+          <p:cNvPr id="5" name="Date Placeholder 4"/>
+          <p:cNvSpPr>
+            <a:spLocks noGrp="1"/>
+          </p:cNvSpPr>
+          <p:nvPr>
+            <p:ph type="dt" sz="half" idx="10"/>
+          </p:nvPr>
+        </p:nvSpPr>
+        <p:spPr/>
+        <p:txBody>
+          <a:bodyPr/>
+          <a:lstStyle/>
+          <a:p>
+            <a:fld id="{C764DE79-268F-4C1A-8933-263129D2AF90}" type="datetimeFigureOut">
+              <a:rPr lang="en-US" dirty="0"/>
+              <a:t>5/31/2018</a:t>
+            </a:fld>
+            <a:endParaRPr lang="en-US" dirty="0"/>
+          </a:p>
+        </p:txBody>
+      </p:sp>
+      <p:sp>
+        <p:nvSpPr>
+          <p:cNvPr id="6" name="Footer Placeholder 5"/>
+          <p:cNvSpPr>
+            <a:spLocks noGrp="1"/>
+          </p:cNvSpPr>
+          <p:nvPr>
+            <p:ph type="ftr" sz="quarter" idx="11"/>
+          </p:nvPr>
+        </p:nvSpPr>
+        <p:spPr/>
+        <p:txBody>
+          <a:bodyPr/>
+          <a:lstStyle/>
+          <a:p>
+            <a:endParaRPr lang="en-US" dirty="0"/>
+          </a:p>
+        </p:txBody>
+      </p:sp>
+      <p:sp>
+        <p:nvSpPr>
+          <p:cNvPr id="7" name="Slide Number Placeholder 6"/>
+          <p:cNvSpPr>
+            <a:spLocks noGrp="1"/>
+          </p:cNvSpPr>
+          <p:nvPr>
+            <p:ph type="sldNum" sz="quarter" idx="12"/>
+          </p:nvPr>
+        </p:nvSpPr>
+        <p:spPr/>
+        <p:txBody>
+          <a:bodyPr/>
+          <a:lstStyle/>
+          <a:p>
+            <a:fld id="{48F63A3B-78C7-47BE-AE5E-E10140E04643}" type="slidenum">
+              <a:rPr lang="en-US" dirty="0"/>
+              <a:t>‹Nr.›</a:t>
+            </a:fld>
+            <a:endParaRPr lang="en-US" dirty="0"/>
+          </a:p>
+        </p:txBody>
+      </p:sp>
+    </p:spTree>
+    <p:extLst>
+      <p:ext uri="{BB962C8B-B14F-4D97-AF65-F5344CB8AC3E}">
+        <p14:creationId xmlns:p14="http://schemas.microsoft.com/office/powerpoint/2010/main" val="1966769616"/>
+      </p:ext>
+    </p:extLst>
+  </p:cSld>
+  <p:clrMapOvr>
+    <a:masterClrMapping/>
+  </p:clrMapOvr>
+</p:sldLayout>
+</file>
+
+<file path=ppt/slideLayouts/slideLayout19.xml><?xml version="1.0" encoding="utf-8"?>
+<p:sldLayout xmlns:a="http://schemas.openxmlformats.org/drawingml/2006/main" xmlns:r="http://schemas.openxmlformats.org/officeDocument/2006/relationships" xmlns:p="http://schemas.openxmlformats.org/presentationml/2006/main" type="twoTxTwoObj" preserve="1">
+  <p:cSld name="Vergleich">
+    <p:spTree>
+      <p:nvGrpSpPr>
+        <p:cNvPr id="1" name=""/>
+        <p:cNvGrpSpPr/>
+        <p:nvPr/>
+      </p:nvGrpSpPr>
+      <p:grpSpPr>
+        <a:xfrm>
+          <a:off x="0" y="0"/>
+          <a:ext cx="0" cy="0"/>
+          <a:chOff x="0" y="0"/>
+          <a:chExt cx="0" cy="0"/>
+        </a:xfrm>
+      </p:grpSpPr>
+      <p:sp>
+        <p:nvSpPr>
+          <p:cNvPr id="2" name="Title 1"/>
+          <p:cNvSpPr>
+            <a:spLocks noGrp="1"/>
+          </p:cNvSpPr>
+          <p:nvPr>
+            <p:ph type="title"/>
+          </p:nvPr>
+        </p:nvSpPr>
+        <p:spPr>
+          <a:xfrm>
+            <a:off x="839788" y="365125"/>
+            <a:ext cx="10515600" cy="1325563"/>
+          </a:xfrm>
+        </p:spPr>
+        <p:txBody>
+          <a:bodyPr/>
+          <a:lstStyle/>
+          <a:p>
+            <a:r>
+              <a:rPr lang="de-DE"/>
+              <a:t>Mastertitelformat bearbeiten</a:t>
+            </a:r>
+            <a:endParaRPr lang="en-US" dirty="0"/>
+          </a:p>
+        </p:txBody>
+      </p:sp>
+      <p:sp>
+        <p:nvSpPr>
+          <p:cNvPr id="3" name="Text Placeholder 2"/>
+          <p:cNvSpPr>
+            <a:spLocks noGrp="1"/>
+          </p:cNvSpPr>
+          <p:nvPr>
+            <p:ph type="body" idx="1"/>
+          </p:nvPr>
+        </p:nvSpPr>
+        <p:spPr>
+          <a:xfrm>
+            <a:off x="839788" y="1681163"/>
+            <a:ext cx="5157787" cy="823912"/>
+          </a:xfrm>
+        </p:spPr>
+        <p:txBody>
+          <a:bodyPr anchor="b"/>
+          <a:lstStyle>
+            <a:lvl1pPr marL="0" indent="0">
+              <a:buNone/>
+              <a:defRPr sz="2400" b="1"/>
+            </a:lvl1pPr>
+            <a:lvl2pPr marL="457200" indent="0">
+              <a:buNone/>
+              <a:defRPr sz="2000" b="1"/>
+            </a:lvl2pPr>
+            <a:lvl3pPr marL="914400" indent="0">
+              <a:buNone/>
+              <a:defRPr sz="1800" b="1"/>
+            </a:lvl3pPr>
+            <a:lvl4pPr marL="1371600" indent="0">
+              <a:buNone/>
+              <a:defRPr sz="1600" b="1"/>
+            </a:lvl4pPr>
+            <a:lvl5pPr marL="1828800" indent="0">
+              <a:buNone/>
+              <a:defRPr sz="1600" b="1"/>
+            </a:lvl5pPr>
+            <a:lvl6pPr marL="2286000" indent="0">
+              <a:buNone/>
+              <a:defRPr sz="1600" b="1"/>
+            </a:lvl6pPr>
+            <a:lvl7pPr marL="2743200" indent="0">
+              <a:buNone/>
+              <a:defRPr sz="1600" b="1"/>
+            </a:lvl7pPr>
+            <a:lvl8pPr marL="3200400" indent="0">
+              <a:buNone/>
+              <a:defRPr sz="1600" b="1"/>
+            </a:lvl8pPr>
+            <a:lvl9pPr marL="3657600" indent="0">
+              <a:buNone/>
+              <a:defRPr sz="1600" b="1"/>
+            </a:lvl9pPr>
+          </a:lstStyle>
+          <a:p>
+            <a:pPr lvl="0"/>
+            <a:r>
+              <a:rPr lang="de-DE"/>
+              <a:t>Mastertextformat bearbeiten</a:t>
+            </a:r>
+          </a:p>
+        </p:txBody>
+      </p:sp>
+      <p:sp>
+        <p:nvSpPr>
+          <p:cNvPr id="4" name="Content Placeholder 3"/>
+          <p:cNvSpPr>
+            <a:spLocks noGrp="1"/>
+          </p:cNvSpPr>
+          <p:nvPr>
+            <p:ph sz="half" idx="2"/>
+          </p:nvPr>
+        </p:nvSpPr>
+        <p:spPr>
+          <a:xfrm>
+            <a:off x="839788" y="2505075"/>
+            <a:ext cx="5157787" cy="3684588"/>
+          </a:xfrm>
+        </p:spPr>
+        <p:txBody>
+          <a:bodyPr/>
+          <a:lstStyle/>
+          <a:p>
+            <a:pPr lvl="0"/>
+            <a:r>
+              <a:rPr lang="de-DE"/>
+              <a:t>Mastertextformat bearbeiten</a:t>
+            </a:r>
+          </a:p>
+          <a:p>
+            <a:pPr lvl="1"/>
+            <a:r>
+              <a:rPr lang="de-DE"/>
+              <a:t>Zweite Ebene</a:t>
+            </a:r>
+          </a:p>
+          <a:p>
+            <a:pPr lvl="2"/>
+            <a:r>
+              <a:rPr lang="de-DE"/>
+              <a:t>Dritte Ebene</a:t>
+            </a:r>
+          </a:p>
+          <a:p>
+            <a:pPr lvl="3"/>
+            <a:r>
+              <a:rPr lang="de-DE"/>
+              <a:t>Vierte Ebene</a:t>
+            </a:r>
+          </a:p>
+          <a:p>
+            <a:pPr lvl="4"/>
+            <a:r>
+              <a:rPr lang="de-DE"/>
+              <a:t>Fünfte Ebene</a:t>
+            </a:r>
+            <a:endParaRPr lang="en-US" dirty="0"/>
+          </a:p>
+        </p:txBody>
+      </p:sp>
+      <p:sp>
+        <p:nvSpPr>
+          <p:cNvPr id="5" name="Text Placeholder 4"/>
+          <p:cNvSpPr>
+            <a:spLocks noGrp="1"/>
+          </p:cNvSpPr>
+          <p:nvPr>
+            <p:ph type="body" sz="quarter" idx="3"/>
+          </p:nvPr>
+        </p:nvSpPr>
+        <p:spPr>
+          <a:xfrm>
+            <a:off x="6172200" y="1681163"/>
+            <a:ext cx="5183188" cy="823912"/>
+          </a:xfrm>
+        </p:spPr>
+        <p:txBody>
+          <a:bodyPr anchor="b"/>
+          <a:lstStyle>
+            <a:lvl1pPr marL="0" indent="0">
+              <a:buNone/>
+              <a:defRPr sz="2400" b="1"/>
+            </a:lvl1pPr>
+            <a:lvl2pPr marL="457200" indent="0">
+              <a:buNone/>
+              <a:defRPr sz="2000" b="1"/>
+            </a:lvl2pPr>
+            <a:lvl3pPr marL="914400" indent="0">
+              <a:buNone/>
+              <a:defRPr sz="1800" b="1"/>
+            </a:lvl3pPr>
+            <a:lvl4pPr marL="1371600" indent="0">
+              <a:buNone/>
+              <a:defRPr sz="1600" b="1"/>
+            </a:lvl4pPr>
+            <a:lvl5pPr marL="1828800" indent="0">
+              <a:buNone/>
+              <a:defRPr sz="1600" b="1"/>
+            </a:lvl5pPr>
+            <a:lvl6pPr marL="2286000" indent="0">
+              <a:buNone/>
+              <a:defRPr sz="1600" b="1"/>
+            </a:lvl6pPr>
+            <a:lvl7pPr marL="2743200" indent="0">
+              <a:buNone/>
+              <a:defRPr sz="1600" b="1"/>
+            </a:lvl7pPr>
+            <a:lvl8pPr marL="3200400" indent="0">
+              <a:buNone/>
+              <a:defRPr sz="1600" b="1"/>
+            </a:lvl8pPr>
+            <a:lvl9pPr marL="3657600" indent="0">
+              <a:buNone/>
+              <a:defRPr sz="1600" b="1"/>
+            </a:lvl9pPr>
+          </a:lstStyle>
+          <a:p>
+            <a:pPr lvl="0"/>
+            <a:r>
+              <a:rPr lang="de-DE"/>
+              <a:t>Mastertextformat bearbeiten</a:t>
+            </a:r>
+          </a:p>
+        </p:txBody>
+      </p:sp>
+      <p:sp>
+        <p:nvSpPr>
+          <p:cNvPr id="6" name="Content Placeholder 5"/>
+          <p:cNvSpPr>
+            <a:spLocks noGrp="1"/>
+          </p:cNvSpPr>
+          <p:nvPr>
+            <p:ph sz="quarter" idx="4"/>
+          </p:nvPr>
+        </p:nvSpPr>
+        <p:spPr>
+          <a:xfrm>
+            <a:off x="6172200" y="2505075"/>
+            <a:ext cx="5183188" cy="3684588"/>
+          </a:xfrm>
+        </p:spPr>
+        <p:txBody>
+          <a:bodyPr/>
+          <a:lstStyle/>
+          <a:p>
+            <a:pPr lvl="0"/>
+            <a:r>
+              <a:rPr lang="de-DE"/>
+              <a:t>Mastertextformat bearbeiten</a:t>
+            </a:r>
+          </a:p>
+          <a:p>
+            <a:pPr lvl="1"/>
+            <a:r>
+              <a:rPr lang="de-DE"/>
+              <a:t>Zweite Ebene</a:t>
+            </a:r>
+          </a:p>
+          <a:p>
+            <a:pPr lvl="2"/>
+            <a:r>
+              <a:rPr lang="de-DE"/>
+              <a:t>Dritte Ebene</a:t>
+            </a:r>
+          </a:p>
+          <a:p>
+            <a:pPr lvl="3"/>
+            <a:r>
+              <a:rPr lang="de-DE"/>
+              <a:t>Vierte Ebene</a:t>
+            </a:r>
+          </a:p>
+          <a:p>
+            <a:pPr lvl="4"/>
+            <a:r>
+              <a:rPr lang="de-DE"/>
+              <a:t>Fünfte Ebene</a:t>
+            </a:r>
+            <a:endParaRPr lang="en-US" dirty="0"/>
+          </a:p>
+        </p:txBody>
+      </p:sp>
+      <p:sp>
+        <p:nvSpPr>
+          <p:cNvPr id="7" name="Date Placeholder 6"/>
+          <p:cNvSpPr>
+            <a:spLocks noGrp="1"/>
+          </p:cNvSpPr>
+          <p:nvPr>
+            <p:ph type="dt" sz="half" idx="10"/>
+          </p:nvPr>
+        </p:nvSpPr>
+        <p:spPr/>
+        <p:txBody>
+          <a:bodyPr/>
+          <a:lstStyle/>
+          <a:p>
+            <a:fld id="{C764DE79-268F-4C1A-8933-263129D2AF90}" type="datetimeFigureOut">
+              <a:rPr lang="en-US" dirty="0"/>
+              <a:t>5/31/2018</a:t>
+            </a:fld>
+            <a:endParaRPr lang="en-US" dirty="0"/>
+          </a:p>
+        </p:txBody>
+      </p:sp>
+      <p:sp>
+        <p:nvSpPr>
+          <p:cNvPr id="8" name="Footer Placeholder 7"/>
+          <p:cNvSpPr>
+            <a:spLocks noGrp="1"/>
+          </p:cNvSpPr>
+          <p:nvPr>
+            <p:ph type="ftr" sz="quarter" idx="11"/>
+          </p:nvPr>
+        </p:nvSpPr>
+        <p:spPr/>
+        <p:txBody>
+          <a:bodyPr/>
+          <a:lstStyle/>
+          <a:p>
+            <a:endParaRPr lang="en-US" dirty="0"/>
+          </a:p>
+        </p:txBody>
+      </p:sp>
+      <p:sp>
+        <p:nvSpPr>
+          <p:cNvPr id="9" name="Slide Number Placeholder 8"/>
+          <p:cNvSpPr>
+            <a:spLocks noGrp="1"/>
+          </p:cNvSpPr>
+          <p:nvPr>
+            <p:ph type="sldNum" sz="quarter" idx="12"/>
+          </p:nvPr>
+        </p:nvSpPr>
+        <p:spPr/>
+        <p:txBody>
+          <a:bodyPr/>
+          <a:lstStyle/>
+          <a:p>
+            <a:fld id="{48F63A3B-78C7-47BE-AE5E-E10140E04643}" type="slidenum">
+              <a:rPr lang="en-US" dirty="0"/>
+              <a:t>‹Nr.›</a:t>
+            </a:fld>
+            <a:endParaRPr lang="en-US" dirty="0"/>
+          </a:p>
+        </p:txBody>
+      </p:sp>
+    </p:spTree>
+    <p:extLst>
+      <p:ext uri="{BB962C8B-B14F-4D97-AF65-F5344CB8AC3E}">
+        <p14:creationId xmlns:p14="http://schemas.microsoft.com/office/powerpoint/2010/main" val="3749008443"/>
+      </p:ext>
+    </p:extLst>
+  </p:cSld>
+  <p:clrMapOvr>
+    <a:masterClrMapping/>
+  </p:clrMapOvr>
 </p:sldLayout>
 </file>
 
@@ -241,20 +2403,2560 @@
     </p:spTree>
     <p:extLst>
       <p:ext uri="{BB962C8B-B14F-4D97-AF65-F5344CB8AC3E}">
-        <p14:creationId xmlns:p14="http://schemas.microsoft.com/office/powerpoint/2010/main" xmlns="" val="329657205"/>
+        <p14:creationId xmlns:p14="http://schemas.microsoft.com/office/powerpoint/2010/main" val="329657205"/>
       </p:ext>
     </p:extLst>
   </p:cSld>
   <p:clrMapOvr>
     <a:masterClrMapping/>
   </p:clrMapOvr>
-  <p:timing>
-    <p:tnLst>
-      <p:par>
-        <p:cTn id="1" dur="indefinite" restart="never" nodeType="tmRoot"/>
-      </p:par>
-    </p:tnLst>
-  </p:timing>
+</p:sldLayout>
+</file>
+
+<file path=ppt/slideLayouts/slideLayout20.xml><?xml version="1.0" encoding="utf-8"?>
+<p:sldLayout xmlns:a="http://schemas.openxmlformats.org/drawingml/2006/main" xmlns:r="http://schemas.openxmlformats.org/officeDocument/2006/relationships" xmlns:p="http://schemas.openxmlformats.org/presentationml/2006/main" type="titleOnly" preserve="1">
+  <p:cSld name="Nur Titel">
+    <p:spTree>
+      <p:nvGrpSpPr>
+        <p:cNvPr id="1" name=""/>
+        <p:cNvGrpSpPr/>
+        <p:nvPr/>
+      </p:nvGrpSpPr>
+      <p:grpSpPr>
+        <a:xfrm>
+          <a:off x="0" y="0"/>
+          <a:ext cx="0" cy="0"/>
+          <a:chOff x="0" y="0"/>
+          <a:chExt cx="0" cy="0"/>
+        </a:xfrm>
+      </p:grpSpPr>
+      <p:sp>
+        <p:nvSpPr>
+          <p:cNvPr id="2" name="Title 1"/>
+          <p:cNvSpPr>
+            <a:spLocks noGrp="1"/>
+          </p:cNvSpPr>
+          <p:nvPr>
+            <p:ph type="title"/>
+          </p:nvPr>
+        </p:nvSpPr>
+        <p:spPr/>
+        <p:txBody>
+          <a:bodyPr/>
+          <a:lstStyle/>
+          <a:p>
+            <a:r>
+              <a:rPr lang="de-DE"/>
+              <a:t>Mastertitelformat bearbeiten</a:t>
+            </a:r>
+            <a:endParaRPr lang="en-US" dirty="0"/>
+          </a:p>
+        </p:txBody>
+      </p:sp>
+      <p:sp>
+        <p:nvSpPr>
+          <p:cNvPr id="3" name="Date Placeholder 2"/>
+          <p:cNvSpPr>
+            <a:spLocks noGrp="1"/>
+          </p:cNvSpPr>
+          <p:nvPr>
+            <p:ph type="dt" sz="half" idx="10"/>
+          </p:nvPr>
+        </p:nvSpPr>
+        <p:spPr/>
+        <p:txBody>
+          <a:bodyPr/>
+          <a:lstStyle/>
+          <a:p>
+            <a:fld id="{C764DE79-268F-4C1A-8933-263129D2AF90}" type="datetimeFigureOut">
+              <a:rPr lang="en-US" dirty="0"/>
+              <a:t>5/31/2018</a:t>
+            </a:fld>
+            <a:endParaRPr lang="en-US" dirty="0"/>
+          </a:p>
+        </p:txBody>
+      </p:sp>
+      <p:sp>
+        <p:nvSpPr>
+          <p:cNvPr id="4" name="Footer Placeholder 3"/>
+          <p:cNvSpPr>
+            <a:spLocks noGrp="1"/>
+          </p:cNvSpPr>
+          <p:nvPr>
+            <p:ph type="ftr" sz="quarter" idx="11"/>
+          </p:nvPr>
+        </p:nvSpPr>
+        <p:spPr/>
+        <p:txBody>
+          <a:bodyPr/>
+          <a:lstStyle/>
+          <a:p>
+            <a:endParaRPr lang="en-US" dirty="0"/>
+          </a:p>
+        </p:txBody>
+      </p:sp>
+      <p:sp>
+        <p:nvSpPr>
+          <p:cNvPr id="5" name="Slide Number Placeholder 4"/>
+          <p:cNvSpPr>
+            <a:spLocks noGrp="1"/>
+          </p:cNvSpPr>
+          <p:nvPr>
+            <p:ph type="sldNum" sz="quarter" idx="12"/>
+          </p:nvPr>
+        </p:nvSpPr>
+        <p:spPr/>
+        <p:txBody>
+          <a:bodyPr/>
+          <a:lstStyle/>
+          <a:p>
+            <a:fld id="{48F63A3B-78C7-47BE-AE5E-E10140E04643}" type="slidenum">
+              <a:rPr lang="en-US" dirty="0"/>
+              <a:t>‹Nr.›</a:t>
+            </a:fld>
+            <a:endParaRPr lang="en-US" dirty="0"/>
+          </a:p>
+        </p:txBody>
+      </p:sp>
+    </p:spTree>
+    <p:extLst>
+      <p:ext uri="{BB962C8B-B14F-4D97-AF65-F5344CB8AC3E}">
+        <p14:creationId xmlns:p14="http://schemas.microsoft.com/office/powerpoint/2010/main" val="3925464050"/>
+      </p:ext>
+    </p:extLst>
+  </p:cSld>
+  <p:clrMapOvr>
+    <a:masterClrMapping/>
+  </p:clrMapOvr>
+</p:sldLayout>
+</file>
+
+<file path=ppt/slideLayouts/slideLayout21.xml><?xml version="1.0" encoding="utf-8"?>
+<p:sldLayout xmlns:a="http://schemas.openxmlformats.org/drawingml/2006/main" xmlns:r="http://schemas.openxmlformats.org/officeDocument/2006/relationships" xmlns:p="http://schemas.openxmlformats.org/presentationml/2006/main" type="blank" preserve="1">
+  <p:cSld name="Leer">
+    <p:spTree>
+      <p:nvGrpSpPr>
+        <p:cNvPr id="1" name=""/>
+        <p:cNvGrpSpPr/>
+        <p:nvPr/>
+      </p:nvGrpSpPr>
+      <p:grpSpPr>
+        <a:xfrm>
+          <a:off x="0" y="0"/>
+          <a:ext cx="0" cy="0"/>
+          <a:chOff x="0" y="0"/>
+          <a:chExt cx="0" cy="0"/>
+        </a:xfrm>
+      </p:grpSpPr>
+      <p:sp>
+        <p:nvSpPr>
+          <p:cNvPr id="2" name="Date Placeholder 1"/>
+          <p:cNvSpPr>
+            <a:spLocks noGrp="1"/>
+          </p:cNvSpPr>
+          <p:nvPr>
+            <p:ph type="dt" sz="half" idx="10"/>
+          </p:nvPr>
+        </p:nvSpPr>
+        <p:spPr/>
+        <p:txBody>
+          <a:bodyPr/>
+          <a:lstStyle/>
+          <a:p>
+            <a:fld id="{C764DE79-268F-4C1A-8933-263129D2AF90}" type="datetimeFigureOut">
+              <a:rPr lang="en-US" dirty="0"/>
+              <a:t>5/31/2018</a:t>
+            </a:fld>
+            <a:endParaRPr lang="en-US" dirty="0"/>
+          </a:p>
+        </p:txBody>
+      </p:sp>
+      <p:sp>
+        <p:nvSpPr>
+          <p:cNvPr id="3" name="Footer Placeholder 2"/>
+          <p:cNvSpPr>
+            <a:spLocks noGrp="1"/>
+          </p:cNvSpPr>
+          <p:nvPr>
+            <p:ph type="ftr" sz="quarter" idx="11"/>
+          </p:nvPr>
+        </p:nvSpPr>
+        <p:spPr/>
+        <p:txBody>
+          <a:bodyPr/>
+          <a:lstStyle/>
+          <a:p>
+            <a:endParaRPr lang="en-US" dirty="0"/>
+          </a:p>
+        </p:txBody>
+      </p:sp>
+      <p:sp>
+        <p:nvSpPr>
+          <p:cNvPr id="4" name="Slide Number Placeholder 3"/>
+          <p:cNvSpPr>
+            <a:spLocks noGrp="1"/>
+          </p:cNvSpPr>
+          <p:nvPr>
+            <p:ph type="sldNum" sz="quarter" idx="12"/>
+          </p:nvPr>
+        </p:nvSpPr>
+        <p:spPr/>
+        <p:txBody>
+          <a:bodyPr/>
+          <a:lstStyle/>
+          <a:p>
+            <a:fld id="{48F63A3B-78C7-47BE-AE5E-E10140E04643}" type="slidenum">
+              <a:rPr lang="en-US" dirty="0"/>
+              <a:t>‹Nr.›</a:t>
+            </a:fld>
+            <a:endParaRPr lang="en-US" dirty="0"/>
+          </a:p>
+        </p:txBody>
+      </p:sp>
+    </p:spTree>
+    <p:extLst>
+      <p:ext uri="{BB962C8B-B14F-4D97-AF65-F5344CB8AC3E}">
+        <p14:creationId xmlns:p14="http://schemas.microsoft.com/office/powerpoint/2010/main" val="2195804408"/>
+      </p:ext>
+    </p:extLst>
+  </p:cSld>
+  <p:clrMapOvr>
+    <a:masterClrMapping/>
+  </p:clrMapOvr>
+</p:sldLayout>
+</file>
+
+<file path=ppt/slideLayouts/slideLayout22.xml><?xml version="1.0" encoding="utf-8"?>
+<p:sldLayout xmlns:a="http://schemas.openxmlformats.org/drawingml/2006/main" xmlns:r="http://schemas.openxmlformats.org/officeDocument/2006/relationships" xmlns:p="http://schemas.openxmlformats.org/presentationml/2006/main" type="objTx" preserve="1">
+  <p:cSld name="Inhalt mit Überschrift">
+    <p:spTree>
+      <p:nvGrpSpPr>
+        <p:cNvPr id="1" name=""/>
+        <p:cNvGrpSpPr/>
+        <p:nvPr/>
+      </p:nvGrpSpPr>
+      <p:grpSpPr>
+        <a:xfrm>
+          <a:off x="0" y="0"/>
+          <a:ext cx="0" cy="0"/>
+          <a:chOff x="0" y="0"/>
+          <a:chExt cx="0" cy="0"/>
+        </a:xfrm>
+      </p:grpSpPr>
+      <p:sp>
+        <p:nvSpPr>
+          <p:cNvPr id="2" name="Title 1"/>
+          <p:cNvSpPr>
+            <a:spLocks noGrp="1"/>
+          </p:cNvSpPr>
+          <p:nvPr>
+            <p:ph type="title"/>
+          </p:nvPr>
+        </p:nvSpPr>
+        <p:spPr>
+          <a:xfrm>
+            <a:off x="839788" y="457200"/>
+            <a:ext cx="3932237" cy="1600200"/>
+          </a:xfrm>
+        </p:spPr>
+        <p:txBody>
+          <a:bodyPr anchor="b"/>
+          <a:lstStyle>
+            <a:lvl1pPr>
+              <a:defRPr sz="3200"/>
+            </a:lvl1pPr>
+          </a:lstStyle>
+          <a:p>
+            <a:r>
+              <a:rPr lang="de-DE"/>
+              <a:t>Mastertitelformat bearbeiten</a:t>
+            </a:r>
+            <a:endParaRPr lang="en-US" dirty="0"/>
+          </a:p>
+        </p:txBody>
+      </p:sp>
+      <p:sp>
+        <p:nvSpPr>
+          <p:cNvPr id="3" name="Content Placeholder 2"/>
+          <p:cNvSpPr>
+            <a:spLocks noGrp="1"/>
+          </p:cNvSpPr>
+          <p:nvPr>
+            <p:ph idx="1"/>
+          </p:nvPr>
+        </p:nvSpPr>
+        <p:spPr>
+          <a:xfrm>
+            <a:off x="5183188" y="987425"/>
+            <a:ext cx="6172200" cy="4873625"/>
+          </a:xfrm>
+        </p:spPr>
+        <p:txBody>
+          <a:bodyPr/>
+          <a:lstStyle>
+            <a:lvl1pPr>
+              <a:defRPr sz="3200"/>
+            </a:lvl1pPr>
+            <a:lvl2pPr>
+              <a:defRPr sz="2800"/>
+            </a:lvl2pPr>
+            <a:lvl3pPr>
+              <a:defRPr sz="2400"/>
+            </a:lvl3pPr>
+            <a:lvl4pPr>
+              <a:defRPr sz="2000"/>
+            </a:lvl4pPr>
+            <a:lvl5pPr>
+              <a:defRPr sz="2000"/>
+            </a:lvl5pPr>
+            <a:lvl6pPr>
+              <a:defRPr sz="2000"/>
+            </a:lvl6pPr>
+            <a:lvl7pPr>
+              <a:defRPr sz="2000"/>
+            </a:lvl7pPr>
+            <a:lvl8pPr>
+              <a:defRPr sz="2000"/>
+            </a:lvl8pPr>
+            <a:lvl9pPr>
+              <a:defRPr sz="2000"/>
+            </a:lvl9pPr>
+          </a:lstStyle>
+          <a:p>
+            <a:pPr lvl="0"/>
+            <a:r>
+              <a:rPr lang="de-DE"/>
+              <a:t>Mastertextformat bearbeiten</a:t>
+            </a:r>
+          </a:p>
+          <a:p>
+            <a:pPr lvl="1"/>
+            <a:r>
+              <a:rPr lang="de-DE"/>
+              <a:t>Zweite Ebene</a:t>
+            </a:r>
+          </a:p>
+          <a:p>
+            <a:pPr lvl="2"/>
+            <a:r>
+              <a:rPr lang="de-DE"/>
+              <a:t>Dritte Ebene</a:t>
+            </a:r>
+          </a:p>
+          <a:p>
+            <a:pPr lvl="3"/>
+            <a:r>
+              <a:rPr lang="de-DE"/>
+              <a:t>Vierte Ebene</a:t>
+            </a:r>
+          </a:p>
+          <a:p>
+            <a:pPr lvl="4"/>
+            <a:r>
+              <a:rPr lang="de-DE"/>
+              <a:t>Fünfte Ebene</a:t>
+            </a:r>
+            <a:endParaRPr lang="en-US" dirty="0"/>
+          </a:p>
+        </p:txBody>
+      </p:sp>
+      <p:sp>
+        <p:nvSpPr>
+          <p:cNvPr id="4" name="Text Placeholder 3"/>
+          <p:cNvSpPr>
+            <a:spLocks noGrp="1"/>
+          </p:cNvSpPr>
+          <p:nvPr>
+            <p:ph type="body" sz="half" idx="2"/>
+          </p:nvPr>
+        </p:nvSpPr>
+        <p:spPr>
+          <a:xfrm>
+            <a:off x="839788" y="2057400"/>
+            <a:ext cx="3932237" cy="3811588"/>
+          </a:xfrm>
+        </p:spPr>
+        <p:txBody>
+          <a:bodyPr/>
+          <a:lstStyle>
+            <a:lvl1pPr marL="0" indent="0">
+              <a:buNone/>
+              <a:defRPr sz="1600"/>
+            </a:lvl1pPr>
+            <a:lvl2pPr marL="457200" indent="0">
+              <a:buNone/>
+              <a:defRPr sz="1400"/>
+            </a:lvl2pPr>
+            <a:lvl3pPr marL="914400" indent="0">
+              <a:buNone/>
+              <a:defRPr sz="1200"/>
+            </a:lvl3pPr>
+            <a:lvl4pPr marL="1371600" indent="0">
+              <a:buNone/>
+              <a:defRPr sz="1000"/>
+            </a:lvl4pPr>
+            <a:lvl5pPr marL="1828800" indent="0">
+              <a:buNone/>
+              <a:defRPr sz="1000"/>
+            </a:lvl5pPr>
+            <a:lvl6pPr marL="2286000" indent="0">
+              <a:buNone/>
+              <a:defRPr sz="1000"/>
+            </a:lvl6pPr>
+            <a:lvl7pPr marL="2743200" indent="0">
+              <a:buNone/>
+              <a:defRPr sz="1000"/>
+            </a:lvl7pPr>
+            <a:lvl8pPr marL="3200400" indent="0">
+              <a:buNone/>
+              <a:defRPr sz="1000"/>
+            </a:lvl8pPr>
+            <a:lvl9pPr marL="3657600" indent="0">
+              <a:buNone/>
+              <a:defRPr sz="1000"/>
+            </a:lvl9pPr>
+          </a:lstStyle>
+          <a:p>
+            <a:pPr lvl="0"/>
+            <a:r>
+              <a:rPr lang="de-DE"/>
+              <a:t>Mastertextformat bearbeiten</a:t>
+            </a:r>
+          </a:p>
+        </p:txBody>
+      </p:sp>
+      <p:sp>
+        <p:nvSpPr>
+          <p:cNvPr id="5" name="Date Placeholder 4"/>
+          <p:cNvSpPr>
+            <a:spLocks noGrp="1"/>
+          </p:cNvSpPr>
+          <p:nvPr>
+            <p:ph type="dt" sz="half" idx="10"/>
+          </p:nvPr>
+        </p:nvSpPr>
+        <p:spPr/>
+        <p:txBody>
+          <a:bodyPr/>
+          <a:lstStyle/>
+          <a:p>
+            <a:fld id="{C764DE79-268F-4C1A-8933-263129D2AF90}" type="datetimeFigureOut">
+              <a:rPr lang="en-US" dirty="0"/>
+              <a:t>5/31/2018</a:t>
+            </a:fld>
+            <a:endParaRPr lang="en-US" dirty="0"/>
+          </a:p>
+        </p:txBody>
+      </p:sp>
+      <p:sp>
+        <p:nvSpPr>
+          <p:cNvPr id="6" name="Footer Placeholder 5"/>
+          <p:cNvSpPr>
+            <a:spLocks noGrp="1"/>
+          </p:cNvSpPr>
+          <p:nvPr>
+            <p:ph type="ftr" sz="quarter" idx="11"/>
+          </p:nvPr>
+        </p:nvSpPr>
+        <p:spPr/>
+        <p:txBody>
+          <a:bodyPr/>
+          <a:lstStyle/>
+          <a:p>
+            <a:endParaRPr lang="en-US" dirty="0"/>
+          </a:p>
+        </p:txBody>
+      </p:sp>
+      <p:sp>
+        <p:nvSpPr>
+          <p:cNvPr id="7" name="Slide Number Placeholder 6"/>
+          <p:cNvSpPr>
+            <a:spLocks noGrp="1"/>
+          </p:cNvSpPr>
+          <p:nvPr>
+            <p:ph type="sldNum" sz="quarter" idx="12"/>
+          </p:nvPr>
+        </p:nvSpPr>
+        <p:spPr/>
+        <p:txBody>
+          <a:bodyPr/>
+          <a:lstStyle/>
+          <a:p>
+            <a:fld id="{48F63A3B-78C7-47BE-AE5E-E10140E04643}" type="slidenum">
+              <a:rPr lang="en-US" dirty="0"/>
+              <a:t>‹Nr.›</a:t>
+            </a:fld>
+            <a:endParaRPr lang="en-US" dirty="0"/>
+          </a:p>
+        </p:txBody>
+      </p:sp>
+    </p:spTree>
+    <p:extLst>
+      <p:ext uri="{BB962C8B-B14F-4D97-AF65-F5344CB8AC3E}">
+        <p14:creationId xmlns:p14="http://schemas.microsoft.com/office/powerpoint/2010/main" val="1091628041"/>
+      </p:ext>
+    </p:extLst>
+  </p:cSld>
+  <p:clrMapOvr>
+    <a:masterClrMapping/>
+  </p:clrMapOvr>
+</p:sldLayout>
+</file>
+
+<file path=ppt/slideLayouts/slideLayout23.xml><?xml version="1.0" encoding="utf-8"?>
+<p:sldLayout xmlns:a="http://schemas.openxmlformats.org/drawingml/2006/main" xmlns:r="http://schemas.openxmlformats.org/officeDocument/2006/relationships" xmlns:p="http://schemas.openxmlformats.org/presentationml/2006/main" type="picTx" preserve="1">
+  <p:cSld name="Bild mit Überschrift">
+    <p:spTree>
+      <p:nvGrpSpPr>
+        <p:cNvPr id="1" name=""/>
+        <p:cNvGrpSpPr/>
+        <p:nvPr/>
+      </p:nvGrpSpPr>
+      <p:grpSpPr>
+        <a:xfrm>
+          <a:off x="0" y="0"/>
+          <a:ext cx="0" cy="0"/>
+          <a:chOff x="0" y="0"/>
+          <a:chExt cx="0" cy="0"/>
+        </a:xfrm>
+      </p:grpSpPr>
+      <p:sp>
+        <p:nvSpPr>
+          <p:cNvPr id="2" name="Title 1"/>
+          <p:cNvSpPr>
+            <a:spLocks noGrp="1"/>
+          </p:cNvSpPr>
+          <p:nvPr>
+            <p:ph type="title"/>
+          </p:nvPr>
+        </p:nvSpPr>
+        <p:spPr>
+          <a:xfrm>
+            <a:off x="839788" y="457200"/>
+            <a:ext cx="3932237" cy="1600200"/>
+          </a:xfrm>
+        </p:spPr>
+        <p:txBody>
+          <a:bodyPr anchor="b"/>
+          <a:lstStyle>
+            <a:lvl1pPr>
+              <a:defRPr sz="3200"/>
+            </a:lvl1pPr>
+          </a:lstStyle>
+          <a:p>
+            <a:r>
+              <a:rPr lang="de-DE"/>
+              <a:t>Mastertitelformat bearbeiten</a:t>
+            </a:r>
+            <a:endParaRPr lang="en-US" dirty="0"/>
+          </a:p>
+        </p:txBody>
+      </p:sp>
+      <p:sp>
+        <p:nvSpPr>
+          <p:cNvPr id="3" name="Picture Placeholder 2"/>
+          <p:cNvSpPr>
+            <a:spLocks noGrp="1" noChangeAspect="1"/>
+          </p:cNvSpPr>
+          <p:nvPr>
+            <p:ph type="pic" idx="1"/>
+          </p:nvPr>
+        </p:nvSpPr>
+        <p:spPr>
+          <a:xfrm>
+            <a:off x="5183188" y="987425"/>
+            <a:ext cx="6172200" cy="4873625"/>
+          </a:xfrm>
+        </p:spPr>
+        <p:txBody>
+          <a:bodyPr anchor="t"/>
+          <a:lstStyle>
+            <a:lvl1pPr marL="0" indent="0">
+              <a:buNone/>
+              <a:defRPr sz="3200"/>
+            </a:lvl1pPr>
+            <a:lvl2pPr marL="457200" indent="0">
+              <a:buNone/>
+              <a:defRPr sz="2800"/>
+            </a:lvl2pPr>
+            <a:lvl3pPr marL="914400" indent="0">
+              <a:buNone/>
+              <a:defRPr sz="2400"/>
+            </a:lvl3pPr>
+            <a:lvl4pPr marL="1371600" indent="0">
+              <a:buNone/>
+              <a:defRPr sz="2000"/>
+            </a:lvl4pPr>
+            <a:lvl5pPr marL="1828800" indent="0">
+              <a:buNone/>
+              <a:defRPr sz="2000"/>
+            </a:lvl5pPr>
+            <a:lvl6pPr marL="2286000" indent="0">
+              <a:buNone/>
+              <a:defRPr sz="2000"/>
+            </a:lvl6pPr>
+            <a:lvl7pPr marL="2743200" indent="0">
+              <a:buNone/>
+              <a:defRPr sz="2000"/>
+            </a:lvl7pPr>
+            <a:lvl8pPr marL="3200400" indent="0">
+              <a:buNone/>
+              <a:defRPr sz="2000"/>
+            </a:lvl8pPr>
+            <a:lvl9pPr marL="3657600" indent="0">
+              <a:buNone/>
+              <a:defRPr sz="2000"/>
+            </a:lvl9pPr>
+          </a:lstStyle>
+          <a:p>
+            <a:r>
+              <a:rPr lang="de-DE"/>
+              <a:t>Bild durch Klicken auf Symbol hinzufügen</a:t>
+            </a:r>
+            <a:endParaRPr lang="en-US" dirty="0"/>
+          </a:p>
+        </p:txBody>
+      </p:sp>
+      <p:sp>
+        <p:nvSpPr>
+          <p:cNvPr id="4" name="Text Placeholder 3"/>
+          <p:cNvSpPr>
+            <a:spLocks noGrp="1"/>
+          </p:cNvSpPr>
+          <p:nvPr>
+            <p:ph type="body" sz="half" idx="2"/>
+          </p:nvPr>
+        </p:nvSpPr>
+        <p:spPr>
+          <a:xfrm>
+            <a:off x="839788" y="2057400"/>
+            <a:ext cx="3932237" cy="3811588"/>
+          </a:xfrm>
+        </p:spPr>
+        <p:txBody>
+          <a:bodyPr/>
+          <a:lstStyle>
+            <a:lvl1pPr marL="0" indent="0">
+              <a:buNone/>
+              <a:defRPr sz="1600"/>
+            </a:lvl1pPr>
+            <a:lvl2pPr marL="457200" indent="0">
+              <a:buNone/>
+              <a:defRPr sz="1400"/>
+            </a:lvl2pPr>
+            <a:lvl3pPr marL="914400" indent="0">
+              <a:buNone/>
+              <a:defRPr sz="1200"/>
+            </a:lvl3pPr>
+            <a:lvl4pPr marL="1371600" indent="0">
+              <a:buNone/>
+              <a:defRPr sz="1000"/>
+            </a:lvl4pPr>
+            <a:lvl5pPr marL="1828800" indent="0">
+              <a:buNone/>
+              <a:defRPr sz="1000"/>
+            </a:lvl5pPr>
+            <a:lvl6pPr marL="2286000" indent="0">
+              <a:buNone/>
+              <a:defRPr sz="1000"/>
+            </a:lvl6pPr>
+            <a:lvl7pPr marL="2743200" indent="0">
+              <a:buNone/>
+              <a:defRPr sz="1000"/>
+            </a:lvl7pPr>
+            <a:lvl8pPr marL="3200400" indent="0">
+              <a:buNone/>
+              <a:defRPr sz="1000"/>
+            </a:lvl8pPr>
+            <a:lvl9pPr marL="3657600" indent="0">
+              <a:buNone/>
+              <a:defRPr sz="1000"/>
+            </a:lvl9pPr>
+          </a:lstStyle>
+          <a:p>
+            <a:pPr lvl="0"/>
+            <a:r>
+              <a:rPr lang="de-DE"/>
+              <a:t>Mastertextformat bearbeiten</a:t>
+            </a:r>
+          </a:p>
+        </p:txBody>
+      </p:sp>
+      <p:sp>
+        <p:nvSpPr>
+          <p:cNvPr id="5" name="Date Placeholder 4"/>
+          <p:cNvSpPr>
+            <a:spLocks noGrp="1"/>
+          </p:cNvSpPr>
+          <p:nvPr>
+            <p:ph type="dt" sz="half" idx="10"/>
+          </p:nvPr>
+        </p:nvSpPr>
+        <p:spPr/>
+        <p:txBody>
+          <a:bodyPr/>
+          <a:lstStyle/>
+          <a:p>
+            <a:fld id="{C764DE79-268F-4C1A-8933-263129D2AF90}" type="datetimeFigureOut">
+              <a:rPr lang="en-US" dirty="0"/>
+              <a:t>5/31/2018</a:t>
+            </a:fld>
+            <a:endParaRPr lang="en-US" dirty="0"/>
+          </a:p>
+        </p:txBody>
+      </p:sp>
+      <p:sp>
+        <p:nvSpPr>
+          <p:cNvPr id="6" name="Footer Placeholder 5"/>
+          <p:cNvSpPr>
+            <a:spLocks noGrp="1"/>
+          </p:cNvSpPr>
+          <p:nvPr>
+            <p:ph type="ftr" sz="quarter" idx="11"/>
+          </p:nvPr>
+        </p:nvSpPr>
+        <p:spPr/>
+        <p:txBody>
+          <a:bodyPr/>
+          <a:lstStyle/>
+          <a:p>
+            <a:endParaRPr lang="en-US" dirty="0"/>
+          </a:p>
+        </p:txBody>
+      </p:sp>
+      <p:sp>
+        <p:nvSpPr>
+          <p:cNvPr id="7" name="Slide Number Placeholder 6"/>
+          <p:cNvSpPr>
+            <a:spLocks noGrp="1"/>
+          </p:cNvSpPr>
+          <p:nvPr>
+            <p:ph type="sldNum" sz="quarter" idx="12"/>
+          </p:nvPr>
+        </p:nvSpPr>
+        <p:spPr/>
+        <p:txBody>
+          <a:bodyPr/>
+          <a:lstStyle/>
+          <a:p>
+            <a:fld id="{48F63A3B-78C7-47BE-AE5E-E10140E04643}" type="slidenum">
+              <a:rPr lang="en-US" dirty="0"/>
+              <a:t>‹Nr.›</a:t>
+            </a:fld>
+            <a:endParaRPr lang="en-US" dirty="0"/>
+          </a:p>
+        </p:txBody>
+      </p:sp>
+    </p:spTree>
+    <p:extLst>
+      <p:ext uri="{BB962C8B-B14F-4D97-AF65-F5344CB8AC3E}">
+        <p14:creationId xmlns:p14="http://schemas.microsoft.com/office/powerpoint/2010/main" val="3844081156"/>
+      </p:ext>
+    </p:extLst>
+  </p:cSld>
+  <p:clrMapOvr>
+    <a:masterClrMapping/>
+  </p:clrMapOvr>
+</p:sldLayout>
+</file>
+
+<file path=ppt/slideLayouts/slideLayout24.xml><?xml version="1.0" encoding="utf-8"?>
+<p:sldLayout xmlns:a="http://schemas.openxmlformats.org/drawingml/2006/main" xmlns:r="http://schemas.openxmlformats.org/officeDocument/2006/relationships" xmlns:p="http://schemas.openxmlformats.org/presentationml/2006/main" type="vertTx" preserve="1">
+  <p:cSld name="Titel und vertikaler Text">
+    <p:spTree>
+      <p:nvGrpSpPr>
+        <p:cNvPr id="1" name=""/>
+        <p:cNvGrpSpPr/>
+        <p:nvPr/>
+      </p:nvGrpSpPr>
+      <p:grpSpPr>
+        <a:xfrm>
+          <a:off x="0" y="0"/>
+          <a:ext cx="0" cy="0"/>
+          <a:chOff x="0" y="0"/>
+          <a:chExt cx="0" cy="0"/>
+        </a:xfrm>
+      </p:grpSpPr>
+      <p:sp>
+        <p:nvSpPr>
+          <p:cNvPr id="2" name="Title 1"/>
+          <p:cNvSpPr>
+            <a:spLocks noGrp="1"/>
+          </p:cNvSpPr>
+          <p:nvPr>
+            <p:ph type="title"/>
+          </p:nvPr>
+        </p:nvSpPr>
+        <p:spPr/>
+        <p:txBody>
+          <a:bodyPr/>
+          <a:lstStyle/>
+          <a:p>
+            <a:r>
+              <a:rPr lang="de-DE"/>
+              <a:t>Mastertitelformat bearbeiten</a:t>
+            </a:r>
+            <a:endParaRPr lang="en-US" dirty="0"/>
+          </a:p>
+        </p:txBody>
+      </p:sp>
+      <p:sp>
+        <p:nvSpPr>
+          <p:cNvPr id="3" name="Vertical Text Placeholder 2"/>
+          <p:cNvSpPr>
+            <a:spLocks noGrp="1"/>
+          </p:cNvSpPr>
+          <p:nvPr>
+            <p:ph type="body" orient="vert" idx="1"/>
+          </p:nvPr>
+        </p:nvSpPr>
+        <p:spPr/>
+        <p:txBody>
+          <a:bodyPr vert="eaVert"/>
+          <a:lstStyle/>
+          <a:p>
+            <a:pPr lvl="0"/>
+            <a:r>
+              <a:rPr lang="de-DE"/>
+              <a:t>Mastertextformat bearbeiten</a:t>
+            </a:r>
+          </a:p>
+          <a:p>
+            <a:pPr lvl="1"/>
+            <a:r>
+              <a:rPr lang="de-DE"/>
+              <a:t>Zweite Ebene</a:t>
+            </a:r>
+          </a:p>
+          <a:p>
+            <a:pPr lvl="2"/>
+            <a:r>
+              <a:rPr lang="de-DE"/>
+              <a:t>Dritte Ebene</a:t>
+            </a:r>
+          </a:p>
+          <a:p>
+            <a:pPr lvl="3"/>
+            <a:r>
+              <a:rPr lang="de-DE"/>
+              <a:t>Vierte Ebene</a:t>
+            </a:r>
+          </a:p>
+          <a:p>
+            <a:pPr lvl="4"/>
+            <a:r>
+              <a:rPr lang="de-DE"/>
+              <a:t>Fünfte Ebene</a:t>
+            </a:r>
+            <a:endParaRPr lang="en-US" dirty="0"/>
+          </a:p>
+        </p:txBody>
+      </p:sp>
+      <p:sp>
+        <p:nvSpPr>
+          <p:cNvPr id="4" name="Date Placeholder 3"/>
+          <p:cNvSpPr>
+            <a:spLocks noGrp="1"/>
+          </p:cNvSpPr>
+          <p:nvPr>
+            <p:ph type="dt" sz="half" idx="10"/>
+          </p:nvPr>
+        </p:nvSpPr>
+        <p:spPr/>
+        <p:txBody>
+          <a:bodyPr/>
+          <a:lstStyle/>
+          <a:p>
+            <a:fld id="{C764DE79-268F-4C1A-8933-263129D2AF90}" type="datetimeFigureOut">
+              <a:rPr lang="en-US" dirty="0"/>
+              <a:t>5/31/2018</a:t>
+            </a:fld>
+            <a:endParaRPr lang="en-US" dirty="0"/>
+          </a:p>
+        </p:txBody>
+      </p:sp>
+      <p:sp>
+        <p:nvSpPr>
+          <p:cNvPr id="5" name="Footer Placeholder 4"/>
+          <p:cNvSpPr>
+            <a:spLocks noGrp="1"/>
+          </p:cNvSpPr>
+          <p:nvPr>
+            <p:ph type="ftr" sz="quarter" idx="11"/>
+          </p:nvPr>
+        </p:nvSpPr>
+        <p:spPr/>
+        <p:txBody>
+          <a:bodyPr/>
+          <a:lstStyle/>
+          <a:p>
+            <a:endParaRPr lang="en-US" dirty="0"/>
+          </a:p>
+        </p:txBody>
+      </p:sp>
+      <p:sp>
+        <p:nvSpPr>
+          <p:cNvPr id="6" name="Slide Number Placeholder 5"/>
+          <p:cNvSpPr>
+            <a:spLocks noGrp="1"/>
+          </p:cNvSpPr>
+          <p:nvPr>
+            <p:ph type="sldNum" sz="quarter" idx="12"/>
+          </p:nvPr>
+        </p:nvSpPr>
+        <p:spPr/>
+        <p:txBody>
+          <a:bodyPr/>
+          <a:lstStyle/>
+          <a:p>
+            <a:fld id="{48F63A3B-78C7-47BE-AE5E-E10140E04643}" type="slidenum">
+              <a:rPr lang="en-US" dirty="0"/>
+              <a:t>‹Nr.›</a:t>
+            </a:fld>
+            <a:endParaRPr lang="en-US" dirty="0"/>
+          </a:p>
+        </p:txBody>
+      </p:sp>
+    </p:spTree>
+    <p:extLst>
+      <p:ext uri="{BB962C8B-B14F-4D97-AF65-F5344CB8AC3E}">
+        <p14:creationId xmlns:p14="http://schemas.microsoft.com/office/powerpoint/2010/main" val="1259715725"/>
+      </p:ext>
+    </p:extLst>
+  </p:cSld>
+  <p:clrMapOvr>
+    <a:masterClrMapping/>
+  </p:clrMapOvr>
+</p:sldLayout>
+</file>
+
+<file path=ppt/slideLayouts/slideLayout25.xml><?xml version="1.0" encoding="utf-8"?>
+<p:sldLayout xmlns:a="http://schemas.openxmlformats.org/drawingml/2006/main" xmlns:r="http://schemas.openxmlformats.org/officeDocument/2006/relationships" xmlns:p="http://schemas.openxmlformats.org/presentationml/2006/main" type="vertTitleAndTx" preserve="1">
+  <p:cSld name="Vertikaler Titel und Text">
+    <p:spTree>
+      <p:nvGrpSpPr>
+        <p:cNvPr id="1" name=""/>
+        <p:cNvGrpSpPr/>
+        <p:nvPr/>
+      </p:nvGrpSpPr>
+      <p:grpSpPr>
+        <a:xfrm>
+          <a:off x="0" y="0"/>
+          <a:ext cx="0" cy="0"/>
+          <a:chOff x="0" y="0"/>
+          <a:chExt cx="0" cy="0"/>
+        </a:xfrm>
+      </p:grpSpPr>
+      <p:sp>
+        <p:nvSpPr>
+          <p:cNvPr id="2" name="Vertical Title 1"/>
+          <p:cNvSpPr>
+            <a:spLocks noGrp="1"/>
+          </p:cNvSpPr>
+          <p:nvPr>
+            <p:ph type="title" orient="vert"/>
+          </p:nvPr>
+        </p:nvSpPr>
+        <p:spPr>
+          <a:xfrm>
+            <a:off x="8724900" y="365125"/>
+            <a:ext cx="2628900" cy="5811838"/>
+          </a:xfrm>
+        </p:spPr>
+        <p:txBody>
+          <a:bodyPr vert="eaVert"/>
+          <a:lstStyle/>
+          <a:p>
+            <a:r>
+              <a:rPr lang="de-DE"/>
+              <a:t>Mastertitelformat bearbeiten</a:t>
+            </a:r>
+            <a:endParaRPr lang="en-US" dirty="0"/>
+          </a:p>
+        </p:txBody>
+      </p:sp>
+      <p:sp>
+        <p:nvSpPr>
+          <p:cNvPr id="3" name="Vertical Text Placeholder 2"/>
+          <p:cNvSpPr>
+            <a:spLocks noGrp="1"/>
+          </p:cNvSpPr>
+          <p:nvPr>
+            <p:ph type="body" orient="vert" idx="1"/>
+          </p:nvPr>
+        </p:nvSpPr>
+        <p:spPr>
+          <a:xfrm>
+            <a:off x="838200" y="365125"/>
+            <a:ext cx="7734300" cy="5811838"/>
+          </a:xfrm>
+        </p:spPr>
+        <p:txBody>
+          <a:bodyPr vert="eaVert"/>
+          <a:lstStyle/>
+          <a:p>
+            <a:pPr lvl="0"/>
+            <a:r>
+              <a:rPr lang="de-DE"/>
+              <a:t>Mastertextformat bearbeiten</a:t>
+            </a:r>
+          </a:p>
+          <a:p>
+            <a:pPr lvl="1"/>
+            <a:r>
+              <a:rPr lang="de-DE"/>
+              <a:t>Zweite Ebene</a:t>
+            </a:r>
+          </a:p>
+          <a:p>
+            <a:pPr lvl="2"/>
+            <a:r>
+              <a:rPr lang="de-DE"/>
+              <a:t>Dritte Ebene</a:t>
+            </a:r>
+          </a:p>
+          <a:p>
+            <a:pPr lvl="3"/>
+            <a:r>
+              <a:rPr lang="de-DE"/>
+              <a:t>Vierte Ebene</a:t>
+            </a:r>
+          </a:p>
+          <a:p>
+            <a:pPr lvl="4"/>
+            <a:r>
+              <a:rPr lang="de-DE"/>
+              <a:t>Fünfte Ebene</a:t>
+            </a:r>
+            <a:endParaRPr lang="en-US" dirty="0"/>
+          </a:p>
+        </p:txBody>
+      </p:sp>
+      <p:sp>
+        <p:nvSpPr>
+          <p:cNvPr id="4" name="Date Placeholder 3"/>
+          <p:cNvSpPr>
+            <a:spLocks noGrp="1"/>
+          </p:cNvSpPr>
+          <p:nvPr>
+            <p:ph type="dt" sz="half" idx="10"/>
+          </p:nvPr>
+        </p:nvSpPr>
+        <p:spPr/>
+        <p:txBody>
+          <a:bodyPr/>
+          <a:lstStyle/>
+          <a:p>
+            <a:fld id="{C764DE79-268F-4C1A-8933-263129D2AF90}" type="datetimeFigureOut">
+              <a:rPr lang="en-US" dirty="0"/>
+              <a:t>5/31/2018</a:t>
+            </a:fld>
+            <a:endParaRPr lang="en-US" dirty="0"/>
+          </a:p>
+        </p:txBody>
+      </p:sp>
+      <p:sp>
+        <p:nvSpPr>
+          <p:cNvPr id="5" name="Footer Placeholder 4"/>
+          <p:cNvSpPr>
+            <a:spLocks noGrp="1"/>
+          </p:cNvSpPr>
+          <p:nvPr>
+            <p:ph type="ftr" sz="quarter" idx="11"/>
+          </p:nvPr>
+        </p:nvSpPr>
+        <p:spPr/>
+        <p:txBody>
+          <a:bodyPr/>
+          <a:lstStyle/>
+          <a:p>
+            <a:endParaRPr lang="en-US" dirty="0"/>
+          </a:p>
+        </p:txBody>
+      </p:sp>
+      <p:sp>
+        <p:nvSpPr>
+          <p:cNvPr id="6" name="Slide Number Placeholder 5"/>
+          <p:cNvSpPr>
+            <a:spLocks noGrp="1"/>
+          </p:cNvSpPr>
+          <p:nvPr>
+            <p:ph type="sldNum" sz="quarter" idx="12"/>
+          </p:nvPr>
+        </p:nvSpPr>
+        <p:spPr/>
+        <p:txBody>
+          <a:bodyPr/>
+          <a:lstStyle/>
+          <a:p>
+            <a:fld id="{48F63A3B-78C7-47BE-AE5E-E10140E04643}" type="slidenum">
+              <a:rPr lang="en-US" dirty="0"/>
+              <a:t>‹Nr.›</a:t>
+            </a:fld>
+            <a:endParaRPr lang="en-US" dirty="0"/>
+          </a:p>
+        </p:txBody>
+      </p:sp>
+    </p:spTree>
+    <p:extLst>
+      <p:ext uri="{BB962C8B-B14F-4D97-AF65-F5344CB8AC3E}">
+        <p14:creationId xmlns:p14="http://schemas.microsoft.com/office/powerpoint/2010/main" val="1115245513"/>
+      </p:ext>
+    </p:extLst>
+  </p:cSld>
+  <p:clrMapOvr>
+    <a:masterClrMapping/>
+  </p:clrMapOvr>
+</p:sldLayout>
+</file>
+
+<file path=ppt/slideLayouts/slideLayout26.xml><?xml version="1.0" encoding="utf-8"?>
+<p:sldLayout xmlns:a="http://schemas.openxmlformats.org/drawingml/2006/main" xmlns:r="http://schemas.openxmlformats.org/officeDocument/2006/relationships" xmlns:p="http://schemas.openxmlformats.org/presentationml/2006/main" userDrawn="1">
+  <p:cSld name="1_Titelfolie">
+    <p:spTree>
+      <p:nvGrpSpPr>
+        <p:cNvPr id="1" name=""/>
+        <p:cNvGrpSpPr/>
+        <p:nvPr/>
+      </p:nvGrpSpPr>
+      <p:grpSpPr>
+        <a:xfrm>
+          <a:off x="0" y="0"/>
+          <a:ext cx="0" cy="0"/>
+          <a:chOff x="0" y="0"/>
+          <a:chExt cx="0" cy="0"/>
+        </a:xfrm>
+      </p:grpSpPr>
+    </p:spTree>
+    <p:extLst>
+      <p:ext uri="{BB962C8B-B14F-4D97-AF65-F5344CB8AC3E}">
+        <p14:creationId xmlns:p14="http://schemas.microsoft.com/office/powerpoint/2010/main" val="2991203052"/>
+      </p:ext>
+    </p:extLst>
+  </p:cSld>
+  <p:clrMapOvr>
+    <a:masterClrMapping/>
+  </p:clrMapOvr>
+</p:sldLayout>
+</file>
+
+<file path=ppt/slideLayouts/slideLayout3.xml><?xml version="1.0" encoding="utf-8"?>
+<p:sldLayout xmlns:a="http://schemas.openxmlformats.org/drawingml/2006/main" xmlns:r="http://schemas.openxmlformats.org/officeDocument/2006/relationships" xmlns:p="http://schemas.openxmlformats.org/presentationml/2006/main" type="title" preserve="1">
+  <p:cSld name="Titelfolie">
+    <p:spTree>
+      <p:nvGrpSpPr>
+        <p:cNvPr id="1" name=""/>
+        <p:cNvGrpSpPr/>
+        <p:nvPr/>
+      </p:nvGrpSpPr>
+      <p:grpSpPr>
+        <a:xfrm>
+          <a:off x="0" y="0"/>
+          <a:ext cx="0" cy="0"/>
+          <a:chOff x="0" y="0"/>
+          <a:chExt cx="0" cy="0"/>
+        </a:xfrm>
+      </p:grpSpPr>
+      <p:sp>
+        <p:nvSpPr>
+          <p:cNvPr id="2" name="Title 1"/>
+          <p:cNvSpPr>
+            <a:spLocks noGrp="1"/>
+          </p:cNvSpPr>
+          <p:nvPr>
+            <p:ph type="ctrTitle"/>
+          </p:nvPr>
+        </p:nvSpPr>
+        <p:spPr>
+          <a:xfrm>
+            <a:off x="1524000" y="1122363"/>
+            <a:ext cx="9144000" cy="2387600"/>
+          </a:xfrm>
+        </p:spPr>
+        <p:txBody>
+          <a:bodyPr anchor="b"/>
+          <a:lstStyle>
+            <a:lvl1pPr algn="ctr">
+              <a:defRPr sz="6000"/>
+            </a:lvl1pPr>
+          </a:lstStyle>
+          <a:p>
+            <a:r>
+              <a:rPr lang="de-DE"/>
+              <a:t>Mastertitelformat bearbeiten</a:t>
+            </a:r>
+            <a:endParaRPr lang="en-US" dirty="0"/>
+          </a:p>
+        </p:txBody>
+      </p:sp>
+      <p:sp>
+        <p:nvSpPr>
+          <p:cNvPr id="3" name="Subtitle 2"/>
+          <p:cNvSpPr>
+            <a:spLocks noGrp="1"/>
+          </p:cNvSpPr>
+          <p:nvPr>
+            <p:ph type="subTitle" idx="1"/>
+          </p:nvPr>
+        </p:nvSpPr>
+        <p:spPr>
+          <a:xfrm>
+            <a:off x="1524000" y="3602038"/>
+            <a:ext cx="9144000" cy="1655762"/>
+          </a:xfrm>
+        </p:spPr>
+        <p:txBody>
+          <a:bodyPr/>
+          <a:lstStyle>
+            <a:lvl1pPr marL="0" indent="0" algn="ctr">
+              <a:buNone/>
+              <a:defRPr sz="2400"/>
+            </a:lvl1pPr>
+            <a:lvl2pPr marL="457200" indent="0" algn="ctr">
+              <a:buNone/>
+              <a:defRPr sz="2000"/>
+            </a:lvl2pPr>
+            <a:lvl3pPr marL="914400" indent="0" algn="ctr">
+              <a:buNone/>
+              <a:defRPr sz="1800"/>
+            </a:lvl3pPr>
+            <a:lvl4pPr marL="1371600" indent="0" algn="ctr">
+              <a:buNone/>
+              <a:defRPr sz="1600"/>
+            </a:lvl4pPr>
+            <a:lvl5pPr marL="1828800" indent="0" algn="ctr">
+              <a:buNone/>
+              <a:defRPr sz="1600"/>
+            </a:lvl5pPr>
+            <a:lvl6pPr marL="2286000" indent="0" algn="ctr">
+              <a:buNone/>
+              <a:defRPr sz="1600"/>
+            </a:lvl6pPr>
+            <a:lvl7pPr marL="2743200" indent="0" algn="ctr">
+              <a:buNone/>
+              <a:defRPr sz="1600"/>
+            </a:lvl7pPr>
+            <a:lvl8pPr marL="3200400" indent="0" algn="ctr">
+              <a:buNone/>
+              <a:defRPr sz="1600"/>
+            </a:lvl8pPr>
+            <a:lvl9pPr marL="3657600" indent="0" algn="ctr">
+              <a:buNone/>
+              <a:defRPr sz="1600"/>
+            </a:lvl9pPr>
+          </a:lstStyle>
+          <a:p>
+            <a:r>
+              <a:rPr lang="de-DE"/>
+              <a:t>Master-Untertitelformat bearbeiten</a:t>
+            </a:r>
+            <a:endParaRPr lang="en-US" dirty="0"/>
+          </a:p>
+        </p:txBody>
+      </p:sp>
+      <p:sp>
+        <p:nvSpPr>
+          <p:cNvPr id="4" name="Date Placeholder 3"/>
+          <p:cNvSpPr>
+            <a:spLocks noGrp="1"/>
+          </p:cNvSpPr>
+          <p:nvPr>
+            <p:ph type="dt" sz="half" idx="10"/>
+          </p:nvPr>
+        </p:nvSpPr>
+        <p:spPr/>
+        <p:txBody>
+          <a:bodyPr/>
+          <a:lstStyle/>
+          <a:p>
+            <a:fld id="{C764DE79-268F-4C1A-8933-263129D2AF90}" type="datetimeFigureOut">
+              <a:rPr lang="en-US" dirty="0"/>
+              <a:t>5/31/2018</a:t>
+            </a:fld>
+            <a:endParaRPr lang="en-US" dirty="0"/>
+          </a:p>
+        </p:txBody>
+      </p:sp>
+      <p:sp>
+        <p:nvSpPr>
+          <p:cNvPr id="5" name="Footer Placeholder 4"/>
+          <p:cNvSpPr>
+            <a:spLocks noGrp="1"/>
+          </p:cNvSpPr>
+          <p:nvPr>
+            <p:ph type="ftr" sz="quarter" idx="11"/>
+          </p:nvPr>
+        </p:nvSpPr>
+        <p:spPr/>
+        <p:txBody>
+          <a:bodyPr/>
+          <a:lstStyle/>
+          <a:p>
+            <a:endParaRPr lang="en-US" dirty="0"/>
+          </a:p>
+        </p:txBody>
+      </p:sp>
+      <p:sp>
+        <p:nvSpPr>
+          <p:cNvPr id="6" name="Slide Number Placeholder 5"/>
+          <p:cNvSpPr>
+            <a:spLocks noGrp="1"/>
+          </p:cNvSpPr>
+          <p:nvPr>
+            <p:ph type="sldNum" sz="quarter" idx="12"/>
+          </p:nvPr>
+        </p:nvSpPr>
+        <p:spPr/>
+        <p:txBody>
+          <a:bodyPr/>
+          <a:lstStyle/>
+          <a:p>
+            <a:fld id="{48F63A3B-78C7-47BE-AE5E-E10140E04643}" type="slidenum">
+              <a:rPr lang="en-US" dirty="0"/>
+              <a:t>‹Nr.›</a:t>
+            </a:fld>
+            <a:endParaRPr lang="en-US" dirty="0"/>
+          </a:p>
+        </p:txBody>
+      </p:sp>
+    </p:spTree>
+    <p:extLst>
+      <p:ext uri="{BB962C8B-B14F-4D97-AF65-F5344CB8AC3E}">
+        <p14:creationId xmlns:p14="http://schemas.microsoft.com/office/powerpoint/2010/main" val="700172498"/>
+      </p:ext>
+    </p:extLst>
+  </p:cSld>
+  <p:clrMapOvr>
+    <a:masterClrMapping/>
+  </p:clrMapOvr>
+</p:sldLayout>
+</file>
+
+<file path=ppt/slideLayouts/slideLayout4.xml><?xml version="1.0" encoding="utf-8"?>
+<p:sldLayout xmlns:a="http://schemas.openxmlformats.org/drawingml/2006/main" xmlns:r="http://schemas.openxmlformats.org/officeDocument/2006/relationships" xmlns:p="http://schemas.openxmlformats.org/presentationml/2006/main" type="obj" preserve="1">
+  <p:cSld name="Titel und Inhalt">
+    <p:spTree>
+      <p:nvGrpSpPr>
+        <p:cNvPr id="1" name=""/>
+        <p:cNvGrpSpPr/>
+        <p:nvPr/>
+      </p:nvGrpSpPr>
+      <p:grpSpPr>
+        <a:xfrm>
+          <a:off x="0" y="0"/>
+          <a:ext cx="0" cy="0"/>
+          <a:chOff x="0" y="0"/>
+          <a:chExt cx="0" cy="0"/>
+        </a:xfrm>
+      </p:grpSpPr>
+      <p:sp>
+        <p:nvSpPr>
+          <p:cNvPr id="2" name="Title 1"/>
+          <p:cNvSpPr>
+            <a:spLocks noGrp="1"/>
+          </p:cNvSpPr>
+          <p:nvPr>
+            <p:ph type="title"/>
+          </p:nvPr>
+        </p:nvSpPr>
+        <p:spPr/>
+        <p:txBody>
+          <a:bodyPr/>
+          <a:lstStyle/>
+          <a:p>
+            <a:r>
+              <a:rPr lang="de-DE"/>
+              <a:t>Mastertitelformat bearbeiten</a:t>
+            </a:r>
+            <a:endParaRPr lang="en-US" dirty="0"/>
+          </a:p>
+        </p:txBody>
+      </p:sp>
+      <p:sp>
+        <p:nvSpPr>
+          <p:cNvPr id="3" name="Content Placeholder 2"/>
+          <p:cNvSpPr>
+            <a:spLocks noGrp="1"/>
+          </p:cNvSpPr>
+          <p:nvPr>
+            <p:ph idx="1"/>
+          </p:nvPr>
+        </p:nvSpPr>
+        <p:spPr/>
+        <p:txBody>
+          <a:bodyPr/>
+          <a:lstStyle/>
+          <a:p>
+            <a:pPr lvl="0"/>
+            <a:r>
+              <a:rPr lang="de-DE"/>
+              <a:t>Mastertextformat bearbeiten</a:t>
+            </a:r>
+          </a:p>
+          <a:p>
+            <a:pPr lvl="1"/>
+            <a:r>
+              <a:rPr lang="de-DE"/>
+              <a:t>Zweite Ebene</a:t>
+            </a:r>
+          </a:p>
+          <a:p>
+            <a:pPr lvl="2"/>
+            <a:r>
+              <a:rPr lang="de-DE"/>
+              <a:t>Dritte Ebene</a:t>
+            </a:r>
+          </a:p>
+          <a:p>
+            <a:pPr lvl="3"/>
+            <a:r>
+              <a:rPr lang="de-DE"/>
+              <a:t>Vierte Ebene</a:t>
+            </a:r>
+          </a:p>
+          <a:p>
+            <a:pPr lvl="4"/>
+            <a:r>
+              <a:rPr lang="de-DE"/>
+              <a:t>Fünfte Ebene</a:t>
+            </a:r>
+            <a:endParaRPr lang="en-US" dirty="0"/>
+          </a:p>
+        </p:txBody>
+      </p:sp>
+      <p:sp>
+        <p:nvSpPr>
+          <p:cNvPr id="4" name="Date Placeholder 3"/>
+          <p:cNvSpPr>
+            <a:spLocks noGrp="1"/>
+          </p:cNvSpPr>
+          <p:nvPr>
+            <p:ph type="dt" sz="half" idx="10"/>
+          </p:nvPr>
+        </p:nvSpPr>
+        <p:spPr/>
+        <p:txBody>
+          <a:bodyPr/>
+          <a:lstStyle/>
+          <a:p>
+            <a:fld id="{C764DE79-268F-4C1A-8933-263129D2AF90}" type="datetimeFigureOut">
+              <a:rPr lang="en-US" dirty="0"/>
+              <a:t>5/31/2018</a:t>
+            </a:fld>
+            <a:endParaRPr lang="en-US" dirty="0"/>
+          </a:p>
+        </p:txBody>
+      </p:sp>
+      <p:sp>
+        <p:nvSpPr>
+          <p:cNvPr id="5" name="Footer Placeholder 4"/>
+          <p:cNvSpPr>
+            <a:spLocks noGrp="1"/>
+          </p:cNvSpPr>
+          <p:nvPr>
+            <p:ph type="ftr" sz="quarter" idx="11"/>
+          </p:nvPr>
+        </p:nvSpPr>
+        <p:spPr/>
+        <p:txBody>
+          <a:bodyPr/>
+          <a:lstStyle/>
+          <a:p>
+            <a:endParaRPr lang="en-US" dirty="0"/>
+          </a:p>
+        </p:txBody>
+      </p:sp>
+      <p:sp>
+        <p:nvSpPr>
+          <p:cNvPr id="6" name="Slide Number Placeholder 5"/>
+          <p:cNvSpPr>
+            <a:spLocks noGrp="1"/>
+          </p:cNvSpPr>
+          <p:nvPr>
+            <p:ph type="sldNum" sz="quarter" idx="12"/>
+          </p:nvPr>
+        </p:nvSpPr>
+        <p:spPr/>
+        <p:txBody>
+          <a:bodyPr/>
+          <a:lstStyle/>
+          <a:p>
+            <a:fld id="{48F63A3B-78C7-47BE-AE5E-E10140E04643}" type="slidenum">
+              <a:rPr lang="en-US" dirty="0"/>
+              <a:t>‹Nr.›</a:t>
+            </a:fld>
+            <a:endParaRPr lang="en-US" dirty="0"/>
+          </a:p>
+        </p:txBody>
+      </p:sp>
+    </p:spTree>
+    <p:extLst>
+      <p:ext uri="{BB962C8B-B14F-4D97-AF65-F5344CB8AC3E}">
+        <p14:creationId xmlns:p14="http://schemas.microsoft.com/office/powerpoint/2010/main" val="1485336261"/>
+      </p:ext>
+    </p:extLst>
+  </p:cSld>
+  <p:clrMapOvr>
+    <a:masterClrMapping/>
+  </p:clrMapOvr>
+</p:sldLayout>
+</file>
+
+<file path=ppt/slideLayouts/slideLayout5.xml><?xml version="1.0" encoding="utf-8"?>
+<p:sldLayout xmlns:a="http://schemas.openxmlformats.org/drawingml/2006/main" xmlns:r="http://schemas.openxmlformats.org/officeDocument/2006/relationships" xmlns:p="http://schemas.openxmlformats.org/presentationml/2006/main" type="secHead" preserve="1">
+  <p:cSld name="Abschnitts-&#10;überschrift">
+    <p:spTree>
+      <p:nvGrpSpPr>
+        <p:cNvPr id="1" name=""/>
+        <p:cNvGrpSpPr/>
+        <p:nvPr/>
+      </p:nvGrpSpPr>
+      <p:grpSpPr>
+        <a:xfrm>
+          <a:off x="0" y="0"/>
+          <a:ext cx="0" cy="0"/>
+          <a:chOff x="0" y="0"/>
+          <a:chExt cx="0" cy="0"/>
+        </a:xfrm>
+      </p:grpSpPr>
+      <p:sp>
+        <p:nvSpPr>
+          <p:cNvPr id="2" name="Title 1"/>
+          <p:cNvSpPr>
+            <a:spLocks noGrp="1"/>
+          </p:cNvSpPr>
+          <p:nvPr>
+            <p:ph type="title"/>
+          </p:nvPr>
+        </p:nvSpPr>
+        <p:spPr>
+          <a:xfrm>
+            <a:off x="831850" y="1709738"/>
+            <a:ext cx="10515600" cy="2852737"/>
+          </a:xfrm>
+        </p:spPr>
+        <p:txBody>
+          <a:bodyPr anchor="b"/>
+          <a:lstStyle>
+            <a:lvl1pPr>
+              <a:defRPr sz="6000"/>
+            </a:lvl1pPr>
+          </a:lstStyle>
+          <a:p>
+            <a:r>
+              <a:rPr lang="de-DE"/>
+              <a:t>Mastertitelformat bearbeiten</a:t>
+            </a:r>
+            <a:endParaRPr lang="en-US" dirty="0"/>
+          </a:p>
+        </p:txBody>
+      </p:sp>
+      <p:sp>
+        <p:nvSpPr>
+          <p:cNvPr id="3" name="Text Placeholder 2"/>
+          <p:cNvSpPr>
+            <a:spLocks noGrp="1"/>
+          </p:cNvSpPr>
+          <p:nvPr>
+            <p:ph type="body" idx="1"/>
+          </p:nvPr>
+        </p:nvSpPr>
+        <p:spPr>
+          <a:xfrm>
+            <a:off x="831850" y="4589463"/>
+            <a:ext cx="10515600" cy="1500187"/>
+          </a:xfrm>
+        </p:spPr>
+        <p:txBody>
+          <a:bodyPr/>
+          <a:lstStyle>
+            <a:lvl1pPr marL="0" indent="0">
+              <a:buNone/>
+              <a:defRPr sz="2400">
+                <a:solidFill>
+                  <a:schemeClr val="tx1">
+                    <a:tint val="75000"/>
+                  </a:schemeClr>
+                </a:solidFill>
+              </a:defRPr>
+            </a:lvl1pPr>
+            <a:lvl2pPr marL="457200" indent="0">
+              <a:buNone/>
+              <a:defRPr sz="2000">
+                <a:solidFill>
+                  <a:schemeClr val="tx1">
+                    <a:tint val="75000"/>
+                  </a:schemeClr>
+                </a:solidFill>
+              </a:defRPr>
+            </a:lvl2pPr>
+            <a:lvl3pPr marL="914400" indent="0">
+              <a:buNone/>
+              <a:defRPr sz="1800">
+                <a:solidFill>
+                  <a:schemeClr val="tx1">
+                    <a:tint val="75000"/>
+                  </a:schemeClr>
+                </a:solidFill>
+              </a:defRPr>
+            </a:lvl3pPr>
+            <a:lvl4pPr marL="1371600" indent="0">
+              <a:buNone/>
+              <a:defRPr sz="1600">
+                <a:solidFill>
+                  <a:schemeClr val="tx1">
+                    <a:tint val="75000"/>
+                  </a:schemeClr>
+                </a:solidFill>
+              </a:defRPr>
+            </a:lvl4pPr>
+            <a:lvl5pPr marL="1828800" indent="0">
+              <a:buNone/>
+              <a:defRPr sz="1600">
+                <a:solidFill>
+                  <a:schemeClr val="tx1">
+                    <a:tint val="75000"/>
+                  </a:schemeClr>
+                </a:solidFill>
+              </a:defRPr>
+            </a:lvl5pPr>
+            <a:lvl6pPr marL="2286000" indent="0">
+              <a:buNone/>
+              <a:defRPr sz="1600">
+                <a:solidFill>
+                  <a:schemeClr val="tx1">
+                    <a:tint val="75000"/>
+                  </a:schemeClr>
+                </a:solidFill>
+              </a:defRPr>
+            </a:lvl6pPr>
+            <a:lvl7pPr marL="2743200" indent="0">
+              <a:buNone/>
+              <a:defRPr sz="1600">
+                <a:solidFill>
+                  <a:schemeClr val="tx1">
+                    <a:tint val="75000"/>
+                  </a:schemeClr>
+                </a:solidFill>
+              </a:defRPr>
+            </a:lvl7pPr>
+            <a:lvl8pPr marL="3200400" indent="0">
+              <a:buNone/>
+              <a:defRPr sz="1600">
+                <a:solidFill>
+                  <a:schemeClr val="tx1">
+                    <a:tint val="75000"/>
+                  </a:schemeClr>
+                </a:solidFill>
+              </a:defRPr>
+            </a:lvl8pPr>
+            <a:lvl9pPr marL="3657600" indent="0">
+              <a:buNone/>
+              <a:defRPr sz="1600">
+                <a:solidFill>
+                  <a:schemeClr val="tx1">
+                    <a:tint val="75000"/>
+                  </a:schemeClr>
+                </a:solidFill>
+              </a:defRPr>
+            </a:lvl9pPr>
+          </a:lstStyle>
+          <a:p>
+            <a:pPr lvl="0"/>
+            <a:r>
+              <a:rPr lang="de-DE"/>
+              <a:t>Mastertextformat bearbeiten</a:t>
+            </a:r>
+          </a:p>
+        </p:txBody>
+      </p:sp>
+      <p:sp>
+        <p:nvSpPr>
+          <p:cNvPr id="4" name="Date Placeholder 3"/>
+          <p:cNvSpPr>
+            <a:spLocks noGrp="1"/>
+          </p:cNvSpPr>
+          <p:nvPr>
+            <p:ph type="dt" sz="half" idx="10"/>
+          </p:nvPr>
+        </p:nvSpPr>
+        <p:spPr/>
+        <p:txBody>
+          <a:bodyPr/>
+          <a:lstStyle/>
+          <a:p>
+            <a:fld id="{C764DE79-268F-4C1A-8933-263129D2AF90}" type="datetimeFigureOut">
+              <a:rPr lang="en-US" dirty="0"/>
+              <a:t>5/31/2018</a:t>
+            </a:fld>
+            <a:endParaRPr lang="en-US" dirty="0"/>
+          </a:p>
+        </p:txBody>
+      </p:sp>
+      <p:sp>
+        <p:nvSpPr>
+          <p:cNvPr id="5" name="Footer Placeholder 4"/>
+          <p:cNvSpPr>
+            <a:spLocks noGrp="1"/>
+          </p:cNvSpPr>
+          <p:nvPr>
+            <p:ph type="ftr" sz="quarter" idx="11"/>
+          </p:nvPr>
+        </p:nvSpPr>
+        <p:spPr/>
+        <p:txBody>
+          <a:bodyPr/>
+          <a:lstStyle/>
+          <a:p>
+            <a:endParaRPr lang="en-US" dirty="0"/>
+          </a:p>
+        </p:txBody>
+      </p:sp>
+      <p:sp>
+        <p:nvSpPr>
+          <p:cNvPr id="6" name="Slide Number Placeholder 5"/>
+          <p:cNvSpPr>
+            <a:spLocks noGrp="1"/>
+          </p:cNvSpPr>
+          <p:nvPr>
+            <p:ph type="sldNum" sz="quarter" idx="12"/>
+          </p:nvPr>
+        </p:nvSpPr>
+        <p:spPr/>
+        <p:txBody>
+          <a:bodyPr/>
+          <a:lstStyle/>
+          <a:p>
+            <a:fld id="{48F63A3B-78C7-47BE-AE5E-E10140E04643}" type="slidenum">
+              <a:rPr lang="en-US" dirty="0"/>
+              <a:t>‹Nr.›</a:t>
+            </a:fld>
+            <a:endParaRPr lang="en-US" dirty="0"/>
+          </a:p>
+        </p:txBody>
+      </p:sp>
+    </p:spTree>
+    <p:extLst>
+      <p:ext uri="{BB962C8B-B14F-4D97-AF65-F5344CB8AC3E}">
+        <p14:creationId xmlns:p14="http://schemas.microsoft.com/office/powerpoint/2010/main" val="4027619478"/>
+      </p:ext>
+    </p:extLst>
+  </p:cSld>
+  <p:clrMapOvr>
+    <a:masterClrMapping/>
+  </p:clrMapOvr>
+</p:sldLayout>
+</file>
+
+<file path=ppt/slideLayouts/slideLayout6.xml><?xml version="1.0" encoding="utf-8"?>
+<p:sldLayout xmlns:a="http://schemas.openxmlformats.org/drawingml/2006/main" xmlns:r="http://schemas.openxmlformats.org/officeDocument/2006/relationships" xmlns:p="http://schemas.openxmlformats.org/presentationml/2006/main" type="twoObj" preserve="1">
+  <p:cSld name="Zwei Inhalte">
+    <p:spTree>
+      <p:nvGrpSpPr>
+        <p:cNvPr id="1" name=""/>
+        <p:cNvGrpSpPr/>
+        <p:nvPr/>
+      </p:nvGrpSpPr>
+      <p:grpSpPr>
+        <a:xfrm>
+          <a:off x="0" y="0"/>
+          <a:ext cx="0" cy="0"/>
+          <a:chOff x="0" y="0"/>
+          <a:chExt cx="0" cy="0"/>
+        </a:xfrm>
+      </p:grpSpPr>
+      <p:sp>
+        <p:nvSpPr>
+          <p:cNvPr id="2" name="Title 1"/>
+          <p:cNvSpPr>
+            <a:spLocks noGrp="1"/>
+          </p:cNvSpPr>
+          <p:nvPr>
+            <p:ph type="title"/>
+          </p:nvPr>
+        </p:nvSpPr>
+        <p:spPr/>
+        <p:txBody>
+          <a:bodyPr/>
+          <a:lstStyle/>
+          <a:p>
+            <a:r>
+              <a:rPr lang="de-DE"/>
+              <a:t>Mastertitelformat bearbeiten</a:t>
+            </a:r>
+            <a:endParaRPr lang="en-US" dirty="0"/>
+          </a:p>
+        </p:txBody>
+      </p:sp>
+      <p:sp>
+        <p:nvSpPr>
+          <p:cNvPr id="3" name="Content Placeholder 2"/>
+          <p:cNvSpPr>
+            <a:spLocks noGrp="1"/>
+          </p:cNvSpPr>
+          <p:nvPr>
+            <p:ph sz="half" idx="1"/>
+          </p:nvPr>
+        </p:nvSpPr>
+        <p:spPr>
+          <a:xfrm>
+            <a:off x="838200" y="1825625"/>
+            <a:ext cx="5181600" cy="4351338"/>
+          </a:xfrm>
+        </p:spPr>
+        <p:txBody>
+          <a:bodyPr/>
+          <a:lstStyle/>
+          <a:p>
+            <a:pPr lvl="0"/>
+            <a:r>
+              <a:rPr lang="de-DE"/>
+              <a:t>Mastertextformat bearbeiten</a:t>
+            </a:r>
+          </a:p>
+          <a:p>
+            <a:pPr lvl="1"/>
+            <a:r>
+              <a:rPr lang="de-DE"/>
+              <a:t>Zweite Ebene</a:t>
+            </a:r>
+          </a:p>
+          <a:p>
+            <a:pPr lvl="2"/>
+            <a:r>
+              <a:rPr lang="de-DE"/>
+              <a:t>Dritte Ebene</a:t>
+            </a:r>
+          </a:p>
+          <a:p>
+            <a:pPr lvl="3"/>
+            <a:r>
+              <a:rPr lang="de-DE"/>
+              <a:t>Vierte Ebene</a:t>
+            </a:r>
+          </a:p>
+          <a:p>
+            <a:pPr lvl="4"/>
+            <a:r>
+              <a:rPr lang="de-DE"/>
+              <a:t>Fünfte Ebene</a:t>
+            </a:r>
+            <a:endParaRPr lang="en-US" dirty="0"/>
+          </a:p>
+        </p:txBody>
+      </p:sp>
+      <p:sp>
+        <p:nvSpPr>
+          <p:cNvPr id="4" name="Content Placeholder 3"/>
+          <p:cNvSpPr>
+            <a:spLocks noGrp="1"/>
+          </p:cNvSpPr>
+          <p:nvPr>
+            <p:ph sz="half" idx="2"/>
+          </p:nvPr>
+        </p:nvSpPr>
+        <p:spPr>
+          <a:xfrm>
+            <a:off x="6172200" y="1825625"/>
+            <a:ext cx="5181600" cy="4351338"/>
+          </a:xfrm>
+        </p:spPr>
+        <p:txBody>
+          <a:bodyPr/>
+          <a:lstStyle/>
+          <a:p>
+            <a:pPr lvl="0"/>
+            <a:r>
+              <a:rPr lang="de-DE"/>
+              <a:t>Mastertextformat bearbeiten</a:t>
+            </a:r>
+          </a:p>
+          <a:p>
+            <a:pPr lvl="1"/>
+            <a:r>
+              <a:rPr lang="de-DE"/>
+              <a:t>Zweite Ebene</a:t>
+            </a:r>
+          </a:p>
+          <a:p>
+            <a:pPr lvl="2"/>
+            <a:r>
+              <a:rPr lang="de-DE"/>
+              <a:t>Dritte Ebene</a:t>
+            </a:r>
+          </a:p>
+          <a:p>
+            <a:pPr lvl="3"/>
+            <a:r>
+              <a:rPr lang="de-DE"/>
+              <a:t>Vierte Ebene</a:t>
+            </a:r>
+          </a:p>
+          <a:p>
+            <a:pPr lvl="4"/>
+            <a:r>
+              <a:rPr lang="de-DE"/>
+              <a:t>Fünfte Ebene</a:t>
+            </a:r>
+            <a:endParaRPr lang="en-US" dirty="0"/>
+          </a:p>
+        </p:txBody>
+      </p:sp>
+      <p:sp>
+        <p:nvSpPr>
+          <p:cNvPr id="5" name="Date Placeholder 4"/>
+          <p:cNvSpPr>
+            <a:spLocks noGrp="1"/>
+          </p:cNvSpPr>
+          <p:nvPr>
+            <p:ph type="dt" sz="half" idx="10"/>
+          </p:nvPr>
+        </p:nvSpPr>
+        <p:spPr/>
+        <p:txBody>
+          <a:bodyPr/>
+          <a:lstStyle/>
+          <a:p>
+            <a:fld id="{C764DE79-268F-4C1A-8933-263129D2AF90}" type="datetimeFigureOut">
+              <a:rPr lang="en-US" dirty="0"/>
+              <a:t>5/31/2018</a:t>
+            </a:fld>
+            <a:endParaRPr lang="en-US" dirty="0"/>
+          </a:p>
+        </p:txBody>
+      </p:sp>
+      <p:sp>
+        <p:nvSpPr>
+          <p:cNvPr id="6" name="Footer Placeholder 5"/>
+          <p:cNvSpPr>
+            <a:spLocks noGrp="1"/>
+          </p:cNvSpPr>
+          <p:nvPr>
+            <p:ph type="ftr" sz="quarter" idx="11"/>
+          </p:nvPr>
+        </p:nvSpPr>
+        <p:spPr/>
+        <p:txBody>
+          <a:bodyPr/>
+          <a:lstStyle/>
+          <a:p>
+            <a:endParaRPr lang="en-US" dirty="0"/>
+          </a:p>
+        </p:txBody>
+      </p:sp>
+      <p:sp>
+        <p:nvSpPr>
+          <p:cNvPr id="7" name="Slide Number Placeholder 6"/>
+          <p:cNvSpPr>
+            <a:spLocks noGrp="1"/>
+          </p:cNvSpPr>
+          <p:nvPr>
+            <p:ph type="sldNum" sz="quarter" idx="12"/>
+          </p:nvPr>
+        </p:nvSpPr>
+        <p:spPr/>
+        <p:txBody>
+          <a:bodyPr/>
+          <a:lstStyle/>
+          <a:p>
+            <a:fld id="{48F63A3B-78C7-47BE-AE5E-E10140E04643}" type="slidenum">
+              <a:rPr lang="en-US" dirty="0"/>
+              <a:t>‹Nr.›</a:t>
+            </a:fld>
+            <a:endParaRPr lang="en-US" dirty="0"/>
+          </a:p>
+        </p:txBody>
+      </p:sp>
+    </p:spTree>
+    <p:extLst>
+      <p:ext uri="{BB962C8B-B14F-4D97-AF65-F5344CB8AC3E}">
+        <p14:creationId xmlns:p14="http://schemas.microsoft.com/office/powerpoint/2010/main" val="2842897984"/>
+      </p:ext>
+    </p:extLst>
+  </p:cSld>
+  <p:clrMapOvr>
+    <a:masterClrMapping/>
+  </p:clrMapOvr>
+</p:sldLayout>
+</file>
+
+<file path=ppt/slideLayouts/slideLayout7.xml><?xml version="1.0" encoding="utf-8"?>
+<p:sldLayout xmlns:a="http://schemas.openxmlformats.org/drawingml/2006/main" xmlns:r="http://schemas.openxmlformats.org/officeDocument/2006/relationships" xmlns:p="http://schemas.openxmlformats.org/presentationml/2006/main" type="twoTxTwoObj" preserve="1">
+  <p:cSld name="Vergleich">
+    <p:spTree>
+      <p:nvGrpSpPr>
+        <p:cNvPr id="1" name=""/>
+        <p:cNvGrpSpPr/>
+        <p:nvPr/>
+      </p:nvGrpSpPr>
+      <p:grpSpPr>
+        <a:xfrm>
+          <a:off x="0" y="0"/>
+          <a:ext cx="0" cy="0"/>
+          <a:chOff x="0" y="0"/>
+          <a:chExt cx="0" cy="0"/>
+        </a:xfrm>
+      </p:grpSpPr>
+      <p:sp>
+        <p:nvSpPr>
+          <p:cNvPr id="2" name="Title 1"/>
+          <p:cNvSpPr>
+            <a:spLocks noGrp="1"/>
+          </p:cNvSpPr>
+          <p:nvPr>
+            <p:ph type="title"/>
+          </p:nvPr>
+        </p:nvSpPr>
+        <p:spPr>
+          <a:xfrm>
+            <a:off x="839788" y="365125"/>
+            <a:ext cx="10515600" cy="1325563"/>
+          </a:xfrm>
+        </p:spPr>
+        <p:txBody>
+          <a:bodyPr/>
+          <a:lstStyle/>
+          <a:p>
+            <a:r>
+              <a:rPr lang="de-DE"/>
+              <a:t>Mastertitelformat bearbeiten</a:t>
+            </a:r>
+            <a:endParaRPr lang="en-US" dirty="0"/>
+          </a:p>
+        </p:txBody>
+      </p:sp>
+      <p:sp>
+        <p:nvSpPr>
+          <p:cNvPr id="3" name="Text Placeholder 2"/>
+          <p:cNvSpPr>
+            <a:spLocks noGrp="1"/>
+          </p:cNvSpPr>
+          <p:nvPr>
+            <p:ph type="body" idx="1"/>
+          </p:nvPr>
+        </p:nvSpPr>
+        <p:spPr>
+          <a:xfrm>
+            <a:off x="839788" y="1681163"/>
+            <a:ext cx="5157787" cy="823912"/>
+          </a:xfrm>
+        </p:spPr>
+        <p:txBody>
+          <a:bodyPr anchor="b"/>
+          <a:lstStyle>
+            <a:lvl1pPr marL="0" indent="0">
+              <a:buNone/>
+              <a:defRPr sz="2400" b="1"/>
+            </a:lvl1pPr>
+            <a:lvl2pPr marL="457200" indent="0">
+              <a:buNone/>
+              <a:defRPr sz="2000" b="1"/>
+            </a:lvl2pPr>
+            <a:lvl3pPr marL="914400" indent="0">
+              <a:buNone/>
+              <a:defRPr sz="1800" b="1"/>
+            </a:lvl3pPr>
+            <a:lvl4pPr marL="1371600" indent="0">
+              <a:buNone/>
+              <a:defRPr sz="1600" b="1"/>
+            </a:lvl4pPr>
+            <a:lvl5pPr marL="1828800" indent="0">
+              <a:buNone/>
+              <a:defRPr sz="1600" b="1"/>
+            </a:lvl5pPr>
+            <a:lvl6pPr marL="2286000" indent="0">
+              <a:buNone/>
+              <a:defRPr sz="1600" b="1"/>
+            </a:lvl6pPr>
+            <a:lvl7pPr marL="2743200" indent="0">
+              <a:buNone/>
+              <a:defRPr sz="1600" b="1"/>
+            </a:lvl7pPr>
+            <a:lvl8pPr marL="3200400" indent="0">
+              <a:buNone/>
+              <a:defRPr sz="1600" b="1"/>
+            </a:lvl8pPr>
+            <a:lvl9pPr marL="3657600" indent="0">
+              <a:buNone/>
+              <a:defRPr sz="1600" b="1"/>
+            </a:lvl9pPr>
+          </a:lstStyle>
+          <a:p>
+            <a:pPr lvl="0"/>
+            <a:r>
+              <a:rPr lang="de-DE"/>
+              <a:t>Mastertextformat bearbeiten</a:t>
+            </a:r>
+          </a:p>
+        </p:txBody>
+      </p:sp>
+      <p:sp>
+        <p:nvSpPr>
+          <p:cNvPr id="4" name="Content Placeholder 3"/>
+          <p:cNvSpPr>
+            <a:spLocks noGrp="1"/>
+          </p:cNvSpPr>
+          <p:nvPr>
+            <p:ph sz="half" idx="2"/>
+          </p:nvPr>
+        </p:nvSpPr>
+        <p:spPr>
+          <a:xfrm>
+            <a:off x="839788" y="2505075"/>
+            <a:ext cx="5157787" cy="3684588"/>
+          </a:xfrm>
+        </p:spPr>
+        <p:txBody>
+          <a:bodyPr/>
+          <a:lstStyle/>
+          <a:p>
+            <a:pPr lvl="0"/>
+            <a:r>
+              <a:rPr lang="de-DE"/>
+              <a:t>Mastertextformat bearbeiten</a:t>
+            </a:r>
+          </a:p>
+          <a:p>
+            <a:pPr lvl="1"/>
+            <a:r>
+              <a:rPr lang="de-DE"/>
+              <a:t>Zweite Ebene</a:t>
+            </a:r>
+          </a:p>
+          <a:p>
+            <a:pPr lvl="2"/>
+            <a:r>
+              <a:rPr lang="de-DE"/>
+              <a:t>Dritte Ebene</a:t>
+            </a:r>
+          </a:p>
+          <a:p>
+            <a:pPr lvl="3"/>
+            <a:r>
+              <a:rPr lang="de-DE"/>
+              <a:t>Vierte Ebene</a:t>
+            </a:r>
+          </a:p>
+          <a:p>
+            <a:pPr lvl="4"/>
+            <a:r>
+              <a:rPr lang="de-DE"/>
+              <a:t>Fünfte Ebene</a:t>
+            </a:r>
+            <a:endParaRPr lang="en-US" dirty="0"/>
+          </a:p>
+        </p:txBody>
+      </p:sp>
+      <p:sp>
+        <p:nvSpPr>
+          <p:cNvPr id="5" name="Text Placeholder 4"/>
+          <p:cNvSpPr>
+            <a:spLocks noGrp="1"/>
+          </p:cNvSpPr>
+          <p:nvPr>
+            <p:ph type="body" sz="quarter" idx="3"/>
+          </p:nvPr>
+        </p:nvSpPr>
+        <p:spPr>
+          <a:xfrm>
+            <a:off x="6172200" y="1681163"/>
+            <a:ext cx="5183188" cy="823912"/>
+          </a:xfrm>
+        </p:spPr>
+        <p:txBody>
+          <a:bodyPr anchor="b"/>
+          <a:lstStyle>
+            <a:lvl1pPr marL="0" indent="0">
+              <a:buNone/>
+              <a:defRPr sz="2400" b="1"/>
+            </a:lvl1pPr>
+            <a:lvl2pPr marL="457200" indent="0">
+              <a:buNone/>
+              <a:defRPr sz="2000" b="1"/>
+            </a:lvl2pPr>
+            <a:lvl3pPr marL="914400" indent="0">
+              <a:buNone/>
+              <a:defRPr sz="1800" b="1"/>
+            </a:lvl3pPr>
+            <a:lvl4pPr marL="1371600" indent="0">
+              <a:buNone/>
+              <a:defRPr sz="1600" b="1"/>
+            </a:lvl4pPr>
+            <a:lvl5pPr marL="1828800" indent="0">
+              <a:buNone/>
+              <a:defRPr sz="1600" b="1"/>
+            </a:lvl5pPr>
+            <a:lvl6pPr marL="2286000" indent="0">
+              <a:buNone/>
+              <a:defRPr sz="1600" b="1"/>
+            </a:lvl6pPr>
+            <a:lvl7pPr marL="2743200" indent="0">
+              <a:buNone/>
+              <a:defRPr sz="1600" b="1"/>
+            </a:lvl7pPr>
+            <a:lvl8pPr marL="3200400" indent="0">
+              <a:buNone/>
+              <a:defRPr sz="1600" b="1"/>
+            </a:lvl8pPr>
+            <a:lvl9pPr marL="3657600" indent="0">
+              <a:buNone/>
+              <a:defRPr sz="1600" b="1"/>
+            </a:lvl9pPr>
+          </a:lstStyle>
+          <a:p>
+            <a:pPr lvl="0"/>
+            <a:r>
+              <a:rPr lang="de-DE"/>
+              <a:t>Mastertextformat bearbeiten</a:t>
+            </a:r>
+          </a:p>
+        </p:txBody>
+      </p:sp>
+      <p:sp>
+        <p:nvSpPr>
+          <p:cNvPr id="6" name="Content Placeholder 5"/>
+          <p:cNvSpPr>
+            <a:spLocks noGrp="1"/>
+          </p:cNvSpPr>
+          <p:nvPr>
+            <p:ph sz="quarter" idx="4"/>
+          </p:nvPr>
+        </p:nvSpPr>
+        <p:spPr>
+          <a:xfrm>
+            <a:off x="6172200" y="2505075"/>
+            <a:ext cx="5183188" cy="3684588"/>
+          </a:xfrm>
+        </p:spPr>
+        <p:txBody>
+          <a:bodyPr/>
+          <a:lstStyle/>
+          <a:p>
+            <a:pPr lvl="0"/>
+            <a:r>
+              <a:rPr lang="de-DE"/>
+              <a:t>Mastertextformat bearbeiten</a:t>
+            </a:r>
+          </a:p>
+          <a:p>
+            <a:pPr lvl="1"/>
+            <a:r>
+              <a:rPr lang="de-DE"/>
+              <a:t>Zweite Ebene</a:t>
+            </a:r>
+          </a:p>
+          <a:p>
+            <a:pPr lvl="2"/>
+            <a:r>
+              <a:rPr lang="de-DE"/>
+              <a:t>Dritte Ebene</a:t>
+            </a:r>
+          </a:p>
+          <a:p>
+            <a:pPr lvl="3"/>
+            <a:r>
+              <a:rPr lang="de-DE"/>
+              <a:t>Vierte Ebene</a:t>
+            </a:r>
+          </a:p>
+          <a:p>
+            <a:pPr lvl="4"/>
+            <a:r>
+              <a:rPr lang="de-DE"/>
+              <a:t>Fünfte Ebene</a:t>
+            </a:r>
+            <a:endParaRPr lang="en-US" dirty="0"/>
+          </a:p>
+        </p:txBody>
+      </p:sp>
+      <p:sp>
+        <p:nvSpPr>
+          <p:cNvPr id="7" name="Date Placeholder 6"/>
+          <p:cNvSpPr>
+            <a:spLocks noGrp="1"/>
+          </p:cNvSpPr>
+          <p:nvPr>
+            <p:ph type="dt" sz="half" idx="10"/>
+          </p:nvPr>
+        </p:nvSpPr>
+        <p:spPr/>
+        <p:txBody>
+          <a:bodyPr/>
+          <a:lstStyle/>
+          <a:p>
+            <a:fld id="{C764DE79-268F-4C1A-8933-263129D2AF90}" type="datetimeFigureOut">
+              <a:rPr lang="en-US" dirty="0"/>
+              <a:t>5/31/2018</a:t>
+            </a:fld>
+            <a:endParaRPr lang="en-US" dirty="0"/>
+          </a:p>
+        </p:txBody>
+      </p:sp>
+      <p:sp>
+        <p:nvSpPr>
+          <p:cNvPr id="8" name="Footer Placeholder 7"/>
+          <p:cNvSpPr>
+            <a:spLocks noGrp="1"/>
+          </p:cNvSpPr>
+          <p:nvPr>
+            <p:ph type="ftr" sz="quarter" idx="11"/>
+          </p:nvPr>
+        </p:nvSpPr>
+        <p:spPr/>
+        <p:txBody>
+          <a:bodyPr/>
+          <a:lstStyle/>
+          <a:p>
+            <a:endParaRPr lang="en-US" dirty="0"/>
+          </a:p>
+        </p:txBody>
+      </p:sp>
+      <p:sp>
+        <p:nvSpPr>
+          <p:cNvPr id="9" name="Slide Number Placeholder 8"/>
+          <p:cNvSpPr>
+            <a:spLocks noGrp="1"/>
+          </p:cNvSpPr>
+          <p:nvPr>
+            <p:ph type="sldNum" sz="quarter" idx="12"/>
+          </p:nvPr>
+        </p:nvSpPr>
+        <p:spPr/>
+        <p:txBody>
+          <a:bodyPr/>
+          <a:lstStyle/>
+          <a:p>
+            <a:fld id="{48F63A3B-78C7-47BE-AE5E-E10140E04643}" type="slidenum">
+              <a:rPr lang="en-US" dirty="0"/>
+              <a:t>‹Nr.›</a:t>
+            </a:fld>
+            <a:endParaRPr lang="en-US" dirty="0"/>
+          </a:p>
+        </p:txBody>
+      </p:sp>
+    </p:spTree>
+    <p:extLst>
+      <p:ext uri="{BB962C8B-B14F-4D97-AF65-F5344CB8AC3E}">
+        <p14:creationId xmlns:p14="http://schemas.microsoft.com/office/powerpoint/2010/main" val="2854719548"/>
+      </p:ext>
+    </p:extLst>
+  </p:cSld>
+  <p:clrMapOvr>
+    <a:masterClrMapping/>
+  </p:clrMapOvr>
+</p:sldLayout>
+</file>
+
+<file path=ppt/slideLayouts/slideLayout8.xml><?xml version="1.0" encoding="utf-8"?>
+<p:sldLayout xmlns:a="http://schemas.openxmlformats.org/drawingml/2006/main" xmlns:r="http://schemas.openxmlformats.org/officeDocument/2006/relationships" xmlns:p="http://schemas.openxmlformats.org/presentationml/2006/main" type="titleOnly" preserve="1">
+  <p:cSld name="Nur Titel">
+    <p:spTree>
+      <p:nvGrpSpPr>
+        <p:cNvPr id="1" name=""/>
+        <p:cNvGrpSpPr/>
+        <p:nvPr/>
+      </p:nvGrpSpPr>
+      <p:grpSpPr>
+        <a:xfrm>
+          <a:off x="0" y="0"/>
+          <a:ext cx="0" cy="0"/>
+          <a:chOff x="0" y="0"/>
+          <a:chExt cx="0" cy="0"/>
+        </a:xfrm>
+      </p:grpSpPr>
+      <p:sp>
+        <p:nvSpPr>
+          <p:cNvPr id="2" name="Title 1"/>
+          <p:cNvSpPr>
+            <a:spLocks noGrp="1"/>
+          </p:cNvSpPr>
+          <p:nvPr>
+            <p:ph type="title"/>
+          </p:nvPr>
+        </p:nvSpPr>
+        <p:spPr/>
+        <p:txBody>
+          <a:bodyPr/>
+          <a:lstStyle/>
+          <a:p>
+            <a:r>
+              <a:rPr lang="de-DE"/>
+              <a:t>Mastertitelformat bearbeiten</a:t>
+            </a:r>
+            <a:endParaRPr lang="en-US" dirty="0"/>
+          </a:p>
+        </p:txBody>
+      </p:sp>
+      <p:sp>
+        <p:nvSpPr>
+          <p:cNvPr id="3" name="Date Placeholder 2"/>
+          <p:cNvSpPr>
+            <a:spLocks noGrp="1"/>
+          </p:cNvSpPr>
+          <p:nvPr>
+            <p:ph type="dt" sz="half" idx="10"/>
+          </p:nvPr>
+        </p:nvSpPr>
+        <p:spPr/>
+        <p:txBody>
+          <a:bodyPr/>
+          <a:lstStyle/>
+          <a:p>
+            <a:fld id="{C764DE79-268F-4C1A-8933-263129D2AF90}" type="datetimeFigureOut">
+              <a:rPr lang="en-US" dirty="0"/>
+              <a:t>5/31/2018</a:t>
+            </a:fld>
+            <a:endParaRPr lang="en-US" dirty="0"/>
+          </a:p>
+        </p:txBody>
+      </p:sp>
+      <p:sp>
+        <p:nvSpPr>
+          <p:cNvPr id="4" name="Footer Placeholder 3"/>
+          <p:cNvSpPr>
+            <a:spLocks noGrp="1"/>
+          </p:cNvSpPr>
+          <p:nvPr>
+            <p:ph type="ftr" sz="quarter" idx="11"/>
+          </p:nvPr>
+        </p:nvSpPr>
+        <p:spPr/>
+        <p:txBody>
+          <a:bodyPr/>
+          <a:lstStyle/>
+          <a:p>
+            <a:endParaRPr lang="en-US" dirty="0"/>
+          </a:p>
+        </p:txBody>
+      </p:sp>
+      <p:sp>
+        <p:nvSpPr>
+          <p:cNvPr id="5" name="Slide Number Placeholder 4"/>
+          <p:cNvSpPr>
+            <a:spLocks noGrp="1"/>
+          </p:cNvSpPr>
+          <p:nvPr>
+            <p:ph type="sldNum" sz="quarter" idx="12"/>
+          </p:nvPr>
+        </p:nvSpPr>
+        <p:spPr/>
+        <p:txBody>
+          <a:bodyPr/>
+          <a:lstStyle/>
+          <a:p>
+            <a:fld id="{48F63A3B-78C7-47BE-AE5E-E10140E04643}" type="slidenum">
+              <a:rPr lang="en-US" dirty="0"/>
+              <a:t>‹Nr.›</a:t>
+            </a:fld>
+            <a:endParaRPr lang="en-US" dirty="0"/>
+          </a:p>
+        </p:txBody>
+      </p:sp>
+    </p:spTree>
+    <p:extLst>
+      <p:ext uri="{BB962C8B-B14F-4D97-AF65-F5344CB8AC3E}">
+        <p14:creationId xmlns:p14="http://schemas.microsoft.com/office/powerpoint/2010/main" val="1568703866"/>
+      </p:ext>
+    </p:extLst>
+  </p:cSld>
+  <p:clrMapOvr>
+    <a:masterClrMapping/>
+  </p:clrMapOvr>
+</p:sldLayout>
+</file>
+
+<file path=ppt/slideLayouts/slideLayout9.xml><?xml version="1.0" encoding="utf-8"?>
+<p:sldLayout xmlns:a="http://schemas.openxmlformats.org/drawingml/2006/main" xmlns:r="http://schemas.openxmlformats.org/officeDocument/2006/relationships" xmlns:p="http://schemas.openxmlformats.org/presentationml/2006/main" type="blank" preserve="1">
+  <p:cSld name="Leer">
+    <p:spTree>
+      <p:nvGrpSpPr>
+        <p:cNvPr id="1" name=""/>
+        <p:cNvGrpSpPr/>
+        <p:nvPr/>
+      </p:nvGrpSpPr>
+      <p:grpSpPr>
+        <a:xfrm>
+          <a:off x="0" y="0"/>
+          <a:ext cx="0" cy="0"/>
+          <a:chOff x="0" y="0"/>
+          <a:chExt cx="0" cy="0"/>
+        </a:xfrm>
+      </p:grpSpPr>
+      <p:sp>
+        <p:nvSpPr>
+          <p:cNvPr id="2" name="Date Placeholder 1"/>
+          <p:cNvSpPr>
+            <a:spLocks noGrp="1"/>
+          </p:cNvSpPr>
+          <p:nvPr>
+            <p:ph type="dt" sz="half" idx="10"/>
+          </p:nvPr>
+        </p:nvSpPr>
+        <p:spPr/>
+        <p:txBody>
+          <a:bodyPr/>
+          <a:lstStyle/>
+          <a:p>
+            <a:fld id="{C764DE79-268F-4C1A-8933-263129D2AF90}" type="datetimeFigureOut">
+              <a:rPr lang="en-US" dirty="0"/>
+              <a:t>5/31/2018</a:t>
+            </a:fld>
+            <a:endParaRPr lang="en-US" dirty="0"/>
+          </a:p>
+        </p:txBody>
+      </p:sp>
+      <p:sp>
+        <p:nvSpPr>
+          <p:cNvPr id="3" name="Footer Placeholder 2"/>
+          <p:cNvSpPr>
+            <a:spLocks noGrp="1"/>
+          </p:cNvSpPr>
+          <p:nvPr>
+            <p:ph type="ftr" sz="quarter" idx="11"/>
+          </p:nvPr>
+        </p:nvSpPr>
+        <p:spPr/>
+        <p:txBody>
+          <a:bodyPr/>
+          <a:lstStyle/>
+          <a:p>
+            <a:endParaRPr lang="en-US" dirty="0"/>
+          </a:p>
+        </p:txBody>
+      </p:sp>
+      <p:sp>
+        <p:nvSpPr>
+          <p:cNvPr id="4" name="Slide Number Placeholder 3"/>
+          <p:cNvSpPr>
+            <a:spLocks noGrp="1"/>
+          </p:cNvSpPr>
+          <p:nvPr>
+            <p:ph type="sldNum" sz="quarter" idx="12"/>
+          </p:nvPr>
+        </p:nvSpPr>
+        <p:spPr/>
+        <p:txBody>
+          <a:bodyPr/>
+          <a:lstStyle/>
+          <a:p>
+            <a:fld id="{48F63A3B-78C7-47BE-AE5E-E10140E04643}" type="slidenum">
+              <a:rPr lang="en-US" dirty="0"/>
+              <a:t>‹Nr.›</a:t>
+            </a:fld>
+            <a:endParaRPr lang="en-US" dirty="0"/>
+          </a:p>
+        </p:txBody>
+      </p:sp>
+    </p:spTree>
+    <p:extLst>
+      <p:ext uri="{BB962C8B-B14F-4D97-AF65-F5344CB8AC3E}">
+        <p14:creationId xmlns:p14="http://schemas.microsoft.com/office/powerpoint/2010/main" val="2080540332"/>
+      </p:ext>
+    </p:extLst>
+  </p:cSld>
+  <p:clrMapOvr>
+    <a:masterClrMapping/>
+  </p:clrMapOvr>
 </p:sldLayout>
 </file>
 
@@ -292,7 +4994,7 @@
           <a:blip r:embed="rId3" cstate="print">
             <a:extLst>
               <a:ext uri="{28A0092B-C50C-407E-A947-70E740481C1C}">
-                <a14:useLocalDpi xmlns:a14="http://schemas.microsoft.com/office/drawing/2010/main" xmlns="" val="0"/>
+                <a14:useLocalDpi xmlns:a14="http://schemas.microsoft.com/office/drawing/2010/main" val="0"/>
               </a:ext>
             </a:extLst>
           </a:blip>
@@ -302,8 +5004,8 @@
         </p:blipFill>
         <p:spPr>
           <a:xfrm>
-            <a:off x="5760000" y="285750"/>
-            <a:ext cx="3009600" cy="809228"/>
+            <a:off x="7680000" y="285750"/>
+            <a:ext cx="4012800" cy="809228"/>
           </a:xfrm>
           <a:prstGeom prst="rect">
             <a:avLst/>
@@ -322,7 +5024,7 @@
           <a:blip r:embed="rId4">
             <a:extLst>
               <a:ext uri="{28A0092B-C50C-407E-A947-70E740481C1C}">
-                <a14:useLocalDpi xmlns:a14="http://schemas.microsoft.com/office/drawing/2010/main" xmlns="" val="0"/>
+                <a14:useLocalDpi xmlns:a14="http://schemas.microsoft.com/office/drawing/2010/main" val="0"/>
               </a:ext>
             </a:extLst>
           </a:blip>
@@ -332,8 +5034,8 @@
         </p:blipFill>
         <p:spPr>
           <a:xfrm>
-            <a:off x="1" y="0"/>
-            <a:ext cx="2371017" cy="1143000"/>
+            <a:off x="2" y="0"/>
+            <a:ext cx="3161356" cy="1143000"/>
           </a:xfrm>
           <a:prstGeom prst="rect">
             <a:avLst/>
@@ -348,8 +5050,8 @@
         </p:nvSpPr>
         <p:spPr>
           <a:xfrm>
-            <a:off x="4939080" y="1440000"/>
-            <a:ext cx="3960000" cy="4500000"/>
+            <a:off x="6585440" y="1440000"/>
+            <a:ext cx="5280000" cy="4500000"/>
           </a:xfrm>
           <a:prstGeom prst="rect">
             <a:avLst/>
@@ -382,14 +5084,14 @@
           <a:lstStyle/>
           <a:p>
             <a:pPr algn="l"/>
-            <a:endParaRPr lang="de-DE" dirty="0"/>
+            <a:endParaRPr lang="de-DE" sz="1800" dirty="0"/>
           </a:p>
         </p:txBody>
       </p:sp>
     </p:spTree>
     <p:extLst>
       <p:ext uri="{BB962C8B-B14F-4D97-AF65-F5344CB8AC3E}">
-        <p14:creationId xmlns:p14="http://schemas.microsoft.com/office/powerpoint/2010/main" xmlns="" val="2247608262"/>
+        <p14:creationId xmlns:p14="http://schemas.microsoft.com/office/powerpoint/2010/main" val="2247608262"/>
       </p:ext>
     </p:extLst>
   </p:cSld>
@@ -397,13 +5099,6 @@
   <p:sldLayoutIdLst>
     <p:sldLayoutId id="2147483675" r:id="rId1"/>
   </p:sldLayoutIdLst>
-  <p:timing>
-    <p:tnLst>
-      <p:par>
-        <p:cTn id="1" dur="indefinite" restart="never" nodeType="tmRoot"/>
-      </p:par>
-    </p:tnLst>
-  </p:timing>
   <p:txStyles>
     <p:titleStyle>
       <a:lvl1pPr algn="l" defTabSz="914400" rtl="0" eaLnBrk="1" latinLnBrk="0" hangingPunct="1">
@@ -717,8 +5412,8 @@
         </p:nvSpPr>
         <p:spPr>
           <a:xfrm>
-            <a:off x="252000" y="1170000"/>
-            <a:ext cx="8640000" cy="5508000"/>
+            <a:off x="336000" y="1170000"/>
+            <a:ext cx="11520000" cy="5508000"/>
           </a:xfrm>
           <a:prstGeom prst="rect">
             <a:avLst/>
@@ -751,7 +5446,7 @@
           <a:lstStyle/>
           <a:p>
             <a:pPr algn="ctr"/>
-            <a:endParaRPr lang="de-DE"/>
+            <a:endParaRPr lang="de-DE" sz="1800"/>
           </a:p>
         </p:txBody>
       </p:sp>
@@ -767,7 +5462,7 @@
           <a:blip r:embed="rId3">
             <a:extLst>
               <a:ext uri="{28A0092B-C50C-407E-A947-70E740481C1C}">
-                <a14:useLocalDpi xmlns:a14="http://schemas.microsoft.com/office/drawing/2010/main" xmlns="" val="0"/>
+                <a14:useLocalDpi xmlns:a14="http://schemas.microsoft.com/office/drawing/2010/main" val="0"/>
               </a:ext>
             </a:extLst>
           </a:blip>
@@ -777,8 +5472,8 @@
         </p:blipFill>
         <p:spPr>
           <a:xfrm>
-            <a:off x="1" y="1"/>
-            <a:ext cx="1890001" cy="900000"/>
+            <a:off x="2" y="1"/>
+            <a:ext cx="2520001" cy="900000"/>
           </a:xfrm>
           <a:prstGeom prst="rect">
             <a:avLst/>
@@ -797,7 +5492,7 @@
           <a:blip r:embed="rId4" cstate="print">
             <a:extLst>
               <a:ext uri="{28A0092B-C50C-407E-A947-70E740481C1C}">
-                <a14:useLocalDpi xmlns:a14="http://schemas.microsoft.com/office/drawing/2010/main" xmlns="" val="0"/>
+                <a14:useLocalDpi xmlns:a14="http://schemas.microsoft.com/office/drawing/2010/main" val="0"/>
               </a:ext>
             </a:extLst>
           </a:blip>
@@ -807,8 +5502,8 @@
         </p:blipFill>
         <p:spPr>
           <a:xfrm>
-            <a:off x="6534000" y="284400"/>
-            <a:ext cx="2232000" cy="600145"/>
+            <a:off x="8712000" y="284401"/>
+            <a:ext cx="2976000" cy="600145"/>
           </a:xfrm>
           <a:prstGeom prst="rect">
             <a:avLst/>
@@ -818,7 +5513,7 @@
     </p:spTree>
     <p:extLst>
       <p:ext uri="{BB962C8B-B14F-4D97-AF65-F5344CB8AC3E}">
-        <p14:creationId xmlns:p14="http://schemas.microsoft.com/office/powerpoint/2010/main" xmlns="" val="75792054"/>
+        <p14:creationId xmlns:p14="http://schemas.microsoft.com/office/powerpoint/2010/main" val="75792054"/>
       </p:ext>
     </p:extLst>
   </p:cSld>
@@ -826,13 +5521,6 @@
   <p:sldLayoutIdLst>
     <p:sldLayoutId id="2147483673" r:id="rId1"/>
   </p:sldLayoutIdLst>
-  <p:timing>
-    <p:tnLst>
-      <p:par>
-        <p:cTn id="1" dur="indefinite" restart="never" nodeType="tmRoot"/>
-      </p:par>
-    </p:tnLst>
-  </p:timing>
   <p:txStyles>
     <p:titleStyle>
       <a:lvl1pPr algn="l" defTabSz="914400" rtl="0" eaLnBrk="1" latinLnBrk="0" hangingPunct="1">
@@ -1116,6 +5804,1336 @@
 </p:sldMaster>
 </file>
 
+<file path=ppt/slideMasters/slideMaster3.xml><?xml version="1.0" encoding="utf-8"?>
+<p:sldMaster xmlns:a="http://schemas.openxmlformats.org/drawingml/2006/main" xmlns:r="http://schemas.openxmlformats.org/officeDocument/2006/relationships" xmlns:p="http://schemas.openxmlformats.org/presentationml/2006/main">
+  <p:cSld>
+    <p:bg>
+      <p:bgRef idx="1001">
+        <a:schemeClr val="bg1"/>
+      </p:bgRef>
+    </p:bg>
+    <p:spTree>
+      <p:nvGrpSpPr>
+        <p:cNvPr id="1" name=""/>
+        <p:cNvGrpSpPr/>
+        <p:nvPr/>
+      </p:nvGrpSpPr>
+      <p:grpSpPr>
+        <a:xfrm>
+          <a:off x="0" y="0"/>
+          <a:ext cx="0" cy="0"/>
+          <a:chOff x="0" y="0"/>
+          <a:chExt cx="0" cy="0"/>
+        </a:xfrm>
+      </p:grpSpPr>
+      <p:sp>
+        <p:nvSpPr>
+          <p:cNvPr id="2" name="Title Placeholder 1"/>
+          <p:cNvSpPr>
+            <a:spLocks noGrp="1"/>
+          </p:cNvSpPr>
+          <p:nvPr>
+            <p:ph type="title"/>
+          </p:nvPr>
+        </p:nvSpPr>
+        <p:spPr>
+          <a:xfrm>
+            <a:off x="838200" y="365125"/>
+            <a:ext cx="10515600" cy="1325563"/>
+          </a:xfrm>
+          <a:prstGeom prst="rect">
+            <a:avLst/>
+          </a:prstGeom>
+        </p:spPr>
+        <p:txBody>
+          <a:bodyPr vert="horz" lIns="91440" tIns="45720" rIns="91440" bIns="45720" rtlCol="0" anchor="ctr">
+            <a:normAutofit/>
+          </a:bodyPr>
+          <a:lstStyle/>
+          <a:p>
+            <a:r>
+              <a:rPr lang="de-DE"/>
+              <a:t>Mastertitelformat bearbeiten</a:t>
+            </a:r>
+            <a:endParaRPr lang="en-US" dirty="0"/>
+          </a:p>
+        </p:txBody>
+      </p:sp>
+      <p:sp>
+        <p:nvSpPr>
+          <p:cNvPr id="3" name="Text Placeholder 2"/>
+          <p:cNvSpPr>
+            <a:spLocks noGrp="1"/>
+          </p:cNvSpPr>
+          <p:nvPr>
+            <p:ph type="body" idx="1"/>
+          </p:nvPr>
+        </p:nvSpPr>
+        <p:spPr>
+          <a:xfrm>
+            <a:off x="838200" y="1825625"/>
+            <a:ext cx="10515600" cy="4351338"/>
+          </a:xfrm>
+          <a:prstGeom prst="rect">
+            <a:avLst/>
+          </a:prstGeom>
+        </p:spPr>
+        <p:txBody>
+          <a:bodyPr vert="horz" lIns="91440" tIns="45720" rIns="91440" bIns="45720" rtlCol="0">
+            <a:normAutofit/>
+          </a:bodyPr>
+          <a:lstStyle/>
+          <a:p>
+            <a:pPr lvl="0"/>
+            <a:r>
+              <a:rPr lang="de-DE"/>
+              <a:t>Mastertextformat bearbeiten</a:t>
+            </a:r>
+          </a:p>
+          <a:p>
+            <a:pPr lvl="1"/>
+            <a:r>
+              <a:rPr lang="de-DE"/>
+              <a:t>Zweite Ebene</a:t>
+            </a:r>
+          </a:p>
+          <a:p>
+            <a:pPr lvl="2"/>
+            <a:r>
+              <a:rPr lang="de-DE"/>
+              <a:t>Dritte Ebene</a:t>
+            </a:r>
+          </a:p>
+          <a:p>
+            <a:pPr lvl="3"/>
+            <a:r>
+              <a:rPr lang="de-DE"/>
+              <a:t>Vierte Ebene</a:t>
+            </a:r>
+          </a:p>
+          <a:p>
+            <a:pPr lvl="4"/>
+            <a:r>
+              <a:rPr lang="de-DE"/>
+              <a:t>Fünfte Ebene</a:t>
+            </a:r>
+            <a:endParaRPr lang="en-US" dirty="0"/>
+          </a:p>
+        </p:txBody>
+      </p:sp>
+      <p:sp>
+        <p:nvSpPr>
+          <p:cNvPr id="4" name="Date Placeholder 3"/>
+          <p:cNvSpPr>
+            <a:spLocks noGrp="1"/>
+          </p:cNvSpPr>
+          <p:nvPr>
+            <p:ph type="dt" sz="half" idx="2"/>
+          </p:nvPr>
+        </p:nvSpPr>
+        <p:spPr>
+          <a:xfrm>
+            <a:off x="838200" y="6356350"/>
+            <a:ext cx="2743200" cy="365125"/>
+          </a:xfrm>
+          <a:prstGeom prst="rect">
+            <a:avLst/>
+          </a:prstGeom>
+        </p:spPr>
+        <p:txBody>
+          <a:bodyPr vert="horz" lIns="91440" tIns="45720" rIns="91440" bIns="45720" rtlCol="0" anchor="ctr"/>
+          <a:lstStyle>
+            <a:lvl1pPr algn="l">
+              <a:defRPr sz="1200">
+                <a:solidFill>
+                  <a:schemeClr val="tx1">
+                    <a:tint val="75000"/>
+                  </a:schemeClr>
+                </a:solidFill>
+              </a:defRPr>
+            </a:lvl1pPr>
+          </a:lstStyle>
+          <a:p>
+            <a:fld id="{C764DE79-268F-4C1A-8933-263129D2AF90}" type="datetimeFigureOut">
+              <a:rPr lang="en-US" dirty="0"/>
+              <a:t>5/31/2018</a:t>
+            </a:fld>
+            <a:endParaRPr lang="en-US" dirty="0"/>
+          </a:p>
+        </p:txBody>
+      </p:sp>
+      <p:sp>
+        <p:nvSpPr>
+          <p:cNvPr id="5" name="Footer Placeholder 4"/>
+          <p:cNvSpPr>
+            <a:spLocks noGrp="1"/>
+          </p:cNvSpPr>
+          <p:nvPr>
+            <p:ph type="ftr" sz="quarter" idx="3"/>
+          </p:nvPr>
+        </p:nvSpPr>
+        <p:spPr>
+          <a:xfrm>
+            <a:off x="4038600" y="6356350"/>
+            <a:ext cx="4114800" cy="365125"/>
+          </a:xfrm>
+          <a:prstGeom prst="rect">
+            <a:avLst/>
+          </a:prstGeom>
+        </p:spPr>
+        <p:txBody>
+          <a:bodyPr vert="horz" lIns="91440" tIns="45720" rIns="91440" bIns="45720" rtlCol="0" anchor="ctr"/>
+          <a:lstStyle>
+            <a:lvl1pPr algn="ctr">
+              <a:defRPr sz="1200">
+                <a:solidFill>
+                  <a:schemeClr val="tx1">
+                    <a:tint val="75000"/>
+                  </a:schemeClr>
+                </a:solidFill>
+              </a:defRPr>
+            </a:lvl1pPr>
+          </a:lstStyle>
+          <a:p>
+            <a:endParaRPr lang="en-US" dirty="0"/>
+          </a:p>
+        </p:txBody>
+      </p:sp>
+      <p:sp>
+        <p:nvSpPr>
+          <p:cNvPr id="6" name="Slide Number Placeholder 5"/>
+          <p:cNvSpPr>
+            <a:spLocks noGrp="1"/>
+          </p:cNvSpPr>
+          <p:nvPr>
+            <p:ph type="sldNum" sz="quarter" idx="4"/>
+          </p:nvPr>
+        </p:nvSpPr>
+        <p:spPr>
+          <a:xfrm>
+            <a:off x="8610600" y="6356350"/>
+            <a:ext cx="2743200" cy="365125"/>
+          </a:xfrm>
+          <a:prstGeom prst="rect">
+            <a:avLst/>
+          </a:prstGeom>
+        </p:spPr>
+        <p:txBody>
+          <a:bodyPr vert="horz" lIns="91440" tIns="45720" rIns="91440" bIns="45720" rtlCol="0" anchor="ctr"/>
+          <a:lstStyle>
+            <a:lvl1pPr algn="r">
+              <a:defRPr sz="1200">
+                <a:solidFill>
+                  <a:schemeClr val="tx1">
+                    <a:tint val="75000"/>
+                  </a:schemeClr>
+                </a:solidFill>
+              </a:defRPr>
+            </a:lvl1pPr>
+          </a:lstStyle>
+          <a:p>
+            <a:fld id="{48F63A3B-78C7-47BE-AE5E-E10140E04643}" type="slidenum">
+              <a:rPr lang="en-US" dirty="0"/>
+              <a:t>‹Nr.›</a:t>
+            </a:fld>
+            <a:endParaRPr lang="en-US" dirty="0"/>
+          </a:p>
+        </p:txBody>
+      </p:sp>
+      <p:pic>
+        <p:nvPicPr>
+          <p:cNvPr id="7" name="Grafik 6">
+            <a:extLst>
+              <a:ext uri="{FF2B5EF4-FFF2-40B4-BE49-F238E27FC236}">
+                <a16:creationId xmlns:a16="http://schemas.microsoft.com/office/drawing/2014/main" id="{D9CD6EA4-1680-4A35-B367-2A35CBA2FBB8}"/>
+              </a:ext>
+            </a:extLst>
+          </p:cNvPr>
+          <p:cNvPicPr>
+            <a:picLocks noChangeAspect="1"/>
+          </p:cNvPicPr>
+          <p:nvPr userDrawn="1"/>
+        </p:nvPicPr>
+        <p:blipFill>
+          <a:blip r:embed="rId14" cstate="print">
+            <a:extLst>
+              <a:ext uri="{28A0092B-C50C-407E-A947-70E740481C1C}">
+                <a14:useLocalDpi xmlns:a14="http://schemas.microsoft.com/office/drawing/2010/main" val="0"/>
+              </a:ext>
+            </a:extLst>
+          </a:blip>
+          <a:stretch>
+            <a:fillRect/>
+          </a:stretch>
+        </p:blipFill>
+        <p:spPr>
+          <a:xfrm>
+            <a:off x="7680000" y="285750"/>
+            <a:ext cx="4012800" cy="809228"/>
+          </a:xfrm>
+          <a:prstGeom prst="rect">
+            <a:avLst/>
+          </a:prstGeom>
+        </p:spPr>
+      </p:pic>
+      <p:pic>
+        <p:nvPicPr>
+          <p:cNvPr id="8" name="Grafik 7">
+            <a:extLst>
+              <a:ext uri="{FF2B5EF4-FFF2-40B4-BE49-F238E27FC236}">
+                <a16:creationId xmlns:a16="http://schemas.microsoft.com/office/drawing/2014/main" id="{95AE07AC-A0E0-41FA-BEC4-5206C3B88751}"/>
+              </a:ext>
+            </a:extLst>
+          </p:cNvPr>
+          <p:cNvPicPr>
+            <a:picLocks noChangeAspect="1"/>
+          </p:cNvPicPr>
+          <p:nvPr userDrawn="1"/>
+        </p:nvPicPr>
+        <p:blipFill>
+          <a:blip r:embed="rId15">
+            <a:extLst>
+              <a:ext uri="{28A0092B-C50C-407E-A947-70E740481C1C}">
+                <a14:useLocalDpi xmlns:a14="http://schemas.microsoft.com/office/drawing/2010/main" val="0"/>
+              </a:ext>
+            </a:extLst>
+          </a:blip>
+          <a:stretch>
+            <a:fillRect/>
+          </a:stretch>
+        </p:blipFill>
+        <p:spPr>
+          <a:xfrm>
+            <a:off x="2" y="0"/>
+            <a:ext cx="3161356" cy="1143000"/>
+          </a:xfrm>
+          <a:prstGeom prst="rect">
+            <a:avLst/>
+          </a:prstGeom>
+        </p:spPr>
+      </p:pic>
+      <p:sp>
+        <p:nvSpPr>
+          <p:cNvPr id="9" name="Rechteck 8">
+            <a:extLst>
+              <a:ext uri="{FF2B5EF4-FFF2-40B4-BE49-F238E27FC236}">
+                <a16:creationId xmlns:a16="http://schemas.microsoft.com/office/drawing/2014/main" id="{3AC15E97-F865-4C28-BF3F-A216189AC5EF}"/>
+              </a:ext>
+            </a:extLst>
+          </p:cNvPr>
+          <p:cNvSpPr/>
+          <p:nvPr userDrawn="1"/>
+        </p:nvSpPr>
+        <p:spPr>
+          <a:xfrm>
+            <a:off x="6585440" y="1440000"/>
+            <a:ext cx="5280000" cy="4500000"/>
+          </a:xfrm>
+          <a:prstGeom prst="rect">
+            <a:avLst/>
+          </a:prstGeom>
+          <a:solidFill>
+            <a:srgbClr val="EA5B0C"/>
+          </a:solidFill>
+          <a:ln>
+            <a:noFill/>
+          </a:ln>
+        </p:spPr>
+        <p:style>
+          <a:lnRef idx="2">
+            <a:schemeClr val="accent1">
+              <a:shade val="50000"/>
+            </a:schemeClr>
+          </a:lnRef>
+          <a:fillRef idx="1">
+            <a:schemeClr val="accent1"/>
+          </a:fillRef>
+          <a:effectRef idx="0">
+            <a:schemeClr val="accent1"/>
+          </a:effectRef>
+          <a:fontRef idx="minor">
+            <a:schemeClr val="lt1"/>
+          </a:fontRef>
+        </p:style>
+        <p:txBody>
+          <a:bodyPr lIns="360000" tIns="360000" rIns="450000" bIns="450000" rtlCol="0" anchor="t" anchorCtr="0"/>
+          <a:lstStyle/>
+          <a:p>
+            <a:pPr algn="l"/>
+            <a:endParaRPr lang="de-DE" sz="1800" dirty="0"/>
+          </a:p>
+        </p:txBody>
+      </p:sp>
+    </p:spTree>
+    <p:extLst>
+      <p:ext uri="{BB962C8B-B14F-4D97-AF65-F5344CB8AC3E}">
+        <p14:creationId xmlns:p14="http://schemas.microsoft.com/office/powerpoint/2010/main" val="1065506227"/>
+      </p:ext>
+    </p:extLst>
+  </p:cSld>
+  <p:clrMap bg1="lt1" tx1="dk1" bg2="lt2" tx2="dk2" accent1="accent1" accent2="accent2" accent3="accent3" accent4="accent4" accent5="accent5" accent6="accent6" hlink="hlink" folHlink="folHlink"/>
+  <p:sldLayoutIdLst>
+    <p:sldLayoutId id="2147483677" r:id="rId1"/>
+    <p:sldLayoutId id="2147483678" r:id="rId2"/>
+    <p:sldLayoutId id="2147483679" r:id="rId3"/>
+    <p:sldLayoutId id="2147483680" r:id="rId4"/>
+    <p:sldLayoutId id="2147483681" r:id="rId5"/>
+    <p:sldLayoutId id="2147483682" r:id="rId6"/>
+    <p:sldLayoutId id="2147483683" r:id="rId7"/>
+    <p:sldLayoutId id="2147483684" r:id="rId8"/>
+    <p:sldLayoutId id="2147483685" r:id="rId9"/>
+    <p:sldLayoutId id="2147483686" r:id="rId10"/>
+    <p:sldLayoutId id="2147483687" r:id="rId11"/>
+    <p:sldLayoutId id="2147483688" r:id="rId12"/>
+  </p:sldLayoutIdLst>
+  <p:txStyles>
+    <p:titleStyle>
+      <a:lvl1pPr algn="l" defTabSz="914400" rtl="0" eaLnBrk="1" latinLnBrk="0" hangingPunct="1">
+        <a:lnSpc>
+          <a:spcPct val="90000"/>
+        </a:lnSpc>
+        <a:spcBef>
+          <a:spcPct val="0"/>
+        </a:spcBef>
+        <a:buNone/>
+        <a:defRPr sz="4400" kern="1200">
+          <a:solidFill>
+            <a:schemeClr val="tx1"/>
+          </a:solidFill>
+          <a:latin typeface="+mj-lt"/>
+          <a:ea typeface="+mj-ea"/>
+          <a:cs typeface="+mj-cs"/>
+        </a:defRPr>
+      </a:lvl1pPr>
+    </p:titleStyle>
+    <p:bodyStyle>
+      <a:lvl1pPr marL="228600" indent="-228600" algn="l" defTabSz="914400" rtl="0" eaLnBrk="1" latinLnBrk="0" hangingPunct="1">
+        <a:lnSpc>
+          <a:spcPct val="90000"/>
+        </a:lnSpc>
+        <a:spcBef>
+          <a:spcPts val="1000"/>
+        </a:spcBef>
+        <a:buFont typeface="Arial" panose="020B0604020202020204" pitchFamily="34" charset="0"/>
+        <a:buChar char="•"/>
+        <a:defRPr sz="2800" kern="1200">
+          <a:solidFill>
+            <a:schemeClr val="tx1"/>
+          </a:solidFill>
+          <a:latin typeface="+mn-lt"/>
+          <a:ea typeface="+mn-ea"/>
+          <a:cs typeface="+mn-cs"/>
+        </a:defRPr>
+      </a:lvl1pPr>
+      <a:lvl2pPr marL="685800" indent="-228600" algn="l" defTabSz="914400" rtl="0" eaLnBrk="1" latinLnBrk="0" hangingPunct="1">
+        <a:lnSpc>
+          <a:spcPct val="90000"/>
+        </a:lnSpc>
+        <a:spcBef>
+          <a:spcPts val="500"/>
+        </a:spcBef>
+        <a:buFont typeface="Arial" panose="020B0604020202020204" pitchFamily="34" charset="0"/>
+        <a:buChar char="•"/>
+        <a:defRPr sz="2400" kern="1200">
+          <a:solidFill>
+            <a:schemeClr val="tx1"/>
+          </a:solidFill>
+          <a:latin typeface="+mn-lt"/>
+          <a:ea typeface="+mn-ea"/>
+          <a:cs typeface="+mn-cs"/>
+        </a:defRPr>
+      </a:lvl2pPr>
+      <a:lvl3pPr marL="1143000" indent="-228600" algn="l" defTabSz="914400" rtl="0" eaLnBrk="1" latinLnBrk="0" hangingPunct="1">
+        <a:lnSpc>
+          <a:spcPct val="90000"/>
+        </a:lnSpc>
+        <a:spcBef>
+          <a:spcPts val="500"/>
+        </a:spcBef>
+        <a:buFont typeface="Arial" panose="020B0604020202020204" pitchFamily="34" charset="0"/>
+        <a:buChar char="•"/>
+        <a:defRPr sz="2000" kern="1200">
+          <a:solidFill>
+            <a:schemeClr val="tx1"/>
+          </a:solidFill>
+          <a:latin typeface="+mn-lt"/>
+          <a:ea typeface="+mn-ea"/>
+          <a:cs typeface="+mn-cs"/>
+        </a:defRPr>
+      </a:lvl3pPr>
+      <a:lvl4pPr marL="1600200" indent="-228600" algn="l" defTabSz="914400" rtl="0" eaLnBrk="1" latinLnBrk="0" hangingPunct="1">
+        <a:lnSpc>
+          <a:spcPct val="90000"/>
+        </a:lnSpc>
+        <a:spcBef>
+          <a:spcPts val="500"/>
+        </a:spcBef>
+        <a:buFont typeface="Arial" panose="020B0604020202020204" pitchFamily="34" charset="0"/>
+        <a:buChar char="•"/>
+        <a:defRPr sz="1800" kern="1200">
+          <a:solidFill>
+            <a:schemeClr val="tx1"/>
+          </a:solidFill>
+          <a:latin typeface="+mn-lt"/>
+          <a:ea typeface="+mn-ea"/>
+          <a:cs typeface="+mn-cs"/>
+        </a:defRPr>
+      </a:lvl4pPr>
+      <a:lvl5pPr marL="2057400" indent="-228600" algn="l" defTabSz="914400" rtl="0" eaLnBrk="1" latinLnBrk="0" hangingPunct="1">
+        <a:lnSpc>
+          <a:spcPct val="90000"/>
+        </a:lnSpc>
+        <a:spcBef>
+          <a:spcPts val="500"/>
+        </a:spcBef>
+        <a:buFont typeface="Arial" panose="020B0604020202020204" pitchFamily="34" charset="0"/>
+        <a:buChar char="•"/>
+        <a:defRPr sz="1800" kern="1200">
+          <a:solidFill>
+            <a:schemeClr val="tx1"/>
+          </a:solidFill>
+          <a:latin typeface="+mn-lt"/>
+          <a:ea typeface="+mn-ea"/>
+          <a:cs typeface="+mn-cs"/>
+        </a:defRPr>
+      </a:lvl5pPr>
+      <a:lvl6pPr marL="2514600" indent="-228600" algn="l" defTabSz="914400" rtl="0" eaLnBrk="1" latinLnBrk="0" hangingPunct="1">
+        <a:lnSpc>
+          <a:spcPct val="90000"/>
+        </a:lnSpc>
+        <a:spcBef>
+          <a:spcPts val="500"/>
+        </a:spcBef>
+        <a:buFont typeface="Arial" panose="020B0604020202020204" pitchFamily="34" charset="0"/>
+        <a:buChar char="•"/>
+        <a:defRPr sz="1800" kern="1200">
+          <a:solidFill>
+            <a:schemeClr val="tx1"/>
+          </a:solidFill>
+          <a:latin typeface="+mn-lt"/>
+          <a:ea typeface="+mn-ea"/>
+          <a:cs typeface="+mn-cs"/>
+        </a:defRPr>
+      </a:lvl6pPr>
+      <a:lvl7pPr marL="2971800" indent="-228600" algn="l" defTabSz="914400" rtl="0" eaLnBrk="1" latinLnBrk="0" hangingPunct="1">
+        <a:lnSpc>
+          <a:spcPct val="90000"/>
+        </a:lnSpc>
+        <a:spcBef>
+          <a:spcPts val="500"/>
+        </a:spcBef>
+        <a:buFont typeface="Arial" panose="020B0604020202020204" pitchFamily="34" charset="0"/>
+        <a:buChar char="•"/>
+        <a:defRPr sz="1800" kern="1200">
+          <a:solidFill>
+            <a:schemeClr val="tx1"/>
+          </a:solidFill>
+          <a:latin typeface="+mn-lt"/>
+          <a:ea typeface="+mn-ea"/>
+          <a:cs typeface="+mn-cs"/>
+        </a:defRPr>
+      </a:lvl7pPr>
+      <a:lvl8pPr marL="3429000" indent="-228600" algn="l" defTabSz="914400" rtl="0" eaLnBrk="1" latinLnBrk="0" hangingPunct="1">
+        <a:lnSpc>
+          <a:spcPct val="90000"/>
+        </a:lnSpc>
+        <a:spcBef>
+          <a:spcPts val="500"/>
+        </a:spcBef>
+        <a:buFont typeface="Arial" panose="020B0604020202020204" pitchFamily="34" charset="0"/>
+        <a:buChar char="•"/>
+        <a:defRPr sz="1800" kern="1200">
+          <a:solidFill>
+            <a:schemeClr val="tx1"/>
+          </a:solidFill>
+          <a:latin typeface="+mn-lt"/>
+          <a:ea typeface="+mn-ea"/>
+          <a:cs typeface="+mn-cs"/>
+        </a:defRPr>
+      </a:lvl8pPr>
+      <a:lvl9pPr marL="3886200" indent="-228600" algn="l" defTabSz="914400" rtl="0" eaLnBrk="1" latinLnBrk="0" hangingPunct="1">
+        <a:lnSpc>
+          <a:spcPct val="90000"/>
+        </a:lnSpc>
+        <a:spcBef>
+          <a:spcPts val="500"/>
+        </a:spcBef>
+        <a:buFont typeface="Arial" panose="020B0604020202020204" pitchFamily="34" charset="0"/>
+        <a:buChar char="•"/>
+        <a:defRPr sz="1800" kern="1200">
+          <a:solidFill>
+            <a:schemeClr val="tx1"/>
+          </a:solidFill>
+          <a:latin typeface="+mn-lt"/>
+          <a:ea typeface="+mn-ea"/>
+          <a:cs typeface="+mn-cs"/>
+        </a:defRPr>
+      </a:lvl9pPr>
+    </p:bodyStyle>
+    <p:otherStyle>
+      <a:defPPr>
+        <a:defRPr lang="en-US"/>
+      </a:defPPr>
+      <a:lvl1pPr marL="0" algn="l" defTabSz="914400" rtl="0" eaLnBrk="1" latinLnBrk="0" hangingPunct="1">
+        <a:defRPr sz="1800" kern="1200">
+          <a:solidFill>
+            <a:schemeClr val="tx1"/>
+          </a:solidFill>
+          <a:latin typeface="+mn-lt"/>
+          <a:ea typeface="+mn-ea"/>
+          <a:cs typeface="+mn-cs"/>
+        </a:defRPr>
+      </a:lvl1pPr>
+      <a:lvl2pPr marL="457200" algn="l" defTabSz="914400" rtl="0" eaLnBrk="1" latinLnBrk="0" hangingPunct="1">
+        <a:defRPr sz="1800" kern="1200">
+          <a:solidFill>
+            <a:schemeClr val="tx1"/>
+          </a:solidFill>
+          <a:latin typeface="+mn-lt"/>
+          <a:ea typeface="+mn-ea"/>
+          <a:cs typeface="+mn-cs"/>
+        </a:defRPr>
+      </a:lvl2pPr>
+      <a:lvl3pPr marL="914400" algn="l" defTabSz="914400" rtl="0" eaLnBrk="1" latinLnBrk="0" hangingPunct="1">
+        <a:defRPr sz="1800" kern="1200">
+          <a:solidFill>
+            <a:schemeClr val="tx1"/>
+          </a:solidFill>
+          <a:latin typeface="+mn-lt"/>
+          <a:ea typeface="+mn-ea"/>
+          <a:cs typeface="+mn-cs"/>
+        </a:defRPr>
+      </a:lvl3pPr>
+      <a:lvl4pPr marL="1371600" algn="l" defTabSz="914400" rtl="0" eaLnBrk="1" latinLnBrk="0" hangingPunct="1">
+        <a:defRPr sz="1800" kern="1200">
+          <a:solidFill>
+            <a:schemeClr val="tx1"/>
+          </a:solidFill>
+          <a:latin typeface="+mn-lt"/>
+          <a:ea typeface="+mn-ea"/>
+          <a:cs typeface="+mn-cs"/>
+        </a:defRPr>
+      </a:lvl4pPr>
+      <a:lvl5pPr marL="1828800" algn="l" defTabSz="914400" rtl="0" eaLnBrk="1" latinLnBrk="0" hangingPunct="1">
+        <a:defRPr sz="1800" kern="1200">
+          <a:solidFill>
+            <a:schemeClr val="tx1"/>
+          </a:solidFill>
+          <a:latin typeface="+mn-lt"/>
+          <a:ea typeface="+mn-ea"/>
+          <a:cs typeface="+mn-cs"/>
+        </a:defRPr>
+      </a:lvl5pPr>
+      <a:lvl6pPr marL="2286000" algn="l" defTabSz="914400" rtl="0" eaLnBrk="1" latinLnBrk="0" hangingPunct="1">
+        <a:defRPr sz="1800" kern="1200">
+          <a:solidFill>
+            <a:schemeClr val="tx1"/>
+          </a:solidFill>
+          <a:latin typeface="+mn-lt"/>
+          <a:ea typeface="+mn-ea"/>
+          <a:cs typeface="+mn-cs"/>
+        </a:defRPr>
+      </a:lvl6pPr>
+      <a:lvl7pPr marL="2743200" algn="l" defTabSz="914400" rtl="0" eaLnBrk="1" latinLnBrk="0" hangingPunct="1">
+        <a:defRPr sz="1800" kern="1200">
+          <a:solidFill>
+            <a:schemeClr val="tx1"/>
+          </a:solidFill>
+          <a:latin typeface="+mn-lt"/>
+          <a:ea typeface="+mn-ea"/>
+          <a:cs typeface="+mn-cs"/>
+        </a:defRPr>
+      </a:lvl7pPr>
+      <a:lvl8pPr marL="3200400" algn="l" defTabSz="914400" rtl="0" eaLnBrk="1" latinLnBrk="0" hangingPunct="1">
+        <a:defRPr sz="1800" kern="1200">
+          <a:solidFill>
+            <a:schemeClr val="tx1"/>
+          </a:solidFill>
+          <a:latin typeface="+mn-lt"/>
+          <a:ea typeface="+mn-ea"/>
+          <a:cs typeface="+mn-cs"/>
+        </a:defRPr>
+      </a:lvl8pPr>
+      <a:lvl9pPr marL="3657600" algn="l" defTabSz="914400" rtl="0" eaLnBrk="1" latinLnBrk="0" hangingPunct="1">
+        <a:defRPr sz="1800" kern="1200">
+          <a:solidFill>
+            <a:schemeClr val="tx1"/>
+          </a:solidFill>
+          <a:latin typeface="+mn-lt"/>
+          <a:ea typeface="+mn-ea"/>
+          <a:cs typeface="+mn-cs"/>
+        </a:defRPr>
+      </a:lvl9pPr>
+    </p:otherStyle>
+  </p:txStyles>
+</p:sldMaster>
+</file>
+
+<file path=ppt/slideMasters/slideMaster4.xml><?xml version="1.0" encoding="utf-8"?>
+<p:sldMaster xmlns:a="http://schemas.openxmlformats.org/drawingml/2006/main" xmlns:r="http://schemas.openxmlformats.org/officeDocument/2006/relationships" xmlns:p="http://schemas.openxmlformats.org/presentationml/2006/main">
+  <p:cSld>
+    <p:bg>
+      <p:bgRef idx="1001">
+        <a:schemeClr val="bg1"/>
+      </p:bgRef>
+    </p:bg>
+    <p:spTree>
+      <p:nvGrpSpPr>
+        <p:cNvPr id="1" name=""/>
+        <p:cNvGrpSpPr/>
+        <p:nvPr/>
+      </p:nvGrpSpPr>
+      <p:grpSpPr>
+        <a:xfrm>
+          <a:off x="0" y="0"/>
+          <a:ext cx="0" cy="0"/>
+          <a:chOff x="0" y="0"/>
+          <a:chExt cx="0" cy="0"/>
+        </a:xfrm>
+      </p:grpSpPr>
+      <p:sp>
+        <p:nvSpPr>
+          <p:cNvPr id="2" name="Title Placeholder 1"/>
+          <p:cNvSpPr>
+            <a:spLocks noGrp="1"/>
+          </p:cNvSpPr>
+          <p:nvPr>
+            <p:ph type="title"/>
+          </p:nvPr>
+        </p:nvSpPr>
+        <p:spPr>
+          <a:xfrm>
+            <a:off x="838200" y="365125"/>
+            <a:ext cx="10515600" cy="1325563"/>
+          </a:xfrm>
+          <a:prstGeom prst="rect">
+            <a:avLst/>
+          </a:prstGeom>
+        </p:spPr>
+        <p:txBody>
+          <a:bodyPr vert="horz" lIns="91440" tIns="45720" rIns="91440" bIns="45720" rtlCol="0" anchor="ctr">
+            <a:normAutofit/>
+          </a:bodyPr>
+          <a:lstStyle/>
+          <a:p>
+            <a:r>
+              <a:rPr lang="de-DE"/>
+              <a:t>Mastertitelformat bearbeiten</a:t>
+            </a:r>
+            <a:endParaRPr lang="en-US" dirty="0"/>
+          </a:p>
+        </p:txBody>
+      </p:sp>
+      <p:sp>
+        <p:nvSpPr>
+          <p:cNvPr id="3" name="Text Placeholder 2"/>
+          <p:cNvSpPr>
+            <a:spLocks noGrp="1"/>
+          </p:cNvSpPr>
+          <p:nvPr>
+            <p:ph type="body" idx="1"/>
+          </p:nvPr>
+        </p:nvSpPr>
+        <p:spPr>
+          <a:xfrm>
+            <a:off x="838200" y="1825625"/>
+            <a:ext cx="10515600" cy="4351338"/>
+          </a:xfrm>
+          <a:prstGeom prst="rect">
+            <a:avLst/>
+          </a:prstGeom>
+        </p:spPr>
+        <p:txBody>
+          <a:bodyPr vert="horz" lIns="91440" tIns="45720" rIns="91440" bIns="45720" rtlCol="0">
+            <a:normAutofit/>
+          </a:bodyPr>
+          <a:lstStyle/>
+          <a:p>
+            <a:pPr lvl="0"/>
+            <a:r>
+              <a:rPr lang="de-DE"/>
+              <a:t>Mastertextformat bearbeiten</a:t>
+            </a:r>
+          </a:p>
+          <a:p>
+            <a:pPr lvl="1"/>
+            <a:r>
+              <a:rPr lang="de-DE"/>
+              <a:t>Zweite Ebene</a:t>
+            </a:r>
+          </a:p>
+          <a:p>
+            <a:pPr lvl="2"/>
+            <a:r>
+              <a:rPr lang="de-DE"/>
+              <a:t>Dritte Ebene</a:t>
+            </a:r>
+          </a:p>
+          <a:p>
+            <a:pPr lvl="3"/>
+            <a:r>
+              <a:rPr lang="de-DE"/>
+              <a:t>Vierte Ebene</a:t>
+            </a:r>
+          </a:p>
+          <a:p>
+            <a:pPr lvl="4"/>
+            <a:r>
+              <a:rPr lang="de-DE"/>
+              <a:t>Fünfte Ebene</a:t>
+            </a:r>
+            <a:endParaRPr lang="en-US" dirty="0"/>
+          </a:p>
+        </p:txBody>
+      </p:sp>
+      <p:sp>
+        <p:nvSpPr>
+          <p:cNvPr id="4" name="Date Placeholder 3"/>
+          <p:cNvSpPr>
+            <a:spLocks noGrp="1"/>
+          </p:cNvSpPr>
+          <p:nvPr>
+            <p:ph type="dt" sz="half" idx="2"/>
+          </p:nvPr>
+        </p:nvSpPr>
+        <p:spPr>
+          <a:xfrm>
+            <a:off x="838200" y="6356350"/>
+            <a:ext cx="2743200" cy="365125"/>
+          </a:xfrm>
+          <a:prstGeom prst="rect">
+            <a:avLst/>
+          </a:prstGeom>
+        </p:spPr>
+        <p:txBody>
+          <a:bodyPr vert="horz" lIns="91440" tIns="45720" rIns="91440" bIns="45720" rtlCol="0" anchor="ctr"/>
+          <a:lstStyle>
+            <a:lvl1pPr algn="l">
+              <a:defRPr sz="1200">
+                <a:solidFill>
+                  <a:schemeClr val="tx1">
+                    <a:tint val="75000"/>
+                  </a:schemeClr>
+                </a:solidFill>
+              </a:defRPr>
+            </a:lvl1pPr>
+          </a:lstStyle>
+          <a:p>
+            <a:fld id="{C764DE79-268F-4C1A-8933-263129D2AF90}" type="datetimeFigureOut">
+              <a:rPr lang="en-US" dirty="0"/>
+              <a:t>5/31/2018</a:t>
+            </a:fld>
+            <a:endParaRPr lang="en-US" dirty="0"/>
+          </a:p>
+        </p:txBody>
+      </p:sp>
+      <p:sp>
+        <p:nvSpPr>
+          <p:cNvPr id="5" name="Footer Placeholder 4"/>
+          <p:cNvSpPr>
+            <a:spLocks noGrp="1"/>
+          </p:cNvSpPr>
+          <p:nvPr>
+            <p:ph type="ftr" sz="quarter" idx="3"/>
+          </p:nvPr>
+        </p:nvSpPr>
+        <p:spPr>
+          <a:xfrm>
+            <a:off x="4038600" y="6356350"/>
+            <a:ext cx="4114800" cy="365125"/>
+          </a:xfrm>
+          <a:prstGeom prst="rect">
+            <a:avLst/>
+          </a:prstGeom>
+        </p:spPr>
+        <p:txBody>
+          <a:bodyPr vert="horz" lIns="91440" tIns="45720" rIns="91440" bIns="45720" rtlCol="0" anchor="ctr"/>
+          <a:lstStyle>
+            <a:lvl1pPr algn="ctr">
+              <a:defRPr sz="1200">
+                <a:solidFill>
+                  <a:schemeClr val="tx1">
+                    <a:tint val="75000"/>
+                  </a:schemeClr>
+                </a:solidFill>
+              </a:defRPr>
+            </a:lvl1pPr>
+          </a:lstStyle>
+          <a:p>
+            <a:endParaRPr lang="en-US" dirty="0"/>
+          </a:p>
+        </p:txBody>
+      </p:sp>
+      <p:sp>
+        <p:nvSpPr>
+          <p:cNvPr id="6" name="Slide Number Placeholder 5"/>
+          <p:cNvSpPr>
+            <a:spLocks noGrp="1"/>
+          </p:cNvSpPr>
+          <p:nvPr>
+            <p:ph type="sldNum" sz="quarter" idx="4"/>
+          </p:nvPr>
+        </p:nvSpPr>
+        <p:spPr>
+          <a:xfrm>
+            <a:off x="8610600" y="6356350"/>
+            <a:ext cx="2743200" cy="365125"/>
+          </a:xfrm>
+          <a:prstGeom prst="rect">
+            <a:avLst/>
+          </a:prstGeom>
+        </p:spPr>
+        <p:txBody>
+          <a:bodyPr vert="horz" lIns="91440" tIns="45720" rIns="91440" bIns="45720" rtlCol="0" anchor="ctr"/>
+          <a:lstStyle>
+            <a:lvl1pPr algn="r">
+              <a:defRPr sz="1200">
+                <a:solidFill>
+                  <a:schemeClr val="tx1">
+                    <a:tint val="75000"/>
+                  </a:schemeClr>
+                </a:solidFill>
+              </a:defRPr>
+            </a:lvl1pPr>
+          </a:lstStyle>
+          <a:p>
+            <a:fld id="{48F63A3B-78C7-47BE-AE5E-E10140E04643}" type="slidenum">
+              <a:rPr lang="en-US" dirty="0"/>
+              <a:t>‹Nr.›</a:t>
+            </a:fld>
+            <a:endParaRPr lang="en-US" dirty="0"/>
+          </a:p>
+        </p:txBody>
+      </p:sp>
+      <p:sp>
+        <p:nvSpPr>
+          <p:cNvPr id="7" name="Rechteck 6">
+            <a:extLst>
+              <a:ext uri="{FF2B5EF4-FFF2-40B4-BE49-F238E27FC236}">
+                <a16:creationId xmlns:a16="http://schemas.microsoft.com/office/drawing/2014/main" id="{57693AAE-8585-4EC4-9B09-FBC9CD98EA45}"/>
+              </a:ext>
+            </a:extLst>
+          </p:cNvPr>
+          <p:cNvSpPr/>
+          <p:nvPr userDrawn="1"/>
+        </p:nvSpPr>
+        <p:spPr>
+          <a:xfrm>
+            <a:off x="336000" y="1170000"/>
+            <a:ext cx="11520000" cy="5508000"/>
+          </a:xfrm>
+          <a:prstGeom prst="rect">
+            <a:avLst/>
+          </a:prstGeom>
+          <a:solidFill>
+            <a:srgbClr val="E6E6E6"/>
+          </a:solidFill>
+          <a:ln>
+            <a:noFill/>
+          </a:ln>
+        </p:spPr>
+        <p:style>
+          <a:lnRef idx="2">
+            <a:schemeClr val="accent1">
+              <a:shade val="50000"/>
+            </a:schemeClr>
+          </a:lnRef>
+          <a:fillRef idx="1">
+            <a:schemeClr val="accent1"/>
+          </a:fillRef>
+          <a:effectRef idx="0">
+            <a:schemeClr val="accent1"/>
+          </a:effectRef>
+          <a:fontRef idx="minor">
+            <a:schemeClr val="lt1"/>
+          </a:fontRef>
+        </p:style>
+        <p:txBody>
+          <a:bodyPr rtlCol="0" anchor="ctr"/>
+          <a:lstStyle/>
+          <a:p>
+            <a:pPr algn="ctr"/>
+            <a:endParaRPr lang="de-DE" sz="1800"/>
+          </a:p>
+        </p:txBody>
+      </p:sp>
+      <p:pic>
+        <p:nvPicPr>
+          <p:cNvPr id="8" name="Grafik 7">
+            <a:extLst>
+              <a:ext uri="{FF2B5EF4-FFF2-40B4-BE49-F238E27FC236}">
+                <a16:creationId xmlns:a16="http://schemas.microsoft.com/office/drawing/2014/main" id="{FF63C198-BD64-4F23-872E-AF1F7BF21A23}"/>
+              </a:ext>
+            </a:extLst>
+          </p:cNvPr>
+          <p:cNvPicPr>
+            <a:picLocks noChangeAspect="1"/>
+          </p:cNvPicPr>
+          <p:nvPr userDrawn="1"/>
+        </p:nvPicPr>
+        <p:blipFill>
+          <a:blip r:embed="rId14">
+            <a:extLst>
+              <a:ext uri="{28A0092B-C50C-407E-A947-70E740481C1C}">
+                <a14:useLocalDpi xmlns:a14="http://schemas.microsoft.com/office/drawing/2010/main" val="0"/>
+              </a:ext>
+            </a:extLst>
+          </a:blip>
+          <a:stretch>
+            <a:fillRect/>
+          </a:stretch>
+        </p:blipFill>
+        <p:spPr>
+          <a:xfrm>
+            <a:off x="2" y="1"/>
+            <a:ext cx="2520001" cy="900000"/>
+          </a:xfrm>
+          <a:prstGeom prst="rect">
+            <a:avLst/>
+          </a:prstGeom>
+        </p:spPr>
+      </p:pic>
+      <p:pic>
+        <p:nvPicPr>
+          <p:cNvPr id="9" name="Grafik 8">
+            <a:extLst>
+              <a:ext uri="{FF2B5EF4-FFF2-40B4-BE49-F238E27FC236}">
+                <a16:creationId xmlns:a16="http://schemas.microsoft.com/office/drawing/2014/main" id="{0AE74B77-9997-4019-A137-ED8D11132325}"/>
+              </a:ext>
+            </a:extLst>
+          </p:cNvPr>
+          <p:cNvPicPr>
+            <a:picLocks noChangeAspect="1"/>
+          </p:cNvPicPr>
+          <p:nvPr userDrawn="1"/>
+        </p:nvPicPr>
+        <p:blipFill>
+          <a:blip r:embed="rId15" cstate="print">
+            <a:extLst>
+              <a:ext uri="{28A0092B-C50C-407E-A947-70E740481C1C}">
+                <a14:useLocalDpi xmlns:a14="http://schemas.microsoft.com/office/drawing/2010/main" val="0"/>
+              </a:ext>
+            </a:extLst>
+          </a:blip>
+          <a:stretch>
+            <a:fillRect/>
+          </a:stretch>
+        </p:blipFill>
+        <p:spPr>
+          <a:xfrm>
+            <a:off x="8712000" y="284401"/>
+            <a:ext cx="2976000" cy="600145"/>
+          </a:xfrm>
+          <a:prstGeom prst="rect">
+            <a:avLst/>
+          </a:prstGeom>
+        </p:spPr>
+      </p:pic>
+    </p:spTree>
+    <p:extLst>
+      <p:ext uri="{BB962C8B-B14F-4D97-AF65-F5344CB8AC3E}">
+        <p14:creationId xmlns:p14="http://schemas.microsoft.com/office/powerpoint/2010/main" val="1714896057"/>
+      </p:ext>
+    </p:extLst>
+  </p:cSld>
+  <p:clrMap bg1="lt1" tx1="dk1" bg2="lt2" tx2="dk2" accent1="accent1" accent2="accent2" accent3="accent3" accent4="accent4" accent5="accent5" accent6="accent6" hlink="hlink" folHlink="folHlink"/>
+  <p:sldLayoutIdLst>
+    <p:sldLayoutId id="2147483690" r:id="rId1"/>
+    <p:sldLayoutId id="2147483691" r:id="rId2"/>
+    <p:sldLayoutId id="2147483692" r:id="rId3"/>
+    <p:sldLayoutId id="2147483693" r:id="rId4"/>
+    <p:sldLayoutId id="2147483694" r:id="rId5"/>
+    <p:sldLayoutId id="2147483695" r:id="rId6"/>
+    <p:sldLayoutId id="2147483696" r:id="rId7"/>
+    <p:sldLayoutId id="2147483697" r:id="rId8"/>
+    <p:sldLayoutId id="2147483698" r:id="rId9"/>
+    <p:sldLayoutId id="2147483699" r:id="rId10"/>
+    <p:sldLayoutId id="2147483700" r:id="rId11"/>
+    <p:sldLayoutId id="2147483701" r:id="rId12"/>
+  </p:sldLayoutIdLst>
+  <p:txStyles>
+    <p:titleStyle>
+      <a:lvl1pPr algn="l" defTabSz="914400" rtl="0" eaLnBrk="1" latinLnBrk="0" hangingPunct="1">
+        <a:lnSpc>
+          <a:spcPct val="90000"/>
+        </a:lnSpc>
+        <a:spcBef>
+          <a:spcPct val="0"/>
+        </a:spcBef>
+        <a:buNone/>
+        <a:defRPr sz="4400" kern="1200">
+          <a:solidFill>
+            <a:schemeClr val="tx1"/>
+          </a:solidFill>
+          <a:latin typeface="+mj-lt"/>
+          <a:ea typeface="+mj-ea"/>
+          <a:cs typeface="+mj-cs"/>
+        </a:defRPr>
+      </a:lvl1pPr>
+    </p:titleStyle>
+    <p:bodyStyle>
+      <a:lvl1pPr marL="228600" indent="-228600" algn="l" defTabSz="914400" rtl="0" eaLnBrk="1" latinLnBrk="0" hangingPunct="1">
+        <a:lnSpc>
+          <a:spcPct val="90000"/>
+        </a:lnSpc>
+        <a:spcBef>
+          <a:spcPts val="1000"/>
+        </a:spcBef>
+        <a:buFont typeface="Arial" panose="020B0604020202020204" pitchFamily="34" charset="0"/>
+        <a:buChar char="•"/>
+        <a:defRPr sz="2800" kern="1200">
+          <a:solidFill>
+            <a:schemeClr val="tx1"/>
+          </a:solidFill>
+          <a:latin typeface="+mn-lt"/>
+          <a:ea typeface="+mn-ea"/>
+          <a:cs typeface="+mn-cs"/>
+        </a:defRPr>
+      </a:lvl1pPr>
+      <a:lvl2pPr marL="685800" indent="-228600" algn="l" defTabSz="914400" rtl="0" eaLnBrk="1" latinLnBrk="0" hangingPunct="1">
+        <a:lnSpc>
+          <a:spcPct val="90000"/>
+        </a:lnSpc>
+        <a:spcBef>
+          <a:spcPts val="500"/>
+        </a:spcBef>
+        <a:buFont typeface="Arial" panose="020B0604020202020204" pitchFamily="34" charset="0"/>
+        <a:buChar char="•"/>
+        <a:defRPr sz="2400" kern="1200">
+          <a:solidFill>
+            <a:schemeClr val="tx1"/>
+          </a:solidFill>
+          <a:latin typeface="+mn-lt"/>
+          <a:ea typeface="+mn-ea"/>
+          <a:cs typeface="+mn-cs"/>
+        </a:defRPr>
+      </a:lvl2pPr>
+      <a:lvl3pPr marL="1143000" indent="-228600" algn="l" defTabSz="914400" rtl="0" eaLnBrk="1" latinLnBrk="0" hangingPunct="1">
+        <a:lnSpc>
+          <a:spcPct val="90000"/>
+        </a:lnSpc>
+        <a:spcBef>
+          <a:spcPts val="500"/>
+        </a:spcBef>
+        <a:buFont typeface="Arial" panose="020B0604020202020204" pitchFamily="34" charset="0"/>
+        <a:buChar char="•"/>
+        <a:defRPr sz="2000" kern="1200">
+          <a:solidFill>
+            <a:schemeClr val="tx1"/>
+          </a:solidFill>
+          <a:latin typeface="+mn-lt"/>
+          <a:ea typeface="+mn-ea"/>
+          <a:cs typeface="+mn-cs"/>
+        </a:defRPr>
+      </a:lvl3pPr>
+      <a:lvl4pPr marL="1600200" indent="-228600" algn="l" defTabSz="914400" rtl="0" eaLnBrk="1" latinLnBrk="0" hangingPunct="1">
+        <a:lnSpc>
+          <a:spcPct val="90000"/>
+        </a:lnSpc>
+        <a:spcBef>
+          <a:spcPts val="500"/>
+        </a:spcBef>
+        <a:buFont typeface="Arial" panose="020B0604020202020204" pitchFamily="34" charset="0"/>
+        <a:buChar char="•"/>
+        <a:defRPr sz="1800" kern="1200">
+          <a:solidFill>
+            <a:schemeClr val="tx1"/>
+          </a:solidFill>
+          <a:latin typeface="+mn-lt"/>
+          <a:ea typeface="+mn-ea"/>
+          <a:cs typeface="+mn-cs"/>
+        </a:defRPr>
+      </a:lvl4pPr>
+      <a:lvl5pPr marL="2057400" indent="-228600" algn="l" defTabSz="914400" rtl="0" eaLnBrk="1" latinLnBrk="0" hangingPunct="1">
+        <a:lnSpc>
+          <a:spcPct val="90000"/>
+        </a:lnSpc>
+        <a:spcBef>
+          <a:spcPts val="500"/>
+        </a:spcBef>
+        <a:buFont typeface="Arial" panose="020B0604020202020204" pitchFamily="34" charset="0"/>
+        <a:buChar char="•"/>
+        <a:defRPr sz="1800" kern="1200">
+          <a:solidFill>
+            <a:schemeClr val="tx1"/>
+          </a:solidFill>
+          <a:latin typeface="+mn-lt"/>
+          <a:ea typeface="+mn-ea"/>
+          <a:cs typeface="+mn-cs"/>
+        </a:defRPr>
+      </a:lvl5pPr>
+      <a:lvl6pPr marL="2514600" indent="-228600" algn="l" defTabSz="914400" rtl="0" eaLnBrk="1" latinLnBrk="0" hangingPunct="1">
+        <a:lnSpc>
+          <a:spcPct val="90000"/>
+        </a:lnSpc>
+        <a:spcBef>
+          <a:spcPts val="500"/>
+        </a:spcBef>
+        <a:buFont typeface="Arial" panose="020B0604020202020204" pitchFamily="34" charset="0"/>
+        <a:buChar char="•"/>
+        <a:defRPr sz="1800" kern="1200">
+          <a:solidFill>
+            <a:schemeClr val="tx1"/>
+          </a:solidFill>
+          <a:latin typeface="+mn-lt"/>
+          <a:ea typeface="+mn-ea"/>
+          <a:cs typeface="+mn-cs"/>
+        </a:defRPr>
+      </a:lvl6pPr>
+      <a:lvl7pPr marL="2971800" indent="-228600" algn="l" defTabSz="914400" rtl="0" eaLnBrk="1" latinLnBrk="0" hangingPunct="1">
+        <a:lnSpc>
+          <a:spcPct val="90000"/>
+        </a:lnSpc>
+        <a:spcBef>
+          <a:spcPts val="500"/>
+        </a:spcBef>
+        <a:buFont typeface="Arial" panose="020B0604020202020204" pitchFamily="34" charset="0"/>
+        <a:buChar char="•"/>
+        <a:defRPr sz="1800" kern="1200">
+          <a:solidFill>
+            <a:schemeClr val="tx1"/>
+          </a:solidFill>
+          <a:latin typeface="+mn-lt"/>
+          <a:ea typeface="+mn-ea"/>
+          <a:cs typeface="+mn-cs"/>
+        </a:defRPr>
+      </a:lvl7pPr>
+      <a:lvl8pPr marL="3429000" indent="-228600" algn="l" defTabSz="914400" rtl="0" eaLnBrk="1" latinLnBrk="0" hangingPunct="1">
+        <a:lnSpc>
+          <a:spcPct val="90000"/>
+        </a:lnSpc>
+        <a:spcBef>
+          <a:spcPts val="500"/>
+        </a:spcBef>
+        <a:buFont typeface="Arial" panose="020B0604020202020204" pitchFamily="34" charset="0"/>
+        <a:buChar char="•"/>
+        <a:defRPr sz="1800" kern="1200">
+          <a:solidFill>
+            <a:schemeClr val="tx1"/>
+          </a:solidFill>
+          <a:latin typeface="+mn-lt"/>
+          <a:ea typeface="+mn-ea"/>
+          <a:cs typeface="+mn-cs"/>
+        </a:defRPr>
+      </a:lvl8pPr>
+      <a:lvl9pPr marL="3886200" indent="-228600" algn="l" defTabSz="914400" rtl="0" eaLnBrk="1" latinLnBrk="0" hangingPunct="1">
+        <a:lnSpc>
+          <a:spcPct val="90000"/>
+        </a:lnSpc>
+        <a:spcBef>
+          <a:spcPts val="500"/>
+        </a:spcBef>
+        <a:buFont typeface="Arial" panose="020B0604020202020204" pitchFamily="34" charset="0"/>
+        <a:buChar char="•"/>
+        <a:defRPr sz="1800" kern="1200">
+          <a:solidFill>
+            <a:schemeClr val="tx1"/>
+          </a:solidFill>
+          <a:latin typeface="+mn-lt"/>
+          <a:ea typeface="+mn-ea"/>
+          <a:cs typeface="+mn-cs"/>
+        </a:defRPr>
+      </a:lvl9pPr>
+    </p:bodyStyle>
+    <p:otherStyle>
+      <a:defPPr>
+        <a:defRPr lang="en-US"/>
+      </a:defPPr>
+      <a:lvl1pPr marL="0" algn="l" defTabSz="914400" rtl="0" eaLnBrk="1" latinLnBrk="0" hangingPunct="1">
+        <a:defRPr sz="1800" kern="1200">
+          <a:solidFill>
+            <a:schemeClr val="tx1"/>
+          </a:solidFill>
+          <a:latin typeface="+mn-lt"/>
+          <a:ea typeface="+mn-ea"/>
+          <a:cs typeface="+mn-cs"/>
+        </a:defRPr>
+      </a:lvl1pPr>
+      <a:lvl2pPr marL="457200" algn="l" defTabSz="914400" rtl="0" eaLnBrk="1" latinLnBrk="0" hangingPunct="1">
+        <a:defRPr sz="1800" kern="1200">
+          <a:solidFill>
+            <a:schemeClr val="tx1"/>
+          </a:solidFill>
+          <a:latin typeface="+mn-lt"/>
+          <a:ea typeface="+mn-ea"/>
+          <a:cs typeface="+mn-cs"/>
+        </a:defRPr>
+      </a:lvl2pPr>
+      <a:lvl3pPr marL="914400" algn="l" defTabSz="914400" rtl="0" eaLnBrk="1" latinLnBrk="0" hangingPunct="1">
+        <a:defRPr sz="1800" kern="1200">
+          <a:solidFill>
+            <a:schemeClr val="tx1"/>
+          </a:solidFill>
+          <a:latin typeface="+mn-lt"/>
+          <a:ea typeface="+mn-ea"/>
+          <a:cs typeface="+mn-cs"/>
+        </a:defRPr>
+      </a:lvl3pPr>
+      <a:lvl4pPr marL="1371600" algn="l" defTabSz="914400" rtl="0" eaLnBrk="1" latinLnBrk="0" hangingPunct="1">
+        <a:defRPr sz="1800" kern="1200">
+          <a:solidFill>
+            <a:schemeClr val="tx1"/>
+          </a:solidFill>
+          <a:latin typeface="+mn-lt"/>
+          <a:ea typeface="+mn-ea"/>
+          <a:cs typeface="+mn-cs"/>
+        </a:defRPr>
+      </a:lvl4pPr>
+      <a:lvl5pPr marL="1828800" algn="l" defTabSz="914400" rtl="0" eaLnBrk="1" latinLnBrk="0" hangingPunct="1">
+        <a:defRPr sz="1800" kern="1200">
+          <a:solidFill>
+            <a:schemeClr val="tx1"/>
+          </a:solidFill>
+          <a:latin typeface="+mn-lt"/>
+          <a:ea typeface="+mn-ea"/>
+          <a:cs typeface="+mn-cs"/>
+        </a:defRPr>
+      </a:lvl5pPr>
+      <a:lvl6pPr marL="2286000" algn="l" defTabSz="914400" rtl="0" eaLnBrk="1" latinLnBrk="0" hangingPunct="1">
+        <a:defRPr sz="1800" kern="1200">
+          <a:solidFill>
+            <a:schemeClr val="tx1"/>
+          </a:solidFill>
+          <a:latin typeface="+mn-lt"/>
+          <a:ea typeface="+mn-ea"/>
+          <a:cs typeface="+mn-cs"/>
+        </a:defRPr>
+      </a:lvl6pPr>
+      <a:lvl7pPr marL="2743200" algn="l" defTabSz="914400" rtl="0" eaLnBrk="1" latinLnBrk="0" hangingPunct="1">
+        <a:defRPr sz="1800" kern="1200">
+          <a:solidFill>
+            <a:schemeClr val="tx1"/>
+          </a:solidFill>
+          <a:latin typeface="+mn-lt"/>
+          <a:ea typeface="+mn-ea"/>
+          <a:cs typeface="+mn-cs"/>
+        </a:defRPr>
+      </a:lvl7pPr>
+      <a:lvl8pPr marL="3200400" algn="l" defTabSz="914400" rtl="0" eaLnBrk="1" latinLnBrk="0" hangingPunct="1">
+        <a:defRPr sz="1800" kern="1200">
+          <a:solidFill>
+            <a:schemeClr val="tx1"/>
+          </a:solidFill>
+          <a:latin typeface="+mn-lt"/>
+          <a:ea typeface="+mn-ea"/>
+          <a:cs typeface="+mn-cs"/>
+        </a:defRPr>
+      </a:lvl8pPr>
+      <a:lvl9pPr marL="3657600" algn="l" defTabSz="914400" rtl="0" eaLnBrk="1" latinLnBrk="0" hangingPunct="1">
+        <a:defRPr sz="1800" kern="1200">
+          <a:solidFill>
+            <a:schemeClr val="tx1"/>
+          </a:solidFill>
+          <a:latin typeface="+mn-lt"/>
+          <a:ea typeface="+mn-ea"/>
+          <a:cs typeface="+mn-cs"/>
+        </a:defRPr>
+      </a:lvl9pPr>
+    </p:otherStyle>
+  </p:txStyles>
+</p:sldMaster>
+</file>
+
 <file path=ppt/slides/slide1.xml><?xml version="1.0" encoding="utf-8"?>
 <p:sld xmlns:a="http://schemas.openxmlformats.org/drawingml/2006/main" xmlns:r="http://schemas.openxmlformats.org/officeDocument/2006/relationships" xmlns:p="http://schemas.openxmlformats.org/presentationml/2006/main">
   <p:cSld>
@@ -1141,8 +7159,8 @@
         </p:nvSpPr>
         <p:spPr>
           <a:xfrm>
-            <a:off x="4693381" y="1448474"/>
-            <a:ext cx="4205819" cy="2492347"/>
+            <a:off x="7296539" y="2660821"/>
+            <a:ext cx="4205819" cy="2400346"/>
           </a:xfrm>
           <a:prstGeom prst="rect">
             <a:avLst/>
@@ -1156,7 +7174,7 @@
           <a:lstStyle/>
           <a:p>
             <a:r>
-              <a:rPr lang="de-DE" sz="2800" b="1" dirty="0" smtClean="0">
+              <a:rPr lang="de-DE" sz="2800" b="1" dirty="0">
                 <a:solidFill>
                   <a:schemeClr val="bg1"/>
                 </a:solidFill>
@@ -1178,7 +7196,7 @@
               </a:lnSpc>
             </a:pPr>
             <a:r>
-              <a:rPr lang="de-DE" sz="2000" dirty="0" smtClean="0">
+              <a:rPr lang="de-DE" sz="2000" dirty="0">
                 <a:solidFill>
                   <a:schemeClr val="bg1"/>
                 </a:solidFill>
@@ -1186,7 +7204,7 @@
               <a:t>Von Leif </a:t>
             </a:r>
             <a:r>
-              <a:rPr lang="de-DE" sz="2000" dirty="0" err="1" smtClean="0">
+              <a:rPr lang="de-DE" sz="2000" dirty="0" err="1">
                 <a:solidFill>
                   <a:schemeClr val="bg1"/>
                 </a:solidFill>
@@ -1194,7 +7212,7 @@
               <a:t>Hohwy</a:t>
             </a:r>
             <a:r>
-              <a:rPr lang="de-DE" sz="2000" dirty="0" smtClean="0">
+              <a:rPr lang="de-DE" sz="2000" dirty="0">
                 <a:solidFill>
                   <a:schemeClr val="bg1"/>
                 </a:solidFill>
@@ -1232,7 +7250,7 @@
         </p:blipFill>
         <p:spPr>
           <a:xfrm>
-            <a:off x="239086" y="3766004"/>
+            <a:off x="1763086" y="3766004"/>
             <a:ext cx="4485336" cy="2303024"/>
           </a:xfrm>
           <a:prstGeom prst="rect">
@@ -1261,7 +7279,7 @@
         </p:blipFill>
         <p:spPr>
           <a:xfrm>
-            <a:off x="253922" y="1358894"/>
+            <a:off x="1777923" y="1358895"/>
             <a:ext cx="4463735" cy="2311997"/>
           </a:xfrm>
           <a:prstGeom prst="rect">
@@ -1277,20 +7295,13 @@
     </p:spTree>
     <p:extLst>
       <p:ext uri="{BB962C8B-B14F-4D97-AF65-F5344CB8AC3E}">
-        <p14:creationId xmlns:p14="http://schemas.microsoft.com/office/powerpoint/2010/main" xmlns="" val="3736031991"/>
+        <p14:creationId xmlns:p14="http://schemas.microsoft.com/office/powerpoint/2010/main" val="3736031991"/>
       </p:ext>
     </p:extLst>
   </p:cSld>
   <p:clrMapOvr>
     <a:masterClrMapping/>
   </p:clrMapOvr>
-  <p:timing>
-    <p:tnLst>
-      <p:par>
-        <p:cTn id="1" dur="indefinite" restart="never" nodeType="tmRoot"/>
-      </p:par>
-    </p:tnLst>
-  </p:timing>
 </p:sld>
 </file>
 
@@ -1319,7 +7330,7 @@
         </p:nvSpPr>
         <p:spPr>
           <a:xfrm>
-            <a:off x="252000" y="1170000"/>
+            <a:off x="1776000" y="1170000"/>
             <a:ext cx="8640000" cy="5508000"/>
           </a:xfrm>
           <a:prstGeom prst="rect">
@@ -1345,7 +7356,7 @@
                 <a:tab pos="288000" algn="l"/>
               </a:tabLst>
             </a:pPr>
-            <a:endParaRPr lang="de-DE" sz="2000" dirty="0" smtClean="0">
+            <a:endParaRPr lang="de-DE" sz="2000" dirty="0">
               <a:solidFill>
                 <a:srgbClr val="001F47"/>
               </a:solidFill>
@@ -1369,8 +7380,8 @@
         </p:blipFill>
         <p:spPr>
           <a:xfrm>
-            <a:off x="248829" y="1756384"/>
-            <a:ext cx="8720234" cy="3730016"/>
+            <a:off x="404461" y="1531770"/>
+            <a:ext cx="11363823" cy="4860792"/>
           </a:xfrm>
           <a:prstGeom prst="rect">
             <a:avLst/>
@@ -1380,20 +7391,13 @@
     </p:spTree>
     <p:extLst>
       <p:ext uri="{BB962C8B-B14F-4D97-AF65-F5344CB8AC3E}">
-        <p14:creationId xmlns:p14="http://schemas.microsoft.com/office/powerpoint/2010/main" xmlns="" val="2040157117"/>
+        <p14:creationId xmlns:p14="http://schemas.microsoft.com/office/powerpoint/2010/main" val="2040157117"/>
       </p:ext>
     </p:extLst>
   </p:cSld>
   <p:clrMapOvr>
     <a:masterClrMapping/>
   </p:clrMapOvr>
-  <p:timing>
-    <p:tnLst>
-      <p:par>
-        <p:cTn id="1" dur="indefinite" restart="never" nodeType="tmRoot"/>
-      </p:par>
-    </p:tnLst>
-  </p:timing>
 </p:sld>
 </file>
 
@@ -1422,7 +7426,7 @@
         </p:nvSpPr>
         <p:spPr>
           <a:xfrm>
-            <a:off x="252000" y="1170000"/>
+            <a:off x="1776000" y="1170000"/>
             <a:ext cx="8640000" cy="5508000"/>
           </a:xfrm>
           <a:prstGeom prst="rect">
@@ -1448,7 +7452,7 @@
                 <a:tab pos="288000" algn="l"/>
               </a:tabLst>
             </a:pPr>
-            <a:endParaRPr lang="de-DE" sz="2000" dirty="0" smtClean="0">
+            <a:endParaRPr lang="de-DE" sz="2000" dirty="0">
               <a:solidFill>
                 <a:srgbClr val="001F47"/>
               </a:solidFill>
@@ -1472,7 +7476,7 @@
         </p:blipFill>
         <p:spPr>
           <a:xfrm>
-            <a:off x="1010767" y="1804935"/>
+            <a:off x="2114638" y="2109736"/>
             <a:ext cx="7032715" cy="4035439"/>
           </a:xfrm>
           <a:prstGeom prst="rect">
@@ -1483,20 +7487,13 @@
     </p:spTree>
     <p:extLst>
       <p:ext uri="{BB962C8B-B14F-4D97-AF65-F5344CB8AC3E}">
-        <p14:creationId xmlns:p14="http://schemas.microsoft.com/office/powerpoint/2010/main" xmlns="" val="2040157117"/>
+        <p14:creationId xmlns:p14="http://schemas.microsoft.com/office/powerpoint/2010/main" val="2040157117"/>
       </p:ext>
     </p:extLst>
   </p:cSld>
   <p:clrMapOvr>
     <a:masterClrMapping/>
   </p:clrMapOvr>
-  <p:timing>
-    <p:tnLst>
-      <p:par>
-        <p:cTn id="1" dur="indefinite" restart="never" nodeType="tmRoot"/>
-      </p:par>
-    </p:tnLst>
-  </p:timing>
 </p:sld>
 </file>
 
@@ -1525,7 +7522,7 @@
         </p:nvSpPr>
         <p:spPr>
           <a:xfrm>
-            <a:off x="252000" y="1170000"/>
+            <a:off x="1776000" y="1170000"/>
             <a:ext cx="8640000" cy="5508000"/>
           </a:xfrm>
           <a:prstGeom prst="rect">
@@ -1551,7 +7548,7 @@
                 <a:tab pos="288000" algn="l"/>
               </a:tabLst>
             </a:pPr>
-            <a:endParaRPr lang="de-DE" sz="2000" dirty="0" smtClean="0">
+            <a:endParaRPr lang="de-DE" sz="2000" dirty="0">
               <a:solidFill>
                 <a:srgbClr val="001F47"/>
               </a:solidFill>
@@ -1575,8 +7572,8 @@
         </p:blipFill>
         <p:spPr>
           <a:xfrm>
-            <a:off x="266300" y="1607360"/>
-            <a:ext cx="8692452" cy="4316009"/>
+            <a:off x="801759" y="1231216"/>
+            <a:ext cx="10846543" cy="5385567"/>
           </a:xfrm>
           <a:prstGeom prst="rect">
             <a:avLst/>
@@ -1586,20 +7583,13 @@
     </p:spTree>
     <p:extLst>
       <p:ext uri="{BB962C8B-B14F-4D97-AF65-F5344CB8AC3E}">
-        <p14:creationId xmlns:p14="http://schemas.microsoft.com/office/powerpoint/2010/main" xmlns="" val="2040157117"/>
+        <p14:creationId xmlns:p14="http://schemas.microsoft.com/office/powerpoint/2010/main" val="2040157117"/>
       </p:ext>
     </p:extLst>
   </p:cSld>
   <p:clrMapOvr>
     <a:masterClrMapping/>
   </p:clrMapOvr>
-  <p:timing>
-    <p:tnLst>
-      <p:par>
-        <p:cTn id="1" dur="indefinite" restart="never" nodeType="tmRoot"/>
-      </p:par>
-    </p:tnLst>
-  </p:timing>
 </p:sld>
 </file>
 
@@ -1628,7 +7618,7 @@
         </p:nvSpPr>
         <p:spPr>
           <a:xfrm>
-            <a:off x="252000" y="1170000"/>
+            <a:off x="1776000" y="1170000"/>
             <a:ext cx="8640000" cy="5508000"/>
           </a:xfrm>
           <a:prstGeom prst="rect">
@@ -1654,7 +7644,7 @@
                 <a:tab pos="288000" algn="l"/>
               </a:tabLst>
             </a:pPr>
-            <a:endParaRPr lang="de-DE" sz="2000" dirty="0" smtClean="0">
+            <a:endParaRPr lang="de-DE" sz="2000" dirty="0">
               <a:solidFill>
                 <a:srgbClr val="001F47"/>
               </a:solidFill>
@@ -1678,8 +7668,8 @@
         </p:blipFill>
         <p:spPr>
           <a:xfrm>
-            <a:off x="234272" y="1639728"/>
-            <a:ext cx="8666967" cy="4659401"/>
+            <a:off x="1087515" y="1231415"/>
+            <a:ext cx="10016970" cy="5385169"/>
           </a:xfrm>
           <a:prstGeom prst="rect">
             <a:avLst/>
@@ -1689,20 +7679,13 @@
     </p:spTree>
     <p:extLst>
       <p:ext uri="{BB962C8B-B14F-4D97-AF65-F5344CB8AC3E}">
-        <p14:creationId xmlns:p14="http://schemas.microsoft.com/office/powerpoint/2010/main" xmlns="" val="2040157117"/>
+        <p14:creationId xmlns:p14="http://schemas.microsoft.com/office/powerpoint/2010/main" val="2040157117"/>
       </p:ext>
     </p:extLst>
   </p:cSld>
   <p:clrMapOvr>
     <a:masterClrMapping/>
   </p:clrMapOvr>
-  <p:timing>
-    <p:tnLst>
-      <p:par>
-        <p:cTn id="1" dur="indefinite" restart="never" nodeType="tmRoot"/>
-      </p:par>
-    </p:tnLst>
-  </p:timing>
 </p:sld>
 </file>
 
@@ -1731,7 +7714,7 @@
         </p:nvSpPr>
         <p:spPr>
           <a:xfrm>
-            <a:off x="252000" y="1170000"/>
+            <a:off x="1776000" y="1170000"/>
             <a:ext cx="8640000" cy="5508000"/>
           </a:xfrm>
           <a:prstGeom prst="rect">
@@ -1751,7 +7734,7 @@
               </a:spcAft>
             </a:pPr>
             <a:r>
-              <a:rPr lang="de-DE" sz="2800" b="1" dirty="0" smtClean="0">
+              <a:rPr lang="de-DE" sz="2800" b="1" dirty="0">
                 <a:solidFill>
                   <a:srgbClr val="001F47"/>
                 </a:solidFill>
@@ -1775,7 +7758,7 @@
               </a:tabLst>
             </a:pPr>
             <a:r>
-              <a:rPr lang="de-DE" sz="2000" dirty="0" smtClean="0">
+              <a:rPr lang="de-DE" sz="2000" dirty="0">
                 <a:solidFill>
                   <a:srgbClr val="001F47"/>
                 </a:solidFill>
@@ -1799,7 +7782,7 @@
               </a:tabLst>
             </a:pPr>
             <a:r>
-              <a:rPr lang="de-DE" sz="2000" dirty="0" smtClean="0">
+              <a:rPr lang="de-DE" sz="2000" dirty="0">
                 <a:solidFill>
                   <a:srgbClr val="001F47"/>
                 </a:solidFill>
@@ -1823,7 +7806,7 @@
               </a:tabLst>
             </a:pPr>
             <a:r>
-              <a:rPr lang="de-DE" sz="2000" dirty="0" smtClean="0">
+              <a:rPr lang="de-DE" sz="2000" dirty="0">
                 <a:solidFill>
                   <a:srgbClr val="001F47"/>
                 </a:solidFill>
@@ -1833,16 +7816,46 @@
           </a:p>
         </p:txBody>
       </p:sp>
-      <p:sp>
-        <p:nvSpPr>
-          <p:cNvPr id="5" name="Textfeld 4"/>
+    </p:spTree>
+    <p:extLst>
+      <p:ext uri="{BB962C8B-B14F-4D97-AF65-F5344CB8AC3E}">
+        <p14:creationId xmlns:p14="http://schemas.microsoft.com/office/powerpoint/2010/main" val="2040157117"/>
+      </p:ext>
+    </p:extLst>
+  </p:cSld>
+  <p:clrMapOvr>
+    <a:masterClrMapping/>
+  </p:clrMapOvr>
+</p:sld>
+</file>
+
+<file path=ppt/slides/slide15.xml><?xml version="1.0" encoding="utf-8"?>
+<p:sld xmlns:a="http://schemas.openxmlformats.org/drawingml/2006/main" xmlns:r="http://schemas.openxmlformats.org/officeDocument/2006/relationships" xmlns:p="http://schemas.openxmlformats.org/presentationml/2006/main">
+  <p:cSld>
+    <p:spTree>
+      <p:nvGrpSpPr>
+        <p:cNvPr id="1" name=""/>
+        <p:cNvGrpSpPr/>
+        <p:nvPr/>
+      </p:nvGrpSpPr>
+      <p:grpSpPr>
+        <a:xfrm>
+          <a:off x="0" y="0"/>
+          <a:ext cx="0" cy="0"/>
+          <a:chOff x="0" y="0"/>
+          <a:chExt cx="0" cy="0"/>
+        </a:xfrm>
+      </p:grpSpPr>
+      <p:sp>
+        <p:nvSpPr>
+          <p:cNvPr id="4" name="Textfeld 3"/>
           <p:cNvSpPr txBox="1"/>
           <p:nvPr/>
         </p:nvSpPr>
         <p:spPr>
           <a:xfrm>
-            <a:off x="3802380" y="6433245"/>
-            <a:ext cx="5006340" cy="153888"/>
+            <a:off x="1729946" y="2817340"/>
+            <a:ext cx="8686054" cy="3860659"/>
           </a:xfrm>
           <a:prstGeom prst="rect">
             <a:avLst/>
@@ -1850,61 +7863,37 @@
           <a:noFill/>
         </p:spPr>
         <p:txBody>
-          <a:bodyPr wrap="square" lIns="0" tIns="0" rIns="0" bIns="0" rtlCol="0">
-            <a:spAutoFit/>
+          <a:bodyPr wrap="square" lIns="450000" tIns="360000" rIns="450000" bIns="450000" rtlCol="0">
+            <a:noAutofit/>
           </a:bodyPr>
           <a:lstStyle/>
           <a:p>
-            <a:pPr algn="r"/>
-            <a:r>
-              <a:rPr lang="de-DE" sz="1000" dirty="0" smtClean="0">
+            <a:pPr algn="ctr">
+              <a:spcAft>
+                <a:spcPts val="800"/>
+              </a:spcAft>
+            </a:pPr>
+            <a:r>
+              <a:rPr lang="de-DE" sz="2800" b="1" dirty="0">
                 <a:solidFill>
                   <a:srgbClr val="001F47"/>
                 </a:solidFill>
               </a:rPr>
-              <a:t>Fußzeile Calibri 10 </a:t>
-            </a:r>
-            <a:r>
-              <a:rPr lang="de-DE" sz="1000" dirty="0" err="1" smtClean="0">
-                <a:solidFill>
-                  <a:srgbClr val="001F47"/>
-                </a:solidFill>
-              </a:rPr>
-              <a:t>pt</a:t>
-            </a:r>
-            <a:r>
-              <a:rPr lang="de-DE" sz="1000" dirty="0" smtClean="0">
-                <a:solidFill>
-                  <a:srgbClr val="001F47"/>
-                </a:solidFill>
-              </a:rPr>
-              <a:t>, Ausrichtung rechts, Zeilenabstand einfach, Schriftfarbe: RGB 0/31/71</a:t>
-            </a:r>
-            <a:endParaRPr lang="de-DE" sz="1000" dirty="0">
-              <a:solidFill>
-                <a:srgbClr val="001F47"/>
-              </a:solidFill>
-            </a:endParaRPr>
+              <a:t>Fragen?</a:t>
+            </a:r>
           </a:p>
         </p:txBody>
       </p:sp>
     </p:spTree>
     <p:extLst>
       <p:ext uri="{BB962C8B-B14F-4D97-AF65-F5344CB8AC3E}">
-        <p14:creationId xmlns:p14="http://schemas.microsoft.com/office/powerpoint/2010/main" xmlns="" val="2040157117"/>
+        <p14:creationId xmlns:p14="http://schemas.microsoft.com/office/powerpoint/2010/main" val="1806255053"/>
       </p:ext>
     </p:extLst>
   </p:cSld>
   <p:clrMapOvr>
     <a:masterClrMapping/>
   </p:clrMapOvr>
-  <p:timing>
-    <p:tnLst>
-      <p:par>
-        <p:cTn id="1" dur="indefinite" restart="never" nodeType="tmRoot"/>
-      </p:par>
-    </p:tnLst>
-  </p:timing>
 </p:sld>
 </file>
 
@@ -1933,7 +7922,7 @@
         </p:nvSpPr>
         <p:spPr>
           <a:xfrm>
-            <a:off x="252000" y="1170000"/>
+            <a:off x="1776000" y="1170000"/>
             <a:ext cx="8640000" cy="5508000"/>
           </a:xfrm>
           <a:prstGeom prst="rect">
@@ -1953,7 +7942,7 @@
               </a:spcAft>
             </a:pPr>
             <a:r>
-              <a:rPr lang="de-DE" sz="2800" b="1" dirty="0" smtClean="0">
+              <a:rPr lang="de-DE" sz="2800" b="1" dirty="0">
                 <a:solidFill>
                   <a:srgbClr val="001F47"/>
                 </a:solidFill>
@@ -1977,7 +7966,7 @@
               </a:tabLst>
             </a:pPr>
             <a:r>
-              <a:rPr lang="de-DE" sz="2000" dirty="0" smtClean="0">
+              <a:rPr lang="de-DE" sz="2000" dirty="0">
                 <a:solidFill>
                   <a:srgbClr val="001F47"/>
                 </a:solidFill>
@@ -1985,7 +7974,7 @@
               <a:t>Composer (PHP Paketmanager / </a:t>
             </a:r>
             <a:r>
-              <a:rPr lang="de-DE" sz="2000" dirty="0" err="1" smtClean="0">
+              <a:rPr lang="de-DE" sz="2000" dirty="0" err="1">
                 <a:solidFill>
                   <a:srgbClr val="001F47"/>
                 </a:solidFill>
@@ -1993,7 +7982,7 @@
               <a:t>Classloader</a:t>
             </a:r>
             <a:r>
-              <a:rPr lang="de-DE" sz="2000" dirty="0" smtClean="0">
+              <a:rPr lang="de-DE" sz="2000" dirty="0">
                 <a:solidFill>
                   <a:srgbClr val="001F47"/>
                 </a:solidFill>
@@ -2017,7 +8006,7 @@
               </a:tabLst>
             </a:pPr>
             <a:r>
-              <a:rPr lang="de-DE" sz="2000" dirty="0" err="1" smtClean="0">
+              <a:rPr lang="de-DE" sz="2000" dirty="0" err="1">
                 <a:solidFill>
                   <a:srgbClr val="001F47"/>
                 </a:solidFill>
@@ -2025,7 +8014,7 @@
               <a:t>Laravel</a:t>
             </a:r>
             <a:r>
-              <a:rPr lang="de-DE" sz="2000" dirty="0" smtClean="0">
+              <a:rPr lang="de-DE" sz="2000" dirty="0">
                 <a:solidFill>
                   <a:srgbClr val="001F47"/>
                 </a:solidFill>
@@ -2049,7 +8038,7 @@
               </a:tabLst>
             </a:pPr>
             <a:r>
-              <a:rPr lang="de-DE" sz="2000" dirty="0" smtClean="0">
+              <a:rPr lang="de-DE" sz="2000" dirty="0">
                 <a:solidFill>
                   <a:srgbClr val="001F47"/>
                 </a:solidFill>
@@ -2073,7 +8062,7 @@
               </a:tabLst>
             </a:pPr>
             <a:r>
-              <a:rPr lang="de-DE" sz="2000" dirty="0" smtClean="0">
+              <a:rPr lang="de-DE" sz="2000" dirty="0">
                 <a:solidFill>
                   <a:srgbClr val="001F47"/>
                 </a:solidFill>
@@ -2097,14 +8086,14 @@
               </a:tabLst>
             </a:pPr>
             <a:r>
-              <a:rPr lang="de-DE" sz="2000" dirty="0" err="1" smtClean="0">
+              <a:rPr lang="de-DE" sz="2000" dirty="0" err="1">
                 <a:solidFill>
                   <a:srgbClr val="001F47"/>
                 </a:solidFill>
               </a:rPr>
               <a:t>Git</a:t>
             </a:r>
-            <a:endParaRPr lang="de-DE" sz="2000" dirty="0" smtClean="0">
+            <a:endParaRPr lang="de-DE" sz="2000" dirty="0">
               <a:solidFill>
                 <a:srgbClr val="001F47"/>
               </a:solidFill>
@@ -2125,7 +8114,7 @@
                 <a:tab pos="288000" algn="l"/>
               </a:tabLst>
             </a:pPr>
-            <a:endParaRPr lang="de-DE" sz="2000" dirty="0" smtClean="0">
+            <a:endParaRPr lang="de-DE" sz="2000" dirty="0">
               <a:solidFill>
                 <a:srgbClr val="001F47"/>
               </a:solidFill>
@@ -2146,7 +8135,7 @@
                 <a:tab pos="288000" algn="l"/>
               </a:tabLst>
             </a:pPr>
-            <a:endParaRPr lang="de-DE" sz="2000" dirty="0" smtClean="0">
+            <a:endParaRPr lang="de-DE" sz="2000" dirty="0">
               <a:solidFill>
                 <a:srgbClr val="001F47"/>
               </a:solidFill>
@@ -2167,7 +8156,7 @@
                 <a:tab pos="288000" algn="l"/>
               </a:tabLst>
             </a:pPr>
-            <a:endParaRPr lang="de-DE" sz="2000" dirty="0" smtClean="0">
+            <a:endParaRPr lang="de-DE" sz="2000" dirty="0">
               <a:solidFill>
                 <a:srgbClr val="001F47"/>
               </a:solidFill>
@@ -2183,7 +8172,7 @@
         </p:nvSpPr>
         <p:spPr>
           <a:xfrm>
-            <a:off x="3802380" y="6433245"/>
+            <a:off x="5326380" y="6433245"/>
             <a:ext cx="5006340" cy="153888"/>
           </a:xfrm>
           <a:prstGeom prst="rect">
@@ -2199,7 +8188,7 @@
           <a:p>
             <a:pPr algn="r"/>
             <a:r>
-              <a:rPr lang="de-DE" sz="1000" dirty="0" smtClean="0">
+              <a:rPr lang="de-DE" sz="1000" dirty="0">
                 <a:solidFill>
                   <a:srgbClr val="001F47"/>
                 </a:solidFill>
@@ -2207,7 +8196,7 @@
               <a:t>Fußzeile Calibri 10 </a:t>
             </a:r>
             <a:r>
-              <a:rPr lang="de-DE" sz="1000" dirty="0" err="1" smtClean="0">
+              <a:rPr lang="de-DE" sz="1000" dirty="0" err="1">
                 <a:solidFill>
                   <a:srgbClr val="001F47"/>
                 </a:solidFill>
@@ -2215,38 +8204,26 @@
               <a:t>pt</a:t>
             </a:r>
             <a:r>
-              <a:rPr lang="de-DE" sz="1000" dirty="0" smtClean="0">
+              <a:rPr lang="de-DE" sz="1000" dirty="0">
                 <a:solidFill>
                   <a:srgbClr val="001F47"/>
                 </a:solidFill>
               </a:rPr>
               <a:t>, </a:t>
             </a:r>
-            <a:endParaRPr lang="de-DE" sz="1000" dirty="0">
-              <a:solidFill>
-                <a:srgbClr val="001F47"/>
-              </a:solidFill>
-            </a:endParaRPr>
           </a:p>
         </p:txBody>
       </p:sp>
     </p:spTree>
     <p:extLst>
       <p:ext uri="{BB962C8B-B14F-4D97-AF65-F5344CB8AC3E}">
-        <p14:creationId xmlns:p14="http://schemas.microsoft.com/office/powerpoint/2010/main" xmlns="" val="2040157117"/>
+        <p14:creationId xmlns:p14="http://schemas.microsoft.com/office/powerpoint/2010/main" val="2040157117"/>
       </p:ext>
     </p:extLst>
   </p:cSld>
   <p:clrMapOvr>
     <a:masterClrMapping/>
   </p:clrMapOvr>
-  <p:timing>
-    <p:tnLst>
-      <p:par>
-        <p:cTn id="1" dur="indefinite" restart="never" nodeType="tmRoot"/>
-      </p:par>
-    </p:tnLst>
-  </p:timing>
 </p:sld>
 </file>
 
@@ -2275,7 +8252,7 @@
         </p:nvSpPr>
         <p:spPr>
           <a:xfrm>
-            <a:off x="252000" y="1170000"/>
+            <a:off x="1776000" y="1170000"/>
             <a:ext cx="8640000" cy="5508000"/>
           </a:xfrm>
           <a:prstGeom prst="rect">
@@ -2295,7 +8272,7 @@
               </a:spcAft>
             </a:pPr>
             <a:r>
-              <a:rPr lang="de-DE" sz="2800" b="1" dirty="0" smtClean="0">
+              <a:rPr lang="de-DE" sz="2800" b="1" dirty="0">
                 <a:solidFill>
                   <a:srgbClr val="001F47"/>
                 </a:solidFill>
@@ -2321,8 +8298,8 @@
         </p:blipFill>
         <p:spPr>
           <a:xfrm>
-            <a:off x="345121" y="2281954"/>
-            <a:ext cx="8418553" cy="3181865"/>
+            <a:off x="483729" y="2092485"/>
+            <a:ext cx="11224542" cy="4242413"/>
           </a:xfrm>
           <a:prstGeom prst="rect">
             <a:avLst/>
@@ -2332,20 +8309,13 @@
     </p:spTree>
     <p:extLst>
       <p:ext uri="{BB962C8B-B14F-4D97-AF65-F5344CB8AC3E}">
-        <p14:creationId xmlns:p14="http://schemas.microsoft.com/office/powerpoint/2010/main" xmlns="" val="2040157117"/>
+        <p14:creationId xmlns:p14="http://schemas.microsoft.com/office/powerpoint/2010/main" val="2040157117"/>
       </p:ext>
     </p:extLst>
   </p:cSld>
   <p:clrMapOvr>
     <a:masterClrMapping/>
   </p:clrMapOvr>
-  <p:timing>
-    <p:tnLst>
-      <p:par>
-        <p:cTn id="1" dur="indefinite" restart="never" nodeType="tmRoot"/>
-      </p:par>
-    </p:tnLst>
-  </p:timing>
 </p:sld>
 </file>
 
@@ -2374,7 +8344,7 @@
         </p:nvSpPr>
         <p:spPr>
           <a:xfrm>
-            <a:off x="252000" y="1170000"/>
+            <a:off x="1776000" y="1170000"/>
             <a:ext cx="8640000" cy="5508000"/>
           </a:xfrm>
           <a:prstGeom prst="rect">
@@ -2400,7 +8370,7 @@
                 <a:tab pos="288000" algn="l"/>
               </a:tabLst>
             </a:pPr>
-            <a:endParaRPr lang="de-DE" sz="2000" dirty="0" smtClean="0">
+            <a:endParaRPr lang="de-DE" sz="2000" dirty="0">
               <a:solidFill>
                 <a:srgbClr val="001F47"/>
               </a:solidFill>
@@ -2424,8 +8394,8 @@
         </p:blipFill>
         <p:spPr>
           <a:xfrm>
-            <a:off x="2099756" y="1332222"/>
-            <a:ext cx="5057775" cy="5018943"/>
+            <a:off x="3096535" y="1196773"/>
+            <a:ext cx="5487292" cy="5445162"/>
           </a:xfrm>
           <a:prstGeom prst="rect">
             <a:avLst/>
@@ -2435,20 +8405,13 @@
     </p:spTree>
     <p:extLst>
       <p:ext uri="{BB962C8B-B14F-4D97-AF65-F5344CB8AC3E}">
-        <p14:creationId xmlns:p14="http://schemas.microsoft.com/office/powerpoint/2010/main" xmlns="" val="2040157117"/>
+        <p14:creationId xmlns:p14="http://schemas.microsoft.com/office/powerpoint/2010/main" val="2040157117"/>
       </p:ext>
     </p:extLst>
   </p:cSld>
   <p:clrMapOvr>
     <a:masterClrMapping/>
   </p:clrMapOvr>
-  <p:timing>
-    <p:tnLst>
-      <p:par>
-        <p:cTn id="1" dur="indefinite" restart="never" nodeType="tmRoot"/>
-      </p:par>
-    </p:tnLst>
-  </p:timing>
 </p:sld>
 </file>
 
@@ -2477,7 +8440,7 @@
         </p:nvSpPr>
         <p:spPr>
           <a:xfrm>
-            <a:off x="252000" y="1170000"/>
+            <a:off x="1776000" y="1170000"/>
             <a:ext cx="8640000" cy="5508000"/>
           </a:xfrm>
           <a:prstGeom prst="rect">
@@ -2503,7 +8466,7 @@
                 <a:tab pos="288000" algn="l"/>
               </a:tabLst>
             </a:pPr>
-            <a:endParaRPr lang="de-DE" sz="2000" dirty="0" smtClean="0">
+            <a:endParaRPr lang="de-DE" sz="2000" dirty="0">
               <a:solidFill>
                 <a:srgbClr val="001F47"/>
               </a:solidFill>
@@ -2527,8 +8490,8 @@
         </p:blipFill>
         <p:spPr>
           <a:xfrm>
-            <a:off x="471420" y="1751702"/>
-            <a:ext cx="8334510" cy="3807526"/>
+            <a:off x="487895" y="1323333"/>
+            <a:ext cx="11258613" cy="5143369"/>
           </a:xfrm>
           <a:prstGeom prst="rect">
             <a:avLst/>
@@ -2538,20 +8501,13 @@
     </p:spTree>
     <p:extLst>
       <p:ext uri="{BB962C8B-B14F-4D97-AF65-F5344CB8AC3E}">
-        <p14:creationId xmlns:p14="http://schemas.microsoft.com/office/powerpoint/2010/main" xmlns="" val="2040157117"/>
+        <p14:creationId xmlns:p14="http://schemas.microsoft.com/office/powerpoint/2010/main" val="2040157117"/>
       </p:ext>
     </p:extLst>
   </p:cSld>
   <p:clrMapOvr>
     <a:masterClrMapping/>
   </p:clrMapOvr>
-  <p:timing>
-    <p:tnLst>
-      <p:par>
-        <p:cTn id="1" dur="indefinite" restart="never" nodeType="tmRoot"/>
-      </p:par>
-    </p:tnLst>
-  </p:timing>
 </p:sld>
 </file>
 
@@ -2580,7 +8536,7 @@
         </p:nvSpPr>
         <p:spPr>
           <a:xfrm>
-            <a:off x="252000" y="1170000"/>
+            <a:off x="1776000" y="1170000"/>
             <a:ext cx="8640000" cy="5508000"/>
           </a:xfrm>
           <a:prstGeom prst="rect">
@@ -2606,7 +8562,7 @@
                 <a:tab pos="288000" algn="l"/>
               </a:tabLst>
             </a:pPr>
-            <a:endParaRPr lang="de-DE" sz="2000" dirty="0" smtClean="0">
+            <a:endParaRPr lang="de-DE" sz="2000" dirty="0">
               <a:solidFill>
                 <a:srgbClr val="001F47"/>
               </a:solidFill>
@@ -2630,8 +8586,8 @@
         </p:blipFill>
         <p:spPr>
           <a:xfrm>
-            <a:off x="270955" y="2822453"/>
-            <a:ext cx="5057775" cy="242047"/>
+            <a:off x="363349" y="2682411"/>
+            <a:ext cx="5917931" cy="283211"/>
           </a:xfrm>
           <a:prstGeom prst="rect">
             <a:avLst/>
@@ -2654,8 +8610,8 @@
         </p:blipFill>
         <p:spPr>
           <a:xfrm>
-            <a:off x="277421" y="3112418"/>
-            <a:ext cx="8584391" cy="1014519"/>
+            <a:off x="384514" y="3145370"/>
+            <a:ext cx="11444137" cy="1352489"/>
           </a:xfrm>
           <a:prstGeom prst="rect">
             <a:avLst/>
@@ -2665,20 +8621,13 @@
     </p:spTree>
     <p:extLst>
       <p:ext uri="{BB962C8B-B14F-4D97-AF65-F5344CB8AC3E}">
-        <p14:creationId xmlns:p14="http://schemas.microsoft.com/office/powerpoint/2010/main" xmlns="" val="2040157117"/>
+        <p14:creationId xmlns:p14="http://schemas.microsoft.com/office/powerpoint/2010/main" val="2040157117"/>
       </p:ext>
     </p:extLst>
   </p:cSld>
   <p:clrMapOvr>
     <a:masterClrMapping/>
   </p:clrMapOvr>
-  <p:timing>
-    <p:tnLst>
-      <p:par>
-        <p:cTn id="1" dur="indefinite" restart="never" nodeType="tmRoot"/>
-      </p:par>
-    </p:tnLst>
-  </p:timing>
 </p:sld>
 </file>
 
@@ -2707,7 +8656,7 @@
         </p:nvSpPr>
         <p:spPr>
           <a:xfrm>
-            <a:off x="252000" y="1170000"/>
+            <a:off x="1776000" y="1170000"/>
             <a:ext cx="8640000" cy="5508000"/>
           </a:xfrm>
           <a:prstGeom prst="rect">
@@ -2733,7 +8682,7 @@
                 <a:tab pos="288000" algn="l"/>
               </a:tabLst>
             </a:pPr>
-            <a:endParaRPr lang="de-DE" sz="2000" dirty="0" smtClean="0">
+            <a:endParaRPr lang="de-DE" sz="2000" dirty="0">
               <a:solidFill>
                 <a:srgbClr val="001F47"/>
               </a:solidFill>
@@ -2757,7 +8706,7 @@
         </p:blipFill>
         <p:spPr>
           <a:xfrm>
-            <a:off x="2115940" y="3062613"/>
+            <a:off x="3639941" y="3062614"/>
             <a:ext cx="5057775" cy="1558161"/>
           </a:xfrm>
           <a:prstGeom prst="rect">
@@ -2768,20 +8717,13 @@
     </p:spTree>
     <p:extLst>
       <p:ext uri="{BB962C8B-B14F-4D97-AF65-F5344CB8AC3E}">
-        <p14:creationId xmlns:p14="http://schemas.microsoft.com/office/powerpoint/2010/main" xmlns="" val="2040157117"/>
+        <p14:creationId xmlns:p14="http://schemas.microsoft.com/office/powerpoint/2010/main" val="2040157117"/>
       </p:ext>
     </p:extLst>
   </p:cSld>
   <p:clrMapOvr>
     <a:masterClrMapping/>
   </p:clrMapOvr>
-  <p:timing>
-    <p:tnLst>
-      <p:par>
-        <p:cTn id="1" dur="indefinite" restart="never" nodeType="tmRoot"/>
-      </p:par>
-    </p:tnLst>
-  </p:timing>
 </p:sld>
 </file>
 
@@ -2810,7 +8752,7 @@
         </p:nvSpPr>
         <p:spPr>
           <a:xfrm>
-            <a:off x="252000" y="1170000"/>
+            <a:off x="1776000" y="1170000"/>
             <a:ext cx="8640000" cy="5508000"/>
           </a:xfrm>
           <a:prstGeom prst="rect">
@@ -2836,7 +8778,7 @@
                 <a:tab pos="288000" algn="l"/>
               </a:tabLst>
             </a:pPr>
-            <a:endParaRPr lang="de-DE" sz="2000" dirty="0" smtClean="0">
+            <a:endParaRPr lang="de-DE" sz="2000" dirty="0">
               <a:solidFill>
                 <a:srgbClr val="001F47"/>
               </a:solidFill>
@@ -2860,7 +8802,7 @@
         </p:blipFill>
         <p:spPr>
           <a:xfrm>
-            <a:off x="1404792" y="2625643"/>
+            <a:off x="2928793" y="2625643"/>
             <a:ext cx="6767777" cy="2140566"/>
           </a:xfrm>
           <a:prstGeom prst="rect">
@@ -2871,20 +8813,13 @@
     </p:spTree>
     <p:extLst>
       <p:ext uri="{BB962C8B-B14F-4D97-AF65-F5344CB8AC3E}">
-        <p14:creationId xmlns:p14="http://schemas.microsoft.com/office/powerpoint/2010/main" xmlns="" val="2040157117"/>
+        <p14:creationId xmlns:p14="http://schemas.microsoft.com/office/powerpoint/2010/main" val="2040157117"/>
       </p:ext>
     </p:extLst>
   </p:cSld>
   <p:clrMapOvr>
     <a:masterClrMapping/>
   </p:clrMapOvr>
-  <p:timing>
-    <p:tnLst>
-      <p:par>
-        <p:cTn id="1" dur="indefinite" restart="never" nodeType="tmRoot"/>
-      </p:par>
-    </p:tnLst>
-  </p:timing>
 </p:sld>
 </file>
 
@@ -2913,7 +8848,7 @@
         </p:nvSpPr>
         <p:spPr>
           <a:xfrm>
-            <a:off x="252000" y="1170000"/>
+            <a:off x="1776000" y="1170000"/>
             <a:ext cx="8640000" cy="5508000"/>
           </a:xfrm>
           <a:prstGeom prst="rect">
@@ -2939,7 +8874,7 @@
                 <a:tab pos="288000" algn="l"/>
               </a:tabLst>
             </a:pPr>
-            <a:endParaRPr lang="de-DE" sz="2000" dirty="0" smtClean="0">
+            <a:endParaRPr lang="de-DE" sz="2000" dirty="0">
               <a:solidFill>
                 <a:srgbClr val="001F47"/>
               </a:solidFill>
@@ -2963,8 +8898,8 @@
         </p:blipFill>
         <p:spPr>
           <a:xfrm>
-            <a:off x="669616" y="1330916"/>
-            <a:ext cx="7940310" cy="5303394"/>
+            <a:off x="1229789" y="1177455"/>
+            <a:ext cx="8235486" cy="5500545"/>
           </a:xfrm>
           <a:prstGeom prst="rect">
             <a:avLst/>
@@ -2974,20 +8909,13 @@
     </p:spTree>
     <p:extLst>
       <p:ext uri="{BB962C8B-B14F-4D97-AF65-F5344CB8AC3E}">
-        <p14:creationId xmlns:p14="http://schemas.microsoft.com/office/powerpoint/2010/main" xmlns="" val="2040157117"/>
+        <p14:creationId xmlns:p14="http://schemas.microsoft.com/office/powerpoint/2010/main" val="2040157117"/>
       </p:ext>
     </p:extLst>
   </p:cSld>
   <p:clrMapOvr>
     <a:masterClrMapping/>
   </p:clrMapOvr>
-  <p:timing>
-    <p:tnLst>
-      <p:par>
-        <p:cTn id="1" dur="indefinite" restart="never" nodeType="tmRoot"/>
-      </p:par>
-    </p:tnLst>
-  </p:timing>
 </p:sld>
 </file>
 
@@ -3246,7 +9174,7 @@
   <a:extraClrSchemeLst/>
   <a:extLst>
     <a:ext uri="{05A4C25C-085E-4340-85A3-A5531E510DB2}">
-      <thm15:themeFamily xmlns="" xmlns:thm15="http://schemas.microsoft.com/office/thememl/2012/main" name="Office Theme" id="{62F939B6-93AF-4DB8-9C6B-D6C7DFDC589F}" vid="{4A3C46E8-61CC-4603-A589-7422A47A8E4A}"/>
+      <thm15:themeFamily xmlns:thm15="http://schemas.microsoft.com/office/thememl/2012/main" name="Office Theme" id="{62F939B6-93AF-4DB8-9C6B-D6C7DFDC589F}" vid="{4A3C46E8-61CC-4603-A589-7422A47A8E4A}"/>
     </a:ext>
   </a:extLst>
 </a:theme>
@@ -3507,7 +9435,529 @@
   <a:extraClrSchemeLst/>
   <a:extLst>
     <a:ext uri="{05A4C25C-085E-4340-85A3-A5531E510DB2}">
-      <thm15:themeFamily xmlns="" xmlns:thm15="http://schemas.microsoft.com/office/thememl/2012/main" name="Office Theme" id="{62F939B6-93AF-4DB8-9C6B-D6C7DFDC589F}" vid="{4A3C46E8-61CC-4603-A589-7422A47A8E4A}"/>
+      <thm15:themeFamily xmlns:thm15="http://schemas.microsoft.com/office/thememl/2012/main" name="Office Theme" id="{62F939B6-93AF-4DB8-9C6B-D6C7DFDC589F}" vid="{4A3C46E8-61CC-4603-A589-7422A47A8E4A}"/>
+    </a:ext>
+  </a:extLst>
+</a:theme>
+</file>
+
+<file path=ppt/theme/theme3.xml><?xml version="1.0" encoding="utf-8"?>
+<a:theme xmlns:a="http://schemas.openxmlformats.org/drawingml/2006/main" name="1_Vorlage Titelfolie">
+  <a:themeElements>
+    <a:clrScheme name="Office">
+      <a:dk1>
+        <a:sysClr val="windowText" lastClr="000000"/>
+      </a:dk1>
+      <a:lt1>
+        <a:sysClr val="window" lastClr="FFFFFF"/>
+      </a:lt1>
+      <a:dk2>
+        <a:srgbClr val="44546A"/>
+      </a:dk2>
+      <a:lt2>
+        <a:srgbClr val="E7E6E6"/>
+      </a:lt2>
+      <a:accent1>
+        <a:srgbClr val="4472C4"/>
+      </a:accent1>
+      <a:accent2>
+        <a:srgbClr val="ED7D31"/>
+      </a:accent2>
+      <a:accent3>
+        <a:srgbClr val="A5A5A5"/>
+      </a:accent3>
+      <a:accent4>
+        <a:srgbClr val="FFC000"/>
+      </a:accent4>
+      <a:accent5>
+        <a:srgbClr val="5B9BD5"/>
+      </a:accent5>
+      <a:accent6>
+        <a:srgbClr val="70AD47"/>
+      </a:accent6>
+      <a:hlink>
+        <a:srgbClr val="0563C1"/>
+      </a:hlink>
+      <a:folHlink>
+        <a:srgbClr val="954F72"/>
+      </a:folHlink>
+    </a:clrScheme>
+    <a:fontScheme name="Office">
+      <a:majorFont>
+        <a:latin typeface="Calibri Light" panose="020F0302020204030204"/>
+        <a:ea typeface=""/>
+        <a:cs typeface=""/>
+        <a:font script="Jpan" typeface="游ゴシック Light"/>
+        <a:font script="Hang" typeface="맑은 고딕"/>
+        <a:font script="Hans" typeface="等线 Light"/>
+        <a:font script="Hant" typeface="新細明體"/>
+        <a:font script="Arab" typeface="Times New Roman"/>
+        <a:font script="Hebr" typeface="Times New Roman"/>
+        <a:font script="Thai" typeface="Angsana New"/>
+        <a:font script="Ethi" typeface="Nyala"/>
+        <a:font script="Beng" typeface="Vrinda"/>
+        <a:font script="Gujr" typeface="Shruti"/>
+        <a:font script="Khmr" typeface="MoolBoran"/>
+        <a:font script="Knda" typeface="Tunga"/>
+        <a:font script="Guru" typeface="Raavi"/>
+        <a:font script="Cans" typeface="Euphemia"/>
+        <a:font script="Cher" typeface="Plantagenet Cherokee"/>
+        <a:font script="Yiii" typeface="Microsoft Yi Baiti"/>
+        <a:font script="Tibt" typeface="Microsoft Himalaya"/>
+        <a:font script="Thaa" typeface="MV Boli"/>
+        <a:font script="Deva" typeface="Mangal"/>
+        <a:font script="Telu" typeface="Gautami"/>
+        <a:font script="Taml" typeface="Latha"/>
+        <a:font script="Syrc" typeface="Estrangelo Edessa"/>
+        <a:font script="Orya" typeface="Kalinga"/>
+        <a:font script="Mlym" typeface="Kartika"/>
+        <a:font script="Laoo" typeface="DokChampa"/>
+        <a:font script="Sinh" typeface="Iskoola Pota"/>
+        <a:font script="Mong" typeface="Mongolian Baiti"/>
+        <a:font script="Viet" typeface="Times New Roman"/>
+        <a:font script="Uigh" typeface="Microsoft Uighur"/>
+        <a:font script="Geor" typeface="Sylfaen"/>
+      </a:majorFont>
+      <a:minorFont>
+        <a:latin typeface="Calibri" panose="020F0502020204030204"/>
+        <a:ea typeface=""/>
+        <a:cs typeface=""/>
+        <a:font script="Jpan" typeface="游ゴシック"/>
+        <a:font script="Hang" typeface="맑은 고딕"/>
+        <a:font script="Hans" typeface="等线"/>
+        <a:font script="Hant" typeface="新細明體"/>
+        <a:font script="Arab" typeface="Arial"/>
+        <a:font script="Hebr" typeface="Arial"/>
+        <a:font script="Thai" typeface="Cordia New"/>
+        <a:font script="Ethi" typeface="Nyala"/>
+        <a:font script="Beng" typeface="Vrinda"/>
+        <a:font script="Gujr" typeface="Shruti"/>
+        <a:font script="Khmr" typeface="DaunPenh"/>
+        <a:font script="Knda" typeface="Tunga"/>
+        <a:font script="Guru" typeface="Raavi"/>
+        <a:font script="Cans" typeface="Euphemia"/>
+        <a:font script="Cher" typeface="Plantagenet Cherokee"/>
+        <a:font script="Yiii" typeface="Microsoft Yi Baiti"/>
+        <a:font script="Tibt" typeface="Microsoft Himalaya"/>
+        <a:font script="Thaa" typeface="MV Boli"/>
+        <a:font script="Deva" typeface="Mangal"/>
+        <a:font script="Telu" typeface="Gautami"/>
+        <a:font script="Taml" typeface="Latha"/>
+        <a:font script="Syrc" typeface="Estrangelo Edessa"/>
+        <a:font script="Orya" typeface="Kalinga"/>
+        <a:font script="Mlym" typeface="Kartika"/>
+        <a:font script="Laoo" typeface="DokChampa"/>
+        <a:font script="Sinh" typeface="Iskoola Pota"/>
+        <a:font script="Mong" typeface="Mongolian Baiti"/>
+        <a:font script="Viet" typeface="Arial"/>
+        <a:font script="Uigh" typeface="Microsoft Uighur"/>
+        <a:font script="Geor" typeface="Sylfaen"/>
+      </a:minorFont>
+    </a:fontScheme>
+    <a:fmtScheme name="Office">
+      <a:fillStyleLst>
+        <a:solidFill>
+          <a:schemeClr val="phClr"/>
+        </a:solidFill>
+        <a:gradFill rotWithShape="1">
+          <a:gsLst>
+            <a:gs pos="0">
+              <a:schemeClr val="phClr">
+                <a:lumMod val="110000"/>
+                <a:satMod val="105000"/>
+                <a:tint val="67000"/>
+              </a:schemeClr>
+            </a:gs>
+            <a:gs pos="50000">
+              <a:schemeClr val="phClr">
+                <a:lumMod val="105000"/>
+                <a:satMod val="103000"/>
+                <a:tint val="73000"/>
+              </a:schemeClr>
+            </a:gs>
+            <a:gs pos="100000">
+              <a:schemeClr val="phClr">
+                <a:lumMod val="105000"/>
+                <a:satMod val="109000"/>
+                <a:tint val="81000"/>
+              </a:schemeClr>
+            </a:gs>
+          </a:gsLst>
+          <a:lin ang="5400000" scaled="0"/>
+        </a:gradFill>
+        <a:gradFill rotWithShape="1">
+          <a:gsLst>
+            <a:gs pos="0">
+              <a:schemeClr val="phClr">
+                <a:satMod val="103000"/>
+                <a:lumMod val="102000"/>
+                <a:tint val="94000"/>
+              </a:schemeClr>
+            </a:gs>
+            <a:gs pos="50000">
+              <a:schemeClr val="phClr">
+                <a:satMod val="110000"/>
+                <a:lumMod val="100000"/>
+                <a:shade val="100000"/>
+              </a:schemeClr>
+            </a:gs>
+            <a:gs pos="100000">
+              <a:schemeClr val="phClr">
+                <a:lumMod val="99000"/>
+                <a:satMod val="120000"/>
+                <a:shade val="78000"/>
+              </a:schemeClr>
+            </a:gs>
+          </a:gsLst>
+          <a:lin ang="5400000" scaled="0"/>
+        </a:gradFill>
+      </a:fillStyleLst>
+      <a:lnStyleLst>
+        <a:ln w="6350" cap="flat" cmpd="sng" algn="ctr">
+          <a:solidFill>
+            <a:schemeClr val="phClr"/>
+          </a:solidFill>
+          <a:prstDash val="solid"/>
+          <a:miter lim="800000"/>
+        </a:ln>
+        <a:ln w="12700" cap="flat" cmpd="sng" algn="ctr">
+          <a:solidFill>
+            <a:schemeClr val="phClr"/>
+          </a:solidFill>
+          <a:prstDash val="solid"/>
+          <a:miter lim="800000"/>
+        </a:ln>
+        <a:ln w="19050" cap="flat" cmpd="sng" algn="ctr">
+          <a:solidFill>
+            <a:schemeClr val="phClr"/>
+          </a:solidFill>
+          <a:prstDash val="solid"/>
+          <a:miter lim="800000"/>
+        </a:ln>
+      </a:lnStyleLst>
+      <a:effectStyleLst>
+        <a:effectStyle>
+          <a:effectLst/>
+        </a:effectStyle>
+        <a:effectStyle>
+          <a:effectLst/>
+        </a:effectStyle>
+        <a:effectStyle>
+          <a:effectLst>
+            <a:outerShdw blurRad="57150" dist="19050" dir="5400000" algn="ctr" rotWithShape="0">
+              <a:srgbClr val="000000">
+                <a:alpha val="63000"/>
+              </a:srgbClr>
+            </a:outerShdw>
+          </a:effectLst>
+        </a:effectStyle>
+      </a:effectStyleLst>
+      <a:bgFillStyleLst>
+        <a:solidFill>
+          <a:schemeClr val="phClr"/>
+        </a:solidFill>
+        <a:solidFill>
+          <a:schemeClr val="phClr">
+            <a:tint val="95000"/>
+            <a:satMod val="170000"/>
+          </a:schemeClr>
+        </a:solidFill>
+        <a:gradFill rotWithShape="1">
+          <a:gsLst>
+            <a:gs pos="0">
+              <a:schemeClr val="phClr">
+                <a:tint val="93000"/>
+                <a:satMod val="150000"/>
+                <a:shade val="98000"/>
+                <a:lumMod val="102000"/>
+              </a:schemeClr>
+            </a:gs>
+            <a:gs pos="50000">
+              <a:schemeClr val="phClr">
+                <a:tint val="98000"/>
+                <a:satMod val="130000"/>
+                <a:shade val="90000"/>
+                <a:lumMod val="103000"/>
+              </a:schemeClr>
+            </a:gs>
+            <a:gs pos="100000">
+              <a:schemeClr val="phClr">
+                <a:shade val="63000"/>
+                <a:satMod val="120000"/>
+              </a:schemeClr>
+            </a:gs>
+          </a:gsLst>
+          <a:lin ang="5400000" scaled="0"/>
+        </a:gradFill>
+      </a:bgFillStyleLst>
+    </a:fmtScheme>
+  </a:themeElements>
+  <a:objectDefaults/>
+  <a:extraClrSchemeLst/>
+  <a:extLst>
+    <a:ext uri="{05A4C25C-085E-4340-85A3-A5531E510DB2}">
+      <thm15:themeFamily xmlns:thm15="http://schemas.microsoft.com/office/thememl/2012/main" name="Office Theme" id="{62F939B6-93AF-4DB8-9C6B-D6C7DFDC589F}" vid="{4A3C46E8-61CC-4603-A589-7422A47A8E4A}"/>
+    </a:ext>
+  </a:extLst>
+</a:theme>
+</file>
+
+<file path=ppt/theme/theme4.xml><?xml version="1.0" encoding="utf-8"?>
+<a:theme xmlns:a="http://schemas.openxmlformats.org/drawingml/2006/main" name="1_Vorlage Innenfolien">
+  <a:themeElements>
+    <a:clrScheme name="Office">
+      <a:dk1>
+        <a:sysClr val="windowText" lastClr="000000"/>
+      </a:dk1>
+      <a:lt1>
+        <a:sysClr val="window" lastClr="FFFFFF"/>
+      </a:lt1>
+      <a:dk2>
+        <a:srgbClr val="44546A"/>
+      </a:dk2>
+      <a:lt2>
+        <a:srgbClr val="E7E6E6"/>
+      </a:lt2>
+      <a:accent1>
+        <a:srgbClr val="4472C4"/>
+      </a:accent1>
+      <a:accent2>
+        <a:srgbClr val="ED7D31"/>
+      </a:accent2>
+      <a:accent3>
+        <a:srgbClr val="A5A5A5"/>
+      </a:accent3>
+      <a:accent4>
+        <a:srgbClr val="FFC000"/>
+      </a:accent4>
+      <a:accent5>
+        <a:srgbClr val="5B9BD5"/>
+      </a:accent5>
+      <a:accent6>
+        <a:srgbClr val="70AD47"/>
+      </a:accent6>
+      <a:hlink>
+        <a:srgbClr val="0563C1"/>
+      </a:hlink>
+      <a:folHlink>
+        <a:srgbClr val="954F72"/>
+      </a:folHlink>
+    </a:clrScheme>
+    <a:fontScheme name="Office">
+      <a:majorFont>
+        <a:latin typeface="Calibri Light" panose="020F0302020204030204"/>
+        <a:ea typeface=""/>
+        <a:cs typeface=""/>
+        <a:font script="Jpan" typeface="游ゴシック Light"/>
+        <a:font script="Hang" typeface="맑은 고딕"/>
+        <a:font script="Hans" typeface="等线 Light"/>
+        <a:font script="Hant" typeface="新細明體"/>
+        <a:font script="Arab" typeface="Times New Roman"/>
+        <a:font script="Hebr" typeface="Times New Roman"/>
+        <a:font script="Thai" typeface="Angsana New"/>
+        <a:font script="Ethi" typeface="Nyala"/>
+        <a:font script="Beng" typeface="Vrinda"/>
+        <a:font script="Gujr" typeface="Shruti"/>
+        <a:font script="Khmr" typeface="MoolBoran"/>
+        <a:font script="Knda" typeface="Tunga"/>
+        <a:font script="Guru" typeface="Raavi"/>
+        <a:font script="Cans" typeface="Euphemia"/>
+        <a:font script="Cher" typeface="Plantagenet Cherokee"/>
+        <a:font script="Yiii" typeface="Microsoft Yi Baiti"/>
+        <a:font script="Tibt" typeface="Microsoft Himalaya"/>
+        <a:font script="Thaa" typeface="MV Boli"/>
+        <a:font script="Deva" typeface="Mangal"/>
+        <a:font script="Telu" typeface="Gautami"/>
+        <a:font script="Taml" typeface="Latha"/>
+        <a:font script="Syrc" typeface="Estrangelo Edessa"/>
+        <a:font script="Orya" typeface="Kalinga"/>
+        <a:font script="Mlym" typeface="Kartika"/>
+        <a:font script="Laoo" typeface="DokChampa"/>
+        <a:font script="Sinh" typeface="Iskoola Pota"/>
+        <a:font script="Mong" typeface="Mongolian Baiti"/>
+        <a:font script="Viet" typeface="Times New Roman"/>
+        <a:font script="Uigh" typeface="Microsoft Uighur"/>
+        <a:font script="Geor" typeface="Sylfaen"/>
+      </a:majorFont>
+      <a:minorFont>
+        <a:latin typeface="Calibri" panose="020F0502020204030204"/>
+        <a:ea typeface=""/>
+        <a:cs typeface=""/>
+        <a:font script="Jpan" typeface="游ゴシック"/>
+        <a:font script="Hang" typeface="맑은 고딕"/>
+        <a:font script="Hans" typeface="等线"/>
+        <a:font script="Hant" typeface="新細明體"/>
+        <a:font script="Arab" typeface="Arial"/>
+        <a:font script="Hebr" typeface="Arial"/>
+        <a:font script="Thai" typeface="Cordia New"/>
+        <a:font script="Ethi" typeface="Nyala"/>
+        <a:font script="Beng" typeface="Vrinda"/>
+        <a:font script="Gujr" typeface="Shruti"/>
+        <a:font script="Khmr" typeface="DaunPenh"/>
+        <a:font script="Knda" typeface="Tunga"/>
+        <a:font script="Guru" typeface="Raavi"/>
+        <a:font script="Cans" typeface="Euphemia"/>
+        <a:font script="Cher" typeface="Plantagenet Cherokee"/>
+        <a:font script="Yiii" typeface="Microsoft Yi Baiti"/>
+        <a:font script="Tibt" typeface="Microsoft Himalaya"/>
+        <a:font script="Thaa" typeface="MV Boli"/>
+        <a:font script="Deva" typeface="Mangal"/>
+        <a:font script="Telu" typeface="Gautami"/>
+        <a:font script="Taml" typeface="Latha"/>
+        <a:font script="Syrc" typeface="Estrangelo Edessa"/>
+        <a:font script="Orya" typeface="Kalinga"/>
+        <a:font script="Mlym" typeface="Kartika"/>
+        <a:font script="Laoo" typeface="DokChampa"/>
+        <a:font script="Sinh" typeface="Iskoola Pota"/>
+        <a:font script="Mong" typeface="Mongolian Baiti"/>
+        <a:font script="Viet" typeface="Arial"/>
+        <a:font script="Uigh" typeface="Microsoft Uighur"/>
+        <a:font script="Geor" typeface="Sylfaen"/>
+      </a:minorFont>
+    </a:fontScheme>
+    <a:fmtScheme name="Office">
+      <a:fillStyleLst>
+        <a:solidFill>
+          <a:schemeClr val="phClr"/>
+        </a:solidFill>
+        <a:gradFill rotWithShape="1">
+          <a:gsLst>
+            <a:gs pos="0">
+              <a:schemeClr val="phClr">
+                <a:lumMod val="110000"/>
+                <a:satMod val="105000"/>
+                <a:tint val="67000"/>
+              </a:schemeClr>
+            </a:gs>
+            <a:gs pos="50000">
+              <a:schemeClr val="phClr">
+                <a:lumMod val="105000"/>
+                <a:satMod val="103000"/>
+                <a:tint val="73000"/>
+              </a:schemeClr>
+            </a:gs>
+            <a:gs pos="100000">
+              <a:schemeClr val="phClr">
+                <a:lumMod val="105000"/>
+                <a:satMod val="109000"/>
+                <a:tint val="81000"/>
+              </a:schemeClr>
+            </a:gs>
+          </a:gsLst>
+          <a:lin ang="5400000" scaled="0"/>
+        </a:gradFill>
+        <a:gradFill rotWithShape="1">
+          <a:gsLst>
+            <a:gs pos="0">
+              <a:schemeClr val="phClr">
+                <a:satMod val="103000"/>
+                <a:lumMod val="102000"/>
+                <a:tint val="94000"/>
+              </a:schemeClr>
+            </a:gs>
+            <a:gs pos="50000">
+              <a:schemeClr val="phClr">
+                <a:satMod val="110000"/>
+                <a:lumMod val="100000"/>
+                <a:shade val="100000"/>
+              </a:schemeClr>
+            </a:gs>
+            <a:gs pos="100000">
+              <a:schemeClr val="phClr">
+                <a:lumMod val="99000"/>
+                <a:satMod val="120000"/>
+                <a:shade val="78000"/>
+              </a:schemeClr>
+            </a:gs>
+          </a:gsLst>
+          <a:lin ang="5400000" scaled="0"/>
+        </a:gradFill>
+      </a:fillStyleLst>
+      <a:lnStyleLst>
+        <a:ln w="6350" cap="flat" cmpd="sng" algn="ctr">
+          <a:solidFill>
+            <a:schemeClr val="phClr"/>
+          </a:solidFill>
+          <a:prstDash val="solid"/>
+          <a:miter lim="800000"/>
+        </a:ln>
+        <a:ln w="12700" cap="flat" cmpd="sng" algn="ctr">
+          <a:solidFill>
+            <a:schemeClr val="phClr"/>
+          </a:solidFill>
+          <a:prstDash val="solid"/>
+          <a:miter lim="800000"/>
+        </a:ln>
+        <a:ln w="19050" cap="flat" cmpd="sng" algn="ctr">
+          <a:solidFill>
+            <a:schemeClr val="phClr"/>
+          </a:solidFill>
+          <a:prstDash val="solid"/>
+          <a:miter lim="800000"/>
+        </a:ln>
+      </a:lnStyleLst>
+      <a:effectStyleLst>
+        <a:effectStyle>
+          <a:effectLst/>
+        </a:effectStyle>
+        <a:effectStyle>
+          <a:effectLst/>
+        </a:effectStyle>
+        <a:effectStyle>
+          <a:effectLst>
+            <a:outerShdw blurRad="57150" dist="19050" dir="5400000" algn="ctr" rotWithShape="0">
+              <a:srgbClr val="000000">
+                <a:alpha val="63000"/>
+              </a:srgbClr>
+            </a:outerShdw>
+          </a:effectLst>
+        </a:effectStyle>
+      </a:effectStyleLst>
+      <a:bgFillStyleLst>
+        <a:solidFill>
+          <a:schemeClr val="phClr"/>
+        </a:solidFill>
+        <a:solidFill>
+          <a:schemeClr val="phClr">
+            <a:tint val="95000"/>
+            <a:satMod val="170000"/>
+          </a:schemeClr>
+        </a:solidFill>
+        <a:gradFill rotWithShape="1">
+          <a:gsLst>
+            <a:gs pos="0">
+              <a:schemeClr val="phClr">
+                <a:tint val="93000"/>
+                <a:satMod val="150000"/>
+                <a:shade val="98000"/>
+                <a:lumMod val="102000"/>
+              </a:schemeClr>
+            </a:gs>
+            <a:gs pos="50000">
+              <a:schemeClr val="phClr">
+                <a:tint val="98000"/>
+                <a:satMod val="130000"/>
+                <a:shade val="90000"/>
+                <a:lumMod val="103000"/>
+              </a:schemeClr>
+            </a:gs>
+            <a:gs pos="100000">
+              <a:schemeClr val="phClr">
+                <a:shade val="63000"/>
+                <a:satMod val="120000"/>
+              </a:schemeClr>
+            </a:gs>
+          </a:gsLst>
+          <a:lin ang="5400000" scaled="0"/>
+        </a:gradFill>
+      </a:bgFillStyleLst>
+    </a:fmtScheme>
+  </a:themeElements>
+  <a:objectDefaults/>
+  <a:extraClrSchemeLst/>
+  <a:extLst>
+    <a:ext uri="{05A4C25C-085E-4340-85A3-A5531E510DB2}">
+      <thm15:themeFamily xmlns:thm15="http://schemas.microsoft.com/office/thememl/2012/main" name="Office Theme" id="{62F939B6-93AF-4DB8-9C6B-D6C7DFDC589F}" vid="{4A3C46E8-61CC-4603-A589-7422A47A8E4A}"/>
     </a:ext>
   </a:extLst>
 </a:theme>
